--- a/Basic environment.pptx
+++ b/Basic environment.pptx
@@ -3,12 +3,26 @@
 <p:presentation xmlns:a="http://schemas.openxmlformats.org/drawingml/2006/main" xmlns:p="http://schemas.openxmlformats.org/presentationml/2006/main" xmlns:r="http://schemas.openxmlformats.org/officeDocument/2006/relationships">
   <p:sldMasterIdLst>
     <p:sldMasterId id="2147483648" r:id="rId2"/>
+    <p:sldMasterId id="2147483661" r:id="rId3"/>
   </p:sldMasterIdLst>
   <p:sldIdLst>
-    <p:sldId id="256" r:id="rId3"/>
-    <p:sldId id="257" r:id="rId4"/>
-    <p:sldId id="258" r:id="rId5"/>
-    <p:sldId id="259" r:id="rId6"/>
+    <p:sldId id="256" r:id="rId4"/>
+    <p:sldId id="257" r:id="rId5"/>
+    <p:sldId id="258" r:id="rId6"/>
+    <p:sldId id="259" r:id="rId7"/>
+    <p:sldId id="260" r:id="rId8"/>
+    <p:sldId id="261" r:id="rId9"/>
+    <p:sldId id="262" r:id="rId10"/>
+    <p:sldId id="263" r:id="rId11"/>
+    <p:sldId id="264" r:id="rId12"/>
+    <p:sldId id="265" r:id="rId13"/>
+    <p:sldId id="266" r:id="rId14"/>
+    <p:sldId id="267" r:id="rId15"/>
+    <p:sldId id="268" r:id="rId16"/>
+    <p:sldId id="269" r:id="rId17"/>
+    <p:sldId id="270" r:id="rId18"/>
+    <p:sldId id="271" r:id="rId19"/>
+    <p:sldId id="272" r:id="rId20"/>
   </p:sldIdLst>
   <p:sldSz cx="10080625" cy="7559675"/>
   <p:notesSz cx="7559675" cy="10691812"/>
@@ -56,7 +70,7 @@
       </p:grpSpPr>
       <p:sp>
         <p:nvSpPr>
-          <p:cNvPr id="26" name="PlaceHolder 1"/>
+          <p:cNvPr id="23" name="PlaceHolder 1"/>
           <p:cNvSpPr>
             <a:spLocks noGrp="1"/>
           </p:cNvSpPr>
@@ -67,7 +81,7 @@
         <p:spPr>
           <a:xfrm>
             <a:off x="504000" y="301320"/>
-            <a:ext cx="9071640" cy="1262520"/>
+            <a:ext cx="9071280" cy="1262520"/>
           </a:xfrm>
           <a:prstGeom prst="rect">
             <a:avLst/>
@@ -83,7 +97,7 @@
       </p:sp>
       <p:sp>
         <p:nvSpPr>
-          <p:cNvPr id="27" name="PlaceHolder 2"/>
+          <p:cNvPr id="24" name="PlaceHolder 2"/>
           <p:cNvSpPr>
             <a:spLocks noGrp="1"/>
           </p:cNvSpPr>
@@ -94,7 +108,7 @@
         <p:spPr>
           <a:xfrm>
             <a:off x="504000" y="1769040"/>
-            <a:ext cx="9071640" cy="2091240"/>
+            <a:ext cx="9071280" cy="2090880"/>
           </a:xfrm>
           <a:prstGeom prst="rect">
             <a:avLst/>
@@ -109,7 +123,7 @@
       </p:sp>
       <p:sp>
         <p:nvSpPr>
-          <p:cNvPr id="28" name="PlaceHolder 3"/>
+          <p:cNvPr id="25" name="PlaceHolder 3"/>
           <p:cNvSpPr>
             <a:spLocks noGrp="1"/>
           </p:cNvSpPr>
@@ -119,8 +133,8 @@
         </p:nvSpPr>
         <p:spPr>
           <a:xfrm>
-            <a:off x="504000" y="4059360"/>
-            <a:ext cx="9071640" cy="2091240"/>
+            <a:off x="504000" y="4059000"/>
+            <a:ext cx="9071280" cy="2090880"/>
           </a:xfrm>
           <a:prstGeom prst="rect">
             <a:avLst/>
@@ -157,7 +171,7 @@
       </p:grpSpPr>
       <p:sp>
         <p:nvSpPr>
-          <p:cNvPr id="29" name="PlaceHolder 1"/>
+          <p:cNvPr id="26" name="PlaceHolder 1"/>
           <p:cNvSpPr>
             <a:spLocks noGrp="1"/>
           </p:cNvSpPr>
@@ -168,7 +182,7 @@
         <p:spPr>
           <a:xfrm>
             <a:off x="504000" y="301320"/>
-            <a:ext cx="9071640" cy="1262520"/>
+            <a:ext cx="9071280" cy="1262520"/>
           </a:xfrm>
           <a:prstGeom prst="rect">
             <a:avLst/>
@@ -184,7 +198,7 @@
       </p:sp>
       <p:sp>
         <p:nvSpPr>
-          <p:cNvPr id="30" name="PlaceHolder 2"/>
+          <p:cNvPr id="27" name="PlaceHolder 2"/>
           <p:cNvSpPr>
             <a:spLocks noGrp="1"/>
           </p:cNvSpPr>
@@ -195,7 +209,7 @@
         <p:spPr>
           <a:xfrm>
             <a:off x="504000" y="1769040"/>
-            <a:ext cx="4426920" cy="2091240"/>
+            <a:ext cx="4426560" cy="2090880"/>
           </a:xfrm>
           <a:prstGeom prst="rect">
             <a:avLst/>
@@ -210,7 +224,7 @@
       </p:sp>
       <p:sp>
         <p:nvSpPr>
-          <p:cNvPr id="31" name="PlaceHolder 3"/>
+          <p:cNvPr id="28" name="PlaceHolder 3"/>
           <p:cNvSpPr>
             <a:spLocks noGrp="1"/>
           </p:cNvSpPr>
@@ -220,8 +234,8 @@
         </p:nvSpPr>
         <p:spPr>
           <a:xfrm>
-            <a:off x="5152680" y="1769040"/>
-            <a:ext cx="4426920" cy="2091240"/>
+            <a:off x="5152320" y="1769040"/>
+            <a:ext cx="4426560" cy="2090880"/>
           </a:xfrm>
           <a:prstGeom prst="rect">
             <a:avLst/>
@@ -236,7 +250,7 @@
       </p:sp>
       <p:sp>
         <p:nvSpPr>
-          <p:cNvPr id="32" name="PlaceHolder 4"/>
+          <p:cNvPr id="29" name="PlaceHolder 4"/>
           <p:cNvSpPr>
             <a:spLocks noGrp="1"/>
           </p:cNvSpPr>
@@ -246,8 +260,8 @@
         </p:nvSpPr>
         <p:spPr>
           <a:xfrm>
-            <a:off x="5152680" y="4059360"/>
-            <a:ext cx="4426920" cy="2091240"/>
+            <a:off x="5152320" y="4059000"/>
+            <a:ext cx="4426560" cy="2090880"/>
           </a:xfrm>
           <a:prstGeom prst="rect">
             <a:avLst/>
@@ -262,7 +276,7 @@
       </p:sp>
       <p:sp>
         <p:nvSpPr>
-          <p:cNvPr id="33" name="PlaceHolder 5"/>
+          <p:cNvPr id="30" name="PlaceHolder 5"/>
           <p:cNvSpPr>
             <a:spLocks noGrp="1"/>
           </p:cNvSpPr>
@@ -272,8 +286,8 @@
         </p:nvSpPr>
         <p:spPr>
           <a:xfrm>
-            <a:off x="504000" y="4059360"/>
-            <a:ext cx="4426920" cy="2091240"/>
+            <a:off x="504000" y="4059000"/>
+            <a:ext cx="4426560" cy="2090880"/>
           </a:xfrm>
           <a:prstGeom prst="rect">
             <a:avLst/>
@@ -310,7 +324,7 @@
       </p:grpSpPr>
       <p:sp>
         <p:nvSpPr>
-          <p:cNvPr id="34" name="PlaceHolder 1"/>
+          <p:cNvPr id="31" name="PlaceHolder 1"/>
           <p:cNvSpPr>
             <a:spLocks noGrp="1"/>
           </p:cNvSpPr>
@@ -321,7 +335,7 @@
         <p:spPr>
           <a:xfrm>
             <a:off x="504000" y="301320"/>
-            <a:ext cx="9071640" cy="1262520"/>
+            <a:ext cx="9071280" cy="1262520"/>
           </a:xfrm>
           <a:prstGeom prst="rect">
             <a:avLst/>
@@ -337,7 +351,7 @@
       </p:sp>
       <p:sp>
         <p:nvSpPr>
-          <p:cNvPr id="35" name="PlaceHolder 2"/>
+          <p:cNvPr id="32" name="PlaceHolder 2"/>
           <p:cNvSpPr>
             <a:spLocks noGrp="1"/>
           </p:cNvSpPr>
@@ -348,7 +362,7 @@
         <p:spPr>
           <a:xfrm>
             <a:off x="504000" y="1769040"/>
-            <a:ext cx="9071640" cy="4384440"/>
+            <a:ext cx="9071280" cy="4384080"/>
           </a:xfrm>
           <a:prstGeom prst="rect">
             <a:avLst/>
@@ -363,7 +377,7 @@
       </p:sp>
       <p:sp>
         <p:nvSpPr>
-          <p:cNvPr id="36" name="PlaceHolder 3"/>
+          <p:cNvPr id="33" name="PlaceHolder 3"/>
           <p:cNvSpPr>
             <a:spLocks noGrp="1"/>
           </p:cNvSpPr>
@@ -374,7 +388,7 @@
         <p:spPr>
           <a:xfrm>
             <a:off x="504000" y="1769040"/>
-            <a:ext cx="9071640" cy="4384440"/>
+            <a:ext cx="9071280" cy="4384080"/>
           </a:xfrm>
           <a:prstGeom prst="rect">
             <a:avLst/>
@@ -389,7 +403,7 @@
       </p:sp>
       <p:pic>
         <p:nvPicPr>
-          <p:cNvPr id="37" name="" descr=""/>
+          <p:cNvPr id="34" name="" descr=""/>
           <p:cNvPicPr/>
           <p:nvPr/>
         </p:nvPicPr>
@@ -401,8 +415,8 @@
         </p:blipFill>
         <p:spPr>
           <a:xfrm>
-            <a:off x="2292120" y="1768680"/>
-            <a:ext cx="5495040" cy="4384440"/>
+            <a:off x="2292120" y="1769040"/>
+            <a:ext cx="5494680" cy="4384080"/>
           </a:xfrm>
           <a:prstGeom prst="rect">
             <a:avLst/>
@@ -414,7 +428,7 @@
       </p:pic>
       <p:pic>
         <p:nvPicPr>
-          <p:cNvPr id="38" name="" descr=""/>
+          <p:cNvPr id="35" name="" descr=""/>
           <p:cNvPicPr/>
           <p:nvPr/>
         </p:nvPicPr>
@@ -426,8 +440,8 @@
         </p:blipFill>
         <p:spPr>
           <a:xfrm>
-            <a:off x="2292120" y="1768680"/>
-            <a:ext cx="5495040" cy="4384440"/>
+            <a:off x="2292120" y="1769040"/>
+            <a:ext cx="5494680" cy="4384080"/>
           </a:xfrm>
           <a:prstGeom prst="rect">
             <a:avLst/>
@@ -437,6 +451,505 @@
           </a:ln>
         </p:spPr>
       </p:pic>
+    </p:spTree>
+  </p:cSld>
+</p:sldLayout>
+</file>
+
+<file path=ppt/slideLayouts/slideLayout13.xml><?xml version="1.0" encoding="utf-8"?>
+<p:sldLayout xmlns:a="http://schemas.openxmlformats.org/drawingml/2006/main" xmlns:p="http://schemas.openxmlformats.org/presentationml/2006/main" xmlns:r="http://schemas.openxmlformats.org/officeDocument/2006/relationships" type="blank" preserve="1">
+  <p:cSld name="Blank Slide">
+    <p:spTree>
+      <p:nvGrpSpPr>
+        <p:cNvPr id="1" name=""/>
+        <p:cNvGrpSpPr/>
+        <p:nvPr/>
+      </p:nvGrpSpPr>
+      <p:grpSpPr>
+        <a:xfrm>
+          <a:off x="0" y="0"/>
+          <a:ext cx="0" cy="0"/>
+          <a:chOff x="0" y="0"/>
+          <a:chExt cx="0" cy="0"/>
+        </a:xfrm>
+      </p:grpSpPr>
+    </p:spTree>
+  </p:cSld>
+</p:sldLayout>
+</file>
+
+<file path=ppt/slideLayouts/slideLayout14.xml><?xml version="1.0" encoding="utf-8"?>
+<p:sldLayout xmlns:a="http://schemas.openxmlformats.org/drawingml/2006/main" xmlns:p="http://schemas.openxmlformats.org/presentationml/2006/main" xmlns:r="http://schemas.openxmlformats.org/officeDocument/2006/relationships" type="tx" preserve="1">
+  <p:cSld name="Title Slide">
+    <p:spTree>
+      <p:nvGrpSpPr>
+        <p:cNvPr id="1" name=""/>
+        <p:cNvGrpSpPr/>
+        <p:nvPr/>
+      </p:nvGrpSpPr>
+      <p:grpSpPr>
+        <a:xfrm>
+          <a:off x="0" y="0"/>
+          <a:ext cx="0" cy="0"/>
+          <a:chOff x="0" y="0"/>
+          <a:chExt cx="0" cy="0"/>
+        </a:xfrm>
+      </p:grpSpPr>
+      <p:sp>
+        <p:nvSpPr>
+          <p:cNvPr id="38" name="PlaceHolder 1"/>
+          <p:cNvSpPr>
+            <a:spLocks noGrp="1"/>
+          </p:cNvSpPr>
+          <p:nvPr>
+            <p:ph type="title"/>
+          </p:nvPr>
+        </p:nvSpPr>
+        <p:spPr>
+          <a:xfrm>
+            <a:off x="504000" y="301320"/>
+            <a:ext cx="9071280" cy="1262520"/>
+          </a:xfrm>
+          <a:prstGeom prst="rect">
+            <a:avLst/>
+          </a:prstGeom>
+        </p:spPr>
+        <p:txBody>
+          <a:bodyPr lIns="0" rIns="0" tIns="0" bIns="0" anchor="ctr"/>
+          <a:p>
+            <a:pPr algn="ctr"/>
+            <a:endParaRPr/>
+          </a:p>
+        </p:txBody>
+      </p:sp>
+      <p:sp>
+        <p:nvSpPr>
+          <p:cNvPr id="39" name="PlaceHolder 2"/>
+          <p:cNvSpPr>
+            <a:spLocks noGrp="1"/>
+          </p:cNvSpPr>
+          <p:nvPr>
+            <p:ph type="subTitle"/>
+          </p:nvPr>
+        </p:nvSpPr>
+        <p:spPr>
+          <a:xfrm>
+            <a:off x="504000" y="1769040"/>
+            <a:ext cx="9071280" cy="4384440"/>
+          </a:xfrm>
+          <a:prstGeom prst="rect">
+            <a:avLst/>
+          </a:prstGeom>
+        </p:spPr>
+        <p:txBody>
+          <a:bodyPr lIns="0" rIns="0" tIns="0" bIns="0" anchor="ctr"/>
+          <a:p>
+            <a:pPr algn="ctr"/>
+            <a:endParaRPr/>
+          </a:p>
+        </p:txBody>
+      </p:sp>
+    </p:spTree>
+  </p:cSld>
+</p:sldLayout>
+</file>
+
+<file path=ppt/slideLayouts/slideLayout15.xml><?xml version="1.0" encoding="utf-8"?>
+<p:sldLayout xmlns:a="http://schemas.openxmlformats.org/drawingml/2006/main" xmlns:p="http://schemas.openxmlformats.org/presentationml/2006/main" xmlns:r="http://schemas.openxmlformats.org/officeDocument/2006/relationships" type="obj" preserve="1">
+  <p:cSld name="Title, Content">
+    <p:spTree>
+      <p:nvGrpSpPr>
+        <p:cNvPr id="1" name=""/>
+        <p:cNvGrpSpPr/>
+        <p:nvPr/>
+      </p:nvGrpSpPr>
+      <p:grpSpPr>
+        <a:xfrm>
+          <a:off x="0" y="0"/>
+          <a:ext cx="0" cy="0"/>
+          <a:chOff x="0" y="0"/>
+          <a:chExt cx="0" cy="0"/>
+        </a:xfrm>
+      </p:grpSpPr>
+      <p:sp>
+        <p:nvSpPr>
+          <p:cNvPr id="40" name="PlaceHolder 1"/>
+          <p:cNvSpPr>
+            <a:spLocks noGrp="1"/>
+          </p:cNvSpPr>
+          <p:nvPr>
+            <p:ph type="title"/>
+          </p:nvPr>
+        </p:nvSpPr>
+        <p:spPr>
+          <a:xfrm>
+            <a:off x="504000" y="301320"/>
+            <a:ext cx="9071280" cy="1262520"/>
+          </a:xfrm>
+          <a:prstGeom prst="rect">
+            <a:avLst/>
+          </a:prstGeom>
+        </p:spPr>
+        <p:txBody>
+          <a:bodyPr lIns="0" rIns="0" tIns="0" bIns="0" anchor="ctr"/>
+          <a:p>
+            <a:pPr algn="ctr"/>
+            <a:endParaRPr/>
+          </a:p>
+        </p:txBody>
+      </p:sp>
+      <p:sp>
+        <p:nvSpPr>
+          <p:cNvPr id="41" name="PlaceHolder 2"/>
+          <p:cNvSpPr>
+            <a:spLocks noGrp="1"/>
+          </p:cNvSpPr>
+          <p:nvPr>
+            <p:ph type="body"/>
+          </p:nvPr>
+        </p:nvSpPr>
+        <p:spPr>
+          <a:xfrm>
+            <a:off x="504000" y="1769040"/>
+            <a:ext cx="9071280" cy="4384080"/>
+          </a:xfrm>
+          <a:prstGeom prst="rect">
+            <a:avLst/>
+          </a:prstGeom>
+        </p:spPr>
+        <p:txBody>
+          <a:bodyPr lIns="0" rIns="0" tIns="0" bIns="0"/>
+          <a:p>
+            <a:endParaRPr/>
+          </a:p>
+        </p:txBody>
+      </p:sp>
+    </p:spTree>
+  </p:cSld>
+</p:sldLayout>
+</file>
+
+<file path=ppt/slideLayouts/slideLayout16.xml><?xml version="1.0" encoding="utf-8"?>
+<p:sldLayout xmlns:a="http://schemas.openxmlformats.org/drawingml/2006/main" xmlns:p="http://schemas.openxmlformats.org/presentationml/2006/main" xmlns:r="http://schemas.openxmlformats.org/officeDocument/2006/relationships" type="twoObj" preserve="1">
+  <p:cSld name="Title, 2 Content">
+    <p:spTree>
+      <p:nvGrpSpPr>
+        <p:cNvPr id="1" name=""/>
+        <p:cNvGrpSpPr/>
+        <p:nvPr/>
+      </p:nvGrpSpPr>
+      <p:grpSpPr>
+        <a:xfrm>
+          <a:off x="0" y="0"/>
+          <a:ext cx="0" cy="0"/>
+          <a:chOff x="0" y="0"/>
+          <a:chExt cx="0" cy="0"/>
+        </a:xfrm>
+      </p:grpSpPr>
+      <p:sp>
+        <p:nvSpPr>
+          <p:cNvPr id="42" name="PlaceHolder 1"/>
+          <p:cNvSpPr>
+            <a:spLocks noGrp="1"/>
+          </p:cNvSpPr>
+          <p:nvPr>
+            <p:ph type="title"/>
+          </p:nvPr>
+        </p:nvSpPr>
+        <p:spPr>
+          <a:xfrm>
+            <a:off x="504000" y="301320"/>
+            <a:ext cx="9071280" cy="1262520"/>
+          </a:xfrm>
+          <a:prstGeom prst="rect">
+            <a:avLst/>
+          </a:prstGeom>
+        </p:spPr>
+        <p:txBody>
+          <a:bodyPr lIns="0" rIns="0" tIns="0" bIns="0" anchor="ctr"/>
+          <a:p>
+            <a:pPr algn="ctr"/>
+            <a:endParaRPr/>
+          </a:p>
+        </p:txBody>
+      </p:sp>
+      <p:sp>
+        <p:nvSpPr>
+          <p:cNvPr id="43" name="PlaceHolder 2"/>
+          <p:cNvSpPr>
+            <a:spLocks noGrp="1"/>
+          </p:cNvSpPr>
+          <p:nvPr>
+            <p:ph type="body"/>
+          </p:nvPr>
+        </p:nvSpPr>
+        <p:spPr>
+          <a:xfrm>
+            <a:off x="504000" y="1769040"/>
+            <a:ext cx="4426560" cy="4384080"/>
+          </a:xfrm>
+          <a:prstGeom prst="rect">
+            <a:avLst/>
+          </a:prstGeom>
+        </p:spPr>
+        <p:txBody>
+          <a:bodyPr lIns="0" rIns="0" tIns="0" bIns="0"/>
+          <a:p>
+            <a:endParaRPr/>
+          </a:p>
+        </p:txBody>
+      </p:sp>
+      <p:sp>
+        <p:nvSpPr>
+          <p:cNvPr id="44" name="PlaceHolder 3"/>
+          <p:cNvSpPr>
+            <a:spLocks noGrp="1"/>
+          </p:cNvSpPr>
+          <p:nvPr>
+            <p:ph type="body"/>
+          </p:nvPr>
+        </p:nvSpPr>
+        <p:spPr>
+          <a:xfrm>
+            <a:off x="5152320" y="1769040"/>
+            <a:ext cx="4426560" cy="4384080"/>
+          </a:xfrm>
+          <a:prstGeom prst="rect">
+            <a:avLst/>
+          </a:prstGeom>
+        </p:spPr>
+        <p:txBody>
+          <a:bodyPr lIns="0" rIns="0" tIns="0" bIns="0"/>
+          <a:p>
+            <a:endParaRPr/>
+          </a:p>
+        </p:txBody>
+      </p:sp>
+    </p:spTree>
+  </p:cSld>
+</p:sldLayout>
+</file>
+
+<file path=ppt/slideLayouts/slideLayout17.xml><?xml version="1.0" encoding="utf-8"?>
+<p:sldLayout xmlns:a="http://schemas.openxmlformats.org/drawingml/2006/main" xmlns:p="http://schemas.openxmlformats.org/presentationml/2006/main" xmlns:r="http://schemas.openxmlformats.org/officeDocument/2006/relationships" type="titleOnly" preserve="1">
+  <p:cSld name="Title Only">
+    <p:spTree>
+      <p:nvGrpSpPr>
+        <p:cNvPr id="1" name=""/>
+        <p:cNvGrpSpPr/>
+        <p:nvPr/>
+      </p:nvGrpSpPr>
+      <p:grpSpPr>
+        <a:xfrm>
+          <a:off x="0" y="0"/>
+          <a:ext cx="0" cy="0"/>
+          <a:chOff x="0" y="0"/>
+          <a:chExt cx="0" cy="0"/>
+        </a:xfrm>
+      </p:grpSpPr>
+      <p:sp>
+        <p:nvSpPr>
+          <p:cNvPr id="45" name="PlaceHolder 1"/>
+          <p:cNvSpPr>
+            <a:spLocks noGrp="1"/>
+          </p:cNvSpPr>
+          <p:nvPr>
+            <p:ph type="title"/>
+          </p:nvPr>
+        </p:nvSpPr>
+        <p:spPr>
+          <a:xfrm>
+            <a:off x="504000" y="301320"/>
+            <a:ext cx="9071280" cy="1262520"/>
+          </a:xfrm>
+          <a:prstGeom prst="rect">
+            <a:avLst/>
+          </a:prstGeom>
+        </p:spPr>
+        <p:txBody>
+          <a:bodyPr lIns="0" rIns="0" tIns="0" bIns="0" anchor="ctr"/>
+          <a:p>
+            <a:pPr algn="ctr"/>
+            <a:endParaRPr/>
+          </a:p>
+        </p:txBody>
+      </p:sp>
+    </p:spTree>
+  </p:cSld>
+</p:sldLayout>
+</file>
+
+<file path=ppt/slideLayouts/slideLayout18.xml><?xml version="1.0" encoding="utf-8"?>
+<p:sldLayout xmlns:a="http://schemas.openxmlformats.org/drawingml/2006/main" xmlns:p="http://schemas.openxmlformats.org/presentationml/2006/main" xmlns:r="http://schemas.openxmlformats.org/officeDocument/2006/relationships" type="objOnly" preserve="1">
+  <p:cSld name="Centered Text">
+    <p:spTree>
+      <p:nvGrpSpPr>
+        <p:cNvPr id="1" name=""/>
+        <p:cNvGrpSpPr/>
+        <p:nvPr/>
+      </p:nvGrpSpPr>
+      <p:grpSpPr>
+        <a:xfrm>
+          <a:off x="0" y="0"/>
+          <a:ext cx="0" cy="0"/>
+          <a:chOff x="0" y="0"/>
+          <a:chExt cx="0" cy="0"/>
+        </a:xfrm>
+      </p:grpSpPr>
+      <p:sp>
+        <p:nvSpPr>
+          <p:cNvPr id="46" name="PlaceHolder 1"/>
+          <p:cNvSpPr>
+            <a:spLocks noGrp="1"/>
+          </p:cNvSpPr>
+          <p:nvPr>
+            <p:ph type="subTitle"/>
+          </p:nvPr>
+        </p:nvSpPr>
+        <p:spPr>
+          <a:xfrm>
+            <a:off x="504000" y="301320"/>
+            <a:ext cx="9071280" cy="5852160"/>
+          </a:xfrm>
+          <a:prstGeom prst="rect">
+            <a:avLst/>
+          </a:prstGeom>
+        </p:spPr>
+        <p:txBody>
+          <a:bodyPr lIns="0" rIns="0" tIns="0" bIns="0" anchor="ctr"/>
+          <a:p>
+            <a:pPr algn="ctr"/>
+            <a:endParaRPr/>
+          </a:p>
+        </p:txBody>
+      </p:sp>
+    </p:spTree>
+  </p:cSld>
+</p:sldLayout>
+</file>
+
+<file path=ppt/slideLayouts/slideLayout19.xml><?xml version="1.0" encoding="utf-8"?>
+<p:sldLayout xmlns:a="http://schemas.openxmlformats.org/drawingml/2006/main" xmlns:p="http://schemas.openxmlformats.org/presentationml/2006/main" xmlns:r="http://schemas.openxmlformats.org/officeDocument/2006/relationships" type="twoObjAndObj" preserve="1">
+  <p:cSld name="Title, 2 Content and Content">
+    <p:spTree>
+      <p:nvGrpSpPr>
+        <p:cNvPr id="1" name=""/>
+        <p:cNvGrpSpPr/>
+        <p:nvPr/>
+      </p:nvGrpSpPr>
+      <p:grpSpPr>
+        <a:xfrm>
+          <a:off x="0" y="0"/>
+          <a:ext cx="0" cy="0"/>
+          <a:chOff x="0" y="0"/>
+          <a:chExt cx="0" cy="0"/>
+        </a:xfrm>
+      </p:grpSpPr>
+      <p:sp>
+        <p:nvSpPr>
+          <p:cNvPr id="47" name="PlaceHolder 1"/>
+          <p:cNvSpPr>
+            <a:spLocks noGrp="1"/>
+          </p:cNvSpPr>
+          <p:nvPr>
+            <p:ph type="title"/>
+          </p:nvPr>
+        </p:nvSpPr>
+        <p:spPr>
+          <a:xfrm>
+            <a:off x="504000" y="301320"/>
+            <a:ext cx="9071280" cy="1262520"/>
+          </a:xfrm>
+          <a:prstGeom prst="rect">
+            <a:avLst/>
+          </a:prstGeom>
+        </p:spPr>
+        <p:txBody>
+          <a:bodyPr lIns="0" rIns="0" tIns="0" bIns="0" anchor="ctr"/>
+          <a:p>
+            <a:pPr algn="ctr"/>
+            <a:endParaRPr/>
+          </a:p>
+        </p:txBody>
+      </p:sp>
+      <p:sp>
+        <p:nvSpPr>
+          <p:cNvPr id="48" name="PlaceHolder 2"/>
+          <p:cNvSpPr>
+            <a:spLocks noGrp="1"/>
+          </p:cNvSpPr>
+          <p:nvPr>
+            <p:ph type="body"/>
+          </p:nvPr>
+        </p:nvSpPr>
+        <p:spPr>
+          <a:xfrm>
+            <a:off x="504000" y="1769040"/>
+            <a:ext cx="4426560" cy="2090880"/>
+          </a:xfrm>
+          <a:prstGeom prst="rect">
+            <a:avLst/>
+          </a:prstGeom>
+        </p:spPr>
+        <p:txBody>
+          <a:bodyPr lIns="0" rIns="0" tIns="0" bIns="0"/>
+          <a:p>
+            <a:endParaRPr/>
+          </a:p>
+        </p:txBody>
+      </p:sp>
+      <p:sp>
+        <p:nvSpPr>
+          <p:cNvPr id="49" name="PlaceHolder 3"/>
+          <p:cNvSpPr>
+            <a:spLocks noGrp="1"/>
+          </p:cNvSpPr>
+          <p:nvPr>
+            <p:ph type="body"/>
+          </p:nvPr>
+        </p:nvSpPr>
+        <p:spPr>
+          <a:xfrm>
+            <a:off x="504000" y="4059000"/>
+            <a:ext cx="4426560" cy="2090880"/>
+          </a:xfrm>
+          <a:prstGeom prst="rect">
+            <a:avLst/>
+          </a:prstGeom>
+        </p:spPr>
+        <p:txBody>
+          <a:bodyPr lIns="0" rIns="0" tIns="0" bIns="0"/>
+          <a:p>
+            <a:endParaRPr/>
+          </a:p>
+        </p:txBody>
+      </p:sp>
+      <p:sp>
+        <p:nvSpPr>
+          <p:cNvPr id="50" name="PlaceHolder 4"/>
+          <p:cNvSpPr>
+            <a:spLocks noGrp="1"/>
+          </p:cNvSpPr>
+          <p:nvPr>
+            <p:ph type="body"/>
+          </p:nvPr>
+        </p:nvSpPr>
+        <p:spPr>
+          <a:xfrm>
+            <a:off x="5152320" y="1769040"/>
+            <a:ext cx="4426560" cy="4384080"/>
+          </a:xfrm>
+          <a:prstGeom prst="rect">
+            <a:avLst/>
+          </a:prstGeom>
+        </p:spPr>
+        <p:txBody>
+          <a:bodyPr lIns="0" rIns="0" tIns="0" bIns="0"/>
+          <a:p>
+            <a:endParaRPr/>
+          </a:p>
+        </p:txBody>
+      </p:sp>
     </p:spTree>
   </p:cSld>
 </p:sldLayout>
@@ -461,7 +974,7 @@
       </p:grpSpPr>
       <p:sp>
         <p:nvSpPr>
-          <p:cNvPr id="5" name="PlaceHolder 1"/>
+          <p:cNvPr id="2" name="PlaceHolder 1"/>
           <p:cNvSpPr>
             <a:spLocks noGrp="1"/>
           </p:cNvSpPr>
@@ -472,7 +985,7 @@
         <p:spPr>
           <a:xfrm>
             <a:off x="504000" y="301320"/>
-            <a:ext cx="9071640" cy="1262520"/>
+            <a:ext cx="9071280" cy="1262520"/>
           </a:xfrm>
           <a:prstGeom prst="rect">
             <a:avLst/>
@@ -488,7 +1001,7 @@
       </p:sp>
       <p:sp>
         <p:nvSpPr>
-          <p:cNvPr id="6" name="PlaceHolder 2"/>
+          <p:cNvPr id="3" name="PlaceHolder 2"/>
           <p:cNvSpPr>
             <a:spLocks noGrp="1"/>
           </p:cNvSpPr>
@@ -499,7 +1012,7 @@
         <p:spPr>
           <a:xfrm>
             <a:off x="504000" y="1769040"/>
-            <a:ext cx="9071640" cy="4384800"/>
+            <a:ext cx="9071280" cy="4384440"/>
           </a:xfrm>
           <a:prstGeom prst="rect">
             <a:avLst/>
@@ -513,6 +1026,665 @@
           </a:p>
         </p:txBody>
       </p:sp>
+    </p:spTree>
+  </p:cSld>
+</p:sldLayout>
+</file>
+
+<file path=ppt/slideLayouts/slideLayout20.xml><?xml version="1.0" encoding="utf-8"?>
+<p:sldLayout xmlns:a="http://schemas.openxmlformats.org/drawingml/2006/main" xmlns:p="http://schemas.openxmlformats.org/presentationml/2006/main" xmlns:r="http://schemas.openxmlformats.org/officeDocument/2006/relationships" type="objAndTwoObj" preserve="1">
+  <p:cSld name="Title Content and 2 Content">
+    <p:spTree>
+      <p:nvGrpSpPr>
+        <p:cNvPr id="1" name=""/>
+        <p:cNvGrpSpPr/>
+        <p:nvPr/>
+      </p:nvGrpSpPr>
+      <p:grpSpPr>
+        <a:xfrm>
+          <a:off x="0" y="0"/>
+          <a:ext cx="0" cy="0"/>
+          <a:chOff x="0" y="0"/>
+          <a:chExt cx="0" cy="0"/>
+        </a:xfrm>
+      </p:grpSpPr>
+      <p:sp>
+        <p:nvSpPr>
+          <p:cNvPr id="51" name="PlaceHolder 1"/>
+          <p:cNvSpPr>
+            <a:spLocks noGrp="1"/>
+          </p:cNvSpPr>
+          <p:nvPr>
+            <p:ph type="title"/>
+          </p:nvPr>
+        </p:nvSpPr>
+        <p:spPr>
+          <a:xfrm>
+            <a:off x="504000" y="301320"/>
+            <a:ext cx="9071280" cy="1262520"/>
+          </a:xfrm>
+          <a:prstGeom prst="rect">
+            <a:avLst/>
+          </a:prstGeom>
+        </p:spPr>
+        <p:txBody>
+          <a:bodyPr lIns="0" rIns="0" tIns="0" bIns="0" anchor="ctr"/>
+          <a:p>
+            <a:pPr algn="ctr"/>
+            <a:endParaRPr/>
+          </a:p>
+        </p:txBody>
+      </p:sp>
+      <p:sp>
+        <p:nvSpPr>
+          <p:cNvPr id="52" name="PlaceHolder 2"/>
+          <p:cNvSpPr>
+            <a:spLocks noGrp="1"/>
+          </p:cNvSpPr>
+          <p:nvPr>
+            <p:ph type="body"/>
+          </p:nvPr>
+        </p:nvSpPr>
+        <p:spPr>
+          <a:xfrm>
+            <a:off x="504000" y="1769040"/>
+            <a:ext cx="4426560" cy="4384080"/>
+          </a:xfrm>
+          <a:prstGeom prst="rect">
+            <a:avLst/>
+          </a:prstGeom>
+        </p:spPr>
+        <p:txBody>
+          <a:bodyPr lIns="0" rIns="0" tIns="0" bIns="0"/>
+          <a:p>
+            <a:endParaRPr/>
+          </a:p>
+        </p:txBody>
+      </p:sp>
+      <p:sp>
+        <p:nvSpPr>
+          <p:cNvPr id="53" name="PlaceHolder 3"/>
+          <p:cNvSpPr>
+            <a:spLocks noGrp="1"/>
+          </p:cNvSpPr>
+          <p:nvPr>
+            <p:ph type="body"/>
+          </p:nvPr>
+        </p:nvSpPr>
+        <p:spPr>
+          <a:xfrm>
+            <a:off x="5152320" y="1769040"/>
+            <a:ext cx="4426560" cy="2090880"/>
+          </a:xfrm>
+          <a:prstGeom prst="rect">
+            <a:avLst/>
+          </a:prstGeom>
+        </p:spPr>
+        <p:txBody>
+          <a:bodyPr lIns="0" rIns="0" tIns="0" bIns="0"/>
+          <a:p>
+            <a:endParaRPr/>
+          </a:p>
+        </p:txBody>
+      </p:sp>
+      <p:sp>
+        <p:nvSpPr>
+          <p:cNvPr id="54" name="PlaceHolder 4"/>
+          <p:cNvSpPr>
+            <a:spLocks noGrp="1"/>
+          </p:cNvSpPr>
+          <p:nvPr>
+            <p:ph type="body"/>
+          </p:nvPr>
+        </p:nvSpPr>
+        <p:spPr>
+          <a:xfrm>
+            <a:off x="5152320" y="4059000"/>
+            <a:ext cx="4426560" cy="2090880"/>
+          </a:xfrm>
+          <a:prstGeom prst="rect">
+            <a:avLst/>
+          </a:prstGeom>
+        </p:spPr>
+        <p:txBody>
+          <a:bodyPr lIns="0" rIns="0" tIns="0" bIns="0"/>
+          <a:p>
+            <a:endParaRPr/>
+          </a:p>
+        </p:txBody>
+      </p:sp>
+    </p:spTree>
+  </p:cSld>
+</p:sldLayout>
+</file>
+
+<file path=ppt/slideLayouts/slideLayout21.xml><?xml version="1.0" encoding="utf-8"?>
+<p:sldLayout xmlns:a="http://schemas.openxmlformats.org/drawingml/2006/main" xmlns:p="http://schemas.openxmlformats.org/presentationml/2006/main" xmlns:r="http://schemas.openxmlformats.org/officeDocument/2006/relationships" type="twoObjOverTx" preserve="1">
+  <p:cSld name="Title, 2 Content over Content">
+    <p:spTree>
+      <p:nvGrpSpPr>
+        <p:cNvPr id="1" name=""/>
+        <p:cNvGrpSpPr/>
+        <p:nvPr/>
+      </p:nvGrpSpPr>
+      <p:grpSpPr>
+        <a:xfrm>
+          <a:off x="0" y="0"/>
+          <a:ext cx="0" cy="0"/>
+          <a:chOff x="0" y="0"/>
+          <a:chExt cx="0" cy="0"/>
+        </a:xfrm>
+      </p:grpSpPr>
+      <p:sp>
+        <p:nvSpPr>
+          <p:cNvPr id="55" name="PlaceHolder 1"/>
+          <p:cNvSpPr>
+            <a:spLocks noGrp="1"/>
+          </p:cNvSpPr>
+          <p:nvPr>
+            <p:ph type="title"/>
+          </p:nvPr>
+        </p:nvSpPr>
+        <p:spPr>
+          <a:xfrm>
+            <a:off x="504000" y="301320"/>
+            <a:ext cx="9071280" cy="1262520"/>
+          </a:xfrm>
+          <a:prstGeom prst="rect">
+            <a:avLst/>
+          </a:prstGeom>
+        </p:spPr>
+        <p:txBody>
+          <a:bodyPr lIns="0" rIns="0" tIns="0" bIns="0" anchor="ctr"/>
+          <a:p>
+            <a:pPr algn="ctr"/>
+            <a:endParaRPr/>
+          </a:p>
+        </p:txBody>
+      </p:sp>
+      <p:sp>
+        <p:nvSpPr>
+          <p:cNvPr id="56" name="PlaceHolder 2"/>
+          <p:cNvSpPr>
+            <a:spLocks noGrp="1"/>
+          </p:cNvSpPr>
+          <p:nvPr>
+            <p:ph type="body"/>
+          </p:nvPr>
+        </p:nvSpPr>
+        <p:spPr>
+          <a:xfrm>
+            <a:off x="504000" y="1769040"/>
+            <a:ext cx="4426560" cy="2090880"/>
+          </a:xfrm>
+          <a:prstGeom prst="rect">
+            <a:avLst/>
+          </a:prstGeom>
+        </p:spPr>
+        <p:txBody>
+          <a:bodyPr lIns="0" rIns="0" tIns="0" bIns="0"/>
+          <a:p>
+            <a:endParaRPr/>
+          </a:p>
+        </p:txBody>
+      </p:sp>
+      <p:sp>
+        <p:nvSpPr>
+          <p:cNvPr id="57" name="PlaceHolder 3"/>
+          <p:cNvSpPr>
+            <a:spLocks noGrp="1"/>
+          </p:cNvSpPr>
+          <p:nvPr>
+            <p:ph type="body"/>
+          </p:nvPr>
+        </p:nvSpPr>
+        <p:spPr>
+          <a:xfrm>
+            <a:off x="5152320" y="1769040"/>
+            <a:ext cx="4426560" cy="2090880"/>
+          </a:xfrm>
+          <a:prstGeom prst="rect">
+            <a:avLst/>
+          </a:prstGeom>
+        </p:spPr>
+        <p:txBody>
+          <a:bodyPr lIns="0" rIns="0" tIns="0" bIns="0"/>
+          <a:p>
+            <a:endParaRPr/>
+          </a:p>
+        </p:txBody>
+      </p:sp>
+      <p:sp>
+        <p:nvSpPr>
+          <p:cNvPr id="58" name="PlaceHolder 4"/>
+          <p:cNvSpPr>
+            <a:spLocks noGrp="1"/>
+          </p:cNvSpPr>
+          <p:nvPr>
+            <p:ph type="body"/>
+          </p:nvPr>
+        </p:nvSpPr>
+        <p:spPr>
+          <a:xfrm>
+            <a:off x="504000" y="4059000"/>
+            <a:ext cx="9071280" cy="2090880"/>
+          </a:xfrm>
+          <a:prstGeom prst="rect">
+            <a:avLst/>
+          </a:prstGeom>
+        </p:spPr>
+        <p:txBody>
+          <a:bodyPr lIns="0" rIns="0" tIns="0" bIns="0"/>
+          <a:p>
+            <a:endParaRPr/>
+          </a:p>
+        </p:txBody>
+      </p:sp>
+    </p:spTree>
+  </p:cSld>
+</p:sldLayout>
+</file>
+
+<file path=ppt/slideLayouts/slideLayout22.xml><?xml version="1.0" encoding="utf-8"?>
+<p:sldLayout xmlns:a="http://schemas.openxmlformats.org/drawingml/2006/main" xmlns:p="http://schemas.openxmlformats.org/presentationml/2006/main" xmlns:r="http://schemas.openxmlformats.org/officeDocument/2006/relationships" type="objOverTx" preserve="1">
+  <p:cSld name="Title, Content over Content">
+    <p:spTree>
+      <p:nvGrpSpPr>
+        <p:cNvPr id="1" name=""/>
+        <p:cNvGrpSpPr/>
+        <p:nvPr/>
+      </p:nvGrpSpPr>
+      <p:grpSpPr>
+        <a:xfrm>
+          <a:off x="0" y="0"/>
+          <a:ext cx="0" cy="0"/>
+          <a:chOff x="0" y="0"/>
+          <a:chExt cx="0" cy="0"/>
+        </a:xfrm>
+      </p:grpSpPr>
+      <p:sp>
+        <p:nvSpPr>
+          <p:cNvPr id="59" name="PlaceHolder 1"/>
+          <p:cNvSpPr>
+            <a:spLocks noGrp="1"/>
+          </p:cNvSpPr>
+          <p:nvPr>
+            <p:ph type="title"/>
+          </p:nvPr>
+        </p:nvSpPr>
+        <p:spPr>
+          <a:xfrm>
+            <a:off x="504000" y="301320"/>
+            <a:ext cx="9071280" cy="1262520"/>
+          </a:xfrm>
+          <a:prstGeom prst="rect">
+            <a:avLst/>
+          </a:prstGeom>
+        </p:spPr>
+        <p:txBody>
+          <a:bodyPr lIns="0" rIns="0" tIns="0" bIns="0" anchor="ctr"/>
+          <a:p>
+            <a:pPr algn="ctr"/>
+            <a:endParaRPr/>
+          </a:p>
+        </p:txBody>
+      </p:sp>
+      <p:sp>
+        <p:nvSpPr>
+          <p:cNvPr id="60" name="PlaceHolder 2"/>
+          <p:cNvSpPr>
+            <a:spLocks noGrp="1"/>
+          </p:cNvSpPr>
+          <p:nvPr>
+            <p:ph type="body"/>
+          </p:nvPr>
+        </p:nvSpPr>
+        <p:spPr>
+          <a:xfrm>
+            <a:off x="504000" y="1769040"/>
+            <a:ext cx="9071280" cy="2090880"/>
+          </a:xfrm>
+          <a:prstGeom prst="rect">
+            <a:avLst/>
+          </a:prstGeom>
+        </p:spPr>
+        <p:txBody>
+          <a:bodyPr lIns="0" rIns="0" tIns="0" bIns="0"/>
+          <a:p>
+            <a:endParaRPr/>
+          </a:p>
+        </p:txBody>
+      </p:sp>
+      <p:sp>
+        <p:nvSpPr>
+          <p:cNvPr id="61" name="PlaceHolder 3"/>
+          <p:cNvSpPr>
+            <a:spLocks noGrp="1"/>
+          </p:cNvSpPr>
+          <p:nvPr>
+            <p:ph type="body"/>
+          </p:nvPr>
+        </p:nvSpPr>
+        <p:spPr>
+          <a:xfrm>
+            <a:off x="504000" y="4059000"/>
+            <a:ext cx="9071280" cy="2090880"/>
+          </a:xfrm>
+          <a:prstGeom prst="rect">
+            <a:avLst/>
+          </a:prstGeom>
+        </p:spPr>
+        <p:txBody>
+          <a:bodyPr lIns="0" rIns="0" tIns="0" bIns="0"/>
+          <a:p>
+            <a:endParaRPr/>
+          </a:p>
+        </p:txBody>
+      </p:sp>
+    </p:spTree>
+  </p:cSld>
+</p:sldLayout>
+</file>
+
+<file path=ppt/slideLayouts/slideLayout23.xml><?xml version="1.0" encoding="utf-8"?>
+<p:sldLayout xmlns:a="http://schemas.openxmlformats.org/drawingml/2006/main" xmlns:p="http://schemas.openxmlformats.org/presentationml/2006/main" xmlns:r="http://schemas.openxmlformats.org/officeDocument/2006/relationships" type="fourObj" preserve="1">
+  <p:cSld name="Title, 4 Content">
+    <p:spTree>
+      <p:nvGrpSpPr>
+        <p:cNvPr id="1" name=""/>
+        <p:cNvGrpSpPr/>
+        <p:nvPr/>
+      </p:nvGrpSpPr>
+      <p:grpSpPr>
+        <a:xfrm>
+          <a:off x="0" y="0"/>
+          <a:ext cx="0" cy="0"/>
+          <a:chOff x="0" y="0"/>
+          <a:chExt cx="0" cy="0"/>
+        </a:xfrm>
+      </p:grpSpPr>
+      <p:sp>
+        <p:nvSpPr>
+          <p:cNvPr id="62" name="PlaceHolder 1"/>
+          <p:cNvSpPr>
+            <a:spLocks noGrp="1"/>
+          </p:cNvSpPr>
+          <p:nvPr>
+            <p:ph type="title"/>
+          </p:nvPr>
+        </p:nvSpPr>
+        <p:spPr>
+          <a:xfrm>
+            <a:off x="504000" y="301320"/>
+            <a:ext cx="9071280" cy="1262520"/>
+          </a:xfrm>
+          <a:prstGeom prst="rect">
+            <a:avLst/>
+          </a:prstGeom>
+        </p:spPr>
+        <p:txBody>
+          <a:bodyPr lIns="0" rIns="0" tIns="0" bIns="0" anchor="ctr"/>
+          <a:p>
+            <a:pPr algn="ctr"/>
+            <a:endParaRPr/>
+          </a:p>
+        </p:txBody>
+      </p:sp>
+      <p:sp>
+        <p:nvSpPr>
+          <p:cNvPr id="63" name="PlaceHolder 2"/>
+          <p:cNvSpPr>
+            <a:spLocks noGrp="1"/>
+          </p:cNvSpPr>
+          <p:nvPr>
+            <p:ph type="body"/>
+          </p:nvPr>
+        </p:nvSpPr>
+        <p:spPr>
+          <a:xfrm>
+            <a:off x="504000" y="1769040"/>
+            <a:ext cx="4426560" cy="2090880"/>
+          </a:xfrm>
+          <a:prstGeom prst="rect">
+            <a:avLst/>
+          </a:prstGeom>
+        </p:spPr>
+        <p:txBody>
+          <a:bodyPr lIns="0" rIns="0" tIns="0" bIns="0"/>
+          <a:p>
+            <a:endParaRPr/>
+          </a:p>
+        </p:txBody>
+      </p:sp>
+      <p:sp>
+        <p:nvSpPr>
+          <p:cNvPr id="64" name="PlaceHolder 3"/>
+          <p:cNvSpPr>
+            <a:spLocks noGrp="1"/>
+          </p:cNvSpPr>
+          <p:nvPr>
+            <p:ph type="body"/>
+          </p:nvPr>
+        </p:nvSpPr>
+        <p:spPr>
+          <a:xfrm>
+            <a:off x="5152320" y="1769040"/>
+            <a:ext cx="4426560" cy="2090880"/>
+          </a:xfrm>
+          <a:prstGeom prst="rect">
+            <a:avLst/>
+          </a:prstGeom>
+        </p:spPr>
+        <p:txBody>
+          <a:bodyPr lIns="0" rIns="0" tIns="0" bIns="0"/>
+          <a:p>
+            <a:endParaRPr/>
+          </a:p>
+        </p:txBody>
+      </p:sp>
+      <p:sp>
+        <p:nvSpPr>
+          <p:cNvPr id="65" name="PlaceHolder 4"/>
+          <p:cNvSpPr>
+            <a:spLocks noGrp="1"/>
+          </p:cNvSpPr>
+          <p:nvPr>
+            <p:ph type="body"/>
+          </p:nvPr>
+        </p:nvSpPr>
+        <p:spPr>
+          <a:xfrm>
+            <a:off x="5152320" y="4059000"/>
+            <a:ext cx="4426560" cy="2090880"/>
+          </a:xfrm>
+          <a:prstGeom prst="rect">
+            <a:avLst/>
+          </a:prstGeom>
+        </p:spPr>
+        <p:txBody>
+          <a:bodyPr lIns="0" rIns="0" tIns="0" bIns="0"/>
+          <a:p>
+            <a:endParaRPr/>
+          </a:p>
+        </p:txBody>
+      </p:sp>
+      <p:sp>
+        <p:nvSpPr>
+          <p:cNvPr id="66" name="PlaceHolder 5"/>
+          <p:cNvSpPr>
+            <a:spLocks noGrp="1"/>
+          </p:cNvSpPr>
+          <p:nvPr>
+            <p:ph type="body"/>
+          </p:nvPr>
+        </p:nvSpPr>
+        <p:spPr>
+          <a:xfrm>
+            <a:off x="504000" y="4059000"/>
+            <a:ext cx="4426560" cy="2090880"/>
+          </a:xfrm>
+          <a:prstGeom prst="rect">
+            <a:avLst/>
+          </a:prstGeom>
+        </p:spPr>
+        <p:txBody>
+          <a:bodyPr lIns="0" rIns="0" tIns="0" bIns="0"/>
+          <a:p>
+            <a:endParaRPr/>
+          </a:p>
+        </p:txBody>
+      </p:sp>
+    </p:spTree>
+  </p:cSld>
+</p:sldLayout>
+</file>
+
+<file path=ppt/slideLayouts/slideLayout24.xml><?xml version="1.0" encoding="utf-8"?>
+<p:sldLayout xmlns:a="http://schemas.openxmlformats.org/drawingml/2006/main" xmlns:p="http://schemas.openxmlformats.org/presentationml/2006/main" xmlns:r="http://schemas.openxmlformats.org/officeDocument/2006/relationships" type="blank" preserve="1">
+  <p:cSld name="Title, 6 Content">
+    <p:spTree>
+      <p:nvGrpSpPr>
+        <p:cNvPr id="1" name=""/>
+        <p:cNvGrpSpPr/>
+        <p:nvPr/>
+      </p:nvGrpSpPr>
+      <p:grpSpPr>
+        <a:xfrm>
+          <a:off x="0" y="0"/>
+          <a:ext cx="0" cy="0"/>
+          <a:chOff x="0" y="0"/>
+          <a:chExt cx="0" cy="0"/>
+        </a:xfrm>
+      </p:grpSpPr>
+      <p:sp>
+        <p:nvSpPr>
+          <p:cNvPr id="67" name="PlaceHolder 1"/>
+          <p:cNvSpPr>
+            <a:spLocks noGrp="1"/>
+          </p:cNvSpPr>
+          <p:nvPr>
+            <p:ph type="title"/>
+          </p:nvPr>
+        </p:nvSpPr>
+        <p:spPr>
+          <a:xfrm>
+            <a:off x="504000" y="301320"/>
+            <a:ext cx="9071280" cy="1262520"/>
+          </a:xfrm>
+          <a:prstGeom prst="rect">
+            <a:avLst/>
+          </a:prstGeom>
+        </p:spPr>
+        <p:txBody>
+          <a:bodyPr lIns="0" rIns="0" tIns="0" bIns="0" anchor="ctr"/>
+          <a:p>
+            <a:pPr algn="ctr"/>
+            <a:endParaRPr/>
+          </a:p>
+        </p:txBody>
+      </p:sp>
+      <p:sp>
+        <p:nvSpPr>
+          <p:cNvPr id="68" name="PlaceHolder 2"/>
+          <p:cNvSpPr>
+            <a:spLocks noGrp="1"/>
+          </p:cNvSpPr>
+          <p:nvPr>
+            <p:ph type="body"/>
+          </p:nvPr>
+        </p:nvSpPr>
+        <p:spPr>
+          <a:xfrm>
+            <a:off x="504000" y="1769040"/>
+            <a:ext cx="9071280" cy="4384080"/>
+          </a:xfrm>
+          <a:prstGeom prst="rect">
+            <a:avLst/>
+          </a:prstGeom>
+        </p:spPr>
+        <p:txBody>
+          <a:bodyPr lIns="0" rIns="0" tIns="0" bIns="0"/>
+          <a:p>
+            <a:endParaRPr/>
+          </a:p>
+        </p:txBody>
+      </p:sp>
+      <p:sp>
+        <p:nvSpPr>
+          <p:cNvPr id="69" name="PlaceHolder 3"/>
+          <p:cNvSpPr>
+            <a:spLocks noGrp="1"/>
+          </p:cNvSpPr>
+          <p:nvPr>
+            <p:ph type="body"/>
+          </p:nvPr>
+        </p:nvSpPr>
+        <p:spPr>
+          <a:xfrm>
+            <a:off x="504000" y="1769040"/>
+            <a:ext cx="9071280" cy="4384080"/>
+          </a:xfrm>
+          <a:prstGeom prst="rect">
+            <a:avLst/>
+          </a:prstGeom>
+        </p:spPr>
+        <p:txBody>
+          <a:bodyPr lIns="0" rIns="0" tIns="0" bIns="0"/>
+          <a:p>
+            <a:endParaRPr/>
+          </a:p>
+        </p:txBody>
+      </p:sp>
+      <p:pic>
+        <p:nvPicPr>
+          <p:cNvPr id="70" name="" descr=""/>
+          <p:cNvPicPr/>
+          <p:nvPr/>
+        </p:nvPicPr>
+        <p:blipFill>
+          <a:blip r:embed="rId2"/>
+          <a:stretch>
+            <a:fillRect/>
+          </a:stretch>
+        </p:blipFill>
+        <p:spPr>
+          <a:xfrm>
+            <a:off x="2292120" y="1769040"/>
+            <a:ext cx="5494680" cy="4384080"/>
+          </a:xfrm>
+          <a:prstGeom prst="rect">
+            <a:avLst/>
+          </a:prstGeom>
+          <a:ln>
+            <a:noFill/>
+          </a:ln>
+        </p:spPr>
+      </p:pic>
+      <p:pic>
+        <p:nvPicPr>
+          <p:cNvPr id="71" name="" descr=""/>
+          <p:cNvPicPr/>
+          <p:nvPr/>
+        </p:nvPicPr>
+        <p:blipFill>
+          <a:blip r:embed="rId3"/>
+          <a:stretch>
+            <a:fillRect/>
+          </a:stretch>
+        </p:blipFill>
+        <p:spPr>
+          <a:xfrm>
+            <a:off x="2292120" y="1769040"/>
+            <a:ext cx="5494680" cy="4384080"/>
+          </a:xfrm>
+          <a:prstGeom prst="rect">
+            <a:avLst/>
+          </a:prstGeom>
+          <a:ln>
+            <a:noFill/>
+          </a:ln>
+        </p:spPr>
+      </p:pic>
     </p:spTree>
   </p:cSld>
 </p:sldLayout>
@@ -537,7 +1709,7 @@
       </p:grpSpPr>
       <p:sp>
         <p:nvSpPr>
-          <p:cNvPr id="7" name="PlaceHolder 1"/>
+          <p:cNvPr id="4" name="PlaceHolder 1"/>
           <p:cNvSpPr>
             <a:spLocks noGrp="1"/>
           </p:cNvSpPr>
@@ -548,7 +1720,7 @@
         <p:spPr>
           <a:xfrm>
             <a:off x="504000" y="301320"/>
-            <a:ext cx="9071640" cy="1262520"/>
+            <a:ext cx="9071280" cy="1262520"/>
           </a:xfrm>
           <a:prstGeom prst="rect">
             <a:avLst/>
@@ -564,7 +1736,7 @@
       </p:sp>
       <p:sp>
         <p:nvSpPr>
-          <p:cNvPr id="8" name="PlaceHolder 2"/>
+          <p:cNvPr id="5" name="PlaceHolder 2"/>
           <p:cNvSpPr>
             <a:spLocks noGrp="1"/>
           </p:cNvSpPr>
@@ -575,7 +1747,7 @@
         <p:spPr>
           <a:xfrm>
             <a:off x="504000" y="1769040"/>
-            <a:ext cx="9071640" cy="4384440"/>
+            <a:ext cx="9071280" cy="4384080"/>
           </a:xfrm>
           <a:prstGeom prst="rect">
             <a:avLst/>
@@ -612,7 +1784,7 @@
       </p:grpSpPr>
       <p:sp>
         <p:nvSpPr>
-          <p:cNvPr id="9" name="PlaceHolder 1"/>
+          <p:cNvPr id="6" name="PlaceHolder 1"/>
           <p:cNvSpPr>
             <a:spLocks noGrp="1"/>
           </p:cNvSpPr>
@@ -623,7 +1795,7 @@
         <p:spPr>
           <a:xfrm>
             <a:off x="504000" y="301320"/>
-            <a:ext cx="9071640" cy="1262520"/>
+            <a:ext cx="9071280" cy="1262520"/>
           </a:xfrm>
           <a:prstGeom prst="rect">
             <a:avLst/>
@@ -639,7 +1811,7 @@
       </p:sp>
       <p:sp>
         <p:nvSpPr>
-          <p:cNvPr id="10" name="PlaceHolder 2"/>
+          <p:cNvPr id="7" name="PlaceHolder 2"/>
           <p:cNvSpPr>
             <a:spLocks noGrp="1"/>
           </p:cNvSpPr>
@@ -650,7 +1822,7 @@
         <p:spPr>
           <a:xfrm>
             <a:off x="504000" y="1769040"/>
-            <a:ext cx="4426920" cy="4384440"/>
+            <a:ext cx="4426560" cy="4384080"/>
           </a:xfrm>
           <a:prstGeom prst="rect">
             <a:avLst/>
@@ -665,7 +1837,7 @@
       </p:sp>
       <p:sp>
         <p:nvSpPr>
-          <p:cNvPr id="11" name="PlaceHolder 3"/>
+          <p:cNvPr id="8" name="PlaceHolder 3"/>
           <p:cNvSpPr>
             <a:spLocks noGrp="1"/>
           </p:cNvSpPr>
@@ -675,8 +1847,8 @@
         </p:nvSpPr>
         <p:spPr>
           <a:xfrm>
-            <a:off x="5152680" y="1769040"/>
-            <a:ext cx="4426920" cy="4384440"/>
+            <a:off x="5152320" y="1769040"/>
+            <a:ext cx="4426560" cy="4384080"/>
           </a:xfrm>
           <a:prstGeom prst="rect">
             <a:avLst/>
@@ -713,7 +1885,7 @@
       </p:grpSpPr>
       <p:sp>
         <p:nvSpPr>
-          <p:cNvPr id="12" name="PlaceHolder 1"/>
+          <p:cNvPr id="9" name="PlaceHolder 1"/>
           <p:cNvSpPr>
             <a:spLocks noGrp="1"/>
           </p:cNvSpPr>
@@ -724,7 +1896,7 @@
         <p:spPr>
           <a:xfrm>
             <a:off x="504000" y="301320"/>
-            <a:ext cx="9071640" cy="1262520"/>
+            <a:ext cx="9071280" cy="1262520"/>
           </a:xfrm>
           <a:prstGeom prst="rect">
             <a:avLst/>
@@ -762,7 +1934,7 @@
       </p:grpSpPr>
       <p:sp>
         <p:nvSpPr>
-          <p:cNvPr id="13" name="PlaceHolder 1"/>
+          <p:cNvPr id="10" name="PlaceHolder 1"/>
           <p:cNvSpPr>
             <a:spLocks noGrp="1"/>
           </p:cNvSpPr>
@@ -773,7 +1945,7 @@
         <p:spPr>
           <a:xfrm>
             <a:off x="504000" y="301320"/>
-            <a:ext cx="9071640" cy="5852160"/>
+            <a:ext cx="9071280" cy="5852160"/>
           </a:xfrm>
           <a:prstGeom prst="rect">
             <a:avLst/>
@@ -811,7 +1983,7 @@
       </p:grpSpPr>
       <p:sp>
         <p:nvSpPr>
-          <p:cNvPr id="14" name="PlaceHolder 1"/>
+          <p:cNvPr id="11" name="PlaceHolder 1"/>
           <p:cNvSpPr>
             <a:spLocks noGrp="1"/>
           </p:cNvSpPr>
@@ -822,7 +1994,7 @@
         <p:spPr>
           <a:xfrm>
             <a:off x="504000" y="301320"/>
-            <a:ext cx="9071640" cy="1262520"/>
+            <a:ext cx="9071280" cy="1262520"/>
           </a:xfrm>
           <a:prstGeom prst="rect">
             <a:avLst/>
@@ -838,7 +2010,7 @@
       </p:sp>
       <p:sp>
         <p:nvSpPr>
-          <p:cNvPr id="15" name="PlaceHolder 2"/>
+          <p:cNvPr id="12" name="PlaceHolder 2"/>
           <p:cNvSpPr>
             <a:spLocks noGrp="1"/>
           </p:cNvSpPr>
@@ -849,7 +2021,7 @@
         <p:spPr>
           <a:xfrm>
             <a:off x="504000" y="1769040"/>
-            <a:ext cx="4426920" cy="2091240"/>
+            <a:ext cx="4426560" cy="2090880"/>
           </a:xfrm>
           <a:prstGeom prst="rect">
             <a:avLst/>
@@ -864,7 +2036,7 @@
       </p:sp>
       <p:sp>
         <p:nvSpPr>
-          <p:cNvPr id="16" name="PlaceHolder 3"/>
+          <p:cNvPr id="13" name="PlaceHolder 3"/>
           <p:cNvSpPr>
             <a:spLocks noGrp="1"/>
           </p:cNvSpPr>
@@ -874,8 +2046,8 @@
         </p:nvSpPr>
         <p:spPr>
           <a:xfrm>
-            <a:off x="504000" y="4059360"/>
-            <a:ext cx="4426920" cy="2091240"/>
+            <a:off x="504000" y="4059000"/>
+            <a:ext cx="4426560" cy="2090880"/>
           </a:xfrm>
           <a:prstGeom prst="rect">
             <a:avLst/>
@@ -890,7 +2062,7 @@
       </p:sp>
       <p:sp>
         <p:nvSpPr>
-          <p:cNvPr id="17" name="PlaceHolder 4"/>
+          <p:cNvPr id="14" name="PlaceHolder 4"/>
           <p:cNvSpPr>
             <a:spLocks noGrp="1"/>
           </p:cNvSpPr>
@@ -900,8 +2072,8 @@
         </p:nvSpPr>
         <p:spPr>
           <a:xfrm>
-            <a:off x="5152680" y="1769040"/>
-            <a:ext cx="4426920" cy="4384440"/>
+            <a:off x="5152320" y="1769040"/>
+            <a:ext cx="4426560" cy="4384080"/>
           </a:xfrm>
           <a:prstGeom prst="rect">
             <a:avLst/>
@@ -938,7 +2110,7 @@
       </p:grpSpPr>
       <p:sp>
         <p:nvSpPr>
-          <p:cNvPr id="18" name="PlaceHolder 1"/>
+          <p:cNvPr id="15" name="PlaceHolder 1"/>
           <p:cNvSpPr>
             <a:spLocks noGrp="1"/>
           </p:cNvSpPr>
@@ -949,7 +2121,7 @@
         <p:spPr>
           <a:xfrm>
             <a:off x="504000" y="301320"/>
-            <a:ext cx="9071640" cy="1262520"/>
+            <a:ext cx="9071280" cy="1262520"/>
           </a:xfrm>
           <a:prstGeom prst="rect">
             <a:avLst/>
@@ -965,7 +2137,7 @@
       </p:sp>
       <p:sp>
         <p:nvSpPr>
-          <p:cNvPr id="19" name="PlaceHolder 2"/>
+          <p:cNvPr id="16" name="PlaceHolder 2"/>
           <p:cNvSpPr>
             <a:spLocks noGrp="1"/>
           </p:cNvSpPr>
@@ -976,7 +2148,7 @@
         <p:spPr>
           <a:xfrm>
             <a:off x="504000" y="1769040"/>
-            <a:ext cx="4426920" cy="4384440"/>
+            <a:ext cx="4426560" cy="4384080"/>
           </a:xfrm>
           <a:prstGeom prst="rect">
             <a:avLst/>
@@ -991,7 +2163,7 @@
       </p:sp>
       <p:sp>
         <p:nvSpPr>
-          <p:cNvPr id="20" name="PlaceHolder 3"/>
+          <p:cNvPr id="17" name="PlaceHolder 3"/>
           <p:cNvSpPr>
             <a:spLocks noGrp="1"/>
           </p:cNvSpPr>
@@ -1001,8 +2173,8 @@
         </p:nvSpPr>
         <p:spPr>
           <a:xfrm>
-            <a:off x="5152680" y="1769040"/>
-            <a:ext cx="4426920" cy="2091240"/>
+            <a:off x="5152320" y="1769040"/>
+            <a:ext cx="4426560" cy="2090880"/>
           </a:xfrm>
           <a:prstGeom prst="rect">
             <a:avLst/>
@@ -1017,7 +2189,7 @@
       </p:sp>
       <p:sp>
         <p:nvSpPr>
-          <p:cNvPr id="21" name="PlaceHolder 4"/>
+          <p:cNvPr id="18" name="PlaceHolder 4"/>
           <p:cNvSpPr>
             <a:spLocks noGrp="1"/>
           </p:cNvSpPr>
@@ -1027,8 +2199,8 @@
         </p:nvSpPr>
         <p:spPr>
           <a:xfrm>
-            <a:off x="5152680" y="4059360"/>
-            <a:ext cx="4426920" cy="2091240"/>
+            <a:off x="5152320" y="4059000"/>
+            <a:ext cx="4426560" cy="2090880"/>
           </a:xfrm>
           <a:prstGeom prst="rect">
             <a:avLst/>
@@ -1065,7 +2237,7 @@
       </p:grpSpPr>
       <p:sp>
         <p:nvSpPr>
-          <p:cNvPr id="22" name="PlaceHolder 1"/>
+          <p:cNvPr id="19" name="PlaceHolder 1"/>
           <p:cNvSpPr>
             <a:spLocks noGrp="1"/>
           </p:cNvSpPr>
@@ -1076,7 +2248,7 @@
         <p:spPr>
           <a:xfrm>
             <a:off x="504000" y="301320"/>
-            <a:ext cx="9071640" cy="1262520"/>
+            <a:ext cx="9071280" cy="1262520"/>
           </a:xfrm>
           <a:prstGeom prst="rect">
             <a:avLst/>
@@ -1092,7 +2264,7 @@
       </p:sp>
       <p:sp>
         <p:nvSpPr>
-          <p:cNvPr id="23" name="PlaceHolder 2"/>
+          <p:cNvPr id="20" name="PlaceHolder 2"/>
           <p:cNvSpPr>
             <a:spLocks noGrp="1"/>
           </p:cNvSpPr>
@@ -1103,7 +2275,7 @@
         <p:spPr>
           <a:xfrm>
             <a:off x="504000" y="1769040"/>
-            <a:ext cx="4426920" cy="2091240"/>
+            <a:ext cx="4426560" cy="2090880"/>
           </a:xfrm>
           <a:prstGeom prst="rect">
             <a:avLst/>
@@ -1118,7 +2290,7 @@
       </p:sp>
       <p:sp>
         <p:nvSpPr>
-          <p:cNvPr id="24" name="PlaceHolder 3"/>
+          <p:cNvPr id="21" name="PlaceHolder 3"/>
           <p:cNvSpPr>
             <a:spLocks noGrp="1"/>
           </p:cNvSpPr>
@@ -1128,8 +2300,8 @@
         </p:nvSpPr>
         <p:spPr>
           <a:xfrm>
-            <a:off x="5152680" y="1769040"/>
-            <a:ext cx="4426920" cy="2091240"/>
+            <a:off x="5152320" y="1769040"/>
+            <a:ext cx="4426560" cy="2090880"/>
           </a:xfrm>
           <a:prstGeom prst="rect">
             <a:avLst/>
@@ -1144,7 +2316,7 @@
       </p:sp>
       <p:sp>
         <p:nvSpPr>
-          <p:cNvPr id="25" name="PlaceHolder 4"/>
+          <p:cNvPr id="22" name="PlaceHolder 4"/>
           <p:cNvSpPr>
             <a:spLocks noGrp="1"/>
           </p:cNvSpPr>
@@ -1154,8 +2326,8 @@
         </p:nvSpPr>
         <p:spPr>
           <a:xfrm>
-            <a:off x="504000" y="4059360"/>
-            <a:ext cx="9071640" cy="2091240"/>
+            <a:off x="504000" y="4059000"/>
+            <a:ext cx="9071280" cy="2090880"/>
           </a:xfrm>
           <a:prstGeom prst="rect">
             <a:avLst/>
@@ -1203,7 +2375,7 @@
         <p:spPr>
           <a:xfrm>
             <a:off x="504000" y="301320"/>
-            <a:ext cx="9071640" cy="1262160"/>
+            <a:ext cx="9071280" cy="1262160"/>
           </a:xfrm>
           <a:prstGeom prst="rect">
             <a:avLst/>
@@ -1212,9 +2384,8 @@
         <p:txBody>
           <a:bodyPr lIns="0" rIns="0" tIns="0" bIns="0" anchor="ctr"/>
           <a:p>
-            <a:pPr algn="ctr"/>
-            <a:r>
-              <a:rPr lang="en-US" sz="4400">
+            <a:r>
+              <a:rPr lang="en-US">
                 <a:latin typeface="Arial"/>
               </a:rPr>
               <a:t>Click to edit the title text format</a:t>
@@ -1235,8 +2406,8 @@
         </p:nvSpPr>
         <p:spPr>
           <a:xfrm>
-            <a:off x="504000" y="1769040"/>
-            <a:ext cx="9071640" cy="4384440"/>
+            <a:off x="504000" y="1768680"/>
+            <a:ext cx="9072000" cy="4384080"/>
           </a:xfrm>
           <a:prstGeom prst="rect">
             <a:avLst/>
@@ -1340,104 +2511,6 @@
               </a:rPr>
               <a:t>Seventh Outline Level</a:t>
             </a:r>
-            <a:endParaRPr/>
-          </a:p>
-        </p:txBody>
-      </p:sp>
-      <p:sp>
-        <p:nvSpPr>
-          <p:cNvPr id="2" name="PlaceHolder 3"/>
-          <p:cNvSpPr>
-            <a:spLocks noGrp="1"/>
-          </p:cNvSpPr>
-          <p:nvPr>
-            <p:ph type="dt"/>
-          </p:nvPr>
-        </p:nvSpPr>
-        <p:spPr>
-          <a:xfrm>
-            <a:off x="504000" y="6887160"/>
-            <a:ext cx="2348280" cy="521280"/>
-          </a:xfrm>
-          <a:prstGeom prst="rect">
-            <a:avLst/>
-          </a:prstGeom>
-        </p:spPr>
-        <p:txBody>
-          <a:bodyPr lIns="0" rIns="0" tIns="0" bIns="0"/>
-          <a:p>
-            <a:r>
-              <a:rPr lang="en-US" sz="1400">
-                <a:latin typeface="Times New Roman"/>
-              </a:rPr>
-              <a:t>&lt;date/time&gt;</a:t>
-            </a:r>
-            <a:endParaRPr/>
-          </a:p>
-        </p:txBody>
-      </p:sp>
-      <p:sp>
-        <p:nvSpPr>
-          <p:cNvPr id="3" name="PlaceHolder 4"/>
-          <p:cNvSpPr>
-            <a:spLocks noGrp="1"/>
-          </p:cNvSpPr>
-          <p:nvPr>
-            <p:ph type="ftr"/>
-          </p:nvPr>
-        </p:nvSpPr>
-        <p:spPr>
-          <a:xfrm>
-            <a:off x="3447360" y="6887160"/>
-            <a:ext cx="3195000" cy="521280"/>
-          </a:xfrm>
-          <a:prstGeom prst="rect">
-            <a:avLst/>
-          </a:prstGeom>
-        </p:spPr>
-        <p:txBody>
-          <a:bodyPr lIns="0" rIns="0" tIns="0" bIns="0"/>
-          <a:p>
-            <a:pPr algn="ctr"/>
-            <a:r>
-              <a:rPr lang="en-US" sz="1400">
-                <a:latin typeface="Times New Roman"/>
-              </a:rPr>
-              <a:t>&lt;footer&gt;</a:t>
-            </a:r>
-            <a:endParaRPr/>
-          </a:p>
-        </p:txBody>
-      </p:sp>
-      <p:sp>
-        <p:nvSpPr>
-          <p:cNvPr id="4" name="PlaceHolder 5"/>
-          <p:cNvSpPr>
-            <a:spLocks noGrp="1"/>
-          </p:cNvSpPr>
-          <p:nvPr>
-            <p:ph type="sldNum"/>
-          </p:nvPr>
-        </p:nvSpPr>
-        <p:spPr>
-          <a:xfrm>
-            <a:off x="7227360" y="6887160"/>
-            <a:ext cx="2348280" cy="521280"/>
-          </a:xfrm>
-          <a:prstGeom prst="rect">
-            <a:avLst/>
-          </a:prstGeom>
-        </p:spPr>
-        <p:txBody>
-          <a:bodyPr lIns="0" rIns="0" tIns="0" bIns="0"/>
-          <a:p>
-            <a:pPr algn="r"/>
-            <a:fld id="{11E97D25-DE7D-4A8D-BBB1-656A92FF4FDA}" type="slidenum">
-              <a:rPr lang="en-US" sz="1400">
-                <a:latin typeface="Times New Roman"/>
-              </a:rPr>
-              <a:t>&lt;number&gt;</a:t>
-            </a:fld>
             <a:endParaRPr/>
           </a:p>
         </p:txBody>
@@ -1458,6 +2531,196 @@
     <p:sldLayoutId id="2147483658" r:id="rId11"/>
     <p:sldLayoutId id="2147483659" r:id="rId12"/>
     <p:sldLayoutId id="2147483660" r:id="rId13"/>
+  </p:sldLayoutIdLst>
+</p:sldMaster>
+</file>
+
+<file path=ppt/slideMasters/slideMaster2.xml><?xml version="1.0" encoding="utf-8"?>
+<p:sldMaster xmlns:a="http://schemas.openxmlformats.org/drawingml/2006/main" xmlns:p="http://schemas.openxmlformats.org/presentationml/2006/main" xmlns:r="http://schemas.openxmlformats.org/officeDocument/2006/relationships">
+  <p:cSld>
+    <p:spTree>
+      <p:nvGrpSpPr>
+        <p:cNvPr id="1" name=""/>
+        <p:cNvGrpSpPr/>
+        <p:nvPr/>
+      </p:nvGrpSpPr>
+      <p:grpSpPr>
+        <a:xfrm>
+          <a:off x="0" y="0"/>
+          <a:ext cx="0" cy="0"/>
+          <a:chOff x="0" y="0"/>
+          <a:chExt cx="0" cy="0"/>
+        </a:xfrm>
+      </p:grpSpPr>
+      <p:sp>
+        <p:nvSpPr>
+          <p:cNvPr id="36" name="PlaceHolder 1"/>
+          <p:cNvSpPr>
+            <a:spLocks noGrp="1"/>
+          </p:cNvSpPr>
+          <p:nvPr>
+            <p:ph type="title"/>
+          </p:nvPr>
+        </p:nvSpPr>
+        <p:spPr>
+          <a:xfrm>
+            <a:off x="504000" y="301320"/>
+            <a:ext cx="9071280" cy="1262160"/>
+          </a:xfrm>
+          <a:prstGeom prst="rect">
+            <a:avLst/>
+          </a:prstGeom>
+        </p:spPr>
+        <p:txBody>
+          <a:bodyPr lIns="0" rIns="0" tIns="0" bIns="0" anchor="ctr"/>
+          <a:p>
+            <a:r>
+              <a:rPr lang="en-US">
+                <a:latin typeface="Arial"/>
+              </a:rPr>
+              <a:t>Click to edit the title text format</a:t>
+            </a:r>
+            <a:endParaRPr/>
+          </a:p>
+        </p:txBody>
+      </p:sp>
+      <p:sp>
+        <p:nvSpPr>
+          <p:cNvPr id="37" name="PlaceHolder 2"/>
+          <p:cNvSpPr>
+            <a:spLocks noGrp="1"/>
+          </p:cNvSpPr>
+          <p:nvPr>
+            <p:ph type="body"/>
+          </p:nvPr>
+        </p:nvSpPr>
+        <p:spPr>
+          <a:xfrm>
+            <a:off x="504000" y="1769040"/>
+            <a:ext cx="9071280" cy="4384080"/>
+          </a:xfrm>
+          <a:prstGeom prst="rect">
+            <a:avLst/>
+          </a:prstGeom>
+        </p:spPr>
+        <p:txBody>
+          <a:bodyPr lIns="0" rIns="0" tIns="0" bIns="0"/>
+          <a:p>
+            <a:pPr>
+              <a:buSzPct val="45000"/>
+              <a:buFont typeface="StarSymbol"/>
+              <a:buChar char=""/>
+            </a:pPr>
+            <a:r>
+              <a:rPr lang="en-US">
+                <a:latin typeface="Arial"/>
+              </a:rPr>
+              <a:t>Click to edit the outline text format</a:t>
+            </a:r>
+            <a:endParaRPr/>
+          </a:p>
+          <a:p>
+            <a:pPr lvl="1">
+              <a:buSzPct val="75000"/>
+              <a:buFont typeface="StarSymbol"/>
+              <a:buChar char=""/>
+            </a:pPr>
+            <a:r>
+              <a:rPr lang="en-US">
+                <a:latin typeface="Arial"/>
+              </a:rPr>
+              <a:t>Second Outline Level</a:t>
+            </a:r>
+            <a:endParaRPr/>
+          </a:p>
+          <a:p>
+            <a:pPr lvl="2">
+              <a:buSzPct val="45000"/>
+              <a:buFont typeface="StarSymbol"/>
+              <a:buChar char=""/>
+            </a:pPr>
+            <a:r>
+              <a:rPr lang="en-US">
+                <a:latin typeface="Arial"/>
+              </a:rPr>
+              <a:t>Third Outline Level</a:t>
+            </a:r>
+            <a:endParaRPr/>
+          </a:p>
+          <a:p>
+            <a:pPr lvl="3">
+              <a:buSzPct val="75000"/>
+              <a:buFont typeface="StarSymbol"/>
+              <a:buChar char=""/>
+            </a:pPr>
+            <a:r>
+              <a:rPr lang="en-US">
+                <a:latin typeface="Arial"/>
+              </a:rPr>
+              <a:t>Fourth Outline Level</a:t>
+            </a:r>
+            <a:endParaRPr/>
+          </a:p>
+          <a:p>
+            <a:pPr lvl="4">
+              <a:buSzPct val="45000"/>
+              <a:buFont typeface="StarSymbol"/>
+              <a:buChar char=""/>
+            </a:pPr>
+            <a:r>
+              <a:rPr lang="en-US">
+                <a:latin typeface="Arial"/>
+              </a:rPr>
+              <a:t>Fifth Outline Level</a:t>
+            </a:r>
+            <a:endParaRPr/>
+          </a:p>
+          <a:p>
+            <a:pPr lvl="5">
+              <a:buSzPct val="45000"/>
+              <a:buFont typeface="StarSymbol"/>
+              <a:buChar char=""/>
+            </a:pPr>
+            <a:r>
+              <a:rPr lang="en-US">
+                <a:latin typeface="Arial"/>
+              </a:rPr>
+              <a:t>Sixth Outline Level</a:t>
+            </a:r>
+            <a:endParaRPr/>
+          </a:p>
+          <a:p>
+            <a:pPr lvl="6">
+              <a:buSzPct val="45000"/>
+              <a:buFont typeface="StarSymbol"/>
+              <a:buChar char=""/>
+            </a:pPr>
+            <a:r>
+              <a:rPr lang="en-US">
+                <a:latin typeface="Arial"/>
+              </a:rPr>
+              <a:t>Seventh Outline Level</a:t>
+            </a:r>
+            <a:endParaRPr/>
+          </a:p>
+        </p:txBody>
+      </p:sp>
+    </p:spTree>
+  </p:cSld>
+  <p:clrMap bg1="lt1" bg2="lt2" tx1="dk1" tx2="dk2" accent1="accent1" accent2="accent2" accent3="accent3" accent4="accent4" accent5="accent5" accent6="accent6" hlink="hlink" folHlink="folHlink"/>
+  <p:sldLayoutIdLst>
+    <p:sldLayoutId id="2147483662" r:id="rId2"/>
+    <p:sldLayoutId id="2147483663" r:id="rId3"/>
+    <p:sldLayoutId id="2147483664" r:id="rId4"/>
+    <p:sldLayoutId id="2147483665" r:id="rId5"/>
+    <p:sldLayoutId id="2147483666" r:id="rId6"/>
+    <p:sldLayoutId id="2147483667" r:id="rId7"/>
+    <p:sldLayoutId id="2147483668" r:id="rId8"/>
+    <p:sldLayoutId id="2147483669" r:id="rId9"/>
+    <p:sldLayoutId id="2147483670" r:id="rId10"/>
+    <p:sldLayoutId id="2147483671" r:id="rId11"/>
+    <p:sldLayoutId id="2147483672" r:id="rId12"/>
+    <p:sldLayoutId id="2147483673" r:id="rId13"/>
   </p:sldLayoutIdLst>
 </p:sldMaster>
 </file>
@@ -1481,23 +2744,31 @@
       </p:grpSpPr>
       <p:sp>
         <p:nvSpPr>
-          <p:cNvPr id="39" name="TextShape 1"/>
-          <p:cNvSpPr txBox="1"/>
+          <p:cNvPr id="72" name="CustomShape 1"/>
+          <p:cNvSpPr/>
           <p:nvPr/>
         </p:nvSpPr>
         <p:spPr>
           <a:xfrm>
             <a:off x="504000" y="301320"/>
-            <a:ext cx="9071640" cy="1262160"/>
-          </a:xfrm>
-          <a:prstGeom prst="rect">
-            <a:avLst/>
-          </a:prstGeom>
+            <a:ext cx="9071280" cy="1261800"/>
+          </a:xfrm>
+          <a:prstGeom prst="rect">
+            <a:avLst/>
+          </a:prstGeom>
+          <a:noFill/>
+          <a:ln>
+            <a:noFill/>
+          </a:ln>
         </p:spPr>
         <p:txBody>
           <a:bodyPr lIns="0" rIns="0" tIns="0" bIns="0" anchor="ctr"/>
           <a:p>
-            <a:pPr algn="ctr"/>
+            <a:pPr algn="ctr">
+              <a:lnSpc>
+                <a:spcPct val="100000"/>
+              </a:lnSpc>
+            </a:pPr>
             <a:r>
               <a:rPr lang="en-US" sz="4400">
                 <a:latin typeface="Arial"/>
@@ -1510,26 +2781,33 @@
       </p:sp>
       <p:sp>
         <p:nvSpPr>
-          <p:cNvPr id="40" name="TextShape 2"/>
-          <p:cNvSpPr txBox="1"/>
+          <p:cNvPr id="73" name="CustomShape 2"/>
+          <p:cNvSpPr/>
           <p:nvPr/>
         </p:nvSpPr>
         <p:spPr>
           <a:xfrm>
             <a:off x="504000" y="1769040"/>
-            <a:ext cx="9071640" cy="4384440"/>
-          </a:xfrm>
-          <a:prstGeom prst="rect">
-            <a:avLst/>
-          </a:prstGeom>
+            <a:ext cx="9071280" cy="4384080"/>
+          </a:xfrm>
+          <a:prstGeom prst="rect">
+            <a:avLst/>
+          </a:prstGeom>
+          <a:noFill/>
+          <a:ln>
+            <a:noFill/>
+          </a:ln>
         </p:spPr>
         <p:txBody>
           <a:bodyPr lIns="0" rIns="0" tIns="0" bIns="0"/>
           <a:p>
             <a:pPr>
-              <a:buSzPct val="45000"/>
-              <a:buFont typeface="StarSymbol"/>
-              <a:buChar char=""/>
+              <a:lnSpc>
+                <a:spcPct val="100000"/>
+              </a:lnSpc>
+              <a:buSzPct val="45000"/>
+              <a:buFont typeface="StarSymbol"/>
+              <a:buChar char="l"/>
             </a:pPr>
             <a:r>
               <a:rPr lang="en-US" sz="3200">
@@ -1541,9 +2819,12 @@
           </a:p>
           <a:p>
             <a:pPr>
-              <a:buSzPct val="45000"/>
-              <a:buFont typeface="StarSymbol"/>
-              <a:buChar char=""/>
+              <a:lnSpc>
+                <a:spcPct val="100000"/>
+              </a:lnSpc>
+              <a:buSzPct val="45000"/>
+              <a:buFont typeface="StarSymbol"/>
+              <a:buChar char="l"/>
             </a:pPr>
             <a:r>
               <a:rPr lang="en-US" sz="3200">
@@ -1555,9 +2836,12 @@
           </a:p>
           <a:p>
             <a:pPr>
-              <a:buSzPct val="45000"/>
-              <a:buFont typeface="StarSymbol"/>
-              <a:buChar char=""/>
+              <a:lnSpc>
+                <a:spcPct val="100000"/>
+              </a:lnSpc>
+              <a:buSzPct val="45000"/>
+              <a:buFont typeface="StarSymbol"/>
+              <a:buChar char="l"/>
             </a:pPr>
             <a:r>
               <a:rPr lang="en-US" sz="3200">
@@ -1569,9 +2853,12 @@
           </a:p>
           <a:p>
             <a:pPr>
-              <a:buSzPct val="45000"/>
-              <a:buFont typeface="StarSymbol"/>
-              <a:buChar char=""/>
+              <a:lnSpc>
+                <a:spcPct val="100000"/>
+              </a:lnSpc>
+              <a:buSzPct val="45000"/>
+              <a:buFont typeface="StarSymbol"/>
+              <a:buChar char="l"/>
             </a:pPr>
             <a:r>
               <a:rPr lang="en-US" sz="3200">
@@ -1582,7 +2869,11 @@
             <a:endParaRPr/>
           </a:p>
           <a:p>
-            <a:pPr algn="ctr"/>
+            <a:pPr algn="ctr">
+              <a:lnSpc>
+                <a:spcPct val="100000"/>
+              </a:lnSpc>
+            </a:pPr>
             <a:endParaRPr/>
           </a:p>
         </p:txBody>
@@ -1596,6 +2887,1190 @@
           <p:childTnLst>
             <p:seq>
               <p:cTn id="2" nodeType="mainSeq"/>
+              <p:prevCondLst>
+                <p:cond delay="0" evt="onPrev">
+                  <p:tgtEl>
+                    <p:sldTgt/>
+                  </p:tgtEl>
+                </p:cond>
+              </p:prevCondLst>
+              <p:nextCondLst>
+                <p:cond delay="0" evt="onNext">
+                  <p:tgtEl>
+                    <p:sldTgt/>
+                  </p:tgtEl>
+                </p:cond>
+              </p:nextCondLst>
+            </p:seq>
+          </p:childTnLst>
+        </p:cTn>
+      </p:par>
+    </p:tnLst>
+  </p:timing>
+</p:sld>
+</file>
+
+<file path=ppt/slides/slide10.xml><?xml version="1.0" encoding="utf-8"?>
+<p:sld xmlns:a="http://schemas.openxmlformats.org/drawingml/2006/main" xmlns:p="http://schemas.openxmlformats.org/presentationml/2006/main" xmlns:r="http://schemas.openxmlformats.org/officeDocument/2006/relationships">
+  <p:cSld>
+    <p:spTree>
+      <p:nvGrpSpPr>
+        <p:cNvPr id="1" name=""/>
+        <p:cNvGrpSpPr/>
+        <p:nvPr/>
+      </p:nvGrpSpPr>
+      <p:grpSpPr>
+        <a:xfrm>
+          <a:off x="0" y="0"/>
+          <a:ext cx="0" cy="0"/>
+          <a:chOff x="0" y="0"/>
+          <a:chExt cx="0" cy="0"/>
+        </a:xfrm>
+      </p:grpSpPr>
+      <p:sp>
+        <p:nvSpPr>
+          <p:cNvPr id="90" name="TextShape 1"/>
+          <p:cNvSpPr txBox="1"/>
+          <p:nvPr/>
+        </p:nvSpPr>
+        <p:spPr>
+          <a:xfrm>
+            <a:off x="504000" y="301320"/>
+            <a:ext cx="9071280" cy="1262160"/>
+          </a:xfrm>
+          <a:prstGeom prst="rect">
+            <a:avLst/>
+          </a:prstGeom>
+        </p:spPr>
+        <p:txBody>
+          <a:bodyPr lIns="0" rIns="0" tIns="0" bIns="0" anchor="ctr"/>
+          <a:p>
+            <a:pPr algn="ctr"/>
+            <a:r>
+              <a:rPr lang="en-US" sz="4400">
+                <a:latin typeface="Arial"/>
+              </a:rPr>
+              <a:t>使用</a:t>
+            </a:r>
+            <a:r>
+              <a:rPr lang="en-US" sz="4400">
+                <a:latin typeface="Arial"/>
+              </a:rPr>
+              <a:t>LDAP</a:t>
+            </a:r>
+            <a:endParaRPr/>
+          </a:p>
+        </p:txBody>
+      </p:sp>
+      <p:sp>
+        <p:nvSpPr>
+          <p:cNvPr id="91" name="TextShape 2"/>
+          <p:cNvSpPr txBox="1"/>
+          <p:nvPr/>
+        </p:nvSpPr>
+        <p:spPr>
+          <a:xfrm>
+            <a:off x="504000" y="1769040"/>
+            <a:ext cx="9071280" cy="4384080"/>
+          </a:xfrm>
+          <a:prstGeom prst="rect">
+            <a:avLst/>
+          </a:prstGeom>
+        </p:spPr>
+        <p:txBody>
+          <a:bodyPr lIns="0" rIns="0" tIns="0" bIns="0"/>
+          <a:p>
+            <a:pPr>
+              <a:buSzPct val="45000"/>
+              <a:buFont typeface="StarSymbol"/>
+              <a:buChar char=""/>
+            </a:pPr>
+            <a:r>
+              <a:rPr lang="en-US" sz="3200">
+                <a:latin typeface="Arial"/>
+              </a:rPr>
+              <a:t>机器认证</a:t>
+            </a:r>
+            <a:endParaRPr/>
+          </a:p>
+          <a:p>
+            <a:pPr>
+              <a:buSzPct val="45000"/>
+              <a:buFont typeface="StarSymbol"/>
+              <a:buChar char=""/>
+            </a:pPr>
+            <a:r>
+              <a:rPr lang="en-US" sz="3200">
+                <a:latin typeface="Arial"/>
+              </a:rPr>
+              <a:t>用户认证</a:t>
+            </a:r>
+            <a:endParaRPr/>
+          </a:p>
+          <a:p>
+            <a:pPr>
+              <a:buSzPct val="45000"/>
+              <a:buFont typeface="StarSymbol"/>
+              <a:buChar char=""/>
+            </a:pPr>
+            <a:r>
+              <a:rPr lang="en-US" sz="3200">
+                <a:latin typeface="Arial"/>
+              </a:rPr>
+              <a:t>用户</a:t>
+            </a:r>
+            <a:r>
+              <a:rPr lang="en-US" sz="3200">
+                <a:latin typeface="Arial"/>
+              </a:rPr>
+              <a:t>/</a:t>
+            </a:r>
+            <a:r>
+              <a:rPr lang="en-US" sz="3200">
+                <a:latin typeface="Arial"/>
+              </a:rPr>
+              <a:t>系统组</a:t>
+            </a:r>
+            <a:endParaRPr/>
+          </a:p>
+          <a:p>
+            <a:pPr>
+              <a:buSzPct val="45000"/>
+              <a:buFont typeface="StarSymbol"/>
+              <a:buChar char=""/>
+            </a:pPr>
+            <a:r>
+              <a:rPr lang="en-US" sz="3200">
+                <a:latin typeface="Arial"/>
+              </a:rPr>
+              <a:t>地址簿</a:t>
+            </a:r>
+            <a:endParaRPr/>
+          </a:p>
+          <a:p>
+            <a:pPr>
+              <a:buSzPct val="45000"/>
+              <a:buFont typeface="StarSymbol"/>
+              <a:buChar char=""/>
+            </a:pPr>
+            <a:r>
+              <a:rPr lang="en-US" sz="3200">
+                <a:latin typeface="Arial"/>
+              </a:rPr>
+              <a:t>组织代表</a:t>
+            </a:r>
+            <a:endParaRPr/>
+          </a:p>
+          <a:p>
+            <a:pPr>
+              <a:buSzPct val="45000"/>
+              <a:buFont typeface="StarSymbol"/>
+              <a:buChar char=""/>
+            </a:pPr>
+            <a:r>
+              <a:rPr lang="en-US" sz="3200">
+                <a:latin typeface="Arial"/>
+              </a:rPr>
+              <a:t>电话信息存储</a:t>
+            </a:r>
+            <a:endParaRPr/>
+          </a:p>
+          <a:p>
+            <a:pPr>
+              <a:buSzPct val="45000"/>
+              <a:buFont typeface="StarSymbol"/>
+              <a:buChar char=""/>
+            </a:pPr>
+            <a:r>
+              <a:rPr lang="en-US" sz="3200">
+                <a:latin typeface="Arial"/>
+              </a:rPr>
+              <a:t>电子邮件地址查找</a:t>
+            </a:r>
+            <a:endParaRPr/>
+          </a:p>
+        </p:txBody>
+      </p:sp>
+    </p:spTree>
+  </p:cSld>
+  <p:timing>
+    <p:tnLst>
+      <p:par>
+        <p:cTn id="19" dur="indefinite" restart="never" nodeType="tmRoot">
+          <p:childTnLst>
+            <p:seq>
+              <p:cTn id="20" nodeType="mainSeq"/>
+              <p:prevCondLst>
+                <p:cond delay="0" evt="onPrev">
+                  <p:tgtEl>
+                    <p:sldTgt/>
+                  </p:tgtEl>
+                </p:cond>
+              </p:prevCondLst>
+              <p:nextCondLst>
+                <p:cond delay="0" evt="onNext">
+                  <p:tgtEl>
+                    <p:sldTgt/>
+                  </p:tgtEl>
+                </p:cond>
+              </p:nextCondLst>
+            </p:seq>
+          </p:childTnLst>
+        </p:cTn>
+      </p:par>
+    </p:tnLst>
+  </p:timing>
+</p:sld>
+</file>
+
+<file path=ppt/slides/slide11.xml><?xml version="1.0" encoding="utf-8"?>
+<p:sld xmlns:a="http://schemas.openxmlformats.org/drawingml/2006/main" xmlns:p="http://schemas.openxmlformats.org/presentationml/2006/main" xmlns:r="http://schemas.openxmlformats.org/officeDocument/2006/relationships">
+  <p:cSld>
+    <p:spTree>
+      <p:nvGrpSpPr>
+        <p:cNvPr id="1" name=""/>
+        <p:cNvGrpSpPr/>
+        <p:nvPr/>
+      </p:nvGrpSpPr>
+      <p:grpSpPr>
+        <a:xfrm>
+          <a:off x="0" y="0"/>
+          <a:ext cx="0" cy="0"/>
+          <a:chOff x="0" y="0"/>
+          <a:chExt cx="0" cy="0"/>
+        </a:xfrm>
+      </p:grpSpPr>
+      <p:sp>
+        <p:nvSpPr>
+          <p:cNvPr id="92" name="TextShape 1"/>
+          <p:cNvSpPr txBox="1"/>
+          <p:nvPr/>
+        </p:nvSpPr>
+        <p:spPr>
+          <a:xfrm>
+            <a:off x="504000" y="301320"/>
+            <a:ext cx="9071280" cy="1262160"/>
+          </a:xfrm>
+          <a:prstGeom prst="rect">
+            <a:avLst/>
+          </a:prstGeom>
+        </p:spPr>
+        <p:txBody>
+          <a:bodyPr lIns="0" rIns="0" tIns="0" bIns="0" anchor="ctr"/>
+          <a:p>
+            <a:pPr algn="ctr"/>
+            <a:r>
+              <a:rPr lang="en-US" sz="4400">
+                <a:latin typeface="Arial"/>
+              </a:rPr>
+              <a:t>管理信息</a:t>
+            </a:r>
+            <a:endParaRPr/>
+          </a:p>
+        </p:txBody>
+      </p:sp>
+      <p:sp>
+        <p:nvSpPr>
+          <p:cNvPr id="93" name="TextShape 2"/>
+          <p:cNvSpPr txBox="1"/>
+          <p:nvPr/>
+        </p:nvSpPr>
+        <p:spPr>
+          <a:xfrm>
+            <a:off x="504000" y="1769040"/>
+            <a:ext cx="9071280" cy="4384080"/>
+          </a:xfrm>
+          <a:prstGeom prst="rect">
+            <a:avLst/>
+          </a:prstGeom>
+        </p:spPr>
+        <p:txBody>
+          <a:bodyPr lIns="0" rIns="0" tIns="0" bIns="0"/>
+          <a:p>
+            <a:pPr>
+              <a:buSzPct val="45000"/>
+              <a:buFont typeface="StarSymbol"/>
+              <a:buChar char=""/>
+            </a:pPr>
+            <a:r>
+              <a:rPr lang="en-US" sz="3200">
+                <a:latin typeface="Arial"/>
+              </a:rPr>
+              <a:t>Server</a:t>
+            </a:r>
+            <a:endParaRPr/>
+          </a:p>
+          <a:p>
+            <a:pPr lvl="1">
+              <a:buSzPct val="75000"/>
+              <a:buFont typeface="StarSymbol"/>
+              <a:buChar char=""/>
+            </a:pPr>
+            <a:r>
+              <a:rPr lang="en-US" sz="2800">
+                <a:latin typeface="Arial"/>
+              </a:rPr>
+              <a:t>Service slapd start/stop</a:t>
+            </a:r>
+            <a:endParaRPr/>
+          </a:p>
+          <a:p>
+            <a:pPr>
+              <a:buSzPct val="45000"/>
+              <a:buFont typeface="StarSymbol"/>
+              <a:buChar char=""/>
+            </a:pPr>
+            <a:r>
+              <a:rPr lang="en-US" sz="3200">
+                <a:latin typeface="Arial"/>
+              </a:rPr>
+              <a:t>web_admin</a:t>
+            </a:r>
+            <a:endParaRPr/>
+          </a:p>
+          <a:p>
+            <a:pPr lvl="1">
+              <a:buSzPct val="75000"/>
+              <a:buFont typeface="StarSymbol"/>
+              <a:buChar char=""/>
+            </a:pPr>
+            <a:r>
+              <a:rPr lang="en-US" sz="2800">
+                <a:latin typeface="Arial"/>
+              </a:rPr>
+              <a:t>http://10.221.2.164/phpldap/</a:t>
+            </a:r>
+            <a:endParaRPr/>
+          </a:p>
+          <a:p>
+            <a:pPr>
+              <a:buSzPct val="45000"/>
+              <a:buFont typeface="StarSymbol"/>
+              <a:buChar char=""/>
+            </a:pPr>
+            <a:r>
+              <a:rPr lang="en-US" sz="3200">
+                <a:latin typeface="Arial"/>
+              </a:rPr>
+              <a:t>password_admin</a:t>
+            </a:r>
+            <a:endParaRPr/>
+          </a:p>
+          <a:p>
+            <a:pPr lvl="1">
+              <a:buSzPct val="75000"/>
+              <a:buFont typeface="StarSymbol"/>
+              <a:buChar char=""/>
+            </a:pPr>
+            <a:r>
+              <a:rPr lang="en-US" sz="2800">
+                <a:latin typeface="Arial"/>
+              </a:rPr>
+              <a:t>http://10.221.2.164/passwd/</a:t>
+            </a:r>
+            <a:endParaRPr/>
+          </a:p>
+          <a:p>
+            <a:pPr>
+              <a:buSzPct val="45000"/>
+              <a:buFont typeface="StarSymbol"/>
+              <a:buChar char=""/>
+            </a:pPr>
+            <a:r>
+              <a:rPr lang="en-US" sz="3200">
+                <a:latin typeface="Arial"/>
+              </a:rPr>
+              <a:t>DN</a:t>
+            </a:r>
+            <a:endParaRPr/>
+          </a:p>
+          <a:p>
+            <a:pPr lvl="1">
+              <a:buSzPct val="75000"/>
+              <a:buFont typeface="StarSymbol"/>
+              <a:buChar char=""/>
+            </a:pPr>
+            <a:r>
+              <a:rPr lang="en-US" sz="2800">
+                <a:latin typeface="Arial"/>
+              </a:rPr>
+              <a:t>dc=travelsky,dc=com</a:t>
+            </a:r>
+            <a:endParaRPr/>
+          </a:p>
+        </p:txBody>
+      </p:sp>
+    </p:spTree>
+  </p:cSld>
+  <p:timing>
+    <p:tnLst>
+      <p:par>
+        <p:cTn id="21" dur="indefinite" restart="never" nodeType="tmRoot">
+          <p:childTnLst>
+            <p:seq>
+              <p:cTn id="22" nodeType="mainSeq"/>
+              <p:prevCondLst>
+                <p:cond delay="0" evt="onPrev">
+                  <p:tgtEl>
+                    <p:sldTgt/>
+                  </p:tgtEl>
+                </p:cond>
+              </p:prevCondLst>
+              <p:nextCondLst>
+                <p:cond delay="0" evt="onNext">
+                  <p:tgtEl>
+                    <p:sldTgt/>
+                  </p:tgtEl>
+                </p:cond>
+              </p:nextCondLst>
+            </p:seq>
+          </p:childTnLst>
+        </p:cTn>
+      </p:par>
+    </p:tnLst>
+  </p:timing>
+</p:sld>
+</file>
+
+<file path=ppt/slides/slide12.xml><?xml version="1.0" encoding="utf-8"?>
+<p:sld xmlns:a="http://schemas.openxmlformats.org/drawingml/2006/main" xmlns:p="http://schemas.openxmlformats.org/presentationml/2006/main" xmlns:r="http://schemas.openxmlformats.org/officeDocument/2006/relationships">
+  <p:cSld>
+    <p:spTree>
+      <p:nvGrpSpPr>
+        <p:cNvPr id="1" name=""/>
+        <p:cNvGrpSpPr/>
+        <p:nvPr/>
+      </p:nvGrpSpPr>
+      <p:grpSpPr>
+        <a:xfrm>
+          <a:off x="0" y="0"/>
+          <a:ext cx="0" cy="0"/>
+          <a:chOff x="0" y="0"/>
+          <a:chExt cx="0" cy="0"/>
+        </a:xfrm>
+      </p:grpSpPr>
+      <p:sp>
+        <p:nvSpPr>
+          <p:cNvPr id="94" name="TextShape 1"/>
+          <p:cNvSpPr txBox="1"/>
+          <p:nvPr/>
+        </p:nvSpPr>
+        <p:spPr>
+          <a:xfrm>
+            <a:off x="504000" y="301320"/>
+            <a:ext cx="9071280" cy="1262160"/>
+          </a:xfrm>
+          <a:prstGeom prst="rect">
+            <a:avLst/>
+          </a:prstGeom>
+        </p:spPr>
+        <p:txBody>
+          <a:bodyPr lIns="0" rIns="0" tIns="0" bIns="0" anchor="ctr"/>
+          <a:p>
+            <a:pPr algn="ctr"/>
+            <a:r>
+              <a:rPr lang="en-US" sz="4400">
+                <a:latin typeface="Arial"/>
+              </a:rPr>
+              <a:t>gitlab</a:t>
+            </a:r>
+            <a:endParaRPr/>
+          </a:p>
+        </p:txBody>
+      </p:sp>
+      <p:sp>
+        <p:nvSpPr>
+          <p:cNvPr id="95" name="TextShape 2"/>
+          <p:cNvSpPr txBox="1"/>
+          <p:nvPr/>
+        </p:nvSpPr>
+        <p:spPr>
+          <a:xfrm>
+            <a:off x="504000" y="1769040"/>
+            <a:ext cx="9071280" cy="4384080"/>
+          </a:xfrm>
+          <a:prstGeom prst="rect">
+            <a:avLst/>
+          </a:prstGeom>
+        </p:spPr>
+        <p:txBody>
+          <a:bodyPr lIns="0" rIns="0" tIns="0" bIns="0"/>
+          <a:p>
+            <a:endParaRPr/>
+          </a:p>
+        </p:txBody>
+      </p:sp>
+    </p:spTree>
+  </p:cSld>
+  <p:timing>
+    <p:tnLst>
+      <p:par>
+        <p:cTn id="23" dur="indefinite" restart="never" nodeType="tmRoot">
+          <p:childTnLst>
+            <p:seq>
+              <p:cTn id="24" nodeType="mainSeq"/>
+              <p:prevCondLst>
+                <p:cond delay="0" evt="onPrev">
+                  <p:tgtEl>
+                    <p:sldTgt/>
+                  </p:tgtEl>
+                </p:cond>
+              </p:prevCondLst>
+              <p:nextCondLst>
+                <p:cond delay="0" evt="onNext">
+                  <p:tgtEl>
+                    <p:sldTgt/>
+                  </p:tgtEl>
+                </p:cond>
+              </p:nextCondLst>
+            </p:seq>
+          </p:childTnLst>
+        </p:cTn>
+      </p:par>
+    </p:tnLst>
+  </p:timing>
+</p:sld>
+</file>
+
+<file path=ppt/slides/slide13.xml><?xml version="1.0" encoding="utf-8"?>
+<p:sld xmlns:a="http://schemas.openxmlformats.org/drawingml/2006/main" xmlns:p="http://schemas.openxmlformats.org/presentationml/2006/main" xmlns:r="http://schemas.openxmlformats.org/officeDocument/2006/relationships">
+  <p:cSld>
+    <p:spTree>
+      <p:nvGrpSpPr>
+        <p:cNvPr id="1" name=""/>
+        <p:cNvGrpSpPr/>
+        <p:nvPr/>
+      </p:nvGrpSpPr>
+      <p:grpSpPr>
+        <a:xfrm>
+          <a:off x="0" y="0"/>
+          <a:ext cx="0" cy="0"/>
+          <a:chOff x="0" y="0"/>
+          <a:chExt cx="0" cy="0"/>
+        </a:xfrm>
+      </p:grpSpPr>
+      <p:sp>
+        <p:nvSpPr>
+          <p:cNvPr id="96" name="TextShape 1"/>
+          <p:cNvSpPr txBox="1"/>
+          <p:nvPr/>
+        </p:nvSpPr>
+        <p:spPr>
+          <a:xfrm>
+            <a:off x="504000" y="301320"/>
+            <a:ext cx="9071280" cy="1262160"/>
+          </a:xfrm>
+          <a:prstGeom prst="rect">
+            <a:avLst/>
+          </a:prstGeom>
+        </p:spPr>
+        <p:txBody>
+          <a:bodyPr lIns="0" rIns="0" tIns="0" bIns="0" anchor="ctr"/>
+          <a:p>
+            <a:pPr algn="ctr"/>
+            <a:r>
+              <a:rPr lang="en-US" sz="4400">
+                <a:latin typeface="Arial"/>
+              </a:rPr>
+              <a:t>管理信息</a:t>
+            </a:r>
+            <a:endParaRPr/>
+          </a:p>
+        </p:txBody>
+      </p:sp>
+      <p:sp>
+        <p:nvSpPr>
+          <p:cNvPr id="97" name="TextShape 2"/>
+          <p:cNvSpPr txBox="1"/>
+          <p:nvPr/>
+        </p:nvSpPr>
+        <p:spPr>
+          <a:xfrm>
+            <a:off x="504000" y="1371600"/>
+            <a:ext cx="9071280" cy="5852160"/>
+          </a:xfrm>
+          <a:prstGeom prst="rect">
+            <a:avLst/>
+          </a:prstGeom>
+        </p:spPr>
+        <p:txBody>
+          <a:bodyPr lIns="0" rIns="0" tIns="0" bIns="0"/>
+          <a:p>
+            <a:pPr>
+              <a:buSzPct val="45000"/>
+              <a:buFont typeface="StarSymbol"/>
+              <a:buChar char=""/>
+            </a:pPr>
+            <a:r>
+              <a:rPr lang="en-US" sz="3200">
+                <a:latin typeface="Arial"/>
+              </a:rPr>
+              <a:t>Postgresql</a:t>
+            </a:r>
+            <a:endParaRPr/>
+          </a:p>
+          <a:p>
+            <a:pPr lvl="1">
+              <a:buSzPct val="75000"/>
+              <a:buFont typeface="StarSymbol"/>
+              <a:buChar char=""/>
+            </a:pPr>
+            <a:r>
+              <a:rPr lang="en-US" sz="2800">
+                <a:latin typeface="Arial"/>
+              </a:rPr>
+              <a:t>Service gitpsql start/stop</a:t>
+            </a:r>
+            <a:endParaRPr/>
+          </a:p>
+          <a:p>
+            <a:pPr lvl="1">
+              <a:buSzPct val="75000"/>
+              <a:buFont typeface="StarSymbol"/>
+              <a:buChar char=""/>
+            </a:pPr>
+            <a:r>
+              <a:rPr lang="en-US" sz="2800">
+                <a:latin typeface="Arial"/>
+              </a:rPr>
+              <a:t>Port: 5432 | 15432</a:t>
+            </a:r>
+            <a:endParaRPr/>
+          </a:p>
+          <a:p>
+            <a:pPr>
+              <a:buSzPct val="45000"/>
+              <a:buFont typeface="StarSymbol"/>
+              <a:buChar char=""/>
+            </a:pPr>
+            <a:r>
+              <a:rPr lang="en-US" sz="3200">
+                <a:latin typeface="Arial"/>
+              </a:rPr>
+              <a:t>Nginx</a:t>
+            </a:r>
+            <a:endParaRPr/>
+          </a:p>
+          <a:p>
+            <a:pPr lvl="1">
+              <a:buSzPct val="75000"/>
+              <a:buFont typeface="StarSymbol"/>
+              <a:buChar char=""/>
+            </a:pPr>
+            <a:r>
+              <a:rPr lang="en-US" sz="2800">
+                <a:latin typeface="Arial"/>
+              </a:rPr>
+              <a:t>Service nginx start/stop</a:t>
+            </a:r>
+            <a:endParaRPr/>
+          </a:p>
+          <a:p>
+            <a:pPr>
+              <a:buSzPct val="45000"/>
+              <a:buFont typeface="StarSymbol"/>
+              <a:buChar char=""/>
+            </a:pPr>
+            <a:r>
+              <a:rPr lang="en-US" sz="3200">
+                <a:latin typeface="Arial"/>
+              </a:rPr>
+              <a:t>Gitlab</a:t>
+            </a:r>
+            <a:endParaRPr/>
+          </a:p>
+          <a:p>
+            <a:pPr lvl="1">
+              <a:buSzPct val="75000"/>
+              <a:buFont typeface="StarSymbol"/>
+              <a:buChar char=""/>
+            </a:pPr>
+            <a:r>
+              <a:rPr lang="en-US" sz="2800">
+                <a:latin typeface="Arial"/>
+              </a:rPr>
+              <a:t>Gitlab-ctl start/stop</a:t>
+            </a:r>
+            <a:endParaRPr/>
+          </a:p>
+          <a:p>
+            <a:pPr>
+              <a:buSzPct val="45000"/>
+              <a:buFont typeface="StarSymbol"/>
+              <a:buChar char=""/>
+            </a:pPr>
+            <a:r>
+              <a:rPr lang="en-US" sz="3200">
+                <a:latin typeface="Arial"/>
+              </a:rPr>
+              <a:t>web_url</a:t>
+            </a:r>
+            <a:endParaRPr/>
+          </a:p>
+          <a:p>
+            <a:pPr lvl="1">
+              <a:buSzPct val="75000"/>
+              <a:buFont typeface="StarSymbol"/>
+              <a:buChar char=""/>
+            </a:pPr>
+            <a:r>
+              <a:rPr lang="en-US" sz="2800">
+                <a:latin typeface="Arial"/>
+              </a:rPr>
+              <a:t>http://10.221.2.169/gitlab/</a:t>
+            </a:r>
+            <a:endParaRPr/>
+          </a:p>
+          <a:p>
+            <a:pPr>
+              <a:buSzPct val="45000"/>
+              <a:buFont typeface="StarSymbol"/>
+              <a:buChar char=""/>
+            </a:pPr>
+            <a:r>
+              <a:rPr lang="en-US" sz="3200">
+                <a:latin typeface="Arial"/>
+              </a:rPr>
+              <a:t>Ldap address</a:t>
+            </a:r>
+            <a:endParaRPr/>
+          </a:p>
+          <a:p>
+            <a:pPr lvl="1">
+              <a:buSzPct val="75000"/>
+              <a:buFont typeface="StarSymbol"/>
+              <a:buChar char=""/>
+            </a:pPr>
+            <a:r>
+              <a:rPr lang="en-US" sz="2800">
+                <a:latin typeface="Arial"/>
+              </a:rPr>
+              <a:t>10.221.2.167</a:t>
+            </a:r>
+            <a:endParaRPr/>
+          </a:p>
+          <a:p>
+            <a:pPr>
+              <a:buSzPct val="45000"/>
+              <a:buFont typeface="StarSymbol"/>
+              <a:buChar char=""/>
+            </a:pPr>
+            <a:r>
+              <a:rPr lang="en-US" sz="3200">
+                <a:latin typeface="Arial"/>
+              </a:rPr>
+              <a:t>data_dir</a:t>
+            </a:r>
+            <a:endParaRPr/>
+          </a:p>
+          <a:p>
+            <a:pPr lvl="1">
+              <a:buSzPct val="75000"/>
+              <a:buFont typeface="StarSymbol"/>
+              <a:buChar char=""/>
+            </a:pPr>
+            <a:r>
+              <a:rPr lang="en-US" sz="2800">
+                <a:latin typeface="Arial"/>
+              </a:rPr>
+              <a:t>/DATA/opt/gitlab/</a:t>
+            </a:r>
+            <a:endParaRPr/>
+          </a:p>
+        </p:txBody>
+      </p:sp>
+    </p:spTree>
+  </p:cSld>
+  <p:timing>
+    <p:tnLst>
+      <p:par>
+        <p:cTn id="25" dur="indefinite" restart="never" nodeType="tmRoot">
+          <p:childTnLst>
+            <p:seq>
+              <p:cTn id="26" nodeType="mainSeq"/>
+              <p:prevCondLst>
+                <p:cond delay="0" evt="onPrev">
+                  <p:tgtEl>
+                    <p:sldTgt/>
+                  </p:tgtEl>
+                </p:cond>
+              </p:prevCondLst>
+              <p:nextCondLst>
+                <p:cond delay="0" evt="onNext">
+                  <p:tgtEl>
+                    <p:sldTgt/>
+                  </p:tgtEl>
+                </p:cond>
+              </p:nextCondLst>
+            </p:seq>
+          </p:childTnLst>
+        </p:cTn>
+      </p:par>
+    </p:tnLst>
+  </p:timing>
+</p:sld>
+</file>
+
+<file path=ppt/slides/slide14.xml><?xml version="1.0" encoding="utf-8"?>
+<p:sld xmlns:a="http://schemas.openxmlformats.org/drawingml/2006/main" xmlns:p="http://schemas.openxmlformats.org/presentationml/2006/main" xmlns:r="http://schemas.openxmlformats.org/officeDocument/2006/relationships">
+  <p:cSld>
+    <p:spTree>
+      <p:nvGrpSpPr>
+        <p:cNvPr id="1" name=""/>
+        <p:cNvGrpSpPr/>
+        <p:nvPr/>
+      </p:nvGrpSpPr>
+      <p:grpSpPr>
+        <a:xfrm>
+          <a:off x="0" y="0"/>
+          <a:ext cx="0" cy="0"/>
+          <a:chOff x="0" y="0"/>
+          <a:chExt cx="0" cy="0"/>
+        </a:xfrm>
+      </p:grpSpPr>
+      <p:sp>
+        <p:nvSpPr>
+          <p:cNvPr id="98" name="TextShape 1"/>
+          <p:cNvSpPr txBox="1"/>
+          <p:nvPr/>
+        </p:nvSpPr>
+        <p:spPr>
+          <a:xfrm>
+            <a:off x="504000" y="301320"/>
+            <a:ext cx="9071280" cy="1262160"/>
+          </a:xfrm>
+          <a:prstGeom prst="rect">
+            <a:avLst/>
+          </a:prstGeom>
+        </p:spPr>
+        <p:txBody>
+          <a:bodyPr lIns="0" rIns="0" tIns="0" bIns="0" anchor="ctr"/>
+          <a:p>
+            <a:pPr algn="ctr"/>
+            <a:r>
+              <a:rPr lang="en-US" sz="4400">
+                <a:latin typeface="Arial"/>
+              </a:rPr>
+              <a:t>haproxy</a:t>
+            </a:r>
+            <a:endParaRPr/>
+          </a:p>
+        </p:txBody>
+      </p:sp>
+      <p:sp>
+        <p:nvSpPr>
+          <p:cNvPr id="99" name="TextShape 2"/>
+          <p:cNvSpPr txBox="1"/>
+          <p:nvPr/>
+        </p:nvSpPr>
+        <p:spPr>
+          <a:xfrm>
+            <a:off x="504000" y="1769040"/>
+            <a:ext cx="9071280" cy="4384080"/>
+          </a:xfrm>
+          <a:prstGeom prst="rect">
+            <a:avLst/>
+          </a:prstGeom>
+        </p:spPr>
+        <p:txBody>
+          <a:bodyPr lIns="0" rIns="0" tIns="0" bIns="0"/>
+          <a:p>
+            <a:endParaRPr/>
+          </a:p>
+        </p:txBody>
+      </p:sp>
+    </p:spTree>
+  </p:cSld>
+  <p:timing>
+    <p:tnLst>
+      <p:par>
+        <p:cTn id="27" dur="indefinite" restart="never" nodeType="tmRoot">
+          <p:childTnLst>
+            <p:seq>
+              <p:cTn id="28" nodeType="mainSeq"/>
+              <p:prevCondLst>
+                <p:cond delay="0" evt="onPrev">
+                  <p:tgtEl>
+                    <p:sldTgt/>
+                  </p:tgtEl>
+                </p:cond>
+              </p:prevCondLst>
+              <p:nextCondLst>
+                <p:cond delay="0" evt="onNext">
+                  <p:tgtEl>
+                    <p:sldTgt/>
+                  </p:tgtEl>
+                </p:cond>
+              </p:nextCondLst>
+            </p:seq>
+          </p:childTnLst>
+        </p:cTn>
+      </p:par>
+    </p:tnLst>
+  </p:timing>
+</p:sld>
+</file>
+
+<file path=ppt/slides/slide15.xml><?xml version="1.0" encoding="utf-8"?>
+<p:sld xmlns:a="http://schemas.openxmlformats.org/drawingml/2006/main" xmlns:p="http://schemas.openxmlformats.org/presentationml/2006/main" xmlns:r="http://schemas.openxmlformats.org/officeDocument/2006/relationships">
+  <p:cSld>
+    <p:spTree>
+      <p:nvGrpSpPr>
+        <p:cNvPr id="1" name=""/>
+        <p:cNvGrpSpPr/>
+        <p:nvPr/>
+      </p:nvGrpSpPr>
+      <p:grpSpPr>
+        <a:xfrm>
+          <a:off x="0" y="0"/>
+          <a:ext cx="0" cy="0"/>
+          <a:chOff x="0" y="0"/>
+          <a:chExt cx="0" cy="0"/>
+        </a:xfrm>
+      </p:grpSpPr>
+      <p:sp>
+        <p:nvSpPr>
+          <p:cNvPr id="100" name="TextShape 1"/>
+          <p:cNvSpPr txBox="1"/>
+          <p:nvPr/>
+        </p:nvSpPr>
+        <p:spPr>
+          <a:xfrm>
+            <a:off x="504000" y="301320"/>
+            <a:ext cx="9071280" cy="1262160"/>
+          </a:xfrm>
+          <a:prstGeom prst="rect">
+            <a:avLst/>
+          </a:prstGeom>
+        </p:spPr>
+        <p:txBody>
+          <a:bodyPr lIns="0" rIns="0" tIns="0" bIns="0" anchor="ctr"/>
+          <a:p>
+            <a:pPr algn="ctr"/>
+            <a:r>
+              <a:rPr lang="en-US" sz="4400">
+                <a:latin typeface="Arial"/>
+              </a:rPr>
+              <a:t>Tcp </a:t>
+            </a:r>
+            <a:r>
+              <a:rPr lang="en-US" sz="4400">
+                <a:latin typeface="Arial"/>
+              </a:rPr>
+              <a:t>配置示例</a:t>
+            </a:r>
+            <a:endParaRPr/>
+          </a:p>
+        </p:txBody>
+      </p:sp>
+      <p:sp>
+        <p:nvSpPr>
+          <p:cNvPr id="101" name="TextShape 2"/>
+          <p:cNvSpPr txBox="1"/>
+          <p:nvPr/>
+        </p:nvSpPr>
+        <p:spPr>
+          <a:xfrm>
+            <a:off x="504000" y="1769040"/>
+            <a:ext cx="9071280" cy="4384080"/>
+          </a:xfrm>
+          <a:prstGeom prst="rect">
+            <a:avLst/>
+          </a:prstGeom>
+        </p:spPr>
+        <p:txBody>
+          <a:bodyPr lIns="0" rIns="0" tIns="0" bIns="0"/>
+          <a:p>
+            <a:endParaRPr/>
+          </a:p>
+        </p:txBody>
+      </p:sp>
+    </p:spTree>
+  </p:cSld>
+</p:sld>
+</file>
+
+<file path=ppt/slides/slide16.xml><?xml version="1.0" encoding="utf-8"?>
+<p:sld xmlns:a="http://schemas.openxmlformats.org/drawingml/2006/main" xmlns:p="http://schemas.openxmlformats.org/presentationml/2006/main" xmlns:r="http://schemas.openxmlformats.org/officeDocument/2006/relationships">
+  <p:cSld>
+    <p:spTree>
+      <p:nvGrpSpPr>
+        <p:cNvPr id="1" name=""/>
+        <p:cNvGrpSpPr/>
+        <p:nvPr/>
+      </p:nvGrpSpPr>
+      <p:grpSpPr>
+        <a:xfrm>
+          <a:off x="0" y="0"/>
+          <a:ext cx="0" cy="0"/>
+          <a:chOff x="0" y="0"/>
+          <a:chExt cx="0" cy="0"/>
+        </a:xfrm>
+      </p:grpSpPr>
+      <p:sp>
+        <p:nvSpPr>
+          <p:cNvPr id="102" name="TextShape 1"/>
+          <p:cNvSpPr txBox="1"/>
+          <p:nvPr/>
+        </p:nvSpPr>
+        <p:spPr>
+          <a:xfrm>
+            <a:off x="504000" y="301320"/>
+            <a:ext cx="9071280" cy="1262160"/>
+          </a:xfrm>
+          <a:prstGeom prst="rect">
+            <a:avLst/>
+          </a:prstGeom>
+        </p:spPr>
+        <p:txBody>
+          <a:bodyPr lIns="0" rIns="0" tIns="0" bIns="0" anchor="ctr"/>
+          <a:p>
+            <a:pPr algn="ctr"/>
+            <a:r>
+              <a:rPr lang="en-US" sz="4400">
+                <a:latin typeface="Arial"/>
+              </a:rPr>
+              <a:t>Http </a:t>
+            </a:r>
+            <a:r>
+              <a:rPr lang="en-US" sz="4400">
+                <a:latin typeface="Arial"/>
+              </a:rPr>
+              <a:t>配置示例</a:t>
+            </a:r>
+            <a:endParaRPr/>
+          </a:p>
+        </p:txBody>
+      </p:sp>
+      <p:sp>
+        <p:nvSpPr>
+          <p:cNvPr id="103" name="TextShape 2"/>
+          <p:cNvSpPr txBox="1"/>
+          <p:nvPr/>
+        </p:nvSpPr>
+        <p:spPr>
+          <a:xfrm>
+            <a:off x="504000" y="1769040"/>
+            <a:ext cx="9071280" cy="4384080"/>
+          </a:xfrm>
+          <a:prstGeom prst="rect">
+            <a:avLst/>
+          </a:prstGeom>
+        </p:spPr>
+        <p:txBody>
+          <a:bodyPr lIns="0" rIns="0" tIns="0" bIns="0"/>
+          <a:p>
+            <a:endParaRPr/>
+          </a:p>
+        </p:txBody>
+      </p:sp>
+    </p:spTree>
+  </p:cSld>
+</p:sld>
+</file>
+
+<file path=ppt/slides/slide17.xml><?xml version="1.0" encoding="utf-8"?>
+<p:sld xmlns:a="http://schemas.openxmlformats.org/drawingml/2006/main" xmlns:p="http://schemas.openxmlformats.org/presentationml/2006/main" xmlns:r="http://schemas.openxmlformats.org/officeDocument/2006/relationships">
+  <p:cSld>
+    <p:spTree>
+      <p:nvGrpSpPr>
+        <p:cNvPr id="1" name=""/>
+        <p:cNvGrpSpPr/>
+        <p:nvPr/>
+      </p:nvGrpSpPr>
+      <p:grpSpPr>
+        <a:xfrm>
+          <a:off x="0" y="0"/>
+          <a:ext cx="0" cy="0"/>
+          <a:chOff x="0" y="0"/>
+          <a:chExt cx="0" cy="0"/>
+        </a:xfrm>
+      </p:grpSpPr>
+      <p:sp>
+        <p:nvSpPr>
+          <p:cNvPr id="104" name="TextShape 1"/>
+          <p:cNvSpPr txBox="1"/>
+          <p:nvPr/>
+        </p:nvSpPr>
+        <p:spPr>
+          <a:xfrm>
+            <a:off x="504000" y="301320"/>
+            <a:ext cx="9071280" cy="1262160"/>
+          </a:xfrm>
+          <a:prstGeom prst="rect">
+            <a:avLst/>
+          </a:prstGeom>
+        </p:spPr>
+        <p:txBody>
+          <a:bodyPr lIns="0" rIns="0" tIns="0" bIns="0" anchor="ctr"/>
+          <a:p>
+            <a:pPr algn="ctr"/>
+            <a:r>
+              <a:rPr lang="en-US" sz="4400">
+                <a:latin typeface="Arial"/>
+              </a:rPr>
+              <a:t>管理信息</a:t>
+            </a:r>
+            <a:endParaRPr/>
+          </a:p>
+        </p:txBody>
+      </p:sp>
+      <p:sp>
+        <p:nvSpPr>
+          <p:cNvPr id="105" name="TextShape 2"/>
+          <p:cNvSpPr txBox="1"/>
+          <p:nvPr/>
+        </p:nvSpPr>
+        <p:spPr>
+          <a:xfrm>
+            <a:off x="504000" y="1769040"/>
+            <a:ext cx="9071280" cy="4384080"/>
+          </a:xfrm>
+          <a:prstGeom prst="rect">
+            <a:avLst/>
+          </a:prstGeom>
+        </p:spPr>
+        <p:txBody>
+          <a:bodyPr lIns="0" rIns="0" tIns="0" bIns="0"/>
+          <a:p>
+            <a:pPr>
+              <a:buSzPct val="45000"/>
+              <a:buFont typeface="StarSymbol"/>
+              <a:buChar char=""/>
+            </a:pPr>
+            <a:r>
+              <a:rPr lang="en-US" sz="3200">
+                <a:latin typeface="Arial"/>
+              </a:rPr>
+              <a:t>Server</a:t>
+            </a:r>
+            <a:endParaRPr/>
+          </a:p>
+          <a:p>
+            <a:pPr lvl="1">
+              <a:buSzPct val="75000"/>
+              <a:buFont typeface="StarSymbol"/>
+              <a:buChar char=""/>
+            </a:pPr>
+            <a:r>
+              <a:rPr lang="en-US" sz="2800">
+                <a:latin typeface="Arial"/>
+              </a:rPr>
+              <a:t>service haproxy start/stop</a:t>
+            </a:r>
+            <a:endParaRPr/>
+          </a:p>
+        </p:txBody>
+      </p:sp>
+    </p:spTree>
+  </p:cSld>
+  <p:timing>
+    <p:tnLst>
+      <p:par>
+        <p:cTn id="29" dur="indefinite" restart="never" nodeType="tmRoot">
+          <p:childTnLst>
+            <p:seq>
+              <p:cTn id="30" nodeType="mainSeq"/>
               <p:prevCondLst>
                 <p:cond delay="0" evt="onPrev">
                   <p:tgtEl>
@@ -1638,23 +4113,31 @@
       </p:grpSpPr>
       <p:sp>
         <p:nvSpPr>
-          <p:cNvPr id="41" name="TextShape 1"/>
-          <p:cNvSpPr txBox="1"/>
+          <p:cNvPr id="74" name="CustomShape 1"/>
+          <p:cNvSpPr/>
           <p:nvPr/>
         </p:nvSpPr>
         <p:spPr>
           <a:xfrm>
             <a:off x="504000" y="301320"/>
-            <a:ext cx="9071640" cy="1262160"/>
-          </a:xfrm>
-          <a:prstGeom prst="rect">
-            <a:avLst/>
-          </a:prstGeom>
+            <a:ext cx="9071280" cy="1261800"/>
+          </a:xfrm>
+          <a:prstGeom prst="rect">
+            <a:avLst/>
+          </a:prstGeom>
+          <a:noFill/>
+          <a:ln>
+            <a:noFill/>
+          </a:ln>
         </p:spPr>
         <p:txBody>
           <a:bodyPr lIns="0" rIns="0" tIns="0" bIns="0" anchor="ctr"/>
           <a:p>
-            <a:pPr algn="ctr"/>
+            <a:pPr algn="ctr">
+              <a:lnSpc>
+                <a:spcPct val="100000"/>
+              </a:lnSpc>
+            </a:pPr>
             <a:r>
               <a:rPr lang="en-US" sz="4400">
                 <a:latin typeface="Arial"/>
@@ -1667,26 +4150,33 @@
       </p:sp>
       <p:sp>
         <p:nvSpPr>
-          <p:cNvPr id="42" name="TextShape 2"/>
-          <p:cNvSpPr txBox="1"/>
+          <p:cNvPr id="75" name="CustomShape 2"/>
+          <p:cNvSpPr/>
           <p:nvPr/>
         </p:nvSpPr>
         <p:spPr>
           <a:xfrm>
             <a:off x="504000" y="1769040"/>
-            <a:ext cx="9071640" cy="4384440"/>
-          </a:xfrm>
-          <a:prstGeom prst="rect">
-            <a:avLst/>
-          </a:prstGeom>
+            <a:ext cx="9071280" cy="4384080"/>
+          </a:xfrm>
+          <a:prstGeom prst="rect">
+            <a:avLst/>
+          </a:prstGeom>
+          <a:noFill/>
+          <a:ln>
+            <a:noFill/>
+          </a:ln>
         </p:spPr>
         <p:txBody>
           <a:bodyPr lIns="0" rIns="0" tIns="0" bIns="0"/>
           <a:p>
             <a:pPr>
-              <a:buSzPct val="45000"/>
-              <a:buFont typeface="StarSymbol"/>
-              <a:buChar char=""/>
+              <a:lnSpc>
+                <a:spcPct val="100000"/>
+              </a:lnSpc>
+              <a:buSzPct val="45000"/>
+              <a:buFont typeface="StarSymbol"/>
+              <a:buChar char="l"/>
             </a:pPr>
             <a:r>
               <a:rPr lang="en-US" sz="3200">
@@ -1710,9 +4200,12 @@
           </a:p>
           <a:p>
             <a:pPr>
-              <a:buSzPct val="45000"/>
-              <a:buFont typeface="StarSymbol"/>
-              <a:buChar char=""/>
+              <a:lnSpc>
+                <a:spcPct val="100000"/>
+              </a:lnSpc>
+              <a:buSzPct val="45000"/>
+              <a:buFont typeface="StarSymbol"/>
+              <a:buChar char="l"/>
             </a:pPr>
             <a:r>
               <a:rPr lang="en-US" sz="3200">
@@ -1742,9 +4235,12 @@
           </a:p>
           <a:p>
             <a:pPr>
-              <a:buSzPct val="45000"/>
-              <a:buFont typeface="StarSymbol"/>
-              <a:buChar char=""/>
+              <a:lnSpc>
+                <a:spcPct val="100000"/>
+              </a:lnSpc>
+              <a:buSzPct val="45000"/>
+              <a:buFont typeface="StarSymbol"/>
+              <a:buChar char="l"/>
             </a:pPr>
             <a:r>
               <a:rPr lang="en-US" sz="3200">
@@ -1774,9 +4270,12 @@
           </a:p>
           <a:p>
             <a:pPr>
-              <a:buSzPct val="45000"/>
-              <a:buFont typeface="StarSymbol"/>
-              <a:buChar char=""/>
+              <a:lnSpc>
+                <a:spcPct val="100000"/>
+              </a:lnSpc>
+              <a:buSzPct val="45000"/>
+              <a:buFont typeface="StarSymbol"/>
+              <a:buChar char="l"/>
             </a:pPr>
             <a:r>
               <a:rPr lang="en-US" sz="3200">
@@ -1800,9 +4299,12 @@
           </a:p>
           <a:p>
             <a:pPr>
-              <a:buSzPct val="45000"/>
-              <a:buFont typeface="StarSymbol"/>
-              <a:buChar char=""/>
+              <a:lnSpc>
+                <a:spcPct val="100000"/>
+              </a:lnSpc>
+              <a:buSzPct val="45000"/>
+              <a:buFont typeface="StarSymbol"/>
+              <a:buChar char="l"/>
             </a:pPr>
             <a:r>
               <a:rPr lang="en-US" sz="3200">
@@ -1826,9 +4328,12 @@
           </a:p>
           <a:p>
             <a:pPr>
-              <a:buSzPct val="45000"/>
-              <a:buFont typeface="StarSymbol"/>
-              <a:buChar char=""/>
+              <a:lnSpc>
+                <a:spcPct val="100000"/>
+              </a:lnSpc>
+              <a:buSzPct val="45000"/>
+              <a:buFont typeface="StarSymbol"/>
+              <a:buChar char="l"/>
             </a:pPr>
             <a:r>
               <a:rPr lang="en-US" sz="3200">
@@ -1846,9 +4351,12 @@
           </a:p>
           <a:p>
             <a:pPr>
-              <a:buSzPct val="45000"/>
-              <a:buFont typeface="StarSymbol"/>
-              <a:buChar char=""/>
+              <a:lnSpc>
+                <a:spcPct val="100000"/>
+              </a:lnSpc>
+              <a:buSzPct val="45000"/>
+              <a:buFont typeface="StarSymbol"/>
+              <a:buChar char="l"/>
             </a:pPr>
             <a:r>
               <a:rPr lang="en-US" sz="3200">
@@ -1866,9 +4374,12 @@
           </a:p>
           <a:p>
             <a:pPr>
-              <a:buSzPct val="45000"/>
-              <a:buFont typeface="StarSymbol"/>
-              <a:buChar char=""/>
+              <a:lnSpc>
+                <a:spcPct val="100000"/>
+              </a:lnSpc>
+              <a:buSzPct val="45000"/>
+              <a:buFont typeface="StarSymbol"/>
+              <a:buChar char="l"/>
             </a:pPr>
             <a:r>
               <a:rPr lang="en-US" sz="3200">
@@ -1937,23 +4448,31 @@
       </p:grpSpPr>
       <p:sp>
         <p:nvSpPr>
-          <p:cNvPr id="43" name="TextShape 1"/>
-          <p:cNvSpPr txBox="1"/>
+          <p:cNvPr id="76" name="CustomShape 1"/>
+          <p:cNvSpPr/>
           <p:nvPr/>
         </p:nvSpPr>
         <p:spPr>
           <a:xfrm>
             <a:off x="504000" y="301320"/>
-            <a:ext cx="9071640" cy="1262160"/>
-          </a:xfrm>
-          <a:prstGeom prst="rect">
-            <a:avLst/>
-          </a:prstGeom>
+            <a:ext cx="9071280" cy="1261800"/>
+          </a:xfrm>
+          <a:prstGeom prst="rect">
+            <a:avLst/>
+          </a:prstGeom>
+          <a:noFill/>
+          <a:ln>
+            <a:noFill/>
+          </a:ln>
         </p:spPr>
         <p:txBody>
           <a:bodyPr lIns="0" rIns="0" tIns="0" bIns="0" anchor="ctr"/>
           <a:p>
-            <a:pPr algn="ctr"/>
+            <a:pPr algn="ctr">
+              <a:lnSpc>
+                <a:spcPct val="100000"/>
+              </a:lnSpc>
+            </a:pPr>
             <a:r>
               <a:rPr lang="en-US" sz="4400">
                 <a:latin typeface="Arial"/>
@@ -1966,26 +4485,33 @@
       </p:sp>
       <p:sp>
         <p:nvSpPr>
-          <p:cNvPr id="44" name="TextShape 2"/>
-          <p:cNvSpPr txBox="1"/>
+          <p:cNvPr id="77" name="CustomShape 2"/>
+          <p:cNvSpPr/>
           <p:nvPr/>
         </p:nvSpPr>
         <p:spPr>
           <a:xfrm>
             <a:off x="504000" y="1769040"/>
-            <a:ext cx="9071640" cy="4384440"/>
-          </a:xfrm>
-          <a:prstGeom prst="rect">
-            <a:avLst/>
-          </a:prstGeom>
+            <a:ext cx="9071280" cy="4384080"/>
+          </a:xfrm>
+          <a:prstGeom prst="rect">
+            <a:avLst/>
+          </a:prstGeom>
+          <a:noFill/>
+          <a:ln>
+            <a:noFill/>
+          </a:ln>
         </p:spPr>
         <p:txBody>
           <a:bodyPr lIns="0" rIns="0" tIns="0" bIns="0"/>
           <a:p>
             <a:pPr>
-              <a:buSzPct val="45000"/>
-              <a:buFont typeface="StarSymbol"/>
-              <a:buChar char=""/>
+              <a:lnSpc>
+                <a:spcPct val="100000"/>
+              </a:lnSpc>
+              <a:buSzPct val="45000"/>
+              <a:buFont typeface="StarSymbol"/>
+              <a:buChar char="l"/>
             </a:pPr>
             <a:r>
               <a:rPr lang="en-US" sz="3200">
@@ -2003,9 +4529,12 @@
           </a:p>
           <a:p>
             <a:pPr>
-              <a:buSzPct val="45000"/>
-              <a:buFont typeface="StarSymbol"/>
-              <a:buChar char=""/>
+              <a:lnSpc>
+                <a:spcPct val="100000"/>
+              </a:lnSpc>
+              <a:buSzPct val="45000"/>
+              <a:buFont typeface="StarSymbol"/>
+              <a:buChar char="l"/>
             </a:pPr>
             <a:r>
               <a:rPr lang="en-US" sz="3200">
@@ -2023,9 +4552,12 @@
           </a:p>
           <a:p>
             <a:pPr>
-              <a:buSzPct val="45000"/>
-              <a:buFont typeface="StarSymbol"/>
-              <a:buChar char=""/>
+              <a:lnSpc>
+                <a:spcPct val="100000"/>
+              </a:lnSpc>
+              <a:buSzPct val="45000"/>
+              <a:buFont typeface="StarSymbol"/>
+              <a:buChar char="l"/>
             </a:pPr>
             <a:r>
               <a:rPr lang="en-US" sz="3200">
@@ -2118,23 +4650,31 @@
       </p:grpSpPr>
       <p:sp>
         <p:nvSpPr>
-          <p:cNvPr id="45" name="TextShape 1"/>
-          <p:cNvSpPr txBox="1"/>
+          <p:cNvPr id="78" name="CustomShape 1"/>
+          <p:cNvSpPr/>
           <p:nvPr/>
         </p:nvSpPr>
         <p:spPr>
           <a:xfrm>
             <a:off x="504000" y="-73440"/>
-            <a:ext cx="9071640" cy="1079280"/>
-          </a:xfrm>
-          <a:prstGeom prst="rect">
-            <a:avLst/>
-          </a:prstGeom>
+            <a:ext cx="9071280" cy="1078920"/>
+          </a:xfrm>
+          <a:prstGeom prst="rect">
+            <a:avLst/>
+          </a:prstGeom>
+          <a:noFill/>
+          <a:ln>
+            <a:noFill/>
+          </a:ln>
         </p:spPr>
         <p:txBody>
           <a:bodyPr lIns="0" rIns="0" tIns="0" bIns="0" anchor="ctr"/>
           <a:p>
-            <a:pPr algn="ctr"/>
+            <a:pPr algn="ctr">
+              <a:lnSpc>
+                <a:spcPct val="100000"/>
+              </a:lnSpc>
+            </a:pPr>
             <a:r>
               <a:rPr lang="en-US" sz="4400">
                 <a:latin typeface="Arial"/>
@@ -2153,29 +4693,36 @@
       </p:sp>
       <p:sp>
         <p:nvSpPr>
-          <p:cNvPr id="46" name="TextShape 2"/>
-          <p:cNvSpPr txBox="1"/>
+          <p:cNvPr id="79" name="CustomShape 2"/>
+          <p:cNvSpPr/>
           <p:nvPr/>
         </p:nvSpPr>
         <p:spPr>
           <a:xfrm>
             <a:off x="504000" y="1005840"/>
-            <a:ext cx="9071640" cy="6400800"/>
-          </a:xfrm>
-          <a:prstGeom prst="rect">
-            <a:avLst/>
-          </a:prstGeom>
+            <a:ext cx="9071280" cy="6400440"/>
+          </a:xfrm>
+          <a:prstGeom prst="rect">
+            <a:avLst/>
+          </a:prstGeom>
+          <a:noFill/>
+          <a:ln>
+            <a:noFill/>
+          </a:ln>
         </p:spPr>
         <p:txBody>
           <a:bodyPr lIns="0" rIns="0" tIns="0" bIns="0"/>
           <a:p>
             <a:pPr>
-              <a:buSzPct val="45000"/>
-              <a:buFont typeface="StarSymbol"/>
-              <a:buChar char=""/>
-            </a:pPr>
-            <a:r>
-              <a:rPr lang="en-US" sz="3200">
+              <a:lnSpc>
+                <a:spcPct val="100000"/>
+              </a:lnSpc>
+              <a:buSzPct val="45000"/>
+              <a:buFont typeface="StarSymbol"/>
+              <a:buChar char="l"/>
+            </a:pPr>
+            <a:r>
+              <a:rPr lang="en-US" sz="2800">
                 <a:latin typeface="Arial"/>
               </a:rPr>
               <a:t>数据收集</a:t>
@@ -2184,12 +4731,15 @@
           </a:p>
           <a:p>
             <a:pPr>
-              <a:buSzPct val="45000"/>
-              <a:buFont typeface="StarSymbol"/>
-              <a:buChar char=""/>
-            </a:pPr>
-            <a:r>
-              <a:rPr lang="en-US" sz="3200">
+              <a:lnSpc>
+                <a:spcPct val="100000"/>
+              </a:lnSpc>
+              <a:buSzPct val="45000"/>
+              <a:buFont typeface="StarSymbol"/>
+              <a:buChar char="l"/>
+            </a:pPr>
+            <a:r>
+              <a:rPr lang="en-US" sz="2800">
                 <a:latin typeface="Arial"/>
               </a:rPr>
               <a:t>灵活的阀值定义</a:t>
@@ -2198,12 +4748,15 @@
           </a:p>
           <a:p>
             <a:pPr>
-              <a:buSzPct val="45000"/>
-              <a:buFont typeface="StarSymbol"/>
-              <a:buChar char=""/>
-            </a:pPr>
-            <a:r>
-              <a:rPr lang="en-US" sz="3200">
+              <a:lnSpc>
+                <a:spcPct val="100000"/>
+              </a:lnSpc>
+              <a:buSzPct val="45000"/>
+              <a:buFont typeface="StarSymbol"/>
+              <a:buChar char="l"/>
+            </a:pPr>
+            <a:r>
+              <a:rPr lang="en-US" sz="2800">
                 <a:latin typeface="Arial"/>
               </a:rPr>
               <a:t>高度可配置化的告警</a:t>
@@ -2212,12 +4765,15 @@
           </a:p>
           <a:p>
             <a:pPr>
-              <a:buSzPct val="45000"/>
-              <a:buFont typeface="StarSymbol"/>
-              <a:buChar char=""/>
-            </a:pPr>
-            <a:r>
-              <a:rPr lang="en-US" sz="3200">
+              <a:lnSpc>
+                <a:spcPct val="100000"/>
+              </a:lnSpc>
+              <a:buSzPct val="45000"/>
+              <a:buFont typeface="StarSymbol"/>
+              <a:buChar char="l"/>
+            </a:pPr>
+            <a:r>
+              <a:rPr lang="en-US" sz="2800">
                 <a:latin typeface="Arial"/>
               </a:rPr>
               <a:t>实时图表绘制</a:t>
@@ -2226,18 +4782,21 @@
           </a:p>
           <a:p>
             <a:pPr>
-              <a:buSzPct val="45000"/>
-              <a:buFont typeface="StarSymbol"/>
-              <a:buChar char=""/>
-            </a:pPr>
-            <a:r>
-              <a:rPr lang="en-US" sz="3200">
+              <a:lnSpc>
+                <a:spcPct val="100000"/>
+              </a:lnSpc>
+              <a:buSzPct val="45000"/>
+              <a:buFont typeface="StarSymbol"/>
+              <a:buChar char="l"/>
+            </a:pPr>
+            <a:r>
+              <a:rPr lang="en-US" sz="2800">
                 <a:latin typeface="Arial"/>
               </a:rPr>
               <a:t>Web</a:t>
             </a:r>
             <a:r>
-              <a:rPr lang="en-US" sz="3200">
+              <a:rPr lang="en-US" sz="2800">
                 <a:latin typeface="Arial"/>
               </a:rPr>
               <a:t>监控功能</a:t>
@@ -2246,12 +4805,15 @@
           </a:p>
           <a:p>
             <a:pPr>
-              <a:buSzPct val="45000"/>
-              <a:buFont typeface="StarSymbol"/>
-              <a:buChar char=""/>
-            </a:pPr>
-            <a:r>
-              <a:rPr lang="en-US" sz="3200">
+              <a:lnSpc>
+                <a:spcPct val="100000"/>
+              </a:lnSpc>
+              <a:buSzPct val="45000"/>
+              <a:buFont typeface="StarSymbol"/>
+              <a:buChar char="l"/>
+            </a:pPr>
+            <a:r>
+              <a:rPr lang="en-US" sz="2800">
                 <a:latin typeface="Arial"/>
               </a:rPr>
               <a:t>丰富的可视化选项</a:t>
@@ -2260,12 +4822,15 @@
           </a:p>
           <a:p>
             <a:pPr>
-              <a:buSzPct val="45000"/>
-              <a:buFont typeface="StarSymbol"/>
-              <a:buChar char=""/>
-            </a:pPr>
-            <a:r>
-              <a:rPr lang="en-US" sz="3200">
+              <a:lnSpc>
+                <a:spcPct val="100000"/>
+              </a:lnSpc>
+              <a:buSzPct val="45000"/>
+              <a:buFont typeface="StarSymbol"/>
+              <a:buChar char="l"/>
+            </a:pPr>
+            <a:r>
+              <a:rPr lang="en-US" sz="2800">
                 <a:latin typeface="Arial"/>
               </a:rPr>
               <a:t>历史数据存储</a:t>
@@ -2274,12 +4839,15 @@
           </a:p>
           <a:p>
             <a:pPr>
-              <a:buSzPct val="45000"/>
-              <a:buFont typeface="StarSymbol"/>
-              <a:buChar char=""/>
-            </a:pPr>
-            <a:r>
-              <a:rPr lang="en-US" sz="3200">
+              <a:lnSpc>
+                <a:spcPct val="100000"/>
+              </a:lnSpc>
+              <a:buSzPct val="45000"/>
+              <a:buFont typeface="StarSymbol"/>
+              <a:buChar char="l"/>
+            </a:pPr>
+            <a:r>
+              <a:rPr lang="en-US" sz="2800">
                 <a:latin typeface="Arial"/>
               </a:rPr>
               <a:t>配置简单</a:t>
@@ -2288,12 +4856,15 @@
           </a:p>
           <a:p>
             <a:pPr>
-              <a:buSzPct val="45000"/>
-              <a:buFont typeface="StarSymbol"/>
-              <a:buChar char=""/>
-            </a:pPr>
-            <a:r>
-              <a:rPr lang="en-US" sz="3200">
+              <a:lnSpc>
+                <a:spcPct val="100000"/>
+              </a:lnSpc>
+              <a:buSzPct val="45000"/>
+              <a:buFont typeface="StarSymbol"/>
+              <a:buChar char="l"/>
+            </a:pPr>
+            <a:r>
+              <a:rPr lang="en-US" sz="2800">
                 <a:latin typeface="Arial"/>
               </a:rPr>
               <a:t>使用模板</a:t>
@@ -2302,12 +4873,15 @@
           </a:p>
           <a:p>
             <a:pPr>
-              <a:buSzPct val="45000"/>
-              <a:buFont typeface="StarSymbol"/>
-              <a:buChar char=""/>
-            </a:pPr>
-            <a:r>
-              <a:rPr lang="en-US" sz="3200">
+              <a:lnSpc>
+                <a:spcPct val="100000"/>
+              </a:lnSpc>
+              <a:buSzPct val="45000"/>
+              <a:buFont typeface="StarSymbol"/>
+              <a:buChar char="l"/>
+            </a:pPr>
+            <a:r>
+              <a:rPr lang="en-US" sz="2800">
                 <a:latin typeface="Arial"/>
               </a:rPr>
               <a:t>网络发现</a:t>
@@ -2316,24 +4890,27 @@
           </a:p>
           <a:p>
             <a:pPr>
-              <a:buSzPct val="45000"/>
-              <a:buFont typeface="StarSymbol"/>
-              <a:buChar char=""/>
-            </a:pPr>
-            <a:r>
-              <a:rPr lang="en-US" sz="3200">
+              <a:lnSpc>
+                <a:spcPct val="100000"/>
+              </a:lnSpc>
+              <a:buSzPct val="45000"/>
+              <a:buFont typeface="StarSymbol"/>
+              <a:buChar char="l"/>
+            </a:pPr>
+            <a:r>
+              <a:rPr lang="en-US" sz="2800">
                 <a:latin typeface="Arial"/>
               </a:rPr>
               <a:t>快捷的</a:t>
             </a:r>
             <a:r>
-              <a:rPr lang="en-US" sz="3200">
+              <a:rPr lang="en-US" sz="2800">
                 <a:latin typeface="Arial"/>
               </a:rPr>
               <a:t>Web</a:t>
             </a:r>
             <a:r>
-              <a:rPr lang="en-US" sz="3200">
+              <a:rPr lang="en-US" sz="2800">
                 <a:latin typeface="Arial"/>
               </a:rPr>
               <a:t>界面</a:t>
@@ -2342,12 +4919,15 @@
           </a:p>
           <a:p>
             <a:pPr>
-              <a:buSzPct val="45000"/>
-              <a:buFont typeface="StarSymbol"/>
-              <a:buChar char=""/>
-            </a:pPr>
-            <a:r>
-              <a:rPr lang="en-US" sz="3200">
+              <a:lnSpc>
+                <a:spcPct val="100000"/>
+              </a:lnSpc>
+              <a:buSzPct val="45000"/>
+              <a:buFont typeface="StarSymbol"/>
+              <a:buChar char="l"/>
+            </a:pPr>
+            <a:r>
+              <a:rPr lang="en-US" sz="2800">
                 <a:latin typeface="Arial"/>
               </a:rPr>
               <a:t>Zabbix API</a:t>
@@ -2356,12 +4936,15 @@
           </a:p>
           <a:p>
             <a:pPr>
-              <a:buSzPct val="45000"/>
-              <a:buFont typeface="StarSymbol"/>
-              <a:buChar char=""/>
-            </a:pPr>
-            <a:r>
-              <a:rPr lang="en-US" sz="3200">
+              <a:lnSpc>
+                <a:spcPct val="100000"/>
+              </a:lnSpc>
+              <a:buSzPct val="45000"/>
+              <a:buFont typeface="StarSymbol"/>
+              <a:buChar char="l"/>
+            </a:pPr>
+            <a:r>
+              <a:rPr lang="en-US" sz="2800">
                 <a:latin typeface="Arial"/>
               </a:rPr>
               <a:t>权限管理系统</a:t>
@@ -2370,18 +4953,21 @@
           </a:p>
           <a:p>
             <a:pPr>
-              <a:buSzPct val="45000"/>
-              <a:buFont typeface="StarSymbol"/>
-              <a:buChar char=""/>
-            </a:pPr>
-            <a:r>
-              <a:rPr lang="en-US" sz="3200">
+              <a:lnSpc>
+                <a:spcPct val="100000"/>
+              </a:lnSpc>
+              <a:buSzPct val="45000"/>
+              <a:buFont typeface="StarSymbol"/>
+              <a:buChar char="l"/>
+            </a:pPr>
+            <a:r>
+              <a:rPr lang="en-US" sz="2800">
                 <a:latin typeface="Arial"/>
               </a:rPr>
               <a:t>功能强大，易于扩展的</a:t>
             </a:r>
             <a:r>
-              <a:rPr lang="en-US" sz="3200">
+              <a:rPr lang="en-US" sz="2800">
                 <a:latin typeface="Arial"/>
               </a:rPr>
               <a:t>agent</a:t>
@@ -2390,12 +4976,15 @@
           </a:p>
           <a:p>
             <a:pPr>
-              <a:buSzPct val="45000"/>
-              <a:buFont typeface="StarSymbol"/>
-              <a:buChar char=""/>
-            </a:pPr>
-            <a:r>
-              <a:rPr lang="en-US" sz="3200">
+              <a:lnSpc>
+                <a:spcPct val="100000"/>
+              </a:lnSpc>
+              <a:buSzPct val="45000"/>
+              <a:buFont typeface="StarSymbol"/>
+              <a:buChar char="l"/>
+            </a:pPr>
+            <a:r>
+              <a:rPr lang="en-US" sz="2800">
                 <a:latin typeface="Arial"/>
               </a:rPr>
               <a:t>二进制代码</a:t>
@@ -2413,6 +5002,1077 @@
           <p:childTnLst>
             <p:seq>
               <p:cTn id="8" nodeType="mainSeq"/>
+              <p:prevCondLst>
+                <p:cond delay="0" evt="onPrev">
+                  <p:tgtEl>
+                    <p:sldTgt/>
+                  </p:tgtEl>
+                </p:cond>
+              </p:prevCondLst>
+              <p:nextCondLst>
+                <p:cond delay="0" evt="onNext">
+                  <p:tgtEl>
+                    <p:sldTgt/>
+                  </p:tgtEl>
+                </p:cond>
+              </p:nextCondLst>
+            </p:seq>
+          </p:childTnLst>
+        </p:cTn>
+      </p:par>
+    </p:tnLst>
+  </p:timing>
+</p:sld>
+</file>
+
+<file path=ppt/slides/slide5.xml><?xml version="1.0" encoding="utf-8"?>
+<p:sld xmlns:a="http://schemas.openxmlformats.org/drawingml/2006/main" xmlns:p="http://schemas.openxmlformats.org/presentationml/2006/main" xmlns:r="http://schemas.openxmlformats.org/officeDocument/2006/relationships">
+  <p:cSld>
+    <p:spTree>
+      <p:nvGrpSpPr>
+        <p:cNvPr id="1" name=""/>
+        <p:cNvGrpSpPr/>
+        <p:nvPr/>
+      </p:nvGrpSpPr>
+      <p:grpSpPr>
+        <a:xfrm>
+          <a:off x="0" y="0"/>
+          <a:ext cx="0" cy="0"/>
+          <a:chOff x="0" y="0"/>
+          <a:chExt cx="0" cy="0"/>
+        </a:xfrm>
+      </p:grpSpPr>
+      <p:sp>
+        <p:nvSpPr>
+          <p:cNvPr id="80" name="TextShape 1"/>
+          <p:cNvSpPr txBox="1"/>
+          <p:nvPr/>
+        </p:nvSpPr>
+        <p:spPr>
+          <a:xfrm>
+            <a:off x="504000" y="301320"/>
+            <a:ext cx="9071280" cy="1262160"/>
+          </a:xfrm>
+          <a:prstGeom prst="rect">
+            <a:avLst/>
+          </a:prstGeom>
+        </p:spPr>
+        <p:txBody>
+          <a:bodyPr lIns="0" rIns="0" tIns="0" bIns="0" anchor="ctr"/>
+          <a:p>
+            <a:pPr algn="ctr"/>
+            <a:r>
+              <a:rPr lang="en-US" sz="4400">
+                <a:latin typeface="Arial"/>
+              </a:rPr>
+              <a:t>结构</a:t>
+            </a:r>
+            <a:endParaRPr/>
+          </a:p>
+        </p:txBody>
+      </p:sp>
+      <p:sp>
+        <p:nvSpPr>
+          <p:cNvPr id="81" name="TextShape 2"/>
+          <p:cNvSpPr txBox="1"/>
+          <p:nvPr/>
+        </p:nvSpPr>
+        <p:spPr>
+          <a:xfrm>
+            <a:off x="504000" y="1769040"/>
+            <a:ext cx="9071280" cy="4384080"/>
+          </a:xfrm>
+          <a:prstGeom prst="rect">
+            <a:avLst/>
+          </a:prstGeom>
+        </p:spPr>
+        <p:txBody>
+          <a:bodyPr lIns="0" rIns="0" tIns="0" bIns="0"/>
+          <a:p>
+            <a:pPr>
+              <a:buSzPct val="45000"/>
+              <a:buFont typeface="StarSymbol"/>
+              <a:buChar char=""/>
+            </a:pPr>
+            <a:r>
+              <a:rPr lang="en-US" sz="3200">
+                <a:latin typeface="Arial"/>
+              </a:rPr>
+              <a:t>Server</a:t>
+            </a:r>
+            <a:endParaRPr/>
+          </a:p>
+          <a:p>
+            <a:pPr>
+              <a:buSzPct val="45000"/>
+              <a:buFont typeface="StarSymbol"/>
+              <a:buChar char=""/>
+            </a:pPr>
+            <a:r>
+              <a:rPr lang="en-US" sz="3200">
+                <a:latin typeface="Arial"/>
+              </a:rPr>
+              <a:t>Database</a:t>
+            </a:r>
+            <a:endParaRPr/>
+          </a:p>
+          <a:p>
+            <a:pPr>
+              <a:buSzPct val="45000"/>
+              <a:buFont typeface="StarSymbol"/>
+              <a:buChar char=""/>
+            </a:pPr>
+            <a:r>
+              <a:rPr lang="en-US" sz="3200">
+                <a:latin typeface="Arial"/>
+              </a:rPr>
+              <a:t>Proxy</a:t>
+            </a:r>
+            <a:endParaRPr/>
+          </a:p>
+          <a:p>
+            <a:pPr>
+              <a:buSzPct val="45000"/>
+              <a:buFont typeface="StarSymbol"/>
+              <a:buChar char=""/>
+            </a:pPr>
+            <a:r>
+              <a:rPr lang="en-US" sz="3200">
+                <a:latin typeface="Arial"/>
+              </a:rPr>
+              <a:t>agent</a:t>
+            </a:r>
+            <a:endParaRPr/>
+          </a:p>
+        </p:txBody>
+      </p:sp>
+    </p:spTree>
+  </p:cSld>
+  <p:timing>
+    <p:tnLst>
+      <p:par>
+        <p:cTn id="9" dur="indefinite" restart="never" nodeType="tmRoot">
+          <p:childTnLst>
+            <p:seq>
+              <p:cTn id="10" nodeType="mainSeq"/>
+              <p:prevCondLst>
+                <p:cond delay="0" evt="onPrev">
+                  <p:tgtEl>
+                    <p:sldTgt/>
+                  </p:tgtEl>
+                </p:cond>
+              </p:prevCondLst>
+              <p:nextCondLst>
+                <p:cond delay="0" evt="onNext">
+                  <p:tgtEl>
+                    <p:sldTgt/>
+                  </p:tgtEl>
+                </p:cond>
+              </p:nextCondLst>
+            </p:seq>
+          </p:childTnLst>
+        </p:cTn>
+      </p:par>
+    </p:tnLst>
+  </p:timing>
+</p:sld>
+</file>
+
+<file path=ppt/slides/slide6.xml><?xml version="1.0" encoding="utf-8"?>
+<p:sld xmlns:a="http://schemas.openxmlformats.org/drawingml/2006/main" xmlns:p="http://schemas.openxmlformats.org/presentationml/2006/main" xmlns:r="http://schemas.openxmlformats.org/officeDocument/2006/relationships">
+  <p:cSld>
+    <p:spTree>
+      <p:nvGrpSpPr>
+        <p:cNvPr id="1" name=""/>
+        <p:cNvGrpSpPr/>
+        <p:nvPr/>
+      </p:nvGrpSpPr>
+      <p:grpSpPr>
+        <a:xfrm>
+          <a:off x="0" y="0"/>
+          <a:ext cx="0" cy="0"/>
+          <a:chOff x="0" y="0"/>
+          <a:chExt cx="0" cy="0"/>
+        </a:xfrm>
+      </p:grpSpPr>
+      <p:sp>
+        <p:nvSpPr>
+          <p:cNvPr id="82" name="TextShape 1"/>
+          <p:cNvSpPr txBox="1"/>
+          <p:nvPr/>
+        </p:nvSpPr>
+        <p:spPr>
+          <a:xfrm>
+            <a:off x="555840" y="-166320"/>
+            <a:ext cx="9071280" cy="1262160"/>
+          </a:xfrm>
+          <a:prstGeom prst="rect">
+            <a:avLst/>
+          </a:prstGeom>
+        </p:spPr>
+        <p:txBody>
+          <a:bodyPr lIns="0" rIns="0" tIns="0" bIns="0" anchor="ctr"/>
+          <a:p>
+            <a:pPr algn="ctr"/>
+            <a:r>
+              <a:rPr lang="en-US" sz="4400">
+                <a:latin typeface="Arial"/>
+              </a:rPr>
+              <a:t>定义</a:t>
+            </a:r>
+            <a:endParaRPr/>
+          </a:p>
+        </p:txBody>
+      </p:sp>
+      <p:sp>
+        <p:nvSpPr>
+          <p:cNvPr id="83" name="TextShape 2"/>
+          <p:cNvSpPr txBox="1"/>
+          <p:nvPr/>
+        </p:nvSpPr>
+        <p:spPr>
+          <a:xfrm>
+            <a:off x="504000" y="640080"/>
+            <a:ext cx="9071280" cy="6919560"/>
+          </a:xfrm>
+          <a:prstGeom prst="rect">
+            <a:avLst/>
+          </a:prstGeom>
+        </p:spPr>
+        <p:txBody>
+          <a:bodyPr lIns="0" rIns="0" tIns="0" bIns="0"/>
+          <a:p>
+            <a:pPr>
+              <a:buSzPct val="45000"/>
+              <a:buFont typeface="StarSymbol"/>
+              <a:buChar char=""/>
+            </a:pPr>
+            <a:r>
+              <a:rPr lang="en-US" sz="3200">
+                <a:latin typeface="Arial"/>
+              </a:rPr>
+              <a:t>主机 </a:t>
+            </a:r>
+            <a:r>
+              <a:rPr lang="en-US" sz="3200">
+                <a:latin typeface="Arial"/>
+              </a:rPr>
+              <a:t>(host)</a:t>
+            </a:r>
+            <a:endParaRPr/>
+          </a:p>
+          <a:p>
+            <a:pPr>
+              <a:buSzPct val="45000"/>
+              <a:buFont typeface="StarSymbol"/>
+              <a:buChar char=""/>
+            </a:pPr>
+            <a:r>
+              <a:rPr lang="en-US" sz="3200">
+                <a:latin typeface="Arial"/>
+              </a:rPr>
+              <a:t>主机组 </a:t>
+            </a:r>
+            <a:r>
+              <a:rPr lang="en-US" sz="3200">
+                <a:latin typeface="Arial"/>
+              </a:rPr>
+              <a:t>(host group)</a:t>
+            </a:r>
+            <a:endParaRPr/>
+          </a:p>
+          <a:p>
+            <a:pPr>
+              <a:buSzPct val="45000"/>
+              <a:buFont typeface="StarSymbol"/>
+              <a:buChar char=""/>
+            </a:pPr>
+            <a:r>
+              <a:rPr lang="en-US" sz="3200">
+                <a:latin typeface="Arial"/>
+              </a:rPr>
+              <a:t>监控项 </a:t>
+            </a:r>
+            <a:r>
+              <a:rPr lang="en-US" sz="3200">
+                <a:latin typeface="Arial"/>
+              </a:rPr>
+              <a:t>(item)</a:t>
+            </a:r>
+            <a:endParaRPr/>
+          </a:p>
+          <a:p>
+            <a:pPr>
+              <a:buSzPct val="45000"/>
+              <a:buFont typeface="StarSymbol"/>
+              <a:buChar char=""/>
+            </a:pPr>
+            <a:r>
+              <a:rPr lang="en-US" sz="3200">
+                <a:latin typeface="Arial"/>
+              </a:rPr>
+              <a:t>触发器 </a:t>
+            </a:r>
+            <a:r>
+              <a:rPr lang="en-US" sz="3200">
+                <a:latin typeface="Arial"/>
+              </a:rPr>
+              <a:t>(trigger)</a:t>
+            </a:r>
+            <a:endParaRPr/>
+          </a:p>
+          <a:p>
+            <a:pPr>
+              <a:buSzPct val="45000"/>
+              <a:buFont typeface="StarSymbol"/>
+              <a:buChar char=""/>
+            </a:pPr>
+            <a:r>
+              <a:rPr lang="en-US" sz="3200">
+                <a:latin typeface="Arial"/>
+              </a:rPr>
+              <a:t>事件 </a:t>
+            </a:r>
+            <a:r>
+              <a:rPr lang="en-US" sz="3200">
+                <a:latin typeface="Arial"/>
+              </a:rPr>
+              <a:t>(event)</a:t>
+            </a:r>
+            <a:endParaRPr/>
+          </a:p>
+          <a:p>
+            <a:pPr>
+              <a:buSzPct val="45000"/>
+              <a:buFont typeface="StarSymbol"/>
+              <a:buChar char=""/>
+            </a:pPr>
+            <a:r>
+              <a:rPr lang="en-US" sz="3200">
+                <a:latin typeface="Arial"/>
+              </a:rPr>
+              <a:t>异常 </a:t>
+            </a:r>
+            <a:r>
+              <a:rPr lang="en-US" sz="3200">
+                <a:latin typeface="Arial"/>
+              </a:rPr>
+              <a:t>(problem)</a:t>
+            </a:r>
+            <a:endParaRPr/>
+          </a:p>
+          <a:p>
+            <a:pPr>
+              <a:buSzPct val="45000"/>
+              <a:buFont typeface="StarSymbol"/>
+              <a:buChar char=""/>
+            </a:pPr>
+            <a:r>
+              <a:rPr lang="en-US" sz="3200">
+                <a:latin typeface="Arial"/>
+              </a:rPr>
+              <a:t>动作 </a:t>
+            </a:r>
+            <a:r>
+              <a:rPr lang="en-US" sz="3200">
+                <a:latin typeface="Arial"/>
+              </a:rPr>
+              <a:t>(action)</a:t>
+            </a:r>
+            <a:endParaRPr/>
+          </a:p>
+          <a:p>
+            <a:pPr>
+              <a:buSzPct val="45000"/>
+              <a:buFont typeface="StarSymbol"/>
+              <a:buChar char=""/>
+            </a:pPr>
+            <a:r>
+              <a:rPr lang="en-US" sz="3200">
+                <a:latin typeface="Arial"/>
+              </a:rPr>
+              <a:t>升级 </a:t>
+            </a:r>
+            <a:r>
+              <a:rPr lang="en-US" sz="3200">
+                <a:latin typeface="Arial"/>
+              </a:rPr>
+              <a:t>(escalation)</a:t>
+            </a:r>
+            <a:endParaRPr/>
+          </a:p>
+          <a:p>
+            <a:pPr>
+              <a:buSzPct val="45000"/>
+              <a:buFont typeface="StarSymbol"/>
+              <a:buChar char=""/>
+            </a:pPr>
+            <a:r>
+              <a:rPr lang="en-US" sz="3200">
+                <a:latin typeface="Arial"/>
+              </a:rPr>
+              <a:t>媒介 </a:t>
+            </a:r>
+            <a:r>
+              <a:rPr lang="en-US" sz="3200">
+                <a:latin typeface="Arial"/>
+              </a:rPr>
+              <a:t>(media)</a:t>
+            </a:r>
+            <a:endParaRPr/>
+          </a:p>
+          <a:p>
+            <a:pPr>
+              <a:buSzPct val="45000"/>
+              <a:buFont typeface="StarSymbol"/>
+              <a:buChar char=""/>
+            </a:pPr>
+            <a:r>
+              <a:rPr lang="en-US" sz="3200">
+                <a:latin typeface="Arial"/>
+              </a:rPr>
+              <a:t>通知 </a:t>
+            </a:r>
+            <a:r>
+              <a:rPr lang="en-US" sz="3200">
+                <a:latin typeface="Arial"/>
+              </a:rPr>
+              <a:t>(notification)</a:t>
+            </a:r>
+            <a:endParaRPr/>
+          </a:p>
+          <a:p>
+            <a:pPr>
+              <a:buSzPct val="45000"/>
+              <a:buFont typeface="StarSymbol"/>
+              <a:buChar char=""/>
+            </a:pPr>
+            <a:r>
+              <a:rPr lang="en-US" sz="3200">
+                <a:latin typeface="Arial"/>
+              </a:rPr>
+              <a:t>远程命令 </a:t>
+            </a:r>
+            <a:r>
+              <a:rPr lang="en-US" sz="3200">
+                <a:latin typeface="Arial"/>
+              </a:rPr>
+              <a:t>(remote command)</a:t>
+            </a:r>
+            <a:endParaRPr/>
+          </a:p>
+          <a:p>
+            <a:pPr>
+              <a:buSzPct val="45000"/>
+              <a:buFont typeface="StarSymbol"/>
+              <a:buChar char=""/>
+            </a:pPr>
+            <a:r>
+              <a:rPr lang="en-US" sz="3200">
+                <a:latin typeface="Arial"/>
+              </a:rPr>
+              <a:t>模版 </a:t>
+            </a:r>
+            <a:r>
+              <a:rPr lang="en-US" sz="3200">
+                <a:latin typeface="Arial"/>
+              </a:rPr>
+              <a:t>(template)</a:t>
+            </a:r>
+            <a:endParaRPr/>
+          </a:p>
+          <a:p>
+            <a:pPr>
+              <a:buSzPct val="45000"/>
+              <a:buFont typeface="StarSymbol"/>
+              <a:buChar char=""/>
+            </a:pPr>
+            <a:r>
+              <a:rPr lang="en-US" sz="3200">
+                <a:latin typeface="Arial"/>
+              </a:rPr>
+              <a:t>应用 </a:t>
+            </a:r>
+            <a:r>
+              <a:rPr lang="en-US" sz="3200">
+                <a:latin typeface="Arial"/>
+              </a:rPr>
+              <a:t>(application)</a:t>
+            </a:r>
+            <a:endParaRPr/>
+          </a:p>
+          <a:p>
+            <a:pPr>
+              <a:buSzPct val="45000"/>
+              <a:buFont typeface="StarSymbol"/>
+              <a:buChar char=""/>
+            </a:pPr>
+            <a:r>
+              <a:rPr lang="en-US" sz="3200">
+                <a:latin typeface="Arial"/>
+              </a:rPr>
+              <a:t>web </a:t>
+            </a:r>
+            <a:r>
+              <a:rPr lang="en-US" sz="3200">
+                <a:latin typeface="Arial"/>
+              </a:rPr>
+              <a:t>场景 </a:t>
+            </a:r>
+            <a:r>
+              <a:rPr lang="en-US" sz="3200">
+                <a:latin typeface="Arial"/>
+              </a:rPr>
+              <a:t>(web scenario)</a:t>
+            </a:r>
+            <a:endParaRPr/>
+          </a:p>
+          <a:p>
+            <a:pPr>
+              <a:buSzPct val="45000"/>
+              <a:buFont typeface="StarSymbol"/>
+              <a:buChar char=""/>
+            </a:pPr>
+            <a:r>
+              <a:rPr lang="en-US" sz="3200">
+                <a:latin typeface="Arial"/>
+              </a:rPr>
+              <a:t>前端 </a:t>
+            </a:r>
+            <a:r>
+              <a:rPr lang="en-US" sz="3200">
+                <a:latin typeface="Arial"/>
+              </a:rPr>
+              <a:t>(frontend)</a:t>
+            </a:r>
+            <a:endParaRPr/>
+          </a:p>
+          <a:p>
+            <a:pPr>
+              <a:buSzPct val="45000"/>
+              <a:buFont typeface="StarSymbol"/>
+              <a:buChar char=""/>
+            </a:pPr>
+            <a:r>
+              <a:rPr lang="en-US" sz="3200">
+                <a:latin typeface="Arial"/>
+              </a:rPr>
+              <a:t>Zabbix API</a:t>
+            </a:r>
+            <a:endParaRPr/>
+          </a:p>
+          <a:p>
+            <a:pPr>
+              <a:buSzPct val="45000"/>
+              <a:buFont typeface="StarSymbol"/>
+              <a:buChar char=""/>
+            </a:pPr>
+            <a:r>
+              <a:rPr lang="en-US" sz="3200">
+                <a:latin typeface="Arial"/>
+              </a:rPr>
+              <a:t>Zabbix server</a:t>
+            </a:r>
+            <a:endParaRPr/>
+          </a:p>
+          <a:p>
+            <a:pPr>
+              <a:buSzPct val="45000"/>
+              <a:buFont typeface="StarSymbol"/>
+              <a:buChar char=""/>
+            </a:pPr>
+            <a:r>
+              <a:rPr lang="en-US" sz="3200">
+                <a:latin typeface="Arial"/>
+              </a:rPr>
+              <a:t>Zabbix agent</a:t>
+            </a:r>
+            <a:endParaRPr/>
+          </a:p>
+          <a:p>
+            <a:pPr>
+              <a:buSzPct val="45000"/>
+              <a:buFont typeface="StarSymbol"/>
+              <a:buChar char=""/>
+            </a:pPr>
+            <a:r>
+              <a:rPr lang="en-US" sz="3200">
+                <a:latin typeface="Arial"/>
+              </a:rPr>
+              <a:t>Zabbix proxy</a:t>
+            </a:r>
+            <a:endParaRPr/>
+          </a:p>
+        </p:txBody>
+      </p:sp>
+    </p:spTree>
+  </p:cSld>
+  <p:timing>
+    <p:tnLst>
+      <p:par>
+        <p:cTn id="11" dur="indefinite" restart="never" nodeType="tmRoot">
+          <p:childTnLst>
+            <p:seq>
+              <p:cTn id="12" nodeType="mainSeq"/>
+              <p:prevCondLst>
+                <p:cond delay="0" evt="onPrev">
+                  <p:tgtEl>
+                    <p:sldTgt/>
+                  </p:tgtEl>
+                </p:cond>
+              </p:prevCondLst>
+              <p:nextCondLst>
+                <p:cond delay="0" evt="onNext">
+                  <p:tgtEl>
+                    <p:sldTgt/>
+                  </p:tgtEl>
+                </p:cond>
+              </p:nextCondLst>
+            </p:seq>
+          </p:childTnLst>
+        </p:cTn>
+      </p:par>
+    </p:tnLst>
+  </p:timing>
+</p:sld>
+</file>
+
+<file path=ppt/slides/slide7.xml><?xml version="1.0" encoding="utf-8"?>
+<p:sld xmlns:a="http://schemas.openxmlformats.org/drawingml/2006/main" xmlns:p="http://schemas.openxmlformats.org/presentationml/2006/main" xmlns:r="http://schemas.openxmlformats.org/officeDocument/2006/relationships">
+  <p:cSld>
+    <p:spTree>
+      <p:nvGrpSpPr>
+        <p:cNvPr id="1" name=""/>
+        <p:cNvGrpSpPr/>
+        <p:nvPr/>
+      </p:nvGrpSpPr>
+      <p:grpSpPr>
+        <a:xfrm>
+          <a:off x="0" y="0"/>
+          <a:ext cx="0" cy="0"/>
+          <a:chOff x="0" y="0"/>
+          <a:chExt cx="0" cy="0"/>
+        </a:xfrm>
+      </p:grpSpPr>
+      <p:sp>
+        <p:nvSpPr>
+          <p:cNvPr id="84" name="TextShape 1"/>
+          <p:cNvSpPr txBox="1"/>
+          <p:nvPr/>
+        </p:nvSpPr>
+        <p:spPr>
+          <a:xfrm>
+            <a:off x="504000" y="301320"/>
+            <a:ext cx="9071280" cy="1262160"/>
+          </a:xfrm>
+          <a:prstGeom prst="rect">
+            <a:avLst/>
+          </a:prstGeom>
+        </p:spPr>
+        <p:txBody>
+          <a:bodyPr lIns="0" rIns="0" tIns="0" bIns="0" anchor="ctr"/>
+          <a:p>
+            <a:pPr algn="ctr"/>
+            <a:r>
+              <a:rPr lang="en-US" sz="4400">
+                <a:latin typeface="Arial"/>
+              </a:rPr>
+              <a:t>管理信息</a:t>
+            </a:r>
+            <a:endParaRPr/>
+          </a:p>
+        </p:txBody>
+      </p:sp>
+      <p:sp>
+        <p:nvSpPr>
+          <p:cNvPr id="85" name="TextShape 2"/>
+          <p:cNvSpPr txBox="1"/>
+          <p:nvPr/>
+        </p:nvSpPr>
+        <p:spPr>
+          <a:xfrm>
+            <a:off x="504000" y="1769040"/>
+            <a:ext cx="9071280" cy="4384080"/>
+          </a:xfrm>
+          <a:prstGeom prst="rect">
+            <a:avLst/>
+          </a:prstGeom>
+        </p:spPr>
+        <p:txBody>
+          <a:bodyPr lIns="0" rIns="0" tIns="0" bIns="0"/>
+          <a:p>
+            <a:pPr>
+              <a:buSzPct val="45000"/>
+              <a:buFont typeface="StarSymbol"/>
+              <a:buChar char=""/>
+            </a:pPr>
+            <a:r>
+              <a:rPr lang="en-US" sz="3200">
+                <a:latin typeface="Arial"/>
+              </a:rPr>
+              <a:t>Server</a:t>
+            </a:r>
+            <a:endParaRPr/>
+          </a:p>
+          <a:p>
+            <a:pPr lvl="1">
+              <a:buSzPct val="75000"/>
+              <a:buFont typeface="StarSymbol"/>
+              <a:buChar char=""/>
+            </a:pPr>
+            <a:r>
+              <a:rPr lang="en-US" sz="2800">
+                <a:latin typeface="Arial"/>
+              </a:rPr>
+              <a:t>Service zabbix_server start/stop</a:t>
+            </a:r>
+            <a:endParaRPr/>
+          </a:p>
+          <a:p>
+            <a:pPr>
+              <a:buSzPct val="45000"/>
+              <a:buFont typeface="StarSymbol"/>
+              <a:buChar char=""/>
+            </a:pPr>
+            <a:r>
+              <a:rPr lang="en-US" sz="3200">
+                <a:latin typeface="Arial"/>
+              </a:rPr>
+              <a:t>Agent</a:t>
+            </a:r>
+            <a:endParaRPr/>
+          </a:p>
+          <a:p>
+            <a:pPr lvl="1">
+              <a:buSzPct val="75000"/>
+              <a:buFont typeface="StarSymbol"/>
+              <a:buChar char=""/>
+            </a:pPr>
+            <a:r>
+              <a:rPr lang="en-US" sz="2800">
+                <a:latin typeface="Arial"/>
+              </a:rPr>
+              <a:t>Service zabbix_agentd start/stop</a:t>
+            </a:r>
+            <a:endParaRPr/>
+          </a:p>
+          <a:p>
+            <a:pPr>
+              <a:buSzPct val="45000"/>
+              <a:buFont typeface="StarSymbol"/>
+              <a:buChar char=""/>
+            </a:pPr>
+            <a:r>
+              <a:rPr lang="en-US" sz="3200">
+                <a:latin typeface="Arial"/>
+              </a:rPr>
+              <a:t>Web url</a:t>
+            </a:r>
+            <a:endParaRPr/>
+          </a:p>
+          <a:p>
+            <a:pPr lvl="1">
+              <a:buSzPct val="75000"/>
+              <a:buFont typeface="StarSymbol"/>
+              <a:buChar char=""/>
+            </a:pPr>
+            <a:r>
+              <a:rPr lang="en-US" sz="2800">
+                <a:latin typeface="Arial"/>
+              </a:rPr>
+              <a:t>http://10.221.2.164/zabbix/</a:t>
+            </a:r>
+            <a:endParaRPr/>
+          </a:p>
+        </p:txBody>
+      </p:sp>
+    </p:spTree>
+  </p:cSld>
+  <p:timing>
+    <p:tnLst>
+      <p:par>
+        <p:cTn id="13" dur="indefinite" restart="never" nodeType="tmRoot">
+          <p:childTnLst>
+            <p:seq>
+              <p:cTn id="14" nodeType="mainSeq"/>
+              <p:prevCondLst>
+                <p:cond delay="0" evt="onPrev">
+                  <p:tgtEl>
+                    <p:sldTgt/>
+                  </p:tgtEl>
+                </p:cond>
+              </p:prevCondLst>
+              <p:nextCondLst>
+                <p:cond delay="0" evt="onNext">
+                  <p:tgtEl>
+                    <p:sldTgt/>
+                  </p:tgtEl>
+                </p:cond>
+              </p:nextCondLst>
+            </p:seq>
+          </p:childTnLst>
+        </p:cTn>
+      </p:par>
+    </p:tnLst>
+  </p:timing>
+</p:sld>
+</file>
+
+<file path=ppt/slides/slide8.xml><?xml version="1.0" encoding="utf-8"?>
+<p:sld xmlns:a="http://schemas.openxmlformats.org/drawingml/2006/main" xmlns:p="http://schemas.openxmlformats.org/presentationml/2006/main" xmlns:r="http://schemas.openxmlformats.org/officeDocument/2006/relationships">
+  <p:cSld>
+    <p:spTree>
+      <p:nvGrpSpPr>
+        <p:cNvPr id="1" name=""/>
+        <p:cNvGrpSpPr/>
+        <p:nvPr/>
+      </p:nvGrpSpPr>
+      <p:grpSpPr>
+        <a:xfrm>
+          <a:off x="0" y="0"/>
+          <a:ext cx="0" cy="0"/>
+          <a:chOff x="0" y="0"/>
+          <a:chExt cx="0" cy="0"/>
+        </a:xfrm>
+      </p:grpSpPr>
+      <p:sp>
+        <p:nvSpPr>
+          <p:cNvPr id="86" name="TextShape 1"/>
+          <p:cNvSpPr txBox="1"/>
+          <p:nvPr/>
+        </p:nvSpPr>
+        <p:spPr>
+          <a:xfrm>
+            <a:off x="504000" y="301320"/>
+            <a:ext cx="9071280" cy="1262160"/>
+          </a:xfrm>
+          <a:prstGeom prst="rect">
+            <a:avLst/>
+          </a:prstGeom>
+        </p:spPr>
+        <p:txBody>
+          <a:bodyPr lIns="0" rIns="0" tIns="0" bIns="0" anchor="ctr"/>
+          <a:p>
+            <a:pPr algn="ctr"/>
+            <a:r>
+              <a:rPr lang="en-US" sz="4400">
+                <a:latin typeface="Arial"/>
+              </a:rPr>
+              <a:t>ldap</a:t>
+            </a:r>
+            <a:endParaRPr/>
+          </a:p>
+        </p:txBody>
+      </p:sp>
+      <p:sp>
+        <p:nvSpPr>
+          <p:cNvPr id="87" name="TextShape 2"/>
+          <p:cNvSpPr txBox="1"/>
+          <p:nvPr/>
+        </p:nvSpPr>
+        <p:spPr>
+          <a:xfrm>
+            <a:off x="504000" y="1769040"/>
+            <a:ext cx="9071280" cy="4384080"/>
+          </a:xfrm>
+          <a:prstGeom prst="rect">
+            <a:avLst/>
+          </a:prstGeom>
+        </p:spPr>
+        <p:txBody>
+          <a:bodyPr lIns="0" rIns="0" tIns="0" bIns="0"/>
+          <a:p>
+            <a:pPr>
+              <a:buSzPct val="45000"/>
+              <a:buFont typeface="StarSymbol"/>
+              <a:buChar char=""/>
+            </a:pPr>
+            <a:r>
+              <a:rPr lang="en-US" sz="3200">
+                <a:latin typeface="Arial"/>
+              </a:rPr>
+              <a:t>目录服务：是专门用于搜索和浏览的专用数据库，另外还支持基本查找和更新功能</a:t>
+            </a:r>
+            <a:endParaRPr/>
+          </a:p>
+          <a:p>
+            <a:pPr>
+              <a:buSzPct val="45000"/>
+              <a:buFont typeface="StarSymbol"/>
+              <a:buChar char=""/>
+            </a:pPr>
+            <a:r>
+              <a:rPr lang="en-US" sz="3200">
+                <a:latin typeface="Arial"/>
+              </a:rPr>
+              <a:t>LDAP</a:t>
+            </a:r>
+            <a:r>
+              <a:rPr lang="en-US" sz="3200">
+                <a:latin typeface="Arial"/>
+              </a:rPr>
+              <a:t>信息模型基于条目</a:t>
+            </a:r>
+            <a:r>
+              <a:rPr lang="en-US" sz="3200">
+                <a:latin typeface="Arial"/>
+              </a:rPr>
+              <a:t>,</a:t>
+            </a:r>
+            <a:r>
+              <a:rPr lang="en-US" sz="3200">
+                <a:latin typeface="Arial"/>
+              </a:rPr>
+              <a:t>条目是具有全局唯一性的属性集合专有名称（</a:t>
+            </a:r>
+            <a:r>
+              <a:rPr lang="en-US" sz="3200">
+                <a:latin typeface="Arial"/>
+              </a:rPr>
+              <a:t>DN</a:t>
+            </a:r>
+            <a:r>
+              <a:rPr lang="en-US" sz="3200">
+                <a:latin typeface="Arial"/>
+              </a:rPr>
+              <a:t>）</a:t>
+            </a:r>
+            <a:endParaRPr/>
+          </a:p>
+          <a:p>
+            <a:pPr>
+              <a:buSzPct val="45000"/>
+              <a:buFont typeface="StarSymbol"/>
+              <a:buChar char=""/>
+            </a:pPr>
+            <a:r>
+              <a:rPr lang="en-US" sz="3200">
+                <a:latin typeface="Arial"/>
+              </a:rPr>
+              <a:t>在</a:t>
+            </a:r>
+            <a:r>
+              <a:rPr lang="en-US" sz="3200">
+                <a:latin typeface="Arial"/>
+              </a:rPr>
+              <a:t>LDAP</a:t>
+            </a:r>
+            <a:r>
+              <a:rPr lang="en-US" sz="3200">
+                <a:latin typeface="Arial"/>
+              </a:rPr>
+              <a:t>中，目录条目以分层树状结构排列</a:t>
+            </a:r>
+            <a:endParaRPr/>
+          </a:p>
+        </p:txBody>
+      </p:sp>
+    </p:spTree>
+  </p:cSld>
+  <p:timing>
+    <p:tnLst>
+      <p:par>
+        <p:cTn id="15" dur="indefinite" restart="never" nodeType="tmRoot">
+          <p:childTnLst>
+            <p:seq>
+              <p:cTn id="16" nodeType="mainSeq"/>
+              <p:prevCondLst>
+                <p:cond delay="0" evt="onPrev">
+                  <p:tgtEl>
+                    <p:sldTgt/>
+                  </p:tgtEl>
+                </p:cond>
+              </p:prevCondLst>
+              <p:nextCondLst>
+                <p:cond delay="0" evt="onNext">
+                  <p:tgtEl>
+                    <p:sldTgt/>
+                  </p:tgtEl>
+                </p:cond>
+              </p:nextCondLst>
+            </p:seq>
+          </p:childTnLst>
+        </p:cTn>
+      </p:par>
+    </p:tnLst>
+  </p:timing>
+</p:sld>
+</file>
+
+<file path=ppt/slides/slide9.xml><?xml version="1.0" encoding="utf-8"?>
+<p:sld xmlns:a="http://schemas.openxmlformats.org/drawingml/2006/main" xmlns:p="http://schemas.openxmlformats.org/presentationml/2006/main" xmlns:r="http://schemas.openxmlformats.org/officeDocument/2006/relationships">
+  <p:cSld>
+    <p:spTree>
+      <p:nvGrpSpPr>
+        <p:cNvPr id="1" name=""/>
+        <p:cNvGrpSpPr/>
+        <p:nvPr/>
+      </p:nvGrpSpPr>
+      <p:grpSpPr>
+        <a:xfrm>
+          <a:off x="0" y="0"/>
+          <a:ext cx="0" cy="0"/>
+          <a:chOff x="0" y="0"/>
+          <a:chExt cx="0" cy="0"/>
+        </a:xfrm>
+      </p:grpSpPr>
+      <p:pic>
+        <p:nvPicPr>
+          <p:cNvPr id="88" name="" descr=""/>
+          <p:cNvPicPr/>
+          <p:nvPr/>
+        </p:nvPicPr>
+        <p:blipFill>
+          <a:blip r:embed="rId1"/>
+          <a:stretch>
+            <a:fillRect/>
+          </a:stretch>
+        </p:blipFill>
+        <p:spPr>
+          <a:xfrm>
+            <a:off x="2458080" y="1769040"/>
+            <a:ext cx="5162760" cy="4384080"/>
+          </a:xfrm>
+          <a:prstGeom prst="rect">
+            <a:avLst/>
+          </a:prstGeom>
+          <a:ln>
+            <a:noFill/>
+          </a:ln>
+        </p:spPr>
+      </p:pic>
+      <p:sp>
+        <p:nvSpPr>
+          <p:cNvPr id="89" name="TextShape 1"/>
+          <p:cNvSpPr txBox="1"/>
+          <p:nvPr/>
+        </p:nvSpPr>
+        <p:spPr>
+          <a:xfrm>
+            <a:off x="504000" y="301320"/>
+            <a:ext cx="9071280" cy="1262160"/>
+          </a:xfrm>
+          <a:prstGeom prst="rect">
+            <a:avLst/>
+          </a:prstGeom>
+        </p:spPr>
+        <p:txBody>
+          <a:bodyPr lIns="0" rIns="0" tIns="0" bIns="0" anchor="ctr"/>
+          <a:p>
+            <a:pPr algn="ctr"/>
+            <a:endParaRPr/>
+          </a:p>
+        </p:txBody>
+      </p:sp>
+    </p:spTree>
+  </p:cSld>
+  <p:timing>
+    <p:tnLst>
+      <p:par>
+        <p:cTn id="17" dur="indefinite" restart="never" nodeType="tmRoot">
+          <p:childTnLst>
+            <p:seq>
+              <p:cTn id="18" nodeType="mainSeq"/>
               <p:prevCondLst>
                 <p:cond delay="0" evt="onPrev">
                   <p:tgtEl>
@@ -2657,4 +6317,227 @@
     </a:fmtScheme>
   </a:themeElements>
 </a:theme>
+</file>
+
+<file path=ppt/theme/theme2.xml><?xml version="1.0" encoding="utf-8"?>
+<a:theme xmlns:a="http://schemas.openxmlformats.org/drawingml/2006/main" name="Office Theme">
+  <a:themeElements>
+    <a:clrScheme name="Office">
+      <a:dk1>
+        <a:sysClr val="windowText" lastClr="000000"/>
+      </a:dk1>
+      <a:lt1>
+        <a:sysClr val="window" lastClr="FFFFFF"/>
+      </a:lt1>
+      <a:dk2>
+        <a:srgbClr val="1F497D"/>
+      </a:dk2>
+      <a:lt2>
+        <a:srgbClr val="EEECE1"/>
+      </a:lt2>
+      <a:accent1>
+        <a:srgbClr val="4F81BD"/>
+      </a:accent1>
+      <a:accent2>
+        <a:srgbClr val="C0504D"/>
+      </a:accent2>
+      <a:accent3>
+        <a:srgbClr val="9BBB59"/>
+      </a:accent3>
+      <a:accent4>
+        <a:srgbClr val="8064A2"/>
+      </a:accent4>
+      <a:accent5>
+        <a:srgbClr val="4BACC6"/>
+      </a:accent5>
+      <a:accent6>
+        <a:srgbClr val="F79646"/>
+      </a:accent6>
+      <a:hlink>
+        <a:srgbClr val="0000FF"/>
+      </a:hlink>
+      <a:folHlink>
+        <a:srgbClr val="800080"/>
+      </a:folHlink>
+    </a:clrScheme>
+    <a:fontScheme name="Office">
+      <a:majorFont>
+        <a:latin typeface="Arial"/>
+        <a:ea typeface="DejaVu Sans"/>
+        <a:cs typeface="DejaVu Sans"/>
+      </a:majorFont>
+      <a:minorFont>
+        <a:latin typeface="Arial"/>
+        <a:ea typeface="DejaVu Sans"/>
+        <a:cs typeface="DejaVu Sans"/>
+      </a:minorFont>
+    </a:fontScheme>
+    <a:fmtScheme name="Office">
+      <a:fillStyleLst>
+        <a:solidFill>
+          <a:schemeClr val="phClr"/>
+        </a:solidFill>
+        <a:gradFill rotWithShape="1">
+          <a:gsLst>
+            <a:gs pos="0">
+              <a:schemeClr val="phClr">
+                <a:tint val="50000"/>
+                <a:satMod val="300000"/>
+              </a:schemeClr>
+            </a:gs>
+            <a:gs pos="35000">
+              <a:schemeClr val="phClr">
+                <a:tint val="37000"/>
+                <a:satMod val="300000"/>
+              </a:schemeClr>
+            </a:gs>
+            <a:gs pos="100000">
+              <a:schemeClr val="phClr">
+                <a:tint val="15000"/>
+                <a:satMod val="350000"/>
+              </a:schemeClr>
+            </a:gs>
+          </a:gsLst>
+          <a:lin ang="16200000" scaled="1"/>
+        </a:gradFill>
+        <a:gradFill rotWithShape="1">
+          <a:gsLst>
+            <a:gs pos="0">
+              <a:schemeClr val="phClr">
+                <a:shade val="51000"/>
+                <a:satMod val="130000"/>
+              </a:schemeClr>
+            </a:gs>
+            <a:gs pos="80000">
+              <a:schemeClr val="phClr">
+                <a:shade val="93000"/>
+                <a:satMod val="130000"/>
+              </a:schemeClr>
+            </a:gs>
+            <a:gs pos="100000">
+              <a:schemeClr val="phClr">
+                <a:shade val="94000"/>
+                <a:satMod val="135000"/>
+              </a:schemeClr>
+            </a:gs>
+          </a:gsLst>
+          <a:lin ang="16200000" scaled="0"/>
+        </a:gradFill>
+      </a:fillStyleLst>
+      <a:lnStyleLst>
+        <a:ln w="9525" cap="flat" cmpd="sng" algn="ctr">
+          <a:solidFill>
+            <a:schemeClr val="phClr">
+              <a:shade val="95000"/>
+              <a:satMod val="105000"/>
+            </a:schemeClr>
+          </a:solidFill>
+          <a:prstDash val="solid"/>
+        </a:ln>
+        <a:ln w="25400" cap="flat" cmpd="sng" algn="ctr">
+          <a:solidFill>
+            <a:schemeClr val="phClr"/>
+          </a:solidFill>
+          <a:prstDash val="solid"/>
+        </a:ln>
+        <a:ln w="38100" cap="flat" cmpd="sng" algn="ctr">
+          <a:solidFill>
+            <a:schemeClr val="phClr"/>
+          </a:solidFill>
+          <a:prstDash val="solid"/>
+        </a:ln>
+      </a:lnStyleLst>
+      <a:effectStyleLst>
+        <a:effectStyle>
+          <a:effectLst>
+            <a:outerShdw blurRad="40000" dist="20000" dir="5400000" rotWithShape="0">
+              <a:srgbClr val="000000">
+                <a:alpha val="38000"/>
+              </a:srgbClr>
+            </a:outerShdw>
+          </a:effectLst>
+        </a:effectStyle>
+        <a:effectStyle>
+          <a:effectLst>
+            <a:outerShdw blurRad="40000" dist="23000" dir="5400000" rotWithShape="0">
+              <a:srgbClr val="000000">
+                <a:alpha val="35000"/>
+              </a:srgbClr>
+            </a:outerShdw>
+          </a:effectLst>
+        </a:effectStyle>
+        <a:effectStyle>
+          <a:effectLst>
+            <a:outerShdw blurRad="40000" dist="23000" dir="5400000" rotWithShape="0">
+              <a:srgbClr val="000000">
+                <a:alpha val="35000"/>
+              </a:srgbClr>
+            </a:outerShdw>
+          </a:effectLst>
+          <a:scene3d>
+            <a:camera prst="orthographicFront">
+              <a:rot lat="0" lon="0" rev="0"/>
+            </a:camera>
+            <a:lightRig rig="threePt" dir="t">
+              <a:rot lat="0" lon="0" rev="1200000"/>
+            </a:lightRig>
+          </a:scene3d>
+          <a:sp3d>
+            <a:bevelT w="63500" h="25400"/>
+          </a:sp3d>
+        </a:effectStyle>
+      </a:effectStyleLst>
+      <a:bgFillStyleLst>
+        <a:solidFill>
+          <a:schemeClr val="phClr"/>
+        </a:solidFill>
+        <a:gradFill rotWithShape="1">
+          <a:gsLst>
+            <a:gs pos="0">
+              <a:schemeClr val="phClr">
+                <a:tint val="40000"/>
+                <a:satMod val="350000"/>
+              </a:schemeClr>
+            </a:gs>
+            <a:gs pos="40000">
+              <a:schemeClr val="phClr">
+                <a:tint val="45000"/>
+                <a:shade val="99000"/>
+                <a:satMod val="350000"/>
+              </a:schemeClr>
+            </a:gs>
+            <a:gs pos="100000">
+              <a:schemeClr val="phClr">
+                <a:shade val="20000"/>
+                <a:satMod val="255000"/>
+              </a:schemeClr>
+            </a:gs>
+          </a:gsLst>
+          <a:path path="circle">
+            <a:fillToRect l="50000" t="-80000" r="50000" b="180000"/>
+          </a:path>
+        </a:gradFill>
+        <a:gradFill rotWithShape="1">
+          <a:gsLst>
+            <a:gs pos="0">
+              <a:schemeClr val="phClr">
+                <a:tint val="80000"/>
+                <a:satMod val="300000"/>
+              </a:schemeClr>
+            </a:gs>
+            <a:gs pos="100000">
+              <a:schemeClr val="phClr">
+                <a:shade val="30000"/>
+                <a:satMod val="200000"/>
+              </a:schemeClr>
+            </a:gs>
+          </a:gsLst>
+          <a:path path="circle">
+            <a:fillToRect l="50000" t="50000" r="50000" b="50000"/>
+          </a:path>
+        </a:gradFill>
+      </a:bgFillStyleLst>
+    </a:fmtScheme>
+  </a:themeElements>
+</a:theme>
 </file>
--- a/Basic environment.pptx
+++ b/Basic environment.pptx
@@ -4,25 +4,32 @@
   <p:sldMasterIdLst>
     <p:sldMasterId id="2147483648" r:id="rId2"/>
     <p:sldMasterId id="2147483661" r:id="rId3"/>
+    <p:sldMasterId id="2147483674" r:id="rId4"/>
+    <p:sldMasterId id="2147483687" r:id="rId5"/>
   </p:sldMasterIdLst>
   <p:sldIdLst>
-    <p:sldId id="256" r:id="rId4"/>
-    <p:sldId id="257" r:id="rId5"/>
-    <p:sldId id="258" r:id="rId6"/>
-    <p:sldId id="259" r:id="rId7"/>
-    <p:sldId id="260" r:id="rId8"/>
-    <p:sldId id="261" r:id="rId9"/>
-    <p:sldId id="262" r:id="rId10"/>
-    <p:sldId id="263" r:id="rId11"/>
-    <p:sldId id="264" r:id="rId12"/>
-    <p:sldId id="265" r:id="rId13"/>
-    <p:sldId id="266" r:id="rId14"/>
-    <p:sldId id="267" r:id="rId15"/>
-    <p:sldId id="268" r:id="rId16"/>
-    <p:sldId id="269" r:id="rId17"/>
-    <p:sldId id="270" r:id="rId18"/>
-    <p:sldId id="271" r:id="rId19"/>
-    <p:sldId id="272" r:id="rId20"/>
+    <p:sldId id="256" r:id="rId6"/>
+    <p:sldId id="257" r:id="rId7"/>
+    <p:sldId id="258" r:id="rId8"/>
+    <p:sldId id="259" r:id="rId9"/>
+    <p:sldId id="260" r:id="rId10"/>
+    <p:sldId id="261" r:id="rId11"/>
+    <p:sldId id="262" r:id="rId12"/>
+    <p:sldId id="263" r:id="rId13"/>
+    <p:sldId id="264" r:id="rId14"/>
+    <p:sldId id="265" r:id="rId15"/>
+    <p:sldId id="266" r:id="rId16"/>
+    <p:sldId id="267" r:id="rId17"/>
+    <p:sldId id="268" r:id="rId18"/>
+    <p:sldId id="269" r:id="rId19"/>
+    <p:sldId id="270" r:id="rId20"/>
+    <p:sldId id="271" r:id="rId21"/>
+    <p:sldId id="272" r:id="rId22"/>
+    <p:sldId id="273" r:id="rId23"/>
+    <p:sldId id="274" r:id="rId24"/>
+    <p:sldId id="275" r:id="rId25"/>
+    <p:sldId id="276" r:id="rId26"/>
+    <p:sldId id="277" r:id="rId27"/>
   </p:sldIdLst>
   <p:sldSz cx="10080625" cy="7559675"/>
   <p:notesSz cx="7559675" cy="10691812"/>
@@ -81,7 +88,7 @@
         <p:spPr>
           <a:xfrm>
             <a:off x="504000" y="301320"/>
-            <a:ext cx="9071280" cy="1262520"/>
+            <a:ext cx="9072000" cy="1262160"/>
           </a:xfrm>
           <a:prstGeom prst="rect">
             <a:avLst/>
@@ -107,8 +114,8 @@
         </p:nvSpPr>
         <p:spPr>
           <a:xfrm>
-            <a:off x="504000" y="1769040"/>
-            <a:ext cx="9071280" cy="2090880"/>
+            <a:off x="504000" y="1768680"/>
+            <a:ext cx="9072000" cy="2090880"/>
           </a:xfrm>
           <a:prstGeom prst="rect">
             <a:avLst/>
@@ -133,8 +140,8 @@
         </p:nvSpPr>
         <p:spPr>
           <a:xfrm>
-            <a:off x="504000" y="4059000"/>
-            <a:ext cx="9071280" cy="2090880"/>
+            <a:off x="504000" y="4058640"/>
+            <a:ext cx="9072000" cy="2090880"/>
           </a:xfrm>
           <a:prstGeom prst="rect">
             <a:avLst/>
@@ -182,7 +189,7 @@
         <p:spPr>
           <a:xfrm>
             <a:off x="504000" y="301320"/>
-            <a:ext cx="9071280" cy="1262520"/>
+            <a:ext cx="9072000" cy="1262160"/>
           </a:xfrm>
           <a:prstGeom prst="rect">
             <a:avLst/>
@@ -208,8 +215,8 @@
         </p:nvSpPr>
         <p:spPr>
           <a:xfrm>
-            <a:off x="504000" y="1769040"/>
-            <a:ext cx="4426560" cy="2090880"/>
+            <a:off x="504000" y="1768680"/>
+            <a:ext cx="4426920" cy="2090880"/>
           </a:xfrm>
           <a:prstGeom prst="rect">
             <a:avLst/>
@@ -234,8 +241,8 @@
         </p:nvSpPr>
         <p:spPr>
           <a:xfrm>
-            <a:off x="5152320" y="1769040"/>
-            <a:ext cx="4426560" cy="2090880"/>
+            <a:off x="5152680" y="1768680"/>
+            <a:ext cx="4426920" cy="2090880"/>
           </a:xfrm>
           <a:prstGeom prst="rect">
             <a:avLst/>
@@ -260,8 +267,8 @@
         </p:nvSpPr>
         <p:spPr>
           <a:xfrm>
-            <a:off x="5152320" y="4059000"/>
-            <a:ext cx="4426560" cy="2090880"/>
+            <a:off x="5152680" y="4058640"/>
+            <a:ext cx="4426920" cy="2090880"/>
           </a:xfrm>
           <a:prstGeom prst="rect">
             <a:avLst/>
@@ -286,8 +293,8 @@
         </p:nvSpPr>
         <p:spPr>
           <a:xfrm>
-            <a:off x="504000" y="4059000"/>
-            <a:ext cx="4426560" cy="2090880"/>
+            <a:off x="504000" y="4058640"/>
+            <a:ext cx="4426920" cy="2090880"/>
           </a:xfrm>
           <a:prstGeom prst="rect">
             <a:avLst/>
@@ -335,7 +342,7 @@
         <p:spPr>
           <a:xfrm>
             <a:off x="504000" y="301320"/>
-            <a:ext cx="9071280" cy="1262520"/>
+            <a:ext cx="9072000" cy="1262160"/>
           </a:xfrm>
           <a:prstGeom prst="rect">
             <a:avLst/>
@@ -361,8 +368,8 @@
         </p:nvSpPr>
         <p:spPr>
           <a:xfrm>
-            <a:off x="504000" y="1769040"/>
-            <a:ext cx="9071280" cy="4384080"/>
+            <a:off x="504000" y="1768680"/>
+            <a:ext cx="9072000" cy="4384080"/>
           </a:xfrm>
           <a:prstGeom prst="rect">
             <a:avLst/>
@@ -387,8 +394,8 @@
         </p:nvSpPr>
         <p:spPr>
           <a:xfrm>
-            <a:off x="504000" y="1769040"/>
-            <a:ext cx="9071280" cy="4384080"/>
+            <a:off x="504000" y="1768680"/>
+            <a:ext cx="9072000" cy="4384080"/>
           </a:xfrm>
           <a:prstGeom prst="rect">
             <a:avLst/>
@@ -415,7 +422,7 @@
         </p:blipFill>
         <p:spPr>
           <a:xfrm>
-            <a:off x="2292120" y="1769040"/>
+            <a:off x="2292480" y="1768680"/>
             <a:ext cx="5494680" cy="4384080"/>
           </a:xfrm>
           <a:prstGeom prst="rect">
@@ -440,7 +447,7 @@
         </p:blipFill>
         <p:spPr>
           <a:xfrm>
-            <a:off x="2292120" y="1769040"/>
+            <a:off x="2292480" y="1768680"/>
             <a:ext cx="5494680" cy="4384080"/>
           </a:xfrm>
           <a:prstGeom prst="rect">
@@ -508,7 +515,7 @@
         <p:spPr>
           <a:xfrm>
             <a:off x="504000" y="301320"/>
-            <a:ext cx="9071280" cy="1262520"/>
+            <a:ext cx="9072000" cy="1262160"/>
           </a:xfrm>
           <a:prstGeom prst="rect">
             <a:avLst/>
@@ -534,8 +541,8 @@
         </p:nvSpPr>
         <p:spPr>
           <a:xfrm>
-            <a:off x="504000" y="1769040"/>
-            <a:ext cx="9071280" cy="4384440"/>
+            <a:off x="504000" y="1768680"/>
+            <a:ext cx="9072000" cy="4384440"/>
           </a:xfrm>
           <a:prstGeom prst="rect">
             <a:avLst/>
@@ -584,7 +591,7 @@
         <p:spPr>
           <a:xfrm>
             <a:off x="504000" y="301320"/>
-            <a:ext cx="9071280" cy="1262520"/>
+            <a:ext cx="9072000" cy="1262160"/>
           </a:xfrm>
           <a:prstGeom prst="rect">
             <a:avLst/>
@@ -610,8 +617,8 @@
         </p:nvSpPr>
         <p:spPr>
           <a:xfrm>
-            <a:off x="504000" y="1769040"/>
-            <a:ext cx="9071280" cy="4384080"/>
+            <a:off x="504000" y="1768680"/>
+            <a:ext cx="9072000" cy="4384080"/>
           </a:xfrm>
           <a:prstGeom prst="rect">
             <a:avLst/>
@@ -659,7 +666,7 @@
         <p:spPr>
           <a:xfrm>
             <a:off x="504000" y="301320"/>
-            <a:ext cx="9071280" cy="1262520"/>
+            <a:ext cx="9072000" cy="1262160"/>
           </a:xfrm>
           <a:prstGeom prst="rect">
             <a:avLst/>
@@ -685,8 +692,8 @@
         </p:nvSpPr>
         <p:spPr>
           <a:xfrm>
-            <a:off x="504000" y="1769040"/>
-            <a:ext cx="4426560" cy="4384080"/>
+            <a:off x="504000" y="1768680"/>
+            <a:ext cx="4426920" cy="4384080"/>
           </a:xfrm>
           <a:prstGeom prst="rect">
             <a:avLst/>
@@ -711,8 +718,8 @@
         </p:nvSpPr>
         <p:spPr>
           <a:xfrm>
-            <a:off x="5152320" y="1769040"/>
-            <a:ext cx="4426560" cy="4384080"/>
+            <a:off x="5152680" y="1768680"/>
+            <a:ext cx="4426920" cy="4384080"/>
           </a:xfrm>
           <a:prstGeom prst="rect">
             <a:avLst/>
@@ -760,7 +767,7 @@
         <p:spPr>
           <a:xfrm>
             <a:off x="504000" y="301320"/>
-            <a:ext cx="9071280" cy="1262520"/>
+            <a:ext cx="9072000" cy="1262160"/>
           </a:xfrm>
           <a:prstGeom prst="rect">
             <a:avLst/>
@@ -809,7 +816,7 @@
         <p:spPr>
           <a:xfrm>
             <a:off x="504000" y="301320"/>
-            <a:ext cx="9071280" cy="5852160"/>
+            <a:ext cx="9072000" cy="5850720"/>
           </a:xfrm>
           <a:prstGeom prst="rect">
             <a:avLst/>
@@ -858,7 +865,7 @@
         <p:spPr>
           <a:xfrm>
             <a:off x="504000" y="301320"/>
-            <a:ext cx="9071280" cy="1262520"/>
+            <a:ext cx="9072000" cy="1262160"/>
           </a:xfrm>
           <a:prstGeom prst="rect">
             <a:avLst/>
@@ -884,8 +891,8 @@
         </p:nvSpPr>
         <p:spPr>
           <a:xfrm>
-            <a:off x="504000" y="1769040"/>
-            <a:ext cx="4426560" cy="2090880"/>
+            <a:off x="504000" y="1768680"/>
+            <a:ext cx="4426920" cy="2090880"/>
           </a:xfrm>
           <a:prstGeom prst="rect">
             <a:avLst/>
@@ -910,8 +917,8 @@
         </p:nvSpPr>
         <p:spPr>
           <a:xfrm>
-            <a:off x="504000" y="4059000"/>
-            <a:ext cx="4426560" cy="2090880"/>
+            <a:off x="504000" y="4058640"/>
+            <a:ext cx="4426920" cy="2090880"/>
           </a:xfrm>
           <a:prstGeom prst="rect">
             <a:avLst/>
@@ -936,8 +943,8 @@
         </p:nvSpPr>
         <p:spPr>
           <a:xfrm>
-            <a:off x="5152320" y="1769040"/>
-            <a:ext cx="4426560" cy="4384080"/>
+            <a:off x="5152680" y="1768680"/>
+            <a:ext cx="4426920" cy="4384080"/>
           </a:xfrm>
           <a:prstGeom prst="rect">
             <a:avLst/>
@@ -985,7 +992,7 @@
         <p:spPr>
           <a:xfrm>
             <a:off x="504000" y="301320"/>
-            <a:ext cx="9071280" cy="1262520"/>
+            <a:ext cx="9072000" cy="1262160"/>
           </a:xfrm>
           <a:prstGeom prst="rect">
             <a:avLst/>
@@ -1011,8 +1018,8 @@
         </p:nvSpPr>
         <p:spPr>
           <a:xfrm>
-            <a:off x="504000" y="1769040"/>
-            <a:ext cx="9071280" cy="4384440"/>
+            <a:off x="504000" y="1768680"/>
+            <a:ext cx="9072000" cy="4384440"/>
           </a:xfrm>
           <a:prstGeom prst="rect">
             <a:avLst/>
@@ -1061,7 +1068,7 @@
         <p:spPr>
           <a:xfrm>
             <a:off x="504000" y="301320"/>
-            <a:ext cx="9071280" cy="1262520"/>
+            <a:ext cx="9072000" cy="1262160"/>
           </a:xfrm>
           <a:prstGeom prst="rect">
             <a:avLst/>
@@ -1087,8 +1094,8 @@
         </p:nvSpPr>
         <p:spPr>
           <a:xfrm>
-            <a:off x="504000" y="1769040"/>
-            <a:ext cx="4426560" cy="4384080"/>
+            <a:off x="504000" y="1768680"/>
+            <a:ext cx="4426920" cy="4384080"/>
           </a:xfrm>
           <a:prstGeom prst="rect">
             <a:avLst/>
@@ -1113,8 +1120,8 @@
         </p:nvSpPr>
         <p:spPr>
           <a:xfrm>
-            <a:off x="5152320" y="1769040"/>
-            <a:ext cx="4426560" cy="2090880"/>
+            <a:off x="5152680" y="1768680"/>
+            <a:ext cx="4426920" cy="2090880"/>
           </a:xfrm>
           <a:prstGeom prst="rect">
             <a:avLst/>
@@ -1139,8 +1146,8 @@
         </p:nvSpPr>
         <p:spPr>
           <a:xfrm>
-            <a:off x="5152320" y="4059000"/>
-            <a:ext cx="4426560" cy="2090880"/>
+            <a:off x="5152680" y="4058640"/>
+            <a:ext cx="4426920" cy="2090880"/>
           </a:xfrm>
           <a:prstGeom prst="rect">
             <a:avLst/>
@@ -1188,7 +1195,7 @@
         <p:spPr>
           <a:xfrm>
             <a:off x="504000" y="301320"/>
-            <a:ext cx="9071280" cy="1262520"/>
+            <a:ext cx="9072000" cy="1262160"/>
           </a:xfrm>
           <a:prstGeom prst="rect">
             <a:avLst/>
@@ -1214,8 +1221,8 @@
         </p:nvSpPr>
         <p:spPr>
           <a:xfrm>
-            <a:off x="504000" y="1769040"/>
-            <a:ext cx="4426560" cy="2090880"/>
+            <a:off x="504000" y="1768680"/>
+            <a:ext cx="4426920" cy="2090880"/>
           </a:xfrm>
           <a:prstGeom prst="rect">
             <a:avLst/>
@@ -1240,8 +1247,8 @@
         </p:nvSpPr>
         <p:spPr>
           <a:xfrm>
-            <a:off x="5152320" y="1769040"/>
-            <a:ext cx="4426560" cy="2090880"/>
+            <a:off x="5152680" y="1768680"/>
+            <a:ext cx="4426920" cy="2090880"/>
           </a:xfrm>
           <a:prstGeom prst="rect">
             <a:avLst/>
@@ -1266,8 +1273,8 @@
         </p:nvSpPr>
         <p:spPr>
           <a:xfrm>
-            <a:off x="504000" y="4059000"/>
-            <a:ext cx="9071280" cy="2090880"/>
+            <a:off x="504000" y="4058640"/>
+            <a:ext cx="9072000" cy="2090880"/>
           </a:xfrm>
           <a:prstGeom prst="rect">
             <a:avLst/>
@@ -1315,7 +1322,7 @@
         <p:spPr>
           <a:xfrm>
             <a:off x="504000" y="301320"/>
-            <a:ext cx="9071280" cy="1262520"/>
+            <a:ext cx="9072000" cy="1262160"/>
           </a:xfrm>
           <a:prstGeom prst="rect">
             <a:avLst/>
@@ -1341,8 +1348,8 @@
         </p:nvSpPr>
         <p:spPr>
           <a:xfrm>
-            <a:off x="504000" y="1769040"/>
-            <a:ext cx="9071280" cy="2090880"/>
+            <a:off x="504000" y="1768680"/>
+            <a:ext cx="9072000" cy="2090880"/>
           </a:xfrm>
           <a:prstGeom prst="rect">
             <a:avLst/>
@@ -1367,8 +1374,8 @@
         </p:nvSpPr>
         <p:spPr>
           <a:xfrm>
-            <a:off x="504000" y="4059000"/>
-            <a:ext cx="9071280" cy="2090880"/>
+            <a:off x="504000" y="4058640"/>
+            <a:ext cx="9072000" cy="2090880"/>
           </a:xfrm>
           <a:prstGeom prst="rect">
             <a:avLst/>
@@ -1416,7 +1423,7 @@
         <p:spPr>
           <a:xfrm>
             <a:off x="504000" y="301320"/>
-            <a:ext cx="9071280" cy="1262520"/>
+            <a:ext cx="9072000" cy="1262160"/>
           </a:xfrm>
           <a:prstGeom prst="rect">
             <a:avLst/>
@@ -1442,8 +1449,8 @@
         </p:nvSpPr>
         <p:spPr>
           <a:xfrm>
-            <a:off x="504000" y="1769040"/>
-            <a:ext cx="4426560" cy="2090880"/>
+            <a:off x="504000" y="1768680"/>
+            <a:ext cx="4426920" cy="2090880"/>
           </a:xfrm>
           <a:prstGeom prst="rect">
             <a:avLst/>
@@ -1468,8 +1475,8 @@
         </p:nvSpPr>
         <p:spPr>
           <a:xfrm>
-            <a:off x="5152320" y="1769040"/>
-            <a:ext cx="4426560" cy="2090880"/>
+            <a:off x="5152680" y="1768680"/>
+            <a:ext cx="4426920" cy="2090880"/>
           </a:xfrm>
           <a:prstGeom prst="rect">
             <a:avLst/>
@@ -1494,8 +1501,8 @@
         </p:nvSpPr>
         <p:spPr>
           <a:xfrm>
-            <a:off x="5152320" y="4059000"/>
-            <a:ext cx="4426560" cy="2090880"/>
+            <a:off x="5152680" y="4058640"/>
+            <a:ext cx="4426920" cy="2090880"/>
           </a:xfrm>
           <a:prstGeom prst="rect">
             <a:avLst/>
@@ -1520,8 +1527,8 @@
         </p:nvSpPr>
         <p:spPr>
           <a:xfrm>
-            <a:off x="504000" y="4059000"/>
-            <a:ext cx="4426560" cy="2090880"/>
+            <a:off x="504000" y="4058640"/>
+            <a:ext cx="4426920" cy="2090880"/>
           </a:xfrm>
           <a:prstGeom prst="rect">
             <a:avLst/>
@@ -1569,7 +1576,7 @@
         <p:spPr>
           <a:xfrm>
             <a:off x="504000" y="301320"/>
-            <a:ext cx="9071280" cy="1262520"/>
+            <a:ext cx="9072000" cy="1262160"/>
           </a:xfrm>
           <a:prstGeom prst="rect">
             <a:avLst/>
@@ -1595,8 +1602,8 @@
         </p:nvSpPr>
         <p:spPr>
           <a:xfrm>
-            <a:off x="504000" y="1769040"/>
-            <a:ext cx="9071280" cy="4384080"/>
+            <a:off x="504000" y="1768680"/>
+            <a:ext cx="9072000" cy="4384080"/>
           </a:xfrm>
           <a:prstGeom prst="rect">
             <a:avLst/>
@@ -1621,8 +1628,8 @@
         </p:nvSpPr>
         <p:spPr>
           <a:xfrm>
-            <a:off x="504000" y="1769040"/>
-            <a:ext cx="9071280" cy="4384080"/>
+            <a:off x="504000" y="1768680"/>
+            <a:ext cx="9072000" cy="4384080"/>
           </a:xfrm>
           <a:prstGeom prst="rect">
             <a:avLst/>
@@ -1649,7 +1656,7 @@
         </p:blipFill>
         <p:spPr>
           <a:xfrm>
-            <a:off x="2292120" y="1769040"/>
+            <a:off x="2292480" y="1768680"/>
             <a:ext cx="5494680" cy="4384080"/>
           </a:xfrm>
           <a:prstGeom prst="rect">
@@ -1674,7 +1681,7 @@
         </p:blipFill>
         <p:spPr>
           <a:xfrm>
-            <a:off x="2292120" y="1769040"/>
+            <a:off x="2292480" y="1768680"/>
             <a:ext cx="5494680" cy="4384080"/>
           </a:xfrm>
           <a:prstGeom prst="rect">
@@ -1685,6 +1692,329 @@
           </a:ln>
         </p:spPr>
       </p:pic>
+    </p:spTree>
+  </p:cSld>
+</p:sldLayout>
+</file>
+
+<file path=ppt/slideLayouts/slideLayout25.xml><?xml version="1.0" encoding="utf-8"?>
+<p:sldLayout xmlns:a="http://schemas.openxmlformats.org/drawingml/2006/main" xmlns:p="http://schemas.openxmlformats.org/presentationml/2006/main" xmlns:r="http://schemas.openxmlformats.org/officeDocument/2006/relationships" type="blank" preserve="1">
+  <p:cSld name="Blank Slide">
+    <p:spTree>
+      <p:nvGrpSpPr>
+        <p:cNvPr id="1" name=""/>
+        <p:cNvGrpSpPr/>
+        <p:nvPr/>
+      </p:nvGrpSpPr>
+      <p:grpSpPr>
+        <a:xfrm>
+          <a:off x="0" y="0"/>
+          <a:ext cx="0" cy="0"/>
+          <a:chOff x="0" y="0"/>
+          <a:chExt cx="0" cy="0"/>
+        </a:xfrm>
+      </p:grpSpPr>
+    </p:spTree>
+  </p:cSld>
+</p:sldLayout>
+</file>
+
+<file path=ppt/slideLayouts/slideLayout26.xml><?xml version="1.0" encoding="utf-8"?>
+<p:sldLayout xmlns:a="http://schemas.openxmlformats.org/drawingml/2006/main" xmlns:p="http://schemas.openxmlformats.org/presentationml/2006/main" xmlns:r="http://schemas.openxmlformats.org/officeDocument/2006/relationships" type="tx" preserve="1">
+  <p:cSld name="Title Slide">
+    <p:spTree>
+      <p:nvGrpSpPr>
+        <p:cNvPr id="1" name=""/>
+        <p:cNvGrpSpPr/>
+        <p:nvPr/>
+      </p:nvGrpSpPr>
+      <p:grpSpPr>
+        <a:xfrm>
+          <a:off x="0" y="0"/>
+          <a:ext cx="0" cy="0"/>
+          <a:chOff x="0" y="0"/>
+          <a:chExt cx="0" cy="0"/>
+        </a:xfrm>
+      </p:grpSpPr>
+      <p:sp>
+        <p:nvSpPr>
+          <p:cNvPr id="74" name="PlaceHolder 1"/>
+          <p:cNvSpPr>
+            <a:spLocks noGrp="1"/>
+          </p:cNvSpPr>
+          <p:nvPr>
+            <p:ph type="title"/>
+          </p:nvPr>
+        </p:nvSpPr>
+        <p:spPr>
+          <a:xfrm>
+            <a:off x="504000" y="301320"/>
+            <a:ext cx="9072000" cy="1262160"/>
+          </a:xfrm>
+          <a:prstGeom prst="rect">
+            <a:avLst/>
+          </a:prstGeom>
+        </p:spPr>
+        <p:txBody>
+          <a:bodyPr lIns="0" rIns="0" tIns="0" bIns="0" anchor="ctr"/>
+          <a:p>
+            <a:pPr algn="ctr"/>
+            <a:endParaRPr/>
+          </a:p>
+        </p:txBody>
+      </p:sp>
+      <p:sp>
+        <p:nvSpPr>
+          <p:cNvPr id="75" name="PlaceHolder 2"/>
+          <p:cNvSpPr>
+            <a:spLocks noGrp="1"/>
+          </p:cNvSpPr>
+          <p:nvPr>
+            <p:ph type="subTitle"/>
+          </p:nvPr>
+        </p:nvSpPr>
+        <p:spPr>
+          <a:xfrm>
+            <a:off x="504000" y="1768680"/>
+            <a:ext cx="9072000" cy="4384440"/>
+          </a:xfrm>
+          <a:prstGeom prst="rect">
+            <a:avLst/>
+          </a:prstGeom>
+        </p:spPr>
+        <p:txBody>
+          <a:bodyPr lIns="0" rIns="0" tIns="0" bIns="0" anchor="ctr"/>
+          <a:p>
+            <a:pPr algn="ctr"/>
+            <a:endParaRPr/>
+          </a:p>
+        </p:txBody>
+      </p:sp>
+    </p:spTree>
+  </p:cSld>
+</p:sldLayout>
+</file>
+
+<file path=ppt/slideLayouts/slideLayout27.xml><?xml version="1.0" encoding="utf-8"?>
+<p:sldLayout xmlns:a="http://schemas.openxmlformats.org/drawingml/2006/main" xmlns:p="http://schemas.openxmlformats.org/presentationml/2006/main" xmlns:r="http://schemas.openxmlformats.org/officeDocument/2006/relationships" type="obj" preserve="1">
+  <p:cSld name="Title, Content">
+    <p:spTree>
+      <p:nvGrpSpPr>
+        <p:cNvPr id="1" name=""/>
+        <p:cNvGrpSpPr/>
+        <p:nvPr/>
+      </p:nvGrpSpPr>
+      <p:grpSpPr>
+        <a:xfrm>
+          <a:off x="0" y="0"/>
+          <a:ext cx="0" cy="0"/>
+          <a:chOff x="0" y="0"/>
+          <a:chExt cx="0" cy="0"/>
+        </a:xfrm>
+      </p:grpSpPr>
+      <p:sp>
+        <p:nvSpPr>
+          <p:cNvPr id="76" name="PlaceHolder 1"/>
+          <p:cNvSpPr>
+            <a:spLocks noGrp="1"/>
+          </p:cNvSpPr>
+          <p:nvPr>
+            <p:ph type="title"/>
+          </p:nvPr>
+        </p:nvSpPr>
+        <p:spPr>
+          <a:xfrm>
+            <a:off x="504000" y="301320"/>
+            <a:ext cx="9072000" cy="1262160"/>
+          </a:xfrm>
+          <a:prstGeom prst="rect">
+            <a:avLst/>
+          </a:prstGeom>
+        </p:spPr>
+        <p:txBody>
+          <a:bodyPr lIns="0" rIns="0" tIns="0" bIns="0" anchor="ctr"/>
+          <a:p>
+            <a:pPr algn="ctr"/>
+            <a:endParaRPr/>
+          </a:p>
+        </p:txBody>
+      </p:sp>
+      <p:sp>
+        <p:nvSpPr>
+          <p:cNvPr id="77" name="PlaceHolder 2"/>
+          <p:cNvSpPr>
+            <a:spLocks noGrp="1"/>
+          </p:cNvSpPr>
+          <p:nvPr>
+            <p:ph type="body"/>
+          </p:nvPr>
+        </p:nvSpPr>
+        <p:spPr>
+          <a:xfrm>
+            <a:off x="504000" y="1768680"/>
+            <a:ext cx="9072000" cy="4384080"/>
+          </a:xfrm>
+          <a:prstGeom prst="rect">
+            <a:avLst/>
+          </a:prstGeom>
+        </p:spPr>
+        <p:txBody>
+          <a:bodyPr lIns="0" rIns="0" tIns="0" bIns="0"/>
+          <a:p>
+            <a:endParaRPr/>
+          </a:p>
+        </p:txBody>
+      </p:sp>
+    </p:spTree>
+  </p:cSld>
+</p:sldLayout>
+</file>
+
+<file path=ppt/slideLayouts/slideLayout28.xml><?xml version="1.0" encoding="utf-8"?>
+<p:sldLayout xmlns:a="http://schemas.openxmlformats.org/drawingml/2006/main" xmlns:p="http://schemas.openxmlformats.org/presentationml/2006/main" xmlns:r="http://schemas.openxmlformats.org/officeDocument/2006/relationships" type="twoObj" preserve="1">
+  <p:cSld name="Title, 2 Content">
+    <p:spTree>
+      <p:nvGrpSpPr>
+        <p:cNvPr id="1" name=""/>
+        <p:cNvGrpSpPr/>
+        <p:nvPr/>
+      </p:nvGrpSpPr>
+      <p:grpSpPr>
+        <a:xfrm>
+          <a:off x="0" y="0"/>
+          <a:ext cx="0" cy="0"/>
+          <a:chOff x="0" y="0"/>
+          <a:chExt cx="0" cy="0"/>
+        </a:xfrm>
+      </p:grpSpPr>
+      <p:sp>
+        <p:nvSpPr>
+          <p:cNvPr id="78" name="PlaceHolder 1"/>
+          <p:cNvSpPr>
+            <a:spLocks noGrp="1"/>
+          </p:cNvSpPr>
+          <p:nvPr>
+            <p:ph type="title"/>
+          </p:nvPr>
+        </p:nvSpPr>
+        <p:spPr>
+          <a:xfrm>
+            <a:off x="504000" y="301320"/>
+            <a:ext cx="9072000" cy="1262160"/>
+          </a:xfrm>
+          <a:prstGeom prst="rect">
+            <a:avLst/>
+          </a:prstGeom>
+        </p:spPr>
+        <p:txBody>
+          <a:bodyPr lIns="0" rIns="0" tIns="0" bIns="0" anchor="ctr"/>
+          <a:p>
+            <a:pPr algn="ctr"/>
+            <a:endParaRPr/>
+          </a:p>
+        </p:txBody>
+      </p:sp>
+      <p:sp>
+        <p:nvSpPr>
+          <p:cNvPr id="79" name="PlaceHolder 2"/>
+          <p:cNvSpPr>
+            <a:spLocks noGrp="1"/>
+          </p:cNvSpPr>
+          <p:nvPr>
+            <p:ph type="body"/>
+          </p:nvPr>
+        </p:nvSpPr>
+        <p:spPr>
+          <a:xfrm>
+            <a:off x="504000" y="1768680"/>
+            <a:ext cx="4426920" cy="4384080"/>
+          </a:xfrm>
+          <a:prstGeom prst="rect">
+            <a:avLst/>
+          </a:prstGeom>
+        </p:spPr>
+        <p:txBody>
+          <a:bodyPr lIns="0" rIns="0" tIns="0" bIns="0"/>
+          <a:p>
+            <a:endParaRPr/>
+          </a:p>
+        </p:txBody>
+      </p:sp>
+      <p:sp>
+        <p:nvSpPr>
+          <p:cNvPr id="80" name="PlaceHolder 3"/>
+          <p:cNvSpPr>
+            <a:spLocks noGrp="1"/>
+          </p:cNvSpPr>
+          <p:nvPr>
+            <p:ph type="body"/>
+          </p:nvPr>
+        </p:nvSpPr>
+        <p:spPr>
+          <a:xfrm>
+            <a:off x="5152680" y="1768680"/>
+            <a:ext cx="4426920" cy="4384080"/>
+          </a:xfrm>
+          <a:prstGeom prst="rect">
+            <a:avLst/>
+          </a:prstGeom>
+        </p:spPr>
+        <p:txBody>
+          <a:bodyPr lIns="0" rIns="0" tIns="0" bIns="0"/>
+          <a:p>
+            <a:endParaRPr/>
+          </a:p>
+        </p:txBody>
+      </p:sp>
+    </p:spTree>
+  </p:cSld>
+</p:sldLayout>
+</file>
+
+<file path=ppt/slideLayouts/slideLayout29.xml><?xml version="1.0" encoding="utf-8"?>
+<p:sldLayout xmlns:a="http://schemas.openxmlformats.org/drawingml/2006/main" xmlns:p="http://schemas.openxmlformats.org/presentationml/2006/main" xmlns:r="http://schemas.openxmlformats.org/officeDocument/2006/relationships" type="titleOnly" preserve="1">
+  <p:cSld name="Title Only">
+    <p:spTree>
+      <p:nvGrpSpPr>
+        <p:cNvPr id="1" name=""/>
+        <p:cNvGrpSpPr/>
+        <p:nvPr/>
+      </p:nvGrpSpPr>
+      <p:grpSpPr>
+        <a:xfrm>
+          <a:off x="0" y="0"/>
+          <a:ext cx="0" cy="0"/>
+          <a:chOff x="0" y="0"/>
+          <a:chExt cx="0" cy="0"/>
+        </a:xfrm>
+      </p:grpSpPr>
+      <p:sp>
+        <p:nvSpPr>
+          <p:cNvPr id="81" name="PlaceHolder 1"/>
+          <p:cNvSpPr>
+            <a:spLocks noGrp="1"/>
+          </p:cNvSpPr>
+          <p:nvPr>
+            <p:ph type="title"/>
+          </p:nvPr>
+        </p:nvSpPr>
+        <p:spPr>
+          <a:xfrm>
+            <a:off x="504000" y="301320"/>
+            <a:ext cx="9072000" cy="1262160"/>
+          </a:xfrm>
+          <a:prstGeom prst="rect">
+            <a:avLst/>
+          </a:prstGeom>
+        </p:spPr>
+        <p:txBody>
+          <a:bodyPr lIns="0" rIns="0" tIns="0" bIns="0" anchor="ctr"/>
+          <a:p>
+            <a:pPr algn="ctr"/>
+            <a:endParaRPr/>
+          </a:p>
+        </p:txBody>
+      </p:sp>
     </p:spTree>
   </p:cSld>
 </p:sldLayout>
@@ -1720,7 +2050,7 @@
         <p:spPr>
           <a:xfrm>
             <a:off x="504000" y="301320"/>
-            <a:ext cx="9071280" cy="1262520"/>
+            <a:ext cx="9072000" cy="1262160"/>
           </a:xfrm>
           <a:prstGeom prst="rect">
             <a:avLst/>
@@ -1746,8 +2076,1016 @@
         </p:nvSpPr>
         <p:spPr>
           <a:xfrm>
-            <a:off x="504000" y="1769040"/>
-            <a:ext cx="9071280" cy="4384080"/>
+            <a:off x="504000" y="1768680"/>
+            <a:ext cx="9072000" cy="4384080"/>
+          </a:xfrm>
+          <a:prstGeom prst="rect">
+            <a:avLst/>
+          </a:prstGeom>
+        </p:spPr>
+        <p:txBody>
+          <a:bodyPr lIns="0" rIns="0" tIns="0" bIns="0"/>
+          <a:p>
+            <a:endParaRPr/>
+          </a:p>
+        </p:txBody>
+      </p:sp>
+    </p:spTree>
+  </p:cSld>
+</p:sldLayout>
+</file>
+
+<file path=ppt/slideLayouts/slideLayout30.xml><?xml version="1.0" encoding="utf-8"?>
+<p:sldLayout xmlns:a="http://schemas.openxmlformats.org/drawingml/2006/main" xmlns:p="http://schemas.openxmlformats.org/presentationml/2006/main" xmlns:r="http://schemas.openxmlformats.org/officeDocument/2006/relationships" type="objOnly" preserve="1">
+  <p:cSld name="Centered Text">
+    <p:spTree>
+      <p:nvGrpSpPr>
+        <p:cNvPr id="1" name=""/>
+        <p:cNvGrpSpPr/>
+        <p:nvPr/>
+      </p:nvGrpSpPr>
+      <p:grpSpPr>
+        <a:xfrm>
+          <a:off x="0" y="0"/>
+          <a:ext cx="0" cy="0"/>
+          <a:chOff x="0" y="0"/>
+          <a:chExt cx="0" cy="0"/>
+        </a:xfrm>
+      </p:grpSpPr>
+      <p:sp>
+        <p:nvSpPr>
+          <p:cNvPr id="82" name="PlaceHolder 1"/>
+          <p:cNvSpPr>
+            <a:spLocks noGrp="1"/>
+          </p:cNvSpPr>
+          <p:nvPr>
+            <p:ph type="subTitle"/>
+          </p:nvPr>
+        </p:nvSpPr>
+        <p:spPr>
+          <a:xfrm>
+            <a:off x="504000" y="301320"/>
+            <a:ext cx="9072000" cy="5850720"/>
+          </a:xfrm>
+          <a:prstGeom prst="rect">
+            <a:avLst/>
+          </a:prstGeom>
+        </p:spPr>
+        <p:txBody>
+          <a:bodyPr lIns="0" rIns="0" tIns="0" bIns="0" anchor="ctr"/>
+          <a:p>
+            <a:pPr algn="ctr"/>
+            <a:endParaRPr/>
+          </a:p>
+        </p:txBody>
+      </p:sp>
+    </p:spTree>
+  </p:cSld>
+</p:sldLayout>
+</file>
+
+<file path=ppt/slideLayouts/slideLayout31.xml><?xml version="1.0" encoding="utf-8"?>
+<p:sldLayout xmlns:a="http://schemas.openxmlformats.org/drawingml/2006/main" xmlns:p="http://schemas.openxmlformats.org/presentationml/2006/main" xmlns:r="http://schemas.openxmlformats.org/officeDocument/2006/relationships" type="twoObjAndObj" preserve="1">
+  <p:cSld name="Title, 2 Content and Content">
+    <p:spTree>
+      <p:nvGrpSpPr>
+        <p:cNvPr id="1" name=""/>
+        <p:cNvGrpSpPr/>
+        <p:nvPr/>
+      </p:nvGrpSpPr>
+      <p:grpSpPr>
+        <a:xfrm>
+          <a:off x="0" y="0"/>
+          <a:ext cx="0" cy="0"/>
+          <a:chOff x="0" y="0"/>
+          <a:chExt cx="0" cy="0"/>
+        </a:xfrm>
+      </p:grpSpPr>
+      <p:sp>
+        <p:nvSpPr>
+          <p:cNvPr id="83" name="PlaceHolder 1"/>
+          <p:cNvSpPr>
+            <a:spLocks noGrp="1"/>
+          </p:cNvSpPr>
+          <p:nvPr>
+            <p:ph type="title"/>
+          </p:nvPr>
+        </p:nvSpPr>
+        <p:spPr>
+          <a:xfrm>
+            <a:off x="504000" y="301320"/>
+            <a:ext cx="9072000" cy="1262160"/>
+          </a:xfrm>
+          <a:prstGeom prst="rect">
+            <a:avLst/>
+          </a:prstGeom>
+        </p:spPr>
+        <p:txBody>
+          <a:bodyPr lIns="0" rIns="0" tIns="0" bIns="0" anchor="ctr"/>
+          <a:p>
+            <a:pPr algn="ctr"/>
+            <a:endParaRPr/>
+          </a:p>
+        </p:txBody>
+      </p:sp>
+      <p:sp>
+        <p:nvSpPr>
+          <p:cNvPr id="84" name="PlaceHolder 2"/>
+          <p:cNvSpPr>
+            <a:spLocks noGrp="1"/>
+          </p:cNvSpPr>
+          <p:nvPr>
+            <p:ph type="body"/>
+          </p:nvPr>
+        </p:nvSpPr>
+        <p:spPr>
+          <a:xfrm>
+            <a:off x="504000" y="1768680"/>
+            <a:ext cx="4426920" cy="2090880"/>
+          </a:xfrm>
+          <a:prstGeom prst="rect">
+            <a:avLst/>
+          </a:prstGeom>
+        </p:spPr>
+        <p:txBody>
+          <a:bodyPr lIns="0" rIns="0" tIns="0" bIns="0"/>
+          <a:p>
+            <a:endParaRPr/>
+          </a:p>
+        </p:txBody>
+      </p:sp>
+      <p:sp>
+        <p:nvSpPr>
+          <p:cNvPr id="85" name="PlaceHolder 3"/>
+          <p:cNvSpPr>
+            <a:spLocks noGrp="1"/>
+          </p:cNvSpPr>
+          <p:nvPr>
+            <p:ph type="body"/>
+          </p:nvPr>
+        </p:nvSpPr>
+        <p:spPr>
+          <a:xfrm>
+            <a:off x="504000" y="4058640"/>
+            <a:ext cx="4426920" cy="2090880"/>
+          </a:xfrm>
+          <a:prstGeom prst="rect">
+            <a:avLst/>
+          </a:prstGeom>
+        </p:spPr>
+        <p:txBody>
+          <a:bodyPr lIns="0" rIns="0" tIns="0" bIns="0"/>
+          <a:p>
+            <a:endParaRPr/>
+          </a:p>
+        </p:txBody>
+      </p:sp>
+      <p:sp>
+        <p:nvSpPr>
+          <p:cNvPr id="86" name="PlaceHolder 4"/>
+          <p:cNvSpPr>
+            <a:spLocks noGrp="1"/>
+          </p:cNvSpPr>
+          <p:nvPr>
+            <p:ph type="body"/>
+          </p:nvPr>
+        </p:nvSpPr>
+        <p:spPr>
+          <a:xfrm>
+            <a:off x="5152680" y="1768680"/>
+            <a:ext cx="4426920" cy="4384080"/>
+          </a:xfrm>
+          <a:prstGeom prst="rect">
+            <a:avLst/>
+          </a:prstGeom>
+        </p:spPr>
+        <p:txBody>
+          <a:bodyPr lIns="0" rIns="0" tIns="0" bIns="0"/>
+          <a:p>
+            <a:endParaRPr/>
+          </a:p>
+        </p:txBody>
+      </p:sp>
+    </p:spTree>
+  </p:cSld>
+</p:sldLayout>
+</file>
+
+<file path=ppt/slideLayouts/slideLayout32.xml><?xml version="1.0" encoding="utf-8"?>
+<p:sldLayout xmlns:a="http://schemas.openxmlformats.org/drawingml/2006/main" xmlns:p="http://schemas.openxmlformats.org/presentationml/2006/main" xmlns:r="http://schemas.openxmlformats.org/officeDocument/2006/relationships" type="objAndTwoObj" preserve="1">
+  <p:cSld name="Title Content and 2 Content">
+    <p:spTree>
+      <p:nvGrpSpPr>
+        <p:cNvPr id="1" name=""/>
+        <p:cNvGrpSpPr/>
+        <p:nvPr/>
+      </p:nvGrpSpPr>
+      <p:grpSpPr>
+        <a:xfrm>
+          <a:off x="0" y="0"/>
+          <a:ext cx="0" cy="0"/>
+          <a:chOff x="0" y="0"/>
+          <a:chExt cx="0" cy="0"/>
+        </a:xfrm>
+      </p:grpSpPr>
+      <p:sp>
+        <p:nvSpPr>
+          <p:cNvPr id="87" name="PlaceHolder 1"/>
+          <p:cNvSpPr>
+            <a:spLocks noGrp="1"/>
+          </p:cNvSpPr>
+          <p:nvPr>
+            <p:ph type="title"/>
+          </p:nvPr>
+        </p:nvSpPr>
+        <p:spPr>
+          <a:xfrm>
+            <a:off x="504000" y="301320"/>
+            <a:ext cx="9072000" cy="1262160"/>
+          </a:xfrm>
+          <a:prstGeom prst="rect">
+            <a:avLst/>
+          </a:prstGeom>
+        </p:spPr>
+        <p:txBody>
+          <a:bodyPr lIns="0" rIns="0" tIns="0" bIns="0" anchor="ctr"/>
+          <a:p>
+            <a:pPr algn="ctr"/>
+            <a:endParaRPr/>
+          </a:p>
+        </p:txBody>
+      </p:sp>
+      <p:sp>
+        <p:nvSpPr>
+          <p:cNvPr id="88" name="PlaceHolder 2"/>
+          <p:cNvSpPr>
+            <a:spLocks noGrp="1"/>
+          </p:cNvSpPr>
+          <p:nvPr>
+            <p:ph type="body"/>
+          </p:nvPr>
+        </p:nvSpPr>
+        <p:spPr>
+          <a:xfrm>
+            <a:off x="504000" y="1768680"/>
+            <a:ext cx="4426920" cy="4384080"/>
+          </a:xfrm>
+          <a:prstGeom prst="rect">
+            <a:avLst/>
+          </a:prstGeom>
+        </p:spPr>
+        <p:txBody>
+          <a:bodyPr lIns="0" rIns="0" tIns="0" bIns="0"/>
+          <a:p>
+            <a:endParaRPr/>
+          </a:p>
+        </p:txBody>
+      </p:sp>
+      <p:sp>
+        <p:nvSpPr>
+          <p:cNvPr id="89" name="PlaceHolder 3"/>
+          <p:cNvSpPr>
+            <a:spLocks noGrp="1"/>
+          </p:cNvSpPr>
+          <p:nvPr>
+            <p:ph type="body"/>
+          </p:nvPr>
+        </p:nvSpPr>
+        <p:spPr>
+          <a:xfrm>
+            <a:off x="5152680" y="1768680"/>
+            <a:ext cx="4426920" cy="2090880"/>
+          </a:xfrm>
+          <a:prstGeom prst="rect">
+            <a:avLst/>
+          </a:prstGeom>
+        </p:spPr>
+        <p:txBody>
+          <a:bodyPr lIns="0" rIns="0" tIns="0" bIns="0"/>
+          <a:p>
+            <a:endParaRPr/>
+          </a:p>
+        </p:txBody>
+      </p:sp>
+      <p:sp>
+        <p:nvSpPr>
+          <p:cNvPr id="90" name="PlaceHolder 4"/>
+          <p:cNvSpPr>
+            <a:spLocks noGrp="1"/>
+          </p:cNvSpPr>
+          <p:nvPr>
+            <p:ph type="body"/>
+          </p:nvPr>
+        </p:nvSpPr>
+        <p:spPr>
+          <a:xfrm>
+            <a:off x="5152680" y="4058640"/>
+            <a:ext cx="4426920" cy="2090880"/>
+          </a:xfrm>
+          <a:prstGeom prst="rect">
+            <a:avLst/>
+          </a:prstGeom>
+        </p:spPr>
+        <p:txBody>
+          <a:bodyPr lIns="0" rIns="0" tIns="0" bIns="0"/>
+          <a:p>
+            <a:endParaRPr/>
+          </a:p>
+        </p:txBody>
+      </p:sp>
+    </p:spTree>
+  </p:cSld>
+</p:sldLayout>
+</file>
+
+<file path=ppt/slideLayouts/slideLayout33.xml><?xml version="1.0" encoding="utf-8"?>
+<p:sldLayout xmlns:a="http://schemas.openxmlformats.org/drawingml/2006/main" xmlns:p="http://schemas.openxmlformats.org/presentationml/2006/main" xmlns:r="http://schemas.openxmlformats.org/officeDocument/2006/relationships" type="twoObjOverTx" preserve="1">
+  <p:cSld name="Title, 2 Content over Content">
+    <p:spTree>
+      <p:nvGrpSpPr>
+        <p:cNvPr id="1" name=""/>
+        <p:cNvGrpSpPr/>
+        <p:nvPr/>
+      </p:nvGrpSpPr>
+      <p:grpSpPr>
+        <a:xfrm>
+          <a:off x="0" y="0"/>
+          <a:ext cx="0" cy="0"/>
+          <a:chOff x="0" y="0"/>
+          <a:chExt cx="0" cy="0"/>
+        </a:xfrm>
+      </p:grpSpPr>
+      <p:sp>
+        <p:nvSpPr>
+          <p:cNvPr id="91" name="PlaceHolder 1"/>
+          <p:cNvSpPr>
+            <a:spLocks noGrp="1"/>
+          </p:cNvSpPr>
+          <p:nvPr>
+            <p:ph type="title"/>
+          </p:nvPr>
+        </p:nvSpPr>
+        <p:spPr>
+          <a:xfrm>
+            <a:off x="504000" y="301320"/>
+            <a:ext cx="9072000" cy="1262160"/>
+          </a:xfrm>
+          <a:prstGeom prst="rect">
+            <a:avLst/>
+          </a:prstGeom>
+        </p:spPr>
+        <p:txBody>
+          <a:bodyPr lIns="0" rIns="0" tIns="0" bIns="0" anchor="ctr"/>
+          <a:p>
+            <a:pPr algn="ctr"/>
+            <a:endParaRPr/>
+          </a:p>
+        </p:txBody>
+      </p:sp>
+      <p:sp>
+        <p:nvSpPr>
+          <p:cNvPr id="92" name="PlaceHolder 2"/>
+          <p:cNvSpPr>
+            <a:spLocks noGrp="1"/>
+          </p:cNvSpPr>
+          <p:nvPr>
+            <p:ph type="body"/>
+          </p:nvPr>
+        </p:nvSpPr>
+        <p:spPr>
+          <a:xfrm>
+            <a:off x="504000" y="1768680"/>
+            <a:ext cx="4426920" cy="2090880"/>
+          </a:xfrm>
+          <a:prstGeom prst="rect">
+            <a:avLst/>
+          </a:prstGeom>
+        </p:spPr>
+        <p:txBody>
+          <a:bodyPr lIns="0" rIns="0" tIns="0" bIns="0"/>
+          <a:p>
+            <a:endParaRPr/>
+          </a:p>
+        </p:txBody>
+      </p:sp>
+      <p:sp>
+        <p:nvSpPr>
+          <p:cNvPr id="93" name="PlaceHolder 3"/>
+          <p:cNvSpPr>
+            <a:spLocks noGrp="1"/>
+          </p:cNvSpPr>
+          <p:nvPr>
+            <p:ph type="body"/>
+          </p:nvPr>
+        </p:nvSpPr>
+        <p:spPr>
+          <a:xfrm>
+            <a:off x="5152680" y="1768680"/>
+            <a:ext cx="4426920" cy="2090880"/>
+          </a:xfrm>
+          <a:prstGeom prst="rect">
+            <a:avLst/>
+          </a:prstGeom>
+        </p:spPr>
+        <p:txBody>
+          <a:bodyPr lIns="0" rIns="0" tIns="0" bIns="0"/>
+          <a:p>
+            <a:endParaRPr/>
+          </a:p>
+        </p:txBody>
+      </p:sp>
+      <p:sp>
+        <p:nvSpPr>
+          <p:cNvPr id="94" name="PlaceHolder 4"/>
+          <p:cNvSpPr>
+            <a:spLocks noGrp="1"/>
+          </p:cNvSpPr>
+          <p:nvPr>
+            <p:ph type="body"/>
+          </p:nvPr>
+        </p:nvSpPr>
+        <p:spPr>
+          <a:xfrm>
+            <a:off x="504000" y="4058640"/>
+            <a:ext cx="9072000" cy="2090880"/>
+          </a:xfrm>
+          <a:prstGeom prst="rect">
+            <a:avLst/>
+          </a:prstGeom>
+        </p:spPr>
+        <p:txBody>
+          <a:bodyPr lIns="0" rIns="0" tIns="0" bIns="0"/>
+          <a:p>
+            <a:endParaRPr/>
+          </a:p>
+        </p:txBody>
+      </p:sp>
+    </p:spTree>
+  </p:cSld>
+</p:sldLayout>
+</file>
+
+<file path=ppt/slideLayouts/slideLayout34.xml><?xml version="1.0" encoding="utf-8"?>
+<p:sldLayout xmlns:a="http://schemas.openxmlformats.org/drawingml/2006/main" xmlns:p="http://schemas.openxmlformats.org/presentationml/2006/main" xmlns:r="http://schemas.openxmlformats.org/officeDocument/2006/relationships" type="objOverTx" preserve="1">
+  <p:cSld name="Title, Content over Content">
+    <p:spTree>
+      <p:nvGrpSpPr>
+        <p:cNvPr id="1" name=""/>
+        <p:cNvGrpSpPr/>
+        <p:nvPr/>
+      </p:nvGrpSpPr>
+      <p:grpSpPr>
+        <a:xfrm>
+          <a:off x="0" y="0"/>
+          <a:ext cx="0" cy="0"/>
+          <a:chOff x="0" y="0"/>
+          <a:chExt cx="0" cy="0"/>
+        </a:xfrm>
+      </p:grpSpPr>
+      <p:sp>
+        <p:nvSpPr>
+          <p:cNvPr id="95" name="PlaceHolder 1"/>
+          <p:cNvSpPr>
+            <a:spLocks noGrp="1"/>
+          </p:cNvSpPr>
+          <p:nvPr>
+            <p:ph type="title"/>
+          </p:nvPr>
+        </p:nvSpPr>
+        <p:spPr>
+          <a:xfrm>
+            <a:off x="504000" y="301320"/>
+            <a:ext cx="9072000" cy="1262160"/>
+          </a:xfrm>
+          <a:prstGeom prst="rect">
+            <a:avLst/>
+          </a:prstGeom>
+        </p:spPr>
+        <p:txBody>
+          <a:bodyPr lIns="0" rIns="0" tIns="0" bIns="0" anchor="ctr"/>
+          <a:p>
+            <a:pPr algn="ctr"/>
+            <a:endParaRPr/>
+          </a:p>
+        </p:txBody>
+      </p:sp>
+      <p:sp>
+        <p:nvSpPr>
+          <p:cNvPr id="96" name="PlaceHolder 2"/>
+          <p:cNvSpPr>
+            <a:spLocks noGrp="1"/>
+          </p:cNvSpPr>
+          <p:nvPr>
+            <p:ph type="body"/>
+          </p:nvPr>
+        </p:nvSpPr>
+        <p:spPr>
+          <a:xfrm>
+            <a:off x="504000" y="1768680"/>
+            <a:ext cx="9072000" cy="2090880"/>
+          </a:xfrm>
+          <a:prstGeom prst="rect">
+            <a:avLst/>
+          </a:prstGeom>
+        </p:spPr>
+        <p:txBody>
+          <a:bodyPr lIns="0" rIns="0" tIns="0" bIns="0"/>
+          <a:p>
+            <a:endParaRPr/>
+          </a:p>
+        </p:txBody>
+      </p:sp>
+      <p:sp>
+        <p:nvSpPr>
+          <p:cNvPr id="97" name="PlaceHolder 3"/>
+          <p:cNvSpPr>
+            <a:spLocks noGrp="1"/>
+          </p:cNvSpPr>
+          <p:nvPr>
+            <p:ph type="body"/>
+          </p:nvPr>
+        </p:nvSpPr>
+        <p:spPr>
+          <a:xfrm>
+            <a:off x="504000" y="4058640"/>
+            <a:ext cx="9072000" cy="2090880"/>
+          </a:xfrm>
+          <a:prstGeom prst="rect">
+            <a:avLst/>
+          </a:prstGeom>
+        </p:spPr>
+        <p:txBody>
+          <a:bodyPr lIns="0" rIns="0" tIns="0" bIns="0"/>
+          <a:p>
+            <a:endParaRPr/>
+          </a:p>
+        </p:txBody>
+      </p:sp>
+    </p:spTree>
+  </p:cSld>
+</p:sldLayout>
+</file>
+
+<file path=ppt/slideLayouts/slideLayout35.xml><?xml version="1.0" encoding="utf-8"?>
+<p:sldLayout xmlns:a="http://schemas.openxmlformats.org/drawingml/2006/main" xmlns:p="http://schemas.openxmlformats.org/presentationml/2006/main" xmlns:r="http://schemas.openxmlformats.org/officeDocument/2006/relationships" type="fourObj" preserve="1">
+  <p:cSld name="Title, 4 Content">
+    <p:spTree>
+      <p:nvGrpSpPr>
+        <p:cNvPr id="1" name=""/>
+        <p:cNvGrpSpPr/>
+        <p:nvPr/>
+      </p:nvGrpSpPr>
+      <p:grpSpPr>
+        <a:xfrm>
+          <a:off x="0" y="0"/>
+          <a:ext cx="0" cy="0"/>
+          <a:chOff x="0" y="0"/>
+          <a:chExt cx="0" cy="0"/>
+        </a:xfrm>
+      </p:grpSpPr>
+      <p:sp>
+        <p:nvSpPr>
+          <p:cNvPr id="98" name="PlaceHolder 1"/>
+          <p:cNvSpPr>
+            <a:spLocks noGrp="1"/>
+          </p:cNvSpPr>
+          <p:nvPr>
+            <p:ph type="title"/>
+          </p:nvPr>
+        </p:nvSpPr>
+        <p:spPr>
+          <a:xfrm>
+            <a:off x="504000" y="301320"/>
+            <a:ext cx="9072000" cy="1262160"/>
+          </a:xfrm>
+          <a:prstGeom prst="rect">
+            <a:avLst/>
+          </a:prstGeom>
+        </p:spPr>
+        <p:txBody>
+          <a:bodyPr lIns="0" rIns="0" tIns="0" bIns="0" anchor="ctr"/>
+          <a:p>
+            <a:pPr algn="ctr"/>
+            <a:endParaRPr/>
+          </a:p>
+        </p:txBody>
+      </p:sp>
+      <p:sp>
+        <p:nvSpPr>
+          <p:cNvPr id="99" name="PlaceHolder 2"/>
+          <p:cNvSpPr>
+            <a:spLocks noGrp="1"/>
+          </p:cNvSpPr>
+          <p:nvPr>
+            <p:ph type="body"/>
+          </p:nvPr>
+        </p:nvSpPr>
+        <p:spPr>
+          <a:xfrm>
+            <a:off x="504000" y="1768680"/>
+            <a:ext cx="4426920" cy="2090880"/>
+          </a:xfrm>
+          <a:prstGeom prst="rect">
+            <a:avLst/>
+          </a:prstGeom>
+        </p:spPr>
+        <p:txBody>
+          <a:bodyPr lIns="0" rIns="0" tIns="0" bIns="0"/>
+          <a:p>
+            <a:endParaRPr/>
+          </a:p>
+        </p:txBody>
+      </p:sp>
+      <p:sp>
+        <p:nvSpPr>
+          <p:cNvPr id="100" name="PlaceHolder 3"/>
+          <p:cNvSpPr>
+            <a:spLocks noGrp="1"/>
+          </p:cNvSpPr>
+          <p:nvPr>
+            <p:ph type="body"/>
+          </p:nvPr>
+        </p:nvSpPr>
+        <p:spPr>
+          <a:xfrm>
+            <a:off x="5152680" y="1768680"/>
+            <a:ext cx="4426920" cy="2090880"/>
+          </a:xfrm>
+          <a:prstGeom prst="rect">
+            <a:avLst/>
+          </a:prstGeom>
+        </p:spPr>
+        <p:txBody>
+          <a:bodyPr lIns="0" rIns="0" tIns="0" bIns="0"/>
+          <a:p>
+            <a:endParaRPr/>
+          </a:p>
+        </p:txBody>
+      </p:sp>
+      <p:sp>
+        <p:nvSpPr>
+          <p:cNvPr id="101" name="PlaceHolder 4"/>
+          <p:cNvSpPr>
+            <a:spLocks noGrp="1"/>
+          </p:cNvSpPr>
+          <p:nvPr>
+            <p:ph type="body"/>
+          </p:nvPr>
+        </p:nvSpPr>
+        <p:spPr>
+          <a:xfrm>
+            <a:off x="5152680" y="4058640"/>
+            <a:ext cx="4426920" cy="2090880"/>
+          </a:xfrm>
+          <a:prstGeom prst="rect">
+            <a:avLst/>
+          </a:prstGeom>
+        </p:spPr>
+        <p:txBody>
+          <a:bodyPr lIns="0" rIns="0" tIns="0" bIns="0"/>
+          <a:p>
+            <a:endParaRPr/>
+          </a:p>
+        </p:txBody>
+      </p:sp>
+      <p:sp>
+        <p:nvSpPr>
+          <p:cNvPr id="102" name="PlaceHolder 5"/>
+          <p:cNvSpPr>
+            <a:spLocks noGrp="1"/>
+          </p:cNvSpPr>
+          <p:nvPr>
+            <p:ph type="body"/>
+          </p:nvPr>
+        </p:nvSpPr>
+        <p:spPr>
+          <a:xfrm>
+            <a:off x="504000" y="4058640"/>
+            <a:ext cx="4426920" cy="2090880"/>
+          </a:xfrm>
+          <a:prstGeom prst="rect">
+            <a:avLst/>
+          </a:prstGeom>
+        </p:spPr>
+        <p:txBody>
+          <a:bodyPr lIns="0" rIns="0" tIns="0" bIns="0"/>
+          <a:p>
+            <a:endParaRPr/>
+          </a:p>
+        </p:txBody>
+      </p:sp>
+    </p:spTree>
+  </p:cSld>
+</p:sldLayout>
+</file>
+
+<file path=ppt/slideLayouts/slideLayout36.xml><?xml version="1.0" encoding="utf-8"?>
+<p:sldLayout xmlns:a="http://schemas.openxmlformats.org/drawingml/2006/main" xmlns:p="http://schemas.openxmlformats.org/presentationml/2006/main" xmlns:r="http://schemas.openxmlformats.org/officeDocument/2006/relationships" type="blank" preserve="1">
+  <p:cSld name="Title, 6 Content">
+    <p:spTree>
+      <p:nvGrpSpPr>
+        <p:cNvPr id="1" name=""/>
+        <p:cNvGrpSpPr/>
+        <p:nvPr/>
+      </p:nvGrpSpPr>
+      <p:grpSpPr>
+        <a:xfrm>
+          <a:off x="0" y="0"/>
+          <a:ext cx="0" cy="0"/>
+          <a:chOff x="0" y="0"/>
+          <a:chExt cx="0" cy="0"/>
+        </a:xfrm>
+      </p:grpSpPr>
+      <p:sp>
+        <p:nvSpPr>
+          <p:cNvPr id="103" name="PlaceHolder 1"/>
+          <p:cNvSpPr>
+            <a:spLocks noGrp="1"/>
+          </p:cNvSpPr>
+          <p:nvPr>
+            <p:ph type="title"/>
+          </p:nvPr>
+        </p:nvSpPr>
+        <p:spPr>
+          <a:xfrm>
+            <a:off x="504000" y="301320"/>
+            <a:ext cx="9072000" cy="1262160"/>
+          </a:xfrm>
+          <a:prstGeom prst="rect">
+            <a:avLst/>
+          </a:prstGeom>
+        </p:spPr>
+        <p:txBody>
+          <a:bodyPr lIns="0" rIns="0" tIns="0" bIns="0" anchor="ctr"/>
+          <a:p>
+            <a:pPr algn="ctr"/>
+            <a:endParaRPr/>
+          </a:p>
+        </p:txBody>
+      </p:sp>
+      <p:sp>
+        <p:nvSpPr>
+          <p:cNvPr id="104" name="PlaceHolder 2"/>
+          <p:cNvSpPr>
+            <a:spLocks noGrp="1"/>
+          </p:cNvSpPr>
+          <p:nvPr>
+            <p:ph type="body"/>
+          </p:nvPr>
+        </p:nvSpPr>
+        <p:spPr>
+          <a:xfrm>
+            <a:off x="504000" y="1768680"/>
+            <a:ext cx="9072000" cy="4384080"/>
+          </a:xfrm>
+          <a:prstGeom prst="rect">
+            <a:avLst/>
+          </a:prstGeom>
+        </p:spPr>
+        <p:txBody>
+          <a:bodyPr lIns="0" rIns="0" tIns="0" bIns="0"/>
+          <a:p>
+            <a:endParaRPr/>
+          </a:p>
+        </p:txBody>
+      </p:sp>
+      <p:sp>
+        <p:nvSpPr>
+          <p:cNvPr id="105" name="PlaceHolder 3"/>
+          <p:cNvSpPr>
+            <a:spLocks noGrp="1"/>
+          </p:cNvSpPr>
+          <p:nvPr>
+            <p:ph type="body"/>
+          </p:nvPr>
+        </p:nvSpPr>
+        <p:spPr>
+          <a:xfrm>
+            <a:off x="504000" y="1768680"/>
+            <a:ext cx="9072000" cy="4384080"/>
+          </a:xfrm>
+          <a:prstGeom prst="rect">
+            <a:avLst/>
+          </a:prstGeom>
+        </p:spPr>
+        <p:txBody>
+          <a:bodyPr lIns="0" rIns="0" tIns="0" bIns="0"/>
+          <a:p>
+            <a:endParaRPr/>
+          </a:p>
+        </p:txBody>
+      </p:sp>
+      <p:pic>
+        <p:nvPicPr>
+          <p:cNvPr id="106" name="" descr=""/>
+          <p:cNvPicPr/>
+          <p:nvPr/>
+        </p:nvPicPr>
+        <p:blipFill>
+          <a:blip r:embed="rId2"/>
+          <a:stretch>
+            <a:fillRect/>
+          </a:stretch>
+        </p:blipFill>
+        <p:spPr>
+          <a:xfrm>
+            <a:off x="2292480" y="1768680"/>
+            <a:ext cx="5494680" cy="4384080"/>
+          </a:xfrm>
+          <a:prstGeom prst="rect">
+            <a:avLst/>
+          </a:prstGeom>
+          <a:ln>
+            <a:noFill/>
+          </a:ln>
+        </p:spPr>
+      </p:pic>
+      <p:pic>
+        <p:nvPicPr>
+          <p:cNvPr id="107" name="" descr=""/>
+          <p:cNvPicPr/>
+          <p:nvPr/>
+        </p:nvPicPr>
+        <p:blipFill>
+          <a:blip r:embed="rId3"/>
+          <a:stretch>
+            <a:fillRect/>
+          </a:stretch>
+        </p:blipFill>
+        <p:spPr>
+          <a:xfrm>
+            <a:off x="2292480" y="1768680"/>
+            <a:ext cx="5494680" cy="4384080"/>
+          </a:xfrm>
+          <a:prstGeom prst="rect">
+            <a:avLst/>
+          </a:prstGeom>
+          <a:ln>
+            <a:noFill/>
+          </a:ln>
+        </p:spPr>
+      </p:pic>
+    </p:spTree>
+  </p:cSld>
+</p:sldLayout>
+</file>
+
+<file path=ppt/slideLayouts/slideLayout37.xml><?xml version="1.0" encoding="utf-8"?>
+<p:sldLayout xmlns:a="http://schemas.openxmlformats.org/drawingml/2006/main" xmlns:p="http://schemas.openxmlformats.org/presentationml/2006/main" xmlns:r="http://schemas.openxmlformats.org/officeDocument/2006/relationships" type="blank" preserve="1">
+  <p:cSld name="Blank Slide">
+    <p:spTree>
+      <p:nvGrpSpPr>
+        <p:cNvPr id="1" name=""/>
+        <p:cNvGrpSpPr/>
+        <p:nvPr/>
+      </p:nvGrpSpPr>
+      <p:grpSpPr>
+        <a:xfrm>
+          <a:off x="0" y="0"/>
+          <a:ext cx="0" cy="0"/>
+          <a:chOff x="0" y="0"/>
+          <a:chExt cx="0" cy="0"/>
+        </a:xfrm>
+      </p:grpSpPr>
+    </p:spTree>
+  </p:cSld>
+</p:sldLayout>
+</file>
+
+<file path=ppt/slideLayouts/slideLayout38.xml><?xml version="1.0" encoding="utf-8"?>
+<p:sldLayout xmlns:a="http://schemas.openxmlformats.org/drawingml/2006/main" xmlns:p="http://schemas.openxmlformats.org/presentationml/2006/main" xmlns:r="http://schemas.openxmlformats.org/officeDocument/2006/relationships" type="tx" preserve="1">
+  <p:cSld name="Title Slide">
+    <p:spTree>
+      <p:nvGrpSpPr>
+        <p:cNvPr id="1" name=""/>
+        <p:cNvGrpSpPr/>
+        <p:nvPr/>
+      </p:nvGrpSpPr>
+      <p:grpSpPr>
+        <a:xfrm>
+          <a:off x="0" y="0"/>
+          <a:ext cx="0" cy="0"/>
+          <a:chOff x="0" y="0"/>
+          <a:chExt cx="0" cy="0"/>
+        </a:xfrm>
+      </p:grpSpPr>
+      <p:sp>
+        <p:nvSpPr>
+          <p:cNvPr id="110" name="PlaceHolder 1"/>
+          <p:cNvSpPr>
+            <a:spLocks noGrp="1"/>
+          </p:cNvSpPr>
+          <p:nvPr>
+            <p:ph type="title"/>
+          </p:nvPr>
+        </p:nvSpPr>
+        <p:spPr>
+          <a:xfrm>
+            <a:off x="504000" y="301320"/>
+            <a:ext cx="9072000" cy="1262160"/>
+          </a:xfrm>
+          <a:prstGeom prst="rect">
+            <a:avLst/>
+          </a:prstGeom>
+        </p:spPr>
+        <p:txBody>
+          <a:bodyPr lIns="0" rIns="0" tIns="0" bIns="0" anchor="ctr"/>
+          <a:p>
+            <a:pPr algn="ctr"/>
+            <a:endParaRPr/>
+          </a:p>
+        </p:txBody>
+      </p:sp>
+      <p:sp>
+        <p:nvSpPr>
+          <p:cNvPr id="111" name="PlaceHolder 2"/>
+          <p:cNvSpPr>
+            <a:spLocks noGrp="1"/>
+          </p:cNvSpPr>
+          <p:nvPr>
+            <p:ph type="subTitle"/>
+          </p:nvPr>
+        </p:nvSpPr>
+        <p:spPr>
+          <a:xfrm>
+            <a:off x="504000" y="1768680"/>
+            <a:ext cx="9072000" cy="4384440"/>
+          </a:xfrm>
+          <a:prstGeom prst="rect">
+            <a:avLst/>
+          </a:prstGeom>
+        </p:spPr>
+        <p:txBody>
+          <a:bodyPr lIns="0" rIns="0" tIns="0" bIns="0" anchor="ctr"/>
+          <a:p>
+            <a:pPr algn="ctr"/>
+            <a:endParaRPr/>
+          </a:p>
+        </p:txBody>
+      </p:sp>
+    </p:spTree>
+  </p:cSld>
+</p:sldLayout>
+</file>
+
+<file path=ppt/slideLayouts/slideLayout39.xml><?xml version="1.0" encoding="utf-8"?>
+<p:sldLayout xmlns:a="http://schemas.openxmlformats.org/drawingml/2006/main" xmlns:p="http://schemas.openxmlformats.org/presentationml/2006/main" xmlns:r="http://schemas.openxmlformats.org/officeDocument/2006/relationships" type="obj" preserve="1">
+  <p:cSld name="Title, Content">
+    <p:spTree>
+      <p:nvGrpSpPr>
+        <p:cNvPr id="1" name=""/>
+        <p:cNvGrpSpPr/>
+        <p:nvPr/>
+      </p:nvGrpSpPr>
+      <p:grpSpPr>
+        <a:xfrm>
+          <a:off x="0" y="0"/>
+          <a:ext cx="0" cy="0"/>
+          <a:chOff x="0" y="0"/>
+          <a:chExt cx="0" cy="0"/>
+        </a:xfrm>
+      </p:grpSpPr>
+      <p:sp>
+        <p:nvSpPr>
+          <p:cNvPr id="112" name="PlaceHolder 1"/>
+          <p:cNvSpPr>
+            <a:spLocks noGrp="1"/>
+          </p:cNvSpPr>
+          <p:nvPr>
+            <p:ph type="title"/>
+          </p:nvPr>
+        </p:nvSpPr>
+        <p:spPr>
+          <a:xfrm>
+            <a:off x="504000" y="301320"/>
+            <a:ext cx="9072000" cy="1262160"/>
+          </a:xfrm>
+          <a:prstGeom prst="rect">
+            <a:avLst/>
+          </a:prstGeom>
+        </p:spPr>
+        <p:txBody>
+          <a:bodyPr lIns="0" rIns="0" tIns="0" bIns="0" anchor="ctr"/>
+          <a:p>
+            <a:pPr algn="ctr"/>
+            <a:endParaRPr/>
+          </a:p>
+        </p:txBody>
+      </p:sp>
+      <p:sp>
+        <p:nvSpPr>
+          <p:cNvPr id="113" name="PlaceHolder 2"/>
+          <p:cNvSpPr>
+            <a:spLocks noGrp="1"/>
+          </p:cNvSpPr>
+          <p:nvPr>
+            <p:ph type="body"/>
+          </p:nvPr>
+        </p:nvSpPr>
+        <p:spPr>
+          <a:xfrm>
+            <a:off x="504000" y="1768680"/>
+            <a:ext cx="9072000" cy="4384080"/>
           </a:xfrm>
           <a:prstGeom prst="rect">
             <a:avLst/>
@@ -1795,7 +3133,7 @@
         <p:spPr>
           <a:xfrm>
             <a:off x="504000" y="301320"/>
-            <a:ext cx="9071280" cy="1262520"/>
+            <a:ext cx="9072000" cy="1262160"/>
           </a:xfrm>
           <a:prstGeom prst="rect">
             <a:avLst/>
@@ -1821,8 +3159,8 @@
         </p:nvSpPr>
         <p:spPr>
           <a:xfrm>
-            <a:off x="504000" y="1769040"/>
-            <a:ext cx="4426560" cy="4384080"/>
+            <a:off x="504000" y="1768680"/>
+            <a:ext cx="4426920" cy="4384080"/>
           </a:xfrm>
           <a:prstGeom prst="rect">
             <a:avLst/>
@@ -1847,8 +3185,8 @@
         </p:nvSpPr>
         <p:spPr>
           <a:xfrm>
-            <a:off x="5152320" y="1769040"/>
-            <a:ext cx="4426560" cy="4384080"/>
+            <a:off x="5152680" y="1768680"/>
+            <a:ext cx="4426920" cy="4384080"/>
           </a:xfrm>
           <a:prstGeom prst="rect">
             <a:avLst/>
@@ -1861,6 +3199,991 @@
           </a:p>
         </p:txBody>
       </p:sp>
+    </p:spTree>
+  </p:cSld>
+</p:sldLayout>
+</file>
+
+<file path=ppt/slideLayouts/slideLayout40.xml><?xml version="1.0" encoding="utf-8"?>
+<p:sldLayout xmlns:a="http://schemas.openxmlformats.org/drawingml/2006/main" xmlns:p="http://schemas.openxmlformats.org/presentationml/2006/main" xmlns:r="http://schemas.openxmlformats.org/officeDocument/2006/relationships" type="twoObj" preserve="1">
+  <p:cSld name="Title, 2 Content">
+    <p:spTree>
+      <p:nvGrpSpPr>
+        <p:cNvPr id="1" name=""/>
+        <p:cNvGrpSpPr/>
+        <p:nvPr/>
+      </p:nvGrpSpPr>
+      <p:grpSpPr>
+        <a:xfrm>
+          <a:off x="0" y="0"/>
+          <a:ext cx="0" cy="0"/>
+          <a:chOff x="0" y="0"/>
+          <a:chExt cx="0" cy="0"/>
+        </a:xfrm>
+      </p:grpSpPr>
+      <p:sp>
+        <p:nvSpPr>
+          <p:cNvPr id="114" name="PlaceHolder 1"/>
+          <p:cNvSpPr>
+            <a:spLocks noGrp="1"/>
+          </p:cNvSpPr>
+          <p:nvPr>
+            <p:ph type="title"/>
+          </p:nvPr>
+        </p:nvSpPr>
+        <p:spPr>
+          <a:xfrm>
+            <a:off x="504000" y="301320"/>
+            <a:ext cx="9072000" cy="1262160"/>
+          </a:xfrm>
+          <a:prstGeom prst="rect">
+            <a:avLst/>
+          </a:prstGeom>
+        </p:spPr>
+        <p:txBody>
+          <a:bodyPr lIns="0" rIns="0" tIns="0" bIns="0" anchor="ctr"/>
+          <a:p>
+            <a:pPr algn="ctr"/>
+            <a:endParaRPr/>
+          </a:p>
+        </p:txBody>
+      </p:sp>
+      <p:sp>
+        <p:nvSpPr>
+          <p:cNvPr id="115" name="PlaceHolder 2"/>
+          <p:cNvSpPr>
+            <a:spLocks noGrp="1"/>
+          </p:cNvSpPr>
+          <p:nvPr>
+            <p:ph type="body"/>
+          </p:nvPr>
+        </p:nvSpPr>
+        <p:spPr>
+          <a:xfrm>
+            <a:off x="504000" y="1768680"/>
+            <a:ext cx="4426920" cy="4384080"/>
+          </a:xfrm>
+          <a:prstGeom prst="rect">
+            <a:avLst/>
+          </a:prstGeom>
+        </p:spPr>
+        <p:txBody>
+          <a:bodyPr lIns="0" rIns="0" tIns="0" bIns="0"/>
+          <a:p>
+            <a:endParaRPr/>
+          </a:p>
+        </p:txBody>
+      </p:sp>
+      <p:sp>
+        <p:nvSpPr>
+          <p:cNvPr id="116" name="PlaceHolder 3"/>
+          <p:cNvSpPr>
+            <a:spLocks noGrp="1"/>
+          </p:cNvSpPr>
+          <p:nvPr>
+            <p:ph type="body"/>
+          </p:nvPr>
+        </p:nvSpPr>
+        <p:spPr>
+          <a:xfrm>
+            <a:off x="5152680" y="1768680"/>
+            <a:ext cx="4426920" cy="4384080"/>
+          </a:xfrm>
+          <a:prstGeom prst="rect">
+            <a:avLst/>
+          </a:prstGeom>
+        </p:spPr>
+        <p:txBody>
+          <a:bodyPr lIns="0" rIns="0" tIns="0" bIns="0"/>
+          <a:p>
+            <a:endParaRPr/>
+          </a:p>
+        </p:txBody>
+      </p:sp>
+    </p:spTree>
+  </p:cSld>
+</p:sldLayout>
+</file>
+
+<file path=ppt/slideLayouts/slideLayout41.xml><?xml version="1.0" encoding="utf-8"?>
+<p:sldLayout xmlns:a="http://schemas.openxmlformats.org/drawingml/2006/main" xmlns:p="http://schemas.openxmlformats.org/presentationml/2006/main" xmlns:r="http://schemas.openxmlformats.org/officeDocument/2006/relationships" type="titleOnly" preserve="1">
+  <p:cSld name="Title Only">
+    <p:spTree>
+      <p:nvGrpSpPr>
+        <p:cNvPr id="1" name=""/>
+        <p:cNvGrpSpPr/>
+        <p:nvPr/>
+      </p:nvGrpSpPr>
+      <p:grpSpPr>
+        <a:xfrm>
+          <a:off x="0" y="0"/>
+          <a:ext cx="0" cy="0"/>
+          <a:chOff x="0" y="0"/>
+          <a:chExt cx="0" cy="0"/>
+        </a:xfrm>
+      </p:grpSpPr>
+      <p:sp>
+        <p:nvSpPr>
+          <p:cNvPr id="117" name="PlaceHolder 1"/>
+          <p:cNvSpPr>
+            <a:spLocks noGrp="1"/>
+          </p:cNvSpPr>
+          <p:nvPr>
+            <p:ph type="title"/>
+          </p:nvPr>
+        </p:nvSpPr>
+        <p:spPr>
+          <a:xfrm>
+            <a:off x="504000" y="301320"/>
+            <a:ext cx="9072000" cy="1262160"/>
+          </a:xfrm>
+          <a:prstGeom prst="rect">
+            <a:avLst/>
+          </a:prstGeom>
+        </p:spPr>
+        <p:txBody>
+          <a:bodyPr lIns="0" rIns="0" tIns="0" bIns="0" anchor="ctr"/>
+          <a:p>
+            <a:pPr algn="ctr"/>
+            <a:endParaRPr/>
+          </a:p>
+        </p:txBody>
+      </p:sp>
+    </p:spTree>
+  </p:cSld>
+</p:sldLayout>
+</file>
+
+<file path=ppt/slideLayouts/slideLayout42.xml><?xml version="1.0" encoding="utf-8"?>
+<p:sldLayout xmlns:a="http://schemas.openxmlformats.org/drawingml/2006/main" xmlns:p="http://schemas.openxmlformats.org/presentationml/2006/main" xmlns:r="http://schemas.openxmlformats.org/officeDocument/2006/relationships" type="objOnly" preserve="1">
+  <p:cSld name="Centered Text">
+    <p:spTree>
+      <p:nvGrpSpPr>
+        <p:cNvPr id="1" name=""/>
+        <p:cNvGrpSpPr/>
+        <p:nvPr/>
+      </p:nvGrpSpPr>
+      <p:grpSpPr>
+        <a:xfrm>
+          <a:off x="0" y="0"/>
+          <a:ext cx="0" cy="0"/>
+          <a:chOff x="0" y="0"/>
+          <a:chExt cx="0" cy="0"/>
+        </a:xfrm>
+      </p:grpSpPr>
+      <p:sp>
+        <p:nvSpPr>
+          <p:cNvPr id="118" name="PlaceHolder 1"/>
+          <p:cNvSpPr>
+            <a:spLocks noGrp="1"/>
+          </p:cNvSpPr>
+          <p:nvPr>
+            <p:ph type="subTitle"/>
+          </p:nvPr>
+        </p:nvSpPr>
+        <p:spPr>
+          <a:xfrm>
+            <a:off x="504000" y="301320"/>
+            <a:ext cx="9072000" cy="5850720"/>
+          </a:xfrm>
+          <a:prstGeom prst="rect">
+            <a:avLst/>
+          </a:prstGeom>
+        </p:spPr>
+        <p:txBody>
+          <a:bodyPr lIns="0" rIns="0" tIns="0" bIns="0" anchor="ctr"/>
+          <a:p>
+            <a:pPr algn="ctr"/>
+            <a:endParaRPr/>
+          </a:p>
+        </p:txBody>
+      </p:sp>
+    </p:spTree>
+  </p:cSld>
+</p:sldLayout>
+</file>
+
+<file path=ppt/slideLayouts/slideLayout43.xml><?xml version="1.0" encoding="utf-8"?>
+<p:sldLayout xmlns:a="http://schemas.openxmlformats.org/drawingml/2006/main" xmlns:p="http://schemas.openxmlformats.org/presentationml/2006/main" xmlns:r="http://schemas.openxmlformats.org/officeDocument/2006/relationships" type="twoObjAndObj" preserve="1">
+  <p:cSld name="Title, 2 Content and Content">
+    <p:spTree>
+      <p:nvGrpSpPr>
+        <p:cNvPr id="1" name=""/>
+        <p:cNvGrpSpPr/>
+        <p:nvPr/>
+      </p:nvGrpSpPr>
+      <p:grpSpPr>
+        <a:xfrm>
+          <a:off x="0" y="0"/>
+          <a:ext cx="0" cy="0"/>
+          <a:chOff x="0" y="0"/>
+          <a:chExt cx="0" cy="0"/>
+        </a:xfrm>
+      </p:grpSpPr>
+      <p:sp>
+        <p:nvSpPr>
+          <p:cNvPr id="119" name="PlaceHolder 1"/>
+          <p:cNvSpPr>
+            <a:spLocks noGrp="1"/>
+          </p:cNvSpPr>
+          <p:nvPr>
+            <p:ph type="title"/>
+          </p:nvPr>
+        </p:nvSpPr>
+        <p:spPr>
+          <a:xfrm>
+            <a:off x="504000" y="301320"/>
+            <a:ext cx="9072000" cy="1262160"/>
+          </a:xfrm>
+          <a:prstGeom prst="rect">
+            <a:avLst/>
+          </a:prstGeom>
+        </p:spPr>
+        <p:txBody>
+          <a:bodyPr lIns="0" rIns="0" tIns="0" bIns="0" anchor="ctr"/>
+          <a:p>
+            <a:pPr algn="ctr"/>
+            <a:endParaRPr/>
+          </a:p>
+        </p:txBody>
+      </p:sp>
+      <p:sp>
+        <p:nvSpPr>
+          <p:cNvPr id="120" name="PlaceHolder 2"/>
+          <p:cNvSpPr>
+            <a:spLocks noGrp="1"/>
+          </p:cNvSpPr>
+          <p:nvPr>
+            <p:ph type="body"/>
+          </p:nvPr>
+        </p:nvSpPr>
+        <p:spPr>
+          <a:xfrm>
+            <a:off x="504000" y="1768680"/>
+            <a:ext cx="4426920" cy="2090880"/>
+          </a:xfrm>
+          <a:prstGeom prst="rect">
+            <a:avLst/>
+          </a:prstGeom>
+        </p:spPr>
+        <p:txBody>
+          <a:bodyPr lIns="0" rIns="0" tIns="0" bIns="0"/>
+          <a:p>
+            <a:endParaRPr/>
+          </a:p>
+        </p:txBody>
+      </p:sp>
+      <p:sp>
+        <p:nvSpPr>
+          <p:cNvPr id="121" name="PlaceHolder 3"/>
+          <p:cNvSpPr>
+            <a:spLocks noGrp="1"/>
+          </p:cNvSpPr>
+          <p:nvPr>
+            <p:ph type="body"/>
+          </p:nvPr>
+        </p:nvSpPr>
+        <p:spPr>
+          <a:xfrm>
+            <a:off x="504000" y="4058640"/>
+            <a:ext cx="4426920" cy="2090880"/>
+          </a:xfrm>
+          <a:prstGeom prst="rect">
+            <a:avLst/>
+          </a:prstGeom>
+        </p:spPr>
+        <p:txBody>
+          <a:bodyPr lIns="0" rIns="0" tIns="0" bIns="0"/>
+          <a:p>
+            <a:endParaRPr/>
+          </a:p>
+        </p:txBody>
+      </p:sp>
+      <p:sp>
+        <p:nvSpPr>
+          <p:cNvPr id="122" name="PlaceHolder 4"/>
+          <p:cNvSpPr>
+            <a:spLocks noGrp="1"/>
+          </p:cNvSpPr>
+          <p:nvPr>
+            <p:ph type="body"/>
+          </p:nvPr>
+        </p:nvSpPr>
+        <p:spPr>
+          <a:xfrm>
+            <a:off x="5152680" y="1768680"/>
+            <a:ext cx="4426920" cy="4384080"/>
+          </a:xfrm>
+          <a:prstGeom prst="rect">
+            <a:avLst/>
+          </a:prstGeom>
+        </p:spPr>
+        <p:txBody>
+          <a:bodyPr lIns="0" rIns="0" tIns="0" bIns="0"/>
+          <a:p>
+            <a:endParaRPr/>
+          </a:p>
+        </p:txBody>
+      </p:sp>
+    </p:spTree>
+  </p:cSld>
+</p:sldLayout>
+</file>
+
+<file path=ppt/slideLayouts/slideLayout44.xml><?xml version="1.0" encoding="utf-8"?>
+<p:sldLayout xmlns:a="http://schemas.openxmlformats.org/drawingml/2006/main" xmlns:p="http://schemas.openxmlformats.org/presentationml/2006/main" xmlns:r="http://schemas.openxmlformats.org/officeDocument/2006/relationships" type="objAndTwoObj" preserve="1">
+  <p:cSld name="Title Content and 2 Content">
+    <p:spTree>
+      <p:nvGrpSpPr>
+        <p:cNvPr id="1" name=""/>
+        <p:cNvGrpSpPr/>
+        <p:nvPr/>
+      </p:nvGrpSpPr>
+      <p:grpSpPr>
+        <a:xfrm>
+          <a:off x="0" y="0"/>
+          <a:ext cx="0" cy="0"/>
+          <a:chOff x="0" y="0"/>
+          <a:chExt cx="0" cy="0"/>
+        </a:xfrm>
+      </p:grpSpPr>
+      <p:sp>
+        <p:nvSpPr>
+          <p:cNvPr id="123" name="PlaceHolder 1"/>
+          <p:cNvSpPr>
+            <a:spLocks noGrp="1"/>
+          </p:cNvSpPr>
+          <p:nvPr>
+            <p:ph type="title"/>
+          </p:nvPr>
+        </p:nvSpPr>
+        <p:spPr>
+          <a:xfrm>
+            <a:off x="504000" y="301320"/>
+            <a:ext cx="9072000" cy="1262160"/>
+          </a:xfrm>
+          <a:prstGeom prst="rect">
+            <a:avLst/>
+          </a:prstGeom>
+        </p:spPr>
+        <p:txBody>
+          <a:bodyPr lIns="0" rIns="0" tIns="0" bIns="0" anchor="ctr"/>
+          <a:p>
+            <a:pPr algn="ctr"/>
+            <a:endParaRPr/>
+          </a:p>
+        </p:txBody>
+      </p:sp>
+      <p:sp>
+        <p:nvSpPr>
+          <p:cNvPr id="124" name="PlaceHolder 2"/>
+          <p:cNvSpPr>
+            <a:spLocks noGrp="1"/>
+          </p:cNvSpPr>
+          <p:nvPr>
+            <p:ph type="body"/>
+          </p:nvPr>
+        </p:nvSpPr>
+        <p:spPr>
+          <a:xfrm>
+            <a:off x="504000" y="1768680"/>
+            <a:ext cx="4426920" cy="4384080"/>
+          </a:xfrm>
+          <a:prstGeom prst="rect">
+            <a:avLst/>
+          </a:prstGeom>
+        </p:spPr>
+        <p:txBody>
+          <a:bodyPr lIns="0" rIns="0" tIns="0" bIns="0"/>
+          <a:p>
+            <a:endParaRPr/>
+          </a:p>
+        </p:txBody>
+      </p:sp>
+      <p:sp>
+        <p:nvSpPr>
+          <p:cNvPr id="125" name="PlaceHolder 3"/>
+          <p:cNvSpPr>
+            <a:spLocks noGrp="1"/>
+          </p:cNvSpPr>
+          <p:nvPr>
+            <p:ph type="body"/>
+          </p:nvPr>
+        </p:nvSpPr>
+        <p:spPr>
+          <a:xfrm>
+            <a:off x="5152680" y="1768680"/>
+            <a:ext cx="4426920" cy="2090880"/>
+          </a:xfrm>
+          <a:prstGeom prst="rect">
+            <a:avLst/>
+          </a:prstGeom>
+        </p:spPr>
+        <p:txBody>
+          <a:bodyPr lIns="0" rIns="0" tIns="0" bIns="0"/>
+          <a:p>
+            <a:endParaRPr/>
+          </a:p>
+        </p:txBody>
+      </p:sp>
+      <p:sp>
+        <p:nvSpPr>
+          <p:cNvPr id="126" name="PlaceHolder 4"/>
+          <p:cNvSpPr>
+            <a:spLocks noGrp="1"/>
+          </p:cNvSpPr>
+          <p:nvPr>
+            <p:ph type="body"/>
+          </p:nvPr>
+        </p:nvSpPr>
+        <p:spPr>
+          <a:xfrm>
+            <a:off x="5152680" y="4058640"/>
+            <a:ext cx="4426920" cy="2090880"/>
+          </a:xfrm>
+          <a:prstGeom prst="rect">
+            <a:avLst/>
+          </a:prstGeom>
+        </p:spPr>
+        <p:txBody>
+          <a:bodyPr lIns="0" rIns="0" tIns="0" bIns="0"/>
+          <a:p>
+            <a:endParaRPr/>
+          </a:p>
+        </p:txBody>
+      </p:sp>
+    </p:spTree>
+  </p:cSld>
+</p:sldLayout>
+</file>
+
+<file path=ppt/slideLayouts/slideLayout45.xml><?xml version="1.0" encoding="utf-8"?>
+<p:sldLayout xmlns:a="http://schemas.openxmlformats.org/drawingml/2006/main" xmlns:p="http://schemas.openxmlformats.org/presentationml/2006/main" xmlns:r="http://schemas.openxmlformats.org/officeDocument/2006/relationships" type="twoObjOverTx" preserve="1">
+  <p:cSld name="Title, 2 Content over Content">
+    <p:spTree>
+      <p:nvGrpSpPr>
+        <p:cNvPr id="1" name=""/>
+        <p:cNvGrpSpPr/>
+        <p:nvPr/>
+      </p:nvGrpSpPr>
+      <p:grpSpPr>
+        <a:xfrm>
+          <a:off x="0" y="0"/>
+          <a:ext cx="0" cy="0"/>
+          <a:chOff x="0" y="0"/>
+          <a:chExt cx="0" cy="0"/>
+        </a:xfrm>
+      </p:grpSpPr>
+      <p:sp>
+        <p:nvSpPr>
+          <p:cNvPr id="127" name="PlaceHolder 1"/>
+          <p:cNvSpPr>
+            <a:spLocks noGrp="1"/>
+          </p:cNvSpPr>
+          <p:nvPr>
+            <p:ph type="title"/>
+          </p:nvPr>
+        </p:nvSpPr>
+        <p:spPr>
+          <a:xfrm>
+            <a:off x="504000" y="301320"/>
+            <a:ext cx="9072000" cy="1262160"/>
+          </a:xfrm>
+          <a:prstGeom prst="rect">
+            <a:avLst/>
+          </a:prstGeom>
+        </p:spPr>
+        <p:txBody>
+          <a:bodyPr lIns="0" rIns="0" tIns="0" bIns="0" anchor="ctr"/>
+          <a:p>
+            <a:pPr algn="ctr"/>
+            <a:endParaRPr/>
+          </a:p>
+        </p:txBody>
+      </p:sp>
+      <p:sp>
+        <p:nvSpPr>
+          <p:cNvPr id="128" name="PlaceHolder 2"/>
+          <p:cNvSpPr>
+            <a:spLocks noGrp="1"/>
+          </p:cNvSpPr>
+          <p:nvPr>
+            <p:ph type="body"/>
+          </p:nvPr>
+        </p:nvSpPr>
+        <p:spPr>
+          <a:xfrm>
+            <a:off x="504000" y="1768680"/>
+            <a:ext cx="4426920" cy="2090880"/>
+          </a:xfrm>
+          <a:prstGeom prst="rect">
+            <a:avLst/>
+          </a:prstGeom>
+        </p:spPr>
+        <p:txBody>
+          <a:bodyPr lIns="0" rIns="0" tIns="0" bIns="0"/>
+          <a:p>
+            <a:endParaRPr/>
+          </a:p>
+        </p:txBody>
+      </p:sp>
+      <p:sp>
+        <p:nvSpPr>
+          <p:cNvPr id="129" name="PlaceHolder 3"/>
+          <p:cNvSpPr>
+            <a:spLocks noGrp="1"/>
+          </p:cNvSpPr>
+          <p:nvPr>
+            <p:ph type="body"/>
+          </p:nvPr>
+        </p:nvSpPr>
+        <p:spPr>
+          <a:xfrm>
+            <a:off x="5152680" y="1768680"/>
+            <a:ext cx="4426920" cy="2090880"/>
+          </a:xfrm>
+          <a:prstGeom prst="rect">
+            <a:avLst/>
+          </a:prstGeom>
+        </p:spPr>
+        <p:txBody>
+          <a:bodyPr lIns="0" rIns="0" tIns="0" bIns="0"/>
+          <a:p>
+            <a:endParaRPr/>
+          </a:p>
+        </p:txBody>
+      </p:sp>
+      <p:sp>
+        <p:nvSpPr>
+          <p:cNvPr id="130" name="PlaceHolder 4"/>
+          <p:cNvSpPr>
+            <a:spLocks noGrp="1"/>
+          </p:cNvSpPr>
+          <p:nvPr>
+            <p:ph type="body"/>
+          </p:nvPr>
+        </p:nvSpPr>
+        <p:spPr>
+          <a:xfrm>
+            <a:off x="504000" y="4058640"/>
+            <a:ext cx="9072000" cy="2090880"/>
+          </a:xfrm>
+          <a:prstGeom prst="rect">
+            <a:avLst/>
+          </a:prstGeom>
+        </p:spPr>
+        <p:txBody>
+          <a:bodyPr lIns="0" rIns="0" tIns="0" bIns="0"/>
+          <a:p>
+            <a:endParaRPr/>
+          </a:p>
+        </p:txBody>
+      </p:sp>
+    </p:spTree>
+  </p:cSld>
+</p:sldLayout>
+</file>
+
+<file path=ppt/slideLayouts/slideLayout46.xml><?xml version="1.0" encoding="utf-8"?>
+<p:sldLayout xmlns:a="http://schemas.openxmlformats.org/drawingml/2006/main" xmlns:p="http://schemas.openxmlformats.org/presentationml/2006/main" xmlns:r="http://schemas.openxmlformats.org/officeDocument/2006/relationships" type="objOverTx" preserve="1">
+  <p:cSld name="Title, Content over Content">
+    <p:spTree>
+      <p:nvGrpSpPr>
+        <p:cNvPr id="1" name=""/>
+        <p:cNvGrpSpPr/>
+        <p:nvPr/>
+      </p:nvGrpSpPr>
+      <p:grpSpPr>
+        <a:xfrm>
+          <a:off x="0" y="0"/>
+          <a:ext cx="0" cy="0"/>
+          <a:chOff x="0" y="0"/>
+          <a:chExt cx="0" cy="0"/>
+        </a:xfrm>
+      </p:grpSpPr>
+      <p:sp>
+        <p:nvSpPr>
+          <p:cNvPr id="131" name="PlaceHolder 1"/>
+          <p:cNvSpPr>
+            <a:spLocks noGrp="1"/>
+          </p:cNvSpPr>
+          <p:nvPr>
+            <p:ph type="title"/>
+          </p:nvPr>
+        </p:nvSpPr>
+        <p:spPr>
+          <a:xfrm>
+            <a:off x="504000" y="301320"/>
+            <a:ext cx="9072000" cy="1262160"/>
+          </a:xfrm>
+          <a:prstGeom prst="rect">
+            <a:avLst/>
+          </a:prstGeom>
+        </p:spPr>
+        <p:txBody>
+          <a:bodyPr lIns="0" rIns="0" tIns="0" bIns="0" anchor="ctr"/>
+          <a:p>
+            <a:pPr algn="ctr"/>
+            <a:endParaRPr/>
+          </a:p>
+        </p:txBody>
+      </p:sp>
+      <p:sp>
+        <p:nvSpPr>
+          <p:cNvPr id="132" name="PlaceHolder 2"/>
+          <p:cNvSpPr>
+            <a:spLocks noGrp="1"/>
+          </p:cNvSpPr>
+          <p:nvPr>
+            <p:ph type="body"/>
+          </p:nvPr>
+        </p:nvSpPr>
+        <p:spPr>
+          <a:xfrm>
+            <a:off x="504000" y="1768680"/>
+            <a:ext cx="9072000" cy="2090880"/>
+          </a:xfrm>
+          <a:prstGeom prst="rect">
+            <a:avLst/>
+          </a:prstGeom>
+        </p:spPr>
+        <p:txBody>
+          <a:bodyPr lIns="0" rIns="0" tIns="0" bIns="0"/>
+          <a:p>
+            <a:endParaRPr/>
+          </a:p>
+        </p:txBody>
+      </p:sp>
+      <p:sp>
+        <p:nvSpPr>
+          <p:cNvPr id="133" name="PlaceHolder 3"/>
+          <p:cNvSpPr>
+            <a:spLocks noGrp="1"/>
+          </p:cNvSpPr>
+          <p:nvPr>
+            <p:ph type="body"/>
+          </p:nvPr>
+        </p:nvSpPr>
+        <p:spPr>
+          <a:xfrm>
+            <a:off x="504000" y="4058640"/>
+            <a:ext cx="9072000" cy="2090880"/>
+          </a:xfrm>
+          <a:prstGeom prst="rect">
+            <a:avLst/>
+          </a:prstGeom>
+        </p:spPr>
+        <p:txBody>
+          <a:bodyPr lIns="0" rIns="0" tIns="0" bIns="0"/>
+          <a:p>
+            <a:endParaRPr/>
+          </a:p>
+        </p:txBody>
+      </p:sp>
+    </p:spTree>
+  </p:cSld>
+</p:sldLayout>
+</file>
+
+<file path=ppt/slideLayouts/slideLayout47.xml><?xml version="1.0" encoding="utf-8"?>
+<p:sldLayout xmlns:a="http://schemas.openxmlformats.org/drawingml/2006/main" xmlns:p="http://schemas.openxmlformats.org/presentationml/2006/main" xmlns:r="http://schemas.openxmlformats.org/officeDocument/2006/relationships" type="fourObj" preserve="1">
+  <p:cSld name="Title, 4 Content">
+    <p:spTree>
+      <p:nvGrpSpPr>
+        <p:cNvPr id="1" name=""/>
+        <p:cNvGrpSpPr/>
+        <p:nvPr/>
+      </p:nvGrpSpPr>
+      <p:grpSpPr>
+        <a:xfrm>
+          <a:off x="0" y="0"/>
+          <a:ext cx="0" cy="0"/>
+          <a:chOff x="0" y="0"/>
+          <a:chExt cx="0" cy="0"/>
+        </a:xfrm>
+      </p:grpSpPr>
+      <p:sp>
+        <p:nvSpPr>
+          <p:cNvPr id="134" name="PlaceHolder 1"/>
+          <p:cNvSpPr>
+            <a:spLocks noGrp="1"/>
+          </p:cNvSpPr>
+          <p:nvPr>
+            <p:ph type="title"/>
+          </p:nvPr>
+        </p:nvSpPr>
+        <p:spPr>
+          <a:xfrm>
+            <a:off x="504000" y="301320"/>
+            <a:ext cx="9072000" cy="1262160"/>
+          </a:xfrm>
+          <a:prstGeom prst="rect">
+            <a:avLst/>
+          </a:prstGeom>
+        </p:spPr>
+        <p:txBody>
+          <a:bodyPr lIns="0" rIns="0" tIns="0" bIns="0" anchor="ctr"/>
+          <a:p>
+            <a:pPr algn="ctr"/>
+            <a:endParaRPr/>
+          </a:p>
+        </p:txBody>
+      </p:sp>
+      <p:sp>
+        <p:nvSpPr>
+          <p:cNvPr id="135" name="PlaceHolder 2"/>
+          <p:cNvSpPr>
+            <a:spLocks noGrp="1"/>
+          </p:cNvSpPr>
+          <p:nvPr>
+            <p:ph type="body"/>
+          </p:nvPr>
+        </p:nvSpPr>
+        <p:spPr>
+          <a:xfrm>
+            <a:off x="504000" y="1768680"/>
+            <a:ext cx="4426920" cy="2090880"/>
+          </a:xfrm>
+          <a:prstGeom prst="rect">
+            <a:avLst/>
+          </a:prstGeom>
+        </p:spPr>
+        <p:txBody>
+          <a:bodyPr lIns="0" rIns="0" tIns="0" bIns="0"/>
+          <a:p>
+            <a:endParaRPr/>
+          </a:p>
+        </p:txBody>
+      </p:sp>
+      <p:sp>
+        <p:nvSpPr>
+          <p:cNvPr id="136" name="PlaceHolder 3"/>
+          <p:cNvSpPr>
+            <a:spLocks noGrp="1"/>
+          </p:cNvSpPr>
+          <p:nvPr>
+            <p:ph type="body"/>
+          </p:nvPr>
+        </p:nvSpPr>
+        <p:spPr>
+          <a:xfrm>
+            <a:off x="5152680" y="1768680"/>
+            <a:ext cx="4426920" cy="2090880"/>
+          </a:xfrm>
+          <a:prstGeom prst="rect">
+            <a:avLst/>
+          </a:prstGeom>
+        </p:spPr>
+        <p:txBody>
+          <a:bodyPr lIns="0" rIns="0" tIns="0" bIns="0"/>
+          <a:p>
+            <a:endParaRPr/>
+          </a:p>
+        </p:txBody>
+      </p:sp>
+      <p:sp>
+        <p:nvSpPr>
+          <p:cNvPr id="137" name="PlaceHolder 4"/>
+          <p:cNvSpPr>
+            <a:spLocks noGrp="1"/>
+          </p:cNvSpPr>
+          <p:nvPr>
+            <p:ph type="body"/>
+          </p:nvPr>
+        </p:nvSpPr>
+        <p:spPr>
+          <a:xfrm>
+            <a:off x="5152680" y="4058640"/>
+            <a:ext cx="4426920" cy="2090880"/>
+          </a:xfrm>
+          <a:prstGeom prst="rect">
+            <a:avLst/>
+          </a:prstGeom>
+        </p:spPr>
+        <p:txBody>
+          <a:bodyPr lIns="0" rIns="0" tIns="0" bIns="0"/>
+          <a:p>
+            <a:endParaRPr/>
+          </a:p>
+        </p:txBody>
+      </p:sp>
+      <p:sp>
+        <p:nvSpPr>
+          <p:cNvPr id="138" name="PlaceHolder 5"/>
+          <p:cNvSpPr>
+            <a:spLocks noGrp="1"/>
+          </p:cNvSpPr>
+          <p:nvPr>
+            <p:ph type="body"/>
+          </p:nvPr>
+        </p:nvSpPr>
+        <p:spPr>
+          <a:xfrm>
+            <a:off x="504000" y="4058640"/>
+            <a:ext cx="4426920" cy="2090880"/>
+          </a:xfrm>
+          <a:prstGeom prst="rect">
+            <a:avLst/>
+          </a:prstGeom>
+        </p:spPr>
+        <p:txBody>
+          <a:bodyPr lIns="0" rIns="0" tIns="0" bIns="0"/>
+          <a:p>
+            <a:endParaRPr/>
+          </a:p>
+        </p:txBody>
+      </p:sp>
+    </p:spTree>
+  </p:cSld>
+</p:sldLayout>
+</file>
+
+<file path=ppt/slideLayouts/slideLayout48.xml><?xml version="1.0" encoding="utf-8"?>
+<p:sldLayout xmlns:a="http://schemas.openxmlformats.org/drawingml/2006/main" xmlns:p="http://schemas.openxmlformats.org/presentationml/2006/main" xmlns:r="http://schemas.openxmlformats.org/officeDocument/2006/relationships" type="blank" preserve="1">
+  <p:cSld name="Title, 6 Content">
+    <p:spTree>
+      <p:nvGrpSpPr>
+        <p:cNvPr id="1" name=""/>
+        <p:cNvGrpSpPr/>
+        <p:nvPr/>
+      </p:nvGrpSpPr>
+      <p:grpSpPr>
+        <a:xfrm>
+          <a:off x="0" y="0"/>
+          <a:ext cx="0" cy="0"/>
+          <a:chOff x="0" y="0"/>
+          <a:chExt cx="0" cy="0"/>
+        </a:xfrm>
+      </p:grpSpPr>
+      <p:sp>
+        <p:nvSpPr>
+          <p:cNvPr id="139" name="PlaceHolder 1"/>
+          <p:cNvSpPr>
+            <a:spLocks noGrp="1"/>
+          </p:cNvSpPr>
+          <p:nvPr>
+            <p:ph type="title"/>
+          </p:nvPr>
+        </p:nvSpPr>
+        <p:spPr>
+          <a:xfrm>
+            <a:off x="504000" y="301320"/>
+            <a:ext cx="9072000" cy="1262160"/>
+          </a:xfrm>
+          <a:prstGeom prst="rect">
+            <a:avLst/>
+          </a:prstGeom>
+        </p:spPr>
+        <p:txBody>
+          <a:bodyPr lIns="0" rIns="0" tIns="0" bIns="0" anchor="ctr"/>
+          <a:p>
+            <a:pPr algn="ctr"/>
+            <a:endParaRPr/>
+          </a:p>
+        </p:txBody>
+      </p:sp>
+      <p:sp>
+        <p:nvSpPr>
+          <p:cNvPr id="140" name="PlaceHolder 2"/>
+          <p:cNvSpPr>
+            <a:spLocks noGrp="1"/>
+          </p:cNvSpPr>
+          <p:nvPr>
+            <p:ph type="body"/>
+          </p:nvPr>
+        </p:nvSpPr>
+        <p:spPr>
+          <a:xfrm>
+            <a:off x="504000" y="1768680"/>
+            <a:ext cx="9072000" cy="4384080"/>
+          </a:xfrm>
+          <a:prstGeom prst="rect">
+            <a:avLst/>
+          </a:prstGeom>
+        </p:spPr>
+        <p:txBody>
+          <a:bodyPr lIns="0" rIns="0" tIns="0" bIns="0"/>
+          <a:p>
+            <a:endParaRPr/>
+          </a:p>
+        </p:txBody>
+      </p:sp>
+      <p:sp>
+        <p:nvSpPr>
+          <p:cNvPr id="141" name="PlaceHolder 3"/>
+          <p:cNvSpPr>
+            <a:spLocks noGrp="1"/>
+          </p:cNvSpPr>
+          <p:nvPr>
+            <p:ph type="body"/>
+          </p:nvPr>
+        </p:nvSpPr>
+        <p:spPr>
+          <a:xfrm>
+            <a:off x="504000" y="1768680"/>
+            <a:ext cx="9072000" cy="4384080"/>
+          </a:xfrm>
+          <a:prstGeom prst="rect">
+            <a:avLst/>
+          </a:prstGeom>
+        </p:spPr>
+        <p:txBody>
+          <a:bodyPr lIns="0" rIns="0" tIns="0" bIns="0"/>
+          <a:p>
+            <a:endParaRPr/>
+          </a:p>
+        </p:txBody>
+      </p:sp>
+      <p:pic>
+        <p:nvPicPr>
+          <p:cNvPr id="142" name="" descr=""/>
+          <p:cNvPicPr/>
+          <p:nvPr/>
+        </p:nvPicPr>
+        <p:blipFill>
+          <a:blip r:embed="rId2"/>
+          <a:stretch>
+            <a:fillRect/>
+          </a:stretch>
+        </p:blipFill>
+        <p:spPr>
+          <a:xfrm>
+            <a:off x="2292480" y="1768680"/>
+            <a:ext cx="5494680" cy="4384080"/>
+          </a:xfrm>
+          <a:prstGeom prst="rect">
+            <a:avLst/>
+          </a:prstGeom>
+          <a:ln>
+            <a:noFill/>
+          </a:ln>
+        </p:spPr>
+      </p:pic>
+      <p:pic>
+        <p:nvPicPr>
+          <p:cNvPr id="143" name="" descr=""/>
+          <p:cNvPicPr/>
+          <p:nvPr/>
+        </p:nvPicPr>
+        <p:blipFill>
+          <a:blip r:embed="rId3"/>
+          <a:stretch>
+            <a:fillRect/>
+          </a:stretch>
+        </p:blipFill>
+        <p:spPr>
+          <a:xfrm>
+            <a:off x="2292480" y="1768680"/>
+            <a:ext cx="5494680" cy="4384080"/>
+          </a:xfrm>
+          <a:prstGeom prst="rect">
+            <a:avLst/>
+          </a:prstGeom>
+          <a:ln>
+            <a:noFill/>
+          </a:ln>
+        </p:spPr>
+      </p:pic>
     </p:spTree>
   </p:cSld>
 </p:sldLayout>
@@ -1896,7 +4219,7 @@
         <p:spPr>
           <a:xfrm>
             <a:off x="504000" y="301320"/>
-            <a:ext cx="9071280" cy="1262520"/>
+            <a:ext cx="9072000" cy="1262160"/>
           </a:xfrm>
           <a:prstGeom prst="rect">
             <a:avLst/>
@@ -1945,7 +4268,7 @@
         <p:spPr>
           <a:xfrm>
             <a:off x="504000" y="301320"/>
-            <a:ext cx="9071280" cy="5852160"/>
+            <a:ext cx="9072000" cy="5850720"/>
           </a:xfrm>
           <a:prstGeom prst="rect">
             <a:avLst/>
@@ -1994,7 +4317,7 @@
         <p:spPr>
           <a:xfrm>
             <a:off x="504000" y="301320"/>
-            <a:ext cx="9071280" cy="1262520"/>
+            <a:ext cx="9072000" cy="1262160"/>
           </a:xfrm>
           <a:prstGeom prst="rect">
             <a:avLst/>
@@ -2020,8 +4343,8 @@
         </p:nvSpPr>
         <p:spPr>
           <a:xfrm>
-            <a:off x="504000" y="1769040"/>
-            <a:ext cx="4426560" cy="2090880"/>
+            <a:off x="504000" y="1768680"/>
+            <a:ext cx="4426920" cy="2090880"/>
           </a:xfrm>
           <a:prstGeom prst="rect">
             <a:avLst/>
@@ -2046,8 +4369,8 @@
         </p:nvSpPr>
         <p:spPr>
           <a:xfrm>
-            <a:off x="504000" y="4059000"/>
-            <a:ext cx="4426560" cy="2090880"/>
+            <a:off x="504000" y="4058640"/>
+            <a:ext cx="4426920" cy="2090880"/>
           </a:xfrm>
           <a:prstGeom prst="rect">
             <a:avLst/>
@@ -2072,8 +4395,8 @@
         </p:nvSpPr>
         <p:spPr>
           <a:xfrm>
-            <a:off x="5152320" y="1769040"/>
-            <a:ext cx="4426560" cy="4384080"/>
+            <a:off x="5152680" y="1768680"/>
+            <a:ext cx="4426920" cy="4384080"/>
           </a:xfrm>
           <a:prstGeom prst="rect">
             <a:avLst/>
@@ -2121,7 +4444,7 @@
         <p:spPr>
           <a:xfrm>
             <a:off x="504000" y="301320"/>
-            <a:ext cx="9071280" cy="1262520"/>
+            <a:ext cx="9072000" cy="1262160"/>
           </a:xfrm>
           <a:prstGeom prst="rect">
             <a:avLst/>
@@ -2147,8 +4470,8 @@
         </p:nvSpPr>
         <p:spPr>
           <a:xfrm>
-            <a:off x="504000" y="1769040"/>
-            <a:ext cx="4426560" cy="4384080"/>
+            <a:off x="504000" y="1768680"/>
+            <a:ext cx="4426920" cy="4384080"/>
           </a:xfrm>
           <a:prstGeom prst="rect">
             <a:avLst/>
@@ -2173,8 +4496,8 @@
         </p:nvSpPr>
         <p:spPr>
           <a:xfrm>
-            <a:off x="5152320" y="1769040"/>
-            <a:ext cx="4426560" cy="2090880"/>
+            <a:off x="5152680" y="1768680"/>
+            <a:ext cx="4426920" cy="2090880"/>
           </a:xfrm>
           <a:prstGeom prst="rect">
             <a:avLst/>
@@ -2199,8 +4522,8 @@
         </p:nvSpPr>
         <p:spPr>
           <a:xfrm>
-            <a:off x="5152320" y="4059000"/>
-            <a:ext cx="4426560" cy="2090880"/>
+            <a:off x="5152680" y="4058640"/>
+            <a:ext cx="4426920" cy="2090880"/>
           </a:xfrm>
           <a:prstGeom prst="rect">
             <a:avLst/>
@@ -2248,7 +4571,7 @@
         <p:spPr>
           <a:xfrm>
             <a:off x="504000" y="301320"/>
-            <a:ext cx="9071280" cy="1262520"/>
+            <a:ext cx="9072000" cy="1262160"/>
           </a:xfrm>
           <a:prstGeom prst="rect">
             <a:avLst/>
@@ -2274,8 +4597,8 @@
         </p:nvSpPr>
         <p:spPr>
           <a:xfrm>
-            <a:off x="504000" y="1769040"/>
-            <a:ext cx="4426560" cy="2090880"/>
+            <a:off x="504000" y="1768680"/>
+            <a:ext cx="4426920" cy="2090880"/>
           </a:xfrm>
           <a:prstGeom prst="rect">
             <a:avLst/>
@@ -2300,8 +4623,8 @@
         </p:nvSpPr>
         <p:spPr>
           <a:xfrm>
-            <a:off x="5152320" y="1769040"/>
-            <a:ext cx="4426560" cy="2090880"/>
+            <a:off x="5152680" y="1768680"/>
+            <a:ext cx="4426920" cy="2090880"/>
           </a:xfrm>
           <a:prstGeom prst="rect">
             <a:avLst/>
@@ -2326,8 +4649,8 @@
         </p:nvSpPr>
         <p:spPr>
           <a:xfrm>
-            <a:off x="504000" y="4059000"/>
-            <a:ext cx="9071280" cy="2090880"/>
+            <a:off x="504000" y="4058640"/>
+            <a:ext cx="9072000" cy="2090880"/>
           </a:xfrm>
           <a:prstGeom prst="rect">
             <a:avLst/>
@@ -2375,7 +4698,7 @@
         <p:spPr>
           <a:xfrm>
             <a:off x="504000" y="301320"/>
-            <a:ext cx="9071280" cy="1262160"/>
+            <a:ext cx="9072000" cy="1261800"/>
           </a:xfrm>
           <a:prstGeom prst="rect">
             <a:avLst/>
@@ -2384,8 +4707,9 @@
         <p:txBody>
           <a:bodyPr lIns="0" rIns="0" tIns="0" bIns="0" anchor="ctr"/>
           <a:p>
-            <a:r>
-              <a:rPr lang="en-US">
+            <a:pPr algn="ctr"/>
+            <a:r>
+              <a:rPr lang="en-US" sz="4400">
                 <a:latin typeface="Arial"/>
               </a:rPr>
               <a:t>Click to edit the title text format</a:t>
@@ -2565,7 +4889,7 @@
         <p:spPr>
           <a:xfrm>
             <a:off x="504000" y="301320"/>
-            <a:ext cx="9071280" cy="1262160"/>
+            <a:ext cx="9072000" cy="1261800"/>
           </a:xfrm>
           <a:prstGeom prst="rect">
             <a:avLst/>
@@ -2574,8 +4898,9 @@
         <p:txBody>
           <a:bodyPr lIns="0" rIns="0" tIns="0" bIns="0" anchor="ctr"/>
           <a:p>
-            <a:r>
-              <a:rPr lang="en-US">
+            <a:pPr algn="ctr"/>
+            <a:r>
+              <a:rPr lang="en-US" sz="4400">
                 <a:latin typeface="Arial"/>
               </a:rPr>
               <a:t>Click to edit the title text format</a:t>
@@ -2596,8 +4921,8 @@
         </p:nvSpPr>
         <p:spPr>
           <a:xfrm>
-            <a:off x="504000" y="1769040"/>
-            <a:ext cx="9071280" cy="4384080"/>
+            <a:off x="504000" y="1768680"/>
+            <a:ext cx="9072000" cy="4384080"/>
           </a:xfrm>
           <a:prstGeom prst="rect">
             <a:avLst/>
@@ -2612,7 +4937,7 @@
               <a:buChar char=""/>
             </a:pPr>
             <a:r>
-              <a:rPr lang="en-US">
+              <a:rPr lang="en-US" sz="3200">
                 <a:latin typeface="Arial"/>
               </a:rPr>
               <a:t>Click to edit the outline text format</a:t>
@@ -2626,7 +4951,7 @@
               <a:buChar char=""/>
             </a:pPr>
             <a:r>
-              <a:rPr lang="en-US">
+              <a:rPr lang="en-US" sz="2800">
                 <a:latin typeface="Arial"/>
               </a:rPr>
               <a:t>Second Outline Level</a:t>
@@ -2640,7 +4965,7 @@
               <a:buChar char=""/>
             </a:pPr>
             <a:r>
-              <a:rPr lang="en-US">
+              <a:rPr lang="en-US" sz="2400">
                 <a:latin typeface="Arial"/>
               </a:rPr>
               <a:t>Third Outline Level</a:t>
@@ -2654,7 +4979,7 @@
               <a:buChar char=""/>
             </a:pPr>
             <a:r>
-              <a:rPr lang="en-US">
+              <a:rPr lang="en-US" sz="2000">
                 <a:latin typeface="Arial"/>
               </a:rPr>
               <a:t>Fourth Outline Level</a:t>
@@ -2668,7 +4993,7 @@
               <a:buChar char=""/>
             </a:pPr>
             <a:r>
-              <a:rPr lang="en-US">
+              <a:rPr lang="en-US" sz="2000">
                 <a:latin typeface="Arial"/>
               </a:rPr>
               <a:t>Fifth Outline Level</a:t>
@@ -2682,7 +5007,7 @@
               <a:buChar char=""/>
             </a:pPr>
             <a:r>
-              <a:rPr lang="en-US">
+              <a:rPr lang="en-US" sz="2000">
                 <a:latin typeface="Arial"/>
               </a:rPr>
               <a:t>Sixth Outline Level</a:t>
@@ -2696,7 +5021,7 @@
               <a:buChar char=""/>
             </a:pPr>
             <a:r>
-              <a:rPr lang="en-US">
+              <a:rPr lang="en-US" sz="2000">
                 <a:latin typeface="Arial"/>
               </a:rPr>
               <a:t>Seventh Outline Level</a:t>
@@ -2721,6 +5046,387 @@
     <p:sldLayoutId id="2147483671" r:id="rId11"/>
     <p:sldLayoutId id="2147483672" r:id="rId12"/>
     <p:sldLayoutId id="2147483673" r:id="rId13"/>
+  </p:sldLayoutIdLst>
+</p:sldMaster>
+</file>
+
+<file path=ppt/slideMasters/slideMaster3.xml><?xml version="1.0" encoding="utf-8"?>
+<p:sldMaster xmlns:a="http://schemas.openxmlformats.org/drawingml/2006/main" xmlns:p="http://schemas.openxmlformats.org/presentationml/2006/main" xmlns:r="http://schemas.openxmlformats.org/officeDocument/2006/relationships">
+  <p:cSld>
+    <p:spTree>
+      <p:nvGrpSpPr>
+        <p:cNvPr id="1" name=""/>
+        <p:cNvGrpSpPr/>
+        <p:nvPr/>
+      </p:nvGrpSpPr>
+      <p:grpSpPr>
+        <a:xfrm>
+          <a:off x="0" y="0"/>
+          <a:ext cx="0" cy="0"/>
+          <a:chOff x="0" y="0"/>
+          <a:chExt cx="0" cy="0"/>
+        </a:xfrm>
+      </p:grpSpPr>
+      <p:sp>
+        <p:nvSpPr>
+          <p:cNvPr id="72" name="PlaceHolder 1"/>
+          <p:cNvSpPr>
+            <a:spLocks noGrp="1"/>
+          </p:cNvSpPr>
+          <p:nvPr>
+            <p:ph type="title"/>
+          </p:nvPr>
+        </p:nvSpPr>
+        <p:spPr>
+          <a:xfrm>
+            <a:off x="504000" y="301320"/>
+            <a:ext cx="9072000" cy="1261800"/>
+          </a:xfrm>
+          <a:prstGeom prst="rect">
+            <a:avLst/>
+          </a:prstGeom>
+        </p:spPr>
+        <p:txBody>
+          <a:bodyPr lIns="0" rIns="0" tIns="0" bIns="0" anchor="ctr"/>
+          <a:p>
+            <a:pPr algn="ctr"/>
+            <a:r>
+              <a:rPr lang="en-US" sz="4400">
+                <a:latin typeface="Arial"/>
+              </a:rPr>
+              <a:t>Click to edit the title text format</a:t>
+            </a:r>
+            <a:endParaRPr/>
+          </a:p>
+        </p:txBody>
+      </p:sp>
+      <p:sp>
+        <p:nvSpPr>
+          <p:cNvPr id="73" name="PlaceHolder 2"/>
+          <p:cNvSpPr>
+            <a:spLocks noGrp="1"/>
+          </p:cNvSpPr>
+          <p:nvPr>
+            <p:ph type="body"/>
+          </p:nvPr>
+        </p:nvSpPr>
+        <p:spPr>
+          <a:xfrm>
+            <a:off x="504000" y="1768680"/>
+            <a:ext cx="9072000" cy="4384080"/>
+          </a:xfrm>
+          <a:prstGeom prst="rect">
+            <a:avLst/>
+          </a:prstGeom>
+        </p:spPr>
+        <p:txBody>
+          <a:bodyPr lIns="0" rIns="0" tIns="0" bIns="0"/>
+          <a:p>
+            <a:pPr>
+              <a:buSzPct val="45000"/>
+              <a:buFont typeface="StarSymbol"/>
+              <a:buChar char=""/>
+            </a:pPr>
+            <a:r>
+              <a:rPr lang="en-US" sz="3200">
+                <a:latin typeface="Arial"/>
+              </a:rPr>
+              <a:t>Click to edit the outline text format</a:t>
+            </a:r>
+            <a:endParaRPr/>
+          </a:p>
+          <a:p>
+            <a:pPr lvl="1">
+              <a:buSzPct val="75000"/>
+              <a:buFont typeface="StarSymbol"/>
+              <a:buChar char=""/>
+            </a:pPr>
+            <a:r>
+              <a:rPr lang="en-US" sz="2800">
+                <a:latin typeface="Arial"/>
+              </a:rPr>
+              <a:t>Second Outline Level</a:t>
+            </a:r>
+            <a:endParaRPr/>
+          </a:p>
+          <a:p>
+            <a:pPr lvl="2">
+              <a:buSzPct val="45000"/>
+              <a:buFont typeface="StarSymbol"/>
+              <a:buChar char=""/>
+            </a:pPr>
+            <a:r>
+              <a:rPr lang="en-US" sz="2400">
+                <a:latin typeface="Arial"/>
+              </a:rPr>
+              <a:t>Third Outline Level</a:t>
+            </a:r>
+            <a:endParaRPr/>
+          </a:p>
+          <a:p>
+            <a:pPr lvl="3">
+              <a:buSzPct val="75000"/>
+              <a:buFont typeface="StarSymbol"/>
+              <a:buChar char=""/>
+            </a:pPr>
+            <a:r>
+              <a:rPr lang="en-US" sz="2000">
+                <a:latin typeface="Arial"/>
+              </a:rPr>
+              <a:t>Fourth Outline Level</a:t>
+            </a:r>
+            <a:endParaRPr/>
+          </a:p>
+          <a:p>
+            <a:pPr lvl="4">
+              <a:buSzPct val="45000"/>
+              <a:buFont typeface="StarSymbol"/>
+              <a:buChar char=""/>
+            </a:pPr>
+            <a:r>
+              <a:rPr lang="en-US" sz="2000">
+                <a:latin typeface="Arial"/>
+              </a:rPr>
+              <a:t>Fifth Outline Level</a:t>
+            </a:r>
+            <a:endParaRPr/>
+          </a:p>
+          <a:p>
+            <a:pPr lvl="5">
+              <a:buSzPct val="45000"/>
+              <a:buFont typeface="StarSymbol"/>
+              <a:buChar char=""/>
+            </a:pPr>
+            <a:r>
+              <a:rPr lang="en-US" sz="2000">
+                <a:latin typeface="Arial"/>
+              </a:rPr>
+              <a:t>Sixth Outline Level</a:t>
+            </a:r>
+            <a:endParaRPr/>
+          </a:p>
+          <a:p>
+            <a:pPr lvl="6">
+              <a:buSzPct val="45000"/>
+              <a:buFont typeface="StarSymbol"/>
+              <a:buChar char=""/>
+            </a:pPr>
+            <a:r>
+              <a:rPr lang="en-US" sz="2000">
+                <a:latin typeface="Arial"/>
+              </a:rPr>
+              <a:t>Seventh Outline Level</a:t>
+            </a:r>
+            <a:endParaRPr/>
+          </a:p>
+        </p:txBody>
+      </p:sp>
+    </p:spTree>
+  </p:cSld>
+  <p:clrMap bg1="lt1" bg2="lt2" tx1="dk1" tx2="dk2" accent1="accent1" accent2="accent2" accent3="accent3" accent4="accent4" accent5="accent5" accent6="accent6" hlink="hlink" folHlink="folHlink"/>
+  <p:sldLayoutIdLst>
+    <p:sldLayoutId id="2147483675" r:id="rId2"/>
+    <p:sldLayoutId id="2147483676" r:id="rId3"/>
+    <p:sldLayoutId id="2147483677" r:id="rId4"/>
+    <p:sldLayoutId id="2147483678" r:id="rId5"/>
+    <p:sldLayoutId id="2147483679" r:id="rId6"/>
+    <p:sldLayoutId id="2147483680" r:id="rId7"/>
+    <p:sldLayoutId id="2147483681" r:id="rId8"/>
+    <p:sldLayoutId id="2147483682" r:id="rId9"/>
+    <p:sldLayoutId id="2147483683" r:id="rId10"/>
+    <p:sldLayoutId id="2147483684" r:id="rId11"/>
+    <p:sldLayoutId id="2147483685" r:id="rId12"/>
+    <p:sldLayoutId id="2147483686" r:id="rId13"/>
+  </p:sldLayoutIdLst>
+</p:sldMaster>
+</file>
+
+<file path=ppt/slideMasters/slideMaster4.xml><?xml version="1.0" encoding="utf-8"?>
+<p:sldMaster xmlns:a="http://schemas.openxmlformats.org/drawingml/2006/main" xmlns:p="http://schemas.openxmlformats.org/presentationml/2006/main" xmlns:r="http://schemas.openxmlformats.org/officeDocument/2006/relationships">
+  <p:cSld>
+    <p:spTree>
+      <p:nvGrpSpPr>
+        <p:cNvPr id="1" name=""/>
+        <p:cNvGrpSpPr/>
+        <p:nvPr/>
+      </p:nvGrpSpPr>
+      <p:grpSpPr>
+        <a:xfrm>
+          <a:off x="0" y="0"/>
+          <a:ext cx="0" cy="0"/>
+          <a:chOff x="0" y="0"/>
+          <a:chExt cx="0" cy="0"/>
+        </a:xfrm>
+      </p:grpSpPr>
+      <p:sp>
+        <p:nvSpPr>
+          <p:cNvPr id="108" name="PlaceHolder 1"/>
+          <p:cNvSpPr>
+            <a:spLocks noGrp="1"/>
+          </p:cNvSpPr>
+          <p:nvPr>
+            <p:ph type="title"/>
+          </p:nvPr>
+        </p:nvSpPr>
+        <p:spPr>
+          <a:xfrm>
+            <a:off x="504000" y="301320"/>
+            <a:ext cx="9070560" cy="1262160"/>
+          </a:xfrm>
+          <a:prstGeom prst="rect">
+            <a:avLst/>
+          </a:prstGeom>
+        </p:spPr>
+        <p:txBody>
+          <a:bodyPr lIns="0" rIns="0" tIns="0" bIns="0" anchor="ctr"/>
+          <a:p>
+            <a:r>
+              <a:rPr lang="en-US">
+                <a:latin typeface="Arial"/>
+              </a:rPr>
+              <a:t>Click to edit the title text format</a:t>
+            </a:r>
+            <a:endParaRPr/>
+          </a:p>
+        </p:txBody>
+      </p:sp>
+      <p:sp>
+        <p:nvSpPr>
+          <p:cNvPr id="109" name="PlaceHolder 2"/>
+          <p:cNvSpPr>
+            <a:spLocks noGrp="1"/>
+          </p:cNvSpPr>
+          <p:nvPr>
+            <p:ph type="body"/>
+          </p:nvPr>
+        </p:nvSpPr>
+        <p:spPr>
+          <a:xfrm>
+            <a:off x="504000" y="1769040"/>
+            <a:ext cx="9070560" cy="4383360"/>
+          </a:xfrm>
+          <a:prstGeom prst="rect">
+            <a:avLst/>
+          </a:prstGeom>
+        </p:spPr>
+        <p:txBody>
+          <a:bodyPr lIns="0" rIns="0" tIns="0" bIns="0"/>
+          <a:p>
+            <a:pPr>
+              <a:buSzPct val="45000"/>
+              <a:buFont typeface="StarSymbol"/>
+              <a:buChar char=""/>
+            </a:pPr>
+            <a:r>
+              <a:rPr lang="en-US">
+                <a:latin typeface="Arial"/>
+              </a:rPr>
+              <a:t>Click to edit the outline text format</a:t>
+            </a:r>
+            <a:endParaRPr/>
+          </a:p>
+          <a:p>
+            <a:pPr lvl="1">
+              <a:buSzPct val="75000"/>
+              <a:buFont typeface="StarSymbol"/>
+              <a:buChar char=""/>
+            </a:pPr>
+            <a:r>
+              <a:rPr lang="en-US">
+                <a:latin typeface="Arial"/>
+              </a:rPr>
+              <a:t>Second Outline Level</a:t>
+            </a:r>
+            <a:endParaRPr/>
+          </a:p>
+          <a:p>
+            <a:pPr lvl="2">
+              <a:buSzPct val="45000"/>
+              <a:buFont typeface="StarSymbol"/>
+              <a:buChar char=""/>
+            </a:pPr>
+            <a:r>
+              <a:rPr lang="en-US">
+                <a:latin typeface="Arial"/>
+              </a:rPr>
+              <a:t>Third Outline Level</a:t>
+            </a:r>
+            <a:endParaRPr/>
+          </a:p>
+          <a:p>
+            <a:pPr lvl="3">
+              <a:buSzPct val="75000"/>
+              <a:buFont typeface="StarSymbol"/>
+              <a:buChar char=""/>
+            </a:pPr>
+            <a:r>
+              <a:rPr lang="en-US">
+                <a:latin typeface="Arial"/>
+              </a:rPr>
+              <a:t>Fourth Outline Level</a:t>
+            </a:r>
+            <a:endParaRPr/>
+          </a:p>
+          <a:p>
+            <a:pPr lvl="4">
+              <a:buSzPct val="45000"/>
+              <a:buFont typeface="StarSymbol"/>
+              <a:buChar char=""/>
+            </a:pPr>
+            <a:r>
+              <a:rPr lang="en-US">
+                <a:latin typeface="Arial"/>
+              </a:rPr>
+              <a:t>Fifth Outline Level</a:t>
+            </a:r>
+            <a:endParaRPr/>
+          </a:p>
+          <a:p>
+            <a:pPr lvl="5">
+              <a:buSzPct val="45000"/>
+              <a:buFont typeface="StarSymbol"/>
+              <a:buChar char=""/>
+            </a:pPr>
+            <a:r>
+              <a:rPr lang="en-US">
+                <a:latin typeface="Arial"/>
+              </a:rPr>
+              <a:t>Sixth Outline Level</a:t>
+            </a:r>
+            <a:endParaRPr/>
+          </a:p>
+          <a:p>
+            <a:pPr lvl="6">
+              <a:buSzPct val="45000"/>
+              <a:buFont typeface="StarSymbol"/>
+              <a:buChar char=""/>
+            </a:pPr>
+            <a:r>
+              <a:rPr lang="en-US">
+                <a:latin typeface="Arial"/>
+              </a:rPr>
+              <a:t>Seventh Outline Level</a:t>
+            </a:r>
+            <a:endParaRPr/>
+          </a:p>
+        </p:txBody>
+      </p:sp>
+    </p:spTree>
+  </p:cSld>
+  <p:clrMap bg1="lt1" bg2="lt2" tx1="dk1" tx2="dk2" accent1="accent1" accent2="accent2" accent3="accent3" accent4="accent4" accent5="accent5" accent6="accent6" hlink="hlink" folHlink="folHlink"/>
+  <p:sldLayoutIdLst>
+    <p:sldLayoutId id="2147483688" r:id="rId2"/>
+    <p:sldLayoutId id="2147483689" r:id="rId3"/>
+    <p:sldLayoutId id="2147483690" r:id="rId4"/>
+    <p:sldLayoutId id="2147483691" r:id="rId5"/>
+    <p:sldLayoutId id="2147483692" r:id="rId6"/>
+    <p:sldLayoutId id="2147483693" r:id="rId7"/>
+    <p:sldLayoutId id="2147483694" r:id="rId8"/>
+    <p:sldLayoutId id="2147483695" r:id="rId9"/>
+    <p:sldLayoutId id="2147483696" r:id="rId10"/>
+    <p:sldLayoutId id="2147483697" r:id="rId11"/>
+    <p:sldLayoutId id="2147483698" r:id="rId12"/>
+    <p:sldLayoutId id="2147483699" r:id="rId13"/>
   </p:sldLayoutIdLst>
 </p:sldMaster>
 </file>
@@ -2744,14 +5450,14 @@
       </p:grpSpPr>
       <p:sp>
         <p:nvSpPr>
-          <p:cNvPr id="72" name="CustomShape 1"/>
+          <p:cNvPr id="144" name="CustomShape 1"/>
           <p:cNvSpPr/>
           <p:nvPr/>
         </p:nvSpPr>
         <p:spPr>
           <a:xfrm>
             <a:off x="504000" y="301320"/>
-            <a:ext cx="9071280" cy="1261800"/>
+            <a:ext cx="9070560" cy="1261080"/>
           </a:xfrm>
           <a:prstGeom prst="rect">
             <a:avLst/>
@@ -2781,14 +5487,14 @@
       </p:sp>
       <p:sp>
         <p:nvSpPr>
-          <p:cNvPr id="73" name="CustomShape 2"/>
+          <p:cNvPr id="145" name="CustomShape 2"/>
           <p:cNvSpPr/>
           <p:nvPr/>
         </p:nvSpPr>
         <p:spPr>
           <a:xfrm>
             <a:off x="504000" y="1769040"/>
-            <a:ext cx="9071280" cy="4384080"/>
+            <a:ext cx="9070560" cy="4383360"/>
           </a:xfrm>
           <a:prstGeom prst="rect">
             <a:avLst/>
@@ -2929,163 +5635,152 @@
       </p:grpSpPr>
       <p:sp>
         <p:nvSpPr>
-          <p:cNvPr id="90" name="TextShape 1"/>
-          <p:cNvSpPr txBox="1"/>
+          <p:cNvPr id="162" name="CustomShape 1"/>
+          <p:cNvSpPr/>
           <p:nvPr/>
         </p:nvSpPr>
         <p:spPr>
           <a:xfrm>
             <a:off x="504000" y="301320"/>
-            <a:ext cx="9071280" cy="1262160"/>
-          </a:xfrm>
-          <a:prstGeom prst="rect">
-            <a:avLst/>
-          </a:prstGeom>
+            <a:ext cx="9070560" cy="1261440"/>
+          </a:xfrm>
+          <a:prstGeom prst="rect">
+            <a:avLst/>
+          </a:prstGeom>
+          <a:noFill/>
+          <a:ln>
+            <a:noFill/>
+          </a:ln>
         </p:spPr>
         <p:txBody>
           <a:bodyPr lIns="0" rIns="0" tIns="0" bIns="0" anchor="ctr"/>
           <a:p>
-            <a:pPr algn="ctr"/>
+            <a:pPr algn="ctr">
+              <a:lnSpc>
+                <a:spcPct val="100000"/>
+              </a:lnSpc>
+            </a:pPr>
             <a:r>
               <a:rPr lang="en-US" sz="4400">
                 <a:latin typeface="Arial"/>
               </a:rPr>
-              <a:t>使用</a:t>
-            </a:r>
-            <a:r>
-              <a:rPr lang="en-US" sz="4400">
+              <a:t>ldap</a:t>
+            </a:r>
+            <a:endParaRPr/>
+          </a:p>
+        </p:txBody>
+      </p:sp>
+      <p:sp>
+        <p:nvSpPr>
+          <p:cNvPr id="163" name="CustomShape 2"/>
+          <p:cNvSpPr/>
+          <p:nvPr/>
+        </p:nvSpPr>
+        <p:spPr>
+          <a:xfrm>
+            <a:off x="504000" y="1769040"/>
+            <a:ext cx="9070560" cy="4383360"/>
+          </a:xfrm>
+          <a:prstGeom prst="rect">
+            <a:avLst/>
+          </a:prstGeom>
+          <a:noFill/>
+          <a:ln>
+            <a:noFill/>
+          </a:ln>
+        </p:spPr>
+        <p:txBody>
+          <a:bodyPr lIns="0" rIns="0" tIns="0" bIns="0"/>
+          <a:p>
+            <a:pPr>
+              <a:lnSpc>
+                <a:spcPct val="100000"/>
+              </a:lnSpc>
+              <a:buSzPct val="45000"/>
+              <a:buFont typeface="StarSymbol"/>
+              <a:buChar char="l"/>
+            </a:pPr>
+            <a:r>
+              <a:rPr lang="en-US" sz="3200">
+                <a:latin typeface="Arial"/>
+              </a:rPr>
+              <a:t>目录服务：是专门用于搜索和浏览的专用数据库，另外还支持基本查找和更新功能</a:t>
+            </a:r>
+            <a:endParaRPr/>
+          </a:p>
+          <a:p>
+            <a:pPr>
+              <a:lnSpc>
+                <a:spcPct val="100000"/>
+              </a:lnSpc>
+              <a:buSzPct val="45000"/>
+              <a:buFont typeface="StarSymbol"/>
+              <a:buChar char="l"/>
+            </a:pPr>
+            <a:r>
+              <a:rPr lang="en-US" sz="3200">
                 <a:latin typeface="Arial"/>
               </a:rPr>
               <a:t>LDAP</a:t>
             </a:r>
-            <a:endParaRPr/>
-          </a:p>
-        </p:txBody>
-      </p:sp>
-      <p:sp>
-        <p:nvSpPr>
-          <p:cNvPr id="91" name="TextShape 2"/>
-          <p:cNvSpPr txBox="1"/>
-          <p:nvPr/>
-        </p:nvSpPr>
-        <p:spPr>
-          <a:xfrm>
-            <a:off x="504000" y="1769040"/>
-            <a:ext cx="9071280" cy="4384080"/>
-          </a:xfrm>
-          <a:prstGeom prst="rect">
-            <a:avLst/>
-          </a:prstGeom>
-        </p:spPr>
-        <p:txBody>
-          <a:bodyPr lIns="0" rIns="0" tIns="0" bIns="0"/>
+            <a:r>
+              <a:rPr lang="en-US" sz="3200">
+                <a:latin typeface="Arial"/>
+              </a:rPr>
+              <a:t>信息模型基于条目</a:t>
+            </a:r>
+            <a:r>
+              <a:rPr lang="en-US" sz="3200">
+                <a:latin typeface="Arial"/>
+              </a:rPr>
+              <a:t>,</a:t>
+            </a:r>
+            <a:r>
+              <a:rPr lang="en-US" sz="3200">
+                <a:latin typeface="Arial"/>
+              </a:rPr>
+              <a:t>条目是具有全局唯一性的属性集合专有名称（</a:t>
+            </a:r>
+            <a:r>
+              <a:rPr lang="en-US" sz="3200">
+                <a:latin typeface="Arial"/>
+              </a:rPr>
+              <a:t>DN</a:t>
+            </a:r>
+            <a:r>
+              <a:rPr lang="en-US" sz="3200">
+                <a:latin typeface="Arial"/>
+              </a:rPr>
+              <a:t>）</a:t>
+            </a:r>
+            <a:endParaRPr/>
+          </a:p>
           <a:p>
             <a:pPr>
-              <a:buSzPct val="45000"/>
-              <a:buFont typeface="StarSymbol"/>
-              <a:buChar char=""/>
-            </a:pPr>
-            <a:r>
-              <a:rPr lang="en-US" sz="3200">
-                <a:latin typeface="Arial"/>
-              </a:rPr>
-              <a:t>机器认证</a:t>
-            </a:r>
-            <a:endParaRPr/>
-          </a:p>
-          <a:p>
-            <a:pPr>
-              <a:buSzPct val="45000"/>
-              <a:buFont typeface="StarSymbol"/>
-              <a:buChar char=""/>
-            </a:pPr>
-            <a:r>
-              <a:rPr lang="en-US" sz="3200">
-                <a:latin typeface="Arial"/>
-              </a:rPr>
-              <a:t>用户认证</a:t>
-            </a:r>
-            <a:endParaRPr/>
-          </a:p>
-          <a:p>
-            <a:pPr>
-              <a:buSzPct val="45000"/>
-              <a:buFont typeface="StarSymbol"/>
-              <a:buChar char=""/>
-            </a:pPr>
-            <a:r>
-              <a:rPr lang="en-US" sz="3200">
-                <a:latin typeface="Arial"/>
-              </a:rPr>
-              <a:t>用户</a:t>
-            </a:r>
-            <a:r>
-              <a:rPr lang="en-US" sz="3200">
-                <a:latin typeface="Arial"/>
-              </a:rPr>
-              <a:t>/</a:t>
-            </a:r>
-            <a:r>
-              <a:rPr lang="en-US" sz="3200">
-                <a:latin typeface="Arial"/>
-              </a:rPr>
-              <a:t>系统组</a:t>
-            </a:r>
-            <a:endParaRPr/>
-          </a:p>
-          <a:p>
-            <a:pPr>
-              <a:buSzPct val="45000"/>
-              <a:buFont typeface="StarSymbol"/>
-              <a:buChar char=""/>
-            </a:pPr>
-            <a:r>
-              <a:rPr lang="en-US" sz="3200">
-                <a:latin typeface="Arial"/>
-              </a:rPr>
-              <a:t>地址簿</a:t>
-            </a:r>
-            <a:endParaRPr/>
-          </a:p>
-          <a:p>
-            <a:pPr>
-              <a:buSzPct val="45000"/>
-              <a:buFont typeface="StarSymbol"/>
-              <a:buChar char=""/>
-            </a:pPr>
-            <a:r>
-              <a:rPr lang="en-US" sz="3200">
-                <a:latin typeface="Arial"/>
-              </a:rPr>
-              <a:t>组织代表</a:t>
-            </a:r>
-            <a:endParaRPr/>
-          </a:p>
-          <a:p>
-            <a:pPr>
-              <a:buSzPct val="45000"/>
-              <a:buFont typeface="StarSymbol"/>
-              <a:buChar char=""/>
-            </a:pPr>
-            <a:r>
-              <a:rPr lang="en-US" sz="3200">
-                <a:latin typeface="Arial"/>
-              </a:rPr>
-              <a:t>电话信息存储</a:t>
-            </a:r>
-            <a:endParaRPr/>
-          </a:p>
-          <a:p>
-            <a:pPr>
-              <a:buSzPct val="45000"/>
-              <a:buFont typeface="StarSymbol"/>
-              <a:buChar char=""/>
-            </a:pPr>
-            <a:r>
-              <a:rPr lang="en-US" sz="3200">
-                <a:latin typeface="Arial"/>
-              </a:rPr>
-              <a:t>电子邮件地址查找</a:t>
+              <a:lnSpc>
+                <a:spcPct val="100000"/>
+              </a:lnSpc>
+              <a:buSzPct val="45000"/>
+              <a:buFont typeface="StarSymbol"/>
+              <a:buChar char="l"/>
+            </a:pPr>
+            <a:r>
+              <a:rPr lang="en-US" sz="3200">
+                <a:latin typeface="Arial"/>
+              </a:rPr>
+              <a:t>在</a:t>
+            </a:r>
+            <a:r>
+              <a:rPr lang="en-US" sz="3200">
+                <a:latin typeface="Arial"/>
+              </a:rPr>
+              <a:t>LDAP</a:t>
+            </a:r>
+            <a:r>
+              <a:rPr lang="en-US" sz="3200">
+                <a:latin typeface="Arial"/>
+              </a:rPr>
+              <a:t>中，目录条目以分层树状结构排列</a:t>
             </a:r>
             <a:endParaRPr/>
           </a:p>
@@ -3140,165 +5835,50 @@
           <a:chExt cx="0" cy="0"/>
         </a:xfrm>
       </p:grpSpPr>
-      <p:sp>
-        <p:nvSpPr>
-          <p:cNvPr id="92" name="TextShape 1"/>
-          <p:cNvSpPr txBox="1"/>
+      <p:pic>
+        <p:nvPicPr>
+          <p:cNvPr id="164" name="" descr=""/>
+          <p:cNvPicPr/>
           <p:nvPr/>
+        </p:nvPicPr>
+        <p:blipFill>
+          <a:blip r:embed="rId1"/>
+          <a:stretch>
+            <a:fillRect/>
+          </a:stretch>
+        </p:blipFill>
+        <p:spPr>
+          <a:xfrm>
+            <a:off x="2458080" y="1769040"/>
+            <a:ext cx="5162040" cy="4383360"/>
+          </a:xfrm>
+          <a:prstGeom prst="rect">
+            <a:avLst/>
+          </a:prstGeom>
+          <a:ln>
+            <a:noFill/>
+          </a:ln>
+        </p:spPr>
+      </p:pic>
+      <p:sp>
+        <p:nvSpPr>
+          <p:cNvPr id="165" name="CustomShape 1"/>
+          <p:cNvSpPr/>
+          <p:nvPr/>
         </p:nvSpPr>
         <p:spPr>
           <a:xfrm>
             <a:off x="504000" y="301320"/>
-            <a:ext cx="9071280" cy="1262160"/>
-          </a:xfrm>
-          <a:prstGeom prst="rect">
-            <a:avLst/>
-          </a:prstGeom>
-        </p:spPr>
-        <p:txBody>
-          <a:bodyPr lIns="0" rIns="0" tIns="0" bIns="0" anchor="ctr"/>
-          <a:p>
-            <a:pPr algn="ctr"/>
-            <a:r>
-              <a:rPr lang="en-US" sz="4400">
-                <a:latin typeface="Arial"/>
-              </a:rPr>
-              <a:t>管理信息</a:t>
-            </a:r>
-            <a:endParaRPr/>
-          </a:p>
-        </p:txBody>
-      </p:sp>
-      <p:sp>
-        <p:nvSpPr>
-          <p:cNvPr id="93" name="TextShape 2"/>
-          <p:cNvSpPr txBox="1"/>
-          <p:nvPr/>
-        </p:nvSpPr>
-        <p:spPr>
-          <a:xfrm>
-            <a:off x="504000" y="1769040"/>
-            <a:ext cx="9071280" cy="4384080"/>
-          </a:xfrm>
-          <a:prstGeom prst="rect">
-            <a:avLst/>
-          </a:prstGeom>
-        </p:spPr>
-        <p:txBody>
-          <a:bodyPr lIns="0" rIns="0" tIns="0" bIns="0"/>
-          <a:p>
-            <a:pPr>
-              <a:buSzPct val="45000"/>
-              <a:buFont typeface="StarSymbol"/>
-              <a:buChar char=""/>
-            </a:pPr>
-            <a:r>
-              <a:rPr lang="en-US" sz="3200">
-                <a:latin typeface="Arial"/>
-              </a:rPr>
-              <a:t>Server</a:t>
-            </a:r>
-            <a:endParaRPr/>
-          </a:p>
-          <a:p>
-            <a:pPr lvl="1">
-              <a:buSzPct val="75000"/>
-              <a:buFont typeface="StarSymbol"/>
-              <a:buChar char=""/>
-            </a:pPr>
-            <a:r>
-              <a:rPr lang="en-US" sz="2800">
-                <a:latin typeface="Arial"/>
-              </a:rPr>
-              <a:t>Service slapd start/stop</a:t>
-            </a:r>
-            <a:endParaRPr/>
-          </a:p>
-          <a:p>
-            <a:pPr>
-              <a:buSzPct val="45000"/>
-              <a:buFont typeface="StarSymbol"/>
-              <a:buChar char=""/>
-            </a:pPr>
-            <a:r>
-              <a:rPr lang="en-US" sz="3200">
-                <a:latin typeface="Arial"/>
-              </a:rPr>
-              <a:t>web_admin</a:t>
-            </a:r>
-            <a:endParaRPr/>
-          </a:p>
-          <a:p>
-            <a:pPr lvl="1">
-              <a:buSzPct val="75000"/>
-              <a:buFont typeface="StarSymbol"/>
-              <a:buChar char=""/>
-            </a:pPr>
-            <a:r>
-              <a:rPr lang="en-US" sz="2800">
-                <a:latin typeface="Arial"/>
-              </a:rPr>
-              <a:t>http://10.221.2.164/phpldap/</a:t>
-            </a:r>
-            <a:endParaRPr/>
-          </a:p>
-          <a:p>
-            <a:pPr>
-              <a:buSzPct val="45000"/>
-              <a:buFont typeface="StarSymbol"/>
-              <a:buChar char=""/>
-            </a:pPr>
-            <a:r>
-              <a:rPr lang="en-US" sz="3200">
-                <a:latin typeface="Arial"/>
-              </a:rPr>
-              <a:t>password_admin</a:t>
-            </a:r>
-            <a:endParaRPr/>
-          </a:p>
-          <a:p>
-            <a:pPr lvl="1">
-              <a:buSzPct val="75000"/>
-              <a:buFont typeface="StarSymbol"/>
-              <a:buChar char=""/>
-            </a:pPr>
-            <a:r>
-              <a:rPr lang="en-US" sz="2800">
-                <a:latin typeface="Arial"/>
-              </a:rPr>
-              <a:t>http://10.221.2.164/passwd/</a:t>
-            </a:r>
-            <a:endParaRPr/>
-          </a:p>
-          <a:p>
-            <a:pPr>
-              <a:buSzPct val="45000"/>
-              <a:buFont typeface="StarSymbol"/>
-              <a:buChar char=""/>
-            </a:pPr>
-            <a:r>
-              <a:rPr lang="en-US" sz="3200">
-                <a:latin typeface="Arial"/>
-              </a:rPr>
-              <a:t>DN</a:t>
-            </a:r>
-            <a:endParaRPr/>
-          </a:p>
-          <a:p>
-            <a:pPr lvl="1">
-              <a:buSzPct val="75000"/>
-              <a:buFont typeface="StarSymbol"/>
-              <a:buChar char=""/>
-            </a:pPr>
-            <a:r>
-              <a:rPr lang="en-US" sz="2800">
-                <a:latin typeface="Arial"/>
-              </a:rPr>
-              <a:t>dc=travelsky,dc=com</a:t>
-            </a:r>
-            <a:endParaRPr/>
-          </a:p>
-        </p:txBody>
+            <a:ext cx="9070560" cy="1261440"/>
+          </a:xfrm>
+          <a:prstGeom prst="rect">
+            <a:avLst/>
+          </a:prstGeom>
+          <a:noFill/>
+          <a:ln>
+            <a:noFill/>
+          </a:ln>
+        </p:spPr>
       </p:sp>
     </p:spTree>
   </p:cSld>
@@ -3351,51 +5931,197 @@
       </p:grpSpPr>
       <p:sp>
         <p:nvSpPr>
-          <p:cNvPr id="94" name="TextShape 1"/>
-          <p:cNvSpPr txBox="1"/>
+          <p:cNvPr id="166" name="CustomShape 1"/>
+          <p:cNvSpPr/>
           <p:nvPr/>
         </p:nvSpPr>
         <p:spPr>
           <a:xfrm>
             <a:off x="504000" y="301320"/>
-            <a:ext cx="9071280" cy="1262160"/>
-          </a:xfrm>
-          <a:prstGeom prst="rect">
-            <a:avLst/>
-          </a:prstGeom>
+            <a:ext cx="9070560" cy="1261440"/>
+          </a:xfrm>
+          <a:prstGeom prst="rect">
+            <a:avLst/>
+          </a:prstGeom>
+          <a:noFill/>
+          <a:ln>
+            <a:noFill/>
+          </a:ln>
         </p:spPr>
         <p:txBody>
           <a:bodyPr lIns="0" rIns="0" tIns="0" bIns="0" anchor="ctr"/>
           <a:p>
-            <a:pPr algn="ctr"/>
+            <a:pPr algn="ctr">
+              <a:lnSpc>
+                <a:spcPct val="100000"/>
+              </a:lnSpc>
+            </a:pPr>
             <a:r>
               <a:rPr lang="en-US" sz="4400">
                 <a:latin typeface="Arial"/>
               </a:rPr>
-              <a:t>gitlab</a:t>
-            </a:r>
-            <a:endParaRPr/>
-          </a:p>
-        </p:txBody>
-      </p:sp>
-      <p:sp>
-        <p:nvSpPr>
-          <p:cNvPr id="95" name="TextShape 2"/>
-          <p:cNvSpPr txBox="1"/>
+              <a:t>使用</a:t>
+            </a:r>
+            <a:r>
+              <a:rPr lang="en-US" sz="4400">
+                <a:latin typeface="Arial"/>
+              </a:rPr>
+              <a:t>LDAP</a:t>
+            </a:r>
+            <a:endParaRPr/>
+          </a:p>
+        </p:txBody>
+      </p:sp>
+      <p:sp>
+        <p:nvSpPr>
+          <p:cNvPr id="167" name="CustomShape 2"/>
+          <p:cNvSpPr/>
           <p:nvPr/>
         </p:nvSpPr>
         <p:spPr>
           <a:xfrm>
             <a:off x="504000" y="1769040"/>
-            <a:ext cx="9071280" cy="4384080"/>
-          </a:xfrm>
-          <a:prstGeom prst="rect">
-            <a:avLst/>
-          </a:prstGeom>
+            <a:ext cx="9070560" cy="4383360"/>
+          </a:xfrm>
+          <a:prstGeom prst="rect">
+            <a:avLst/>
+          </a:prstGeom>
+          <a:noFill/>
+          <a:ln>
+            <a:noFill/>
+          </a:ln>
         </p:spPr>
         <p:txBody>
           <a:bodyPr lIns="0" rIns="0" tIns="0" bIns="0"/>
           <a:p>
+            <a:pPr>
+              <a:lnSpc>
+                <a:spcPct val="100000"/>
+              </a:lnSpc>
+              <a:buSzPct val="45000"/>
+              <a:buFont typeface="StarSymbol"/>
+              <a:buChar char="l"/>
+            </a:pPr>
+            <a:r>
+              <a:rPr lang="en-US" sz="3200">
+                <a:latin typeface="Arial"/>
+              </a:rPr>
+              <a:t>机器认证</a:t>
+            </a:r>
+            <a:endParaRPr/>
+          </a:p>
+          <a:p>
+            <a:pPr>
+              <a:lnSpc>
+                <a:spcPct val="100000"/>
+              </a:lnSpc>
+              <a:buSzPct val="45000"/>
+              <a:buFont typeface="StarSymbol"/>
+              <a:buChar char="l"/>
+            </a:pPr>
+            <a:r>
+              <a:rPr lang="en-US" sz="3200">
+                <a:latin typeface="Arial"/>
+              </a:rPr>
+              <a:t>用户认证</a:t>
+            </a:r>
+            <a:endParaRPr/>
+          </a:p>
+          <a:p>
+            <a:pPr>
+              <a:lnSpc>
+                <a:spcPct val="100000"/>
+              </a:lnSpc>
+              <a:buSzPct val="45000"/>
+              <a:buFont typeface="StarSymbol"/>
+              <a:buChar char="l"/>
+            </a:pPr>
+            <a:r>
+              <a:rPr lang="en-US" sz="3200">
+                <a:latin typeface="Arial"/>
+              </a:rPr>
+              <a:t>用户</a:t>
+            </a:r>
+            <a:r>
+              <a:rPr lang="en-US" sz="3200">
+                <a:latin typeface="Arial"/>
+              </a:rPr>
+              <a:t>/</a:t>
+            </a:r>
+            <a:r>
+              <a:rPr lang="en-US" sz="3200">
+                <a:latin typeface="Arial"/>
+              </a:rPr>
+              <a:t>系统组</a:t>
+            </a:r>
+            <a:endParaRPr/>
+          </a:p>
+          <a:p>
+            <a:pPr>
+              <a:lnSpc>
+                <a:spcPct val="100000"/>
+              </a:lnSpc>
+              <a:buSzPct val="45000"/>
+              <a:buFont typeface="StarSymbol"/>
+              <a:buChar char="l"/>
+            </a:pPr>
+            <a:r>
+              <a:rPr lang="en-US" sz="3200">
+                <a:latin typeface="Arial"/>
+              </a:rPr>
+              <a:t>地址簿</a:t>
+            </a:r>
+            <a:endParaRPr/>
+          </a:p>
+          <a:p>
+            <a:pPr>
+              <a:lnSpc>
+                <a:spcPct val="100000"/>
+              </a:lnSpc>
+              <a:buSzPct val="45000"/>
+              <a:buFont typeface="StarSymbol"/>
+              <a:buChar char="l"/>
+            </a:pPr>
+            <a:r>
+              <a:rPr lang="en-US" sz="3200">
+                <a:latin typeface="Arial"/>
+              </a:rPr>
+              <a:t>组织代表</a:t>
+            </a:r>
+            <a:endParaRPr/>
+          </a:p>
+          <a:p>
+            <a:pPr>
+              <a:lnSpc>
+                <a:spcPct val="100000"/>
+              </a:lnSpc>
+              <a:buSzPct val="45000"/>
+              <a:buFont typeface="StarSymbol"/>
+              <a:buChar char="l"/>
+            </a:pPr>
+            <a:r>
+              <a:rPr lang="en-US" sz="3200">
+                <a:latin typeface="Arial"/>
+              </a:rPr>
+              <a:t>电话信息存储</a:t>
+            </a:r>
+            <a:endParaRPr/>
+          </a:p>
+          <a:p>
+            <a:pPr>
+              <a:lnSpc>
+                <a:spcPct val="100000"/>
+              </a:lnSpc>
+              <a:buSzPct val="45000"/>
+              <a:buFont typeface="StarSymbol"/>
+              <a:buChar char="l"/>
+            </a:pPr>
+            <a:r>
+              <a:rPr lang="en-US" sz="3200">
+                <a:latin typeface="Arial"/>
+              </a:rPr>
+              <a:t>电子邮件地址查找</a:t>
+            </a:r>
             <a:endParaRPr/>
           </a:p>
         </p:txBody>
@@ -3451,14 +6177,14 @@
       </p:grpSpPr>
       <p:sp>
         <p:nvSpPr>
-          <p:cNvPr id="96" name="TextShape 1"/>
+          <p:cNvPr id="168" name="TextShape 1"/>
           <p:cNvSpPr txBox="1"/>
           <p:nvPr/>
         </p:nvSpPr>
         <p:spPr>
           <a:xfrm>
             <a:off x="504000" y="301320"/>
-            <a:ext cx="9071280" cy="1262160"/>
+            <a:ext cx="9072000" cy="1261800"/>
           </a:xfrm>
           <a:prstGeom prst="rect">
             <a:avLst/>
@@ -3468,217 +6194,35 @@
           <a:bodyPr lIns="0" rIns="0" tIns="0" bIns="0" anchor="ctr"/>
           <a:p>
             <a:pPr algn="ctr"/>
-            <a:r>
-              <a:rPr lang="en-US" sz="4400">
-                <a:latin typeface="Arial"/>
-              </a:rPr>
-              <a:t>管理信息</a:t>
-            </a:r>
-            <a:endParaRPr/>
-          </a:p>
-        </p:txBody>
-      </p:sp>
-      <p:sp>
-        <p:nvSpPr>
-          <p:cNvPr id="97" name="TextShape 2"/>
-          <p:cNvSpPr txBox="1"/>
+            <a:endParaRPr/>
+          </a:p>
+        </p:txBody>
+      </p:sp>
+      <p:pic>
+        <p:nvPicPr>
+          <p:cNvPr id="169" name="" descr=""/>
+          <p:cNvPicPr/>
           <p:nvPr/>
-        </p:nvSpPr>
-        <p:spPr>
-          <a:xfrm>
-            <a:off x="504000" y="1371600"/>
-            <a:ext cx="9071280" cy="5852160"/>
-          </a:xfrm>
-          <a:prstGeom prst="rect">
-            <a:avLst/>
-          </a:prstGeom>
-        </p:spPr>
-        <p:txBody>
-          <a:bodyPr lIns="0" rIns="0" tIns="0" bIns="0"/>
-          <a:p>
-            <a:pPr>
-              <a:buSzPct val="45000"/>
-              <a:buFont typeface="StarSymbol"/>
-              <a:buChar char=""/>
-            </a:pPr>
-            <a:r>
-              <a:rPr lang="en-US" sz="3200">
-                <a:latin typeface="Arial"/>
-              </a:rPr>
-              <a:t>Postgresql</a:t>
-            </a:r>
-            <a:endParaRPr/>
-          </a:p>
-          <a:p>
-            <a:pPr lvl="1">
-              <a:buSzPct val="75000"/>
-              <a:buFont typeface="StarSymbol"/>
-              <a:buChar char=""/>
-            </a:pPr>
-            <a:r>
-              <a:rPr lang="en-US" sz="2800">
-                <a:latin typeface="Arial"/>
-              </a:rPr>
-              <a:t>Service gitpsql start/stop</a:t>
-            </a:r>
-            <a:endParaRPr/>
-          </a:p>
-          <a:p>
-            <a:pPr lvl="1">
-              <a:buSzPct val="75000"/>
-              <a:buFont typeface="StarSymbol"/>
-              <a:buChar char=""/>
-            </a:pPr>
-            <a:r>
-              <a:rPr lang="en-US" sz="2800">
-                <a:latin typeface="Arial"/>
-              </a:rPr>
-              <a:t>Port: 5432 | 15432</a:t>
-            </a:r>
-            <a:endParaRPr/>
-          </a:p>
-          <a:p>
-            <a:pPr>
-              <a:buSzPct val="45000"/>
-              <a:buFont typeface="StarSymbol"/>
-              <a:buChar char=""/>
-            </a:pPr>
-            <a:r>
-              <a:rPr lang="en-US" sz="3200">
-                <a:latin typeface="Arial"/>
-              </a:rPr>
-              <a:t>Nginx</a:t>
-            </a:r>
-            <a:endParaRPr/>
-          </a:p>
-          <a:p>
-            <a:pPr lvl="1">
-              <a:buSzPct val="75000"/>
-              <a:buFont typeface="StarSymbol"/>
-              <a:buChar char=""/>
-            </a:pPr>
-            <a:r>
-              <a:rPr lang="en-US" sz="2800">
-                <a:latin typeface="Arial"/>
-              </a:rPr>
-              <a:t>Service nginx start/stop</a:t>
-            </a:r>
-            <a:endParaRPr/>
-          </a:p>
-          <a:p>
-            <a:pPr>
-              <a:buSzPct val="45000"/>
-              <a:buFont typeface="StarSymbol"/>
-              <a:buChar char=""/>
-            </a:pPr>
-            <a:r>
-              <a:rPr lang="en-US" sz="3200">
-                <a:latin typeface="Arial"/>
-              </a:rPr>
-              <a:t>Gitlab</a:t>
-            </a:r>
-            <a:endParaRPr/>
-          </a:p>
-          <a:p>
-            <a:pPr lvl="1">
-              <a:buSzPct val="75000"/>
-              <a:buFont typeface="StarSymbol"/>
-              <a:buChar char=""/>
-            </a:pPr>
-            <a:r>
-              <a:rPr lang="en-US" sz="2800">
-                <a:latin typeface="Arial"/>
-              </a:rPr>
-              <a:t>Gitlab-ctl start/stop</a:t>
-            </a:r>
-            <a:endParaRPr/>
-          </a:p>
-          <a:p>
-            <a:pPr>
-              <a:buSzPct val="45000"/>
-              <a:buFont typeface="StarSymbol"/>
-              <a:buChar char=""/>
-            </a:pPr>
-            <a:r>
-              <a:rPr lang="en-US" sz="3200">
-                <a:latin typeface="Arial"/>
-              </a:rPr>
-              <a:t>web_url</a:t>
-            </a:r>
-            <a:endParaRPr/>
-          </a:p>
-          <a:p>
-            <a:pPr lvl="1">
-              <a:buSzPct val="75000"/>
-              <a:buFont typeface="StarSymbol"/>
-              <a:buChar char=""/>
-            </a:pPr>
-            <a:r>
-              <a:rPr lang="en-US" sz="2800">
-                <a:latin typeface="Arial"/>
-              </a:rPr>
-              <a:t>http://10.221.2.169/gitlab/</a:t>
-            </a:r>
-            <a:endParaRPr/>
-          </a:p>
-          <a:p>
-            <a:pPr>
-              <a:buSzPct val="45000"/>
-              <a:buFont typeface="StarSymbol"/>
-              <a:buChar char=""/>
-            </a:pPr>
-            <a:r>
-              <a:rPr lang="en-US" sz="3200">
-                <a:latin typeface="Arial"/>
-              </a:rPr>
-              <a:t>Ldap address</a:t>
-            </a:r>
-            <a:endParaRPr/>
-          </a:p>
-          <a:p>
-            <a:pPr lvl="1">
-              <a:buSzPct val="75000"/>
-              <a:buFont typeface="StarSymbol"/>
-              <a:buChar char=""/>
-            </a:pPr>
-            <a:r>
-              <a:rPr lang="en-US" sz="2800">
-                <a:latin typeface="Arial"/>
-              </a:rPr>
-              <a:t>10.221.2.167</a:t>
-            </a:r>
-            <a:endParaRPr/>
-          </a:p>
-          <a:p>
-            <a:pPr>
-              <a:buSzPct val="45000"/>
-              <a:buFont typeface="StarSymbol"/>
-              <a:buChar char=""/>
-            </a:pPr>
-            <a:r>
-              <a:rPr lang="en-US" sz="3200">
-                <a:latin typeface="Arial"/>
-              </a:rPr>
-              <a:t>data_dir</a:t>
-            </a:r>
-            <a:endParaRPr/>
-          </a:p>
-          <a:p>
-            <a:pPr lvl="1">
-              <a:buSzPct val="75000"/>
-              <a:buFont typeface="StarSymbol"/>
-              <a:buChar char=""/>
-            </a:pPr>
-            <a:r>
-              <a:rPr lang="en-US" sz="2800">
-                <a:latin typeface="Arial"/>
-              </a:rPr>
-              <a:t>/DATA/opt/gitlab/</a:t>
-            </a:r>
-            <a:endParaRPr/>
-          </a:p>
-        </p:txBody>
-      </p:sp>
+        </p:nvPicPr>
+        <p:blipFill>
+          <a:blip r:embed="rId1"/>
+          <a:stretch>
+            <a:fillRect/>
+          </a:stretch>
+        </p:blipFill>
+        <p:spPr>
+          <a:xfrm>
+            <a:off x="0" y="0"/>
+            <a:ext cx="10080720" cy="7559640"/>
+          </a:xfrm>
+          <a:prstGeom prst="rect">
+            <a:avLst/>
+          </a:prstGeom>
+          <a:ln>
+            <a:noFill/>
+          </a:ln>
+        </p:spPr>
+      </p:pic>
     </p:spTree>
   </p:cSld>
   <p:timing>
@@ -3730,14 +6274,14 @@
       </p:grpSpPr>
       <p:sp>
         <p:nvSpPr>
-          <p:cNvPr id="98" name="TextShape 1"/>
+          <p:cNvPr id="170" name="TextShape 1"/>
           <p:cNvSpPr txBox="1"/>
           <p:nvPr/>
         </p:nvSpPr>
         <p:spPr>
           <a:xfrm>
             <a:off x="504000" y="301320"/>
-            <a:ext cx="9071280" cy="1262160"/>
+            <a:ext cx="9072000" cy="1261800"/>
           </a:xfrm>
           <a:prstGeom prst="rect">
             <a:avLst/>
@@ -3747,38 +6291,35 @@
           <a:bodyPr lIns="0" rIns="0" tIns="0" bIns="0" anchor="ctr"/>
           <a:p>
             <a:pPr algn="ctr"/>
-            <a:r>
-              <a:rPr lang="en-US" sz="4400">
-                <a:latin typeface="Arial"/>
-              </a:rPr>
-              <a:t>haproxy</a:t>
-            </a:r>
-            <a:endParaRPr/>
-          </a:p>
-        </p:txBody>
-      </p:sp>
-      <p:sp>
-        <p:nvSpPr>
-          <p:cNvPr id="99" name="TextShape 2"/>
-          <p:cNvSpPr txBox="1"/>
+            <a:endParaRPr/>
+          </a:p>
+        </p:txBody>
+      </p:sp>
+      <p:pic>
+        <p:nvPicPr>
+          <p:cNvPr id="171" name="" descr=""/>
+          <p:cNvPicPr/>
           <p:nvPr/>
-        </p:nvSpPr>
-        <p:spPr>
-          <a:xfrm>
-            <a:off x="504000" y="1769040"/>
-            <a:ext cx="9071280" cy="4384080"/>
-          </a:xfrm>
-          <a:prstGeom prst="rect">
-            <a:avLst/>
-          </a:prstGeom>
-        </p:spPr>
-        <p:txBody>
-          <a:bodyPr lIns="0" rIns="0" tIns="0" bIns="0"/>
-          <a:p>
-            <a:endParaRPr/>
-          </a:p>
-        </p:txBody>
-      </p:sp>
+        </p:nvPicPr>
+        <p:blipFill>
+          <a:blip r:embed="rId1"/>
+          <a:stretch>
+            <a:fillRect/>
+          </a:stretch>
+        </p:blipFill>
+        <p:spPr>
+          <a:xfrm>
+            <a:off x="0" y="0"/>
+            <a:ext cx="10080720" cy="7559640"/>
+          </a:xfrm>
+          <a:prstGeom prst="rect">
+            <a:avLst/>
+          </a:prstGeom>
+          <a:ln>
+            <a:noFill/>
+          </a:ln>
+        </p:spPr>
+      </p:pic>
     </p:spTree>
   </p:cSld>
   <p:timing>
@@ -3830,63 +6371,229 @@
       </p:grpSpPr>
       <p:sp>
         <p:nvSpPr>
-          <p:cNvPr id="100" name="TextShape 1"/>
-          <p:cNvSpPr txBox="1"/>
+          <p:cNvPr id="172" name="CustomShape 1"/>
+          <p:cNvSpPr/>
           <p:nvPr/>
         </p:nvSpPr>
         <p:spPr>
           <a:xfrm>
             <a:off x="504000" y="301320"/>
-            <a:ext cx="9071280" cy="1262160"/>
-          </a:xfrm>
-          <a:prstGeom prst="rect">
-            <a:avLst/>
-          </a:prstGeom>
+            <a:ext cx="9070560" cy="1261440"/>
+          </a:xfrm>
+          <a:prstGeom prst="rect">
+            <a:avLst/>
+          </a:prstGeom>
+          <a:noFill/>
+          <a:ln>
+            <a:noFill/>
+          </a:ln>
         </p:spPr>
         <p:txBody>
           <a:bodyPr lIns="0" rIns="0" tIns="0" bIns="0" anchor="ctr"/>
           <a:p>
-            <a:pPr algn="ctr"/>
+            <a:pPr algn="ctr">
+              <a:lnSpc>
+                <a:spcPct val="100000"/>
+              </a:lnSpc>
+            </a:pPr>
             <a:r>
               <a:rPr lang="en-US" sz="4400">
                 <a:latin typeface="Arial"/>
               </a:rPr>
-              <a:t>Tcp </a:t>
-            </a:r>
-            <a:r>
-              <a:rPr lang="en-US" sz="4400">
-                <a:latin typeface="Arial"/>
-              </a:rPr>
-              <a:t>配置示例</a:t>
-            </a:r>
-            <a:endParaRPr/>
-          </a:p>
-        </p:txBody>
-      </p:sp>
-      <p:sp>
-        <p:nvSpPr>
-          <p:cNvPr id="101" name="TextShape 2"/>
-          <p:cNvSpPr txBox="1"/>
+              <a:t>管理信息</a:t>
+            </a:r>
+            <a:endParaRPr/>
+          </a:p>
+        </p:txBody>
+      </p:sp>
+      <p:sp>
+        <p:nvSpPr>
+          <p:cNvPr id="173" name="CustomShape 2"/>
+          <p:cNvSpPr/>
           <p:nvPr/>
         </p:nvSpPr>
         <p:spPr>
           <a:xfrm>
             <a:off x="504000" y="1769040"/>
-            <a:ext cx="9071280" cy="4384080"/>
-          </a:xfrm>
-          <a:prstGeom prst="rect">
-            <a:avLst/>
-          </a:prstGeom>
+            <a:ext cx="9070560" cy="4383360"/>
+          </a:xfrm>
+          <a:prstGeom prst="rect">
+            <a:avLst/>
+          </a:prstGeom>
+          <a:noFill/>
+          <a:ln>
+            <a:noFill/>
+          </a:ln>
         </p:spPr>
         <p:txBody>
           <a:bodyPr lIns="0" rIns="0" tIns="0" bIns="0"/>
           <a:p>
+            <a:pPr>
+              <a:lnSpc>
+                <a:spcPct val="100000"/>
+              </a:lnSpc>
+              <a:buSzPct val="45000"/>
+              <a:buFont typeface="StarSymbol"/>
+              <a:buChar char="l"/>
+            </a:pPr>
+            <a:r>
+              <a:rPr lang="en-US" sz="3200">
+                <a:latin typeface="Arial"/>
+              </a:rPr>
+              <a:t>Server</a:t>
+            </a:r>
+            <a:endParaRPr/>
+          </a:p>
+          <a:p>
+            <a:pPr lvl="1">
+              <a:lnSpc>
+                <a:spcPct val="100000"/>
+              </a:lnSpc>
+              <a:buSzPct val="45000"/>
+              <a:buFont typeface="StarSymbol"/>
+              <a:buChar char="l"/>
+            </a:pPr>
+            <a:r>
+              <a:rPr lang="en-US" sz="2800">
+                <a:latin typeface="Arial"/>
+              </a:rPr>
+              <a:t>Service slapd start/stop</a:t>
+            </a:r>
+            <a:endParaRPr/>
+          </a:p>
+          <a:p>
+            <a:pPr>
+              <a:lnSpc>
+                <a:spcPct val="100000"/>
+              </a:lnSpc>
+              <a:buSzPct val="45000"/>
+              <a:buFont typeface="StarSymbol"/>
+              <a:buChar char="l"/>
+            </a:pPr>
+            <a:r>
+              <a:rPr lang="en-US" sz="3200">
+                <a:latin typeface="Arial"/>
+              </a:rPr>
+              <a:t>web_admin</a:t>
+            </a:r>
+            <a:endParaRPr/>
+          </a:p>
+          <a:p>
+            <a:pPr lvl="1">
+              <a:lnSpc>
+                <a:spcPct val="100000"/>
+              </a:lnSpc>
+              <a:buSzPct val="45000"/>
+              <a:buFont typeface="StarSymbol"/>
+              <a:buChar char="l"/>
+            </a:pPr>
+            <a:r>
+              <a:rPr lang="en-US" sz="2800">
+                <a:latin typeface="Arial"/>
+              </a:rPr>
+              <a:t>http://10.221.2.164/phpldap/</a:t>
+            </a:r>
+            <a:endParaRPr/>
+          </a:p>
+          <a:p>
+            <a:pPr>
+              <a:lnSpc>
+                <a:spcPct val="100000"/>
+              </a:lnSpc>
+              <a:buSzPct val="45000"/>
+              <a:buFont typeface="StarSymbol"/>
+              <a:buChar char="l"/>
+            </a:pPr>
+            <a:r>
+              <a:rPr lang="en-US" sz="3200">
+                <a:latin typeface="Arial"/>
+              </a:rPr>
+              <a:t>password_admin</a:t>
+            </a:r>
+            <a:endParaRPr/>
+          </a:p>
+          <a:p>
+            <a:pPr lvl="1">
+              <a:lnSpc>
+                <a:spcPct val="100000"/>
+              </a:lnSpc>
+              <a:buSzPct val="45000"/>
+              <a:buFont typeface="StarSymbol"/>
+              <a:buChar char="l"/>
+            </a:pPr>
+            <a:r>
+              <a:rPr lang="en-US" sz="2800">
+                <a:latin typeface="Arial"/>
+              </a:rPr>
+              <a:t>http://10.221.2.164/passwd/</a:t>
+            </a:r>
+            <a:endParaRPr/>
+          </a:p>
+          <a:p>
+            <a:pPr>
+              <a:lnSpc>
+                <a:spcPct val="100000"/>
+              </a:lnSpc>
+              <a:buSzPct val="45000"/>
+              <a:buFont typeface="StarSymbol"/>
+              <a:buChar char="l"/>
+            </a:pPr>
+            <a:r>
+              <a:rPr lang="en-US" sz="3200">
+                <a:latin typeface="Arial"/>
+              </a:rPr>
+              <a:t>DN</a:t>
+            </a:r>
+            <a:endParaRPr/>
+          </a:p>
+          <a:p>
+            <a:pPr lvl="1">
+              <a:lnSpc>
+                <a:spcPct val="100000"/>
+              </a:lnSpc>
+              <a:buSzPct val="45000"/>
+              <a:buFont typeface="StarSymbol"/>
+              <a:buChar char="l"/>
+            </a:pPr>
+            <a:r>
+              <a:rPr lang="en-US" sz="2800">
+                <a:latin typeface="Arial"/>
+              </a:rPr>
+              <a:t>dc=travelsky,dc=com</a:t>
+            </a:r>
             <a:endParaRPr/>
           </a:p>
         </p:txBody>
       </p:sp>
     </p:spTree>
   </p:cSld>
+  <p:timing>
+    <p:tnLst>
+      <p:par>
+        <p:cTn id="29" dur="indefinite" restart="never" nodeType="tmRoot">
+          <p:childTnLst>
+            <p:seq>
+              <p:cTn id="30" nodeType="mainSeq"/>
+              <p:prevCondLst>
+                <p:cond delay="0" evt="onPrev">
+                  <p:tgtEl>
+                    <p:sldTgt/>
+                  </p:tgtEl>
+                </p:cond>
+              </p:prevCondLst>
+              <p:nextCondLst>
+                <p:cond delay="0" evt="onNext">
+                  <p:tgtEl>
+                    <p:sldTgt/>
+                  </p:tgtEl>
+                </p:cond>
+              </p:nextCondLst>
+            </p:seq>
+          </p:childTnLst>
+        </p:cTn>
+      </p:par>
+    </p:tnLst>
+  </p:timing>
 </p:sld>
 </file>
 
@@ -3909,14 +6616,94 @@
       </p:grpSpPr>
       <p:sp>
         <p:nvSpPr>
-          <p:cNvPr id="102" name="TextShape 1"/>
+          <p:cNvPr id="174" name="CustomShape 1"/>
+          <p:cNvSpPr/>
+          <p:nvPr/>
+        </p:nvSpPr>
+        <p:spPr>
+          <a:xfrm>
+            <a:off x="504000" y="301320"/>
+            <a:ext cx="9070560" cy="1261440"/>
+          </a:xfrm>
+          <a:prstGeom prst="rect">
+            <a:avLst/>
+          </a:prstGeom>
+          <a:noFill/>
+          <a:ln>
+            <a:noFill/>
+          </a:ln>
+        </p:spPr>
+      </p:sp>
+      <p:sp>
+        <p:nvSpPr>
+          <p:cNvPr id="175" name="CustomShape 2"/>
+          <p:cNvSpPr/>
+          <p:nvPr/>
+        </p:nvSpPr>
+        <p:spPr>
+          <a:xfrm>
+            <a:off x="504000" y="1769040"/>
+            <a:ext cx="9070560" cy="4383360"/>
+          </a:xfrm>
+          <a:prstGeom prst="rect">
+            <a:avLst/>
+          </a:prstGeom>
+          <a:noFill/>
+          <a:ln>
+            <a:noFill/>
+          </a:ln>
+        </p:spPr>
+      </p:sp>
+      <p:sp>
+        <p:nvSpPr>
+          <p:cNvPr id="176" name="CustomShape 3"/>
+          <p:cNvSpPr/>
+          <p:nvPr/>
+        </p:nvSpPr>
+        <p:spPr>
+          <a:xfrm>
+            <a:off x="504000" y="301320"/>
+            <a:ext cx="9070560" cy="1261800"/>
+          </a:xfrm>
+          <a:prstGeom prst="rect">
+            <a:avLst/>
+          </a:prstGeom>
+          <a:noFill/>
+          <a:ln>
+            <a:noFill/>
+          </a:ln>
+        </p:spPr>
+      </p:sp>
+      <p:sp>
+        <p:nvSpPr>
+          <p:cNvPr id="177" name="CustomShape 4"/>
+          <p:cNvSpPr/>
+          <p:nvPr/>
+        </p:nvSpPr>
+        <p:spPr>
+          <a:xfrm>
+            <a:off x="504000" y="1769040"/>
+            <a:ext cx="9070560" cy="4383360"/>
+          </a:xfrm>
+          <a:prstGeom prst="rect">
+            <a:avLst/>
+          </a:prstGeom>
+          <a:noFill/>
+          <a:ln>
+            <a:noFill/>
+          </a:ln>
+        </p:spPr>
+      </p:sp>
+      <p:sp>
+        <p:nvSpPr>
+          <p:cNvPr id="178" name="TextShape 5"/>
           <p:cNvSpPr txBox="1"/>
           <p:nvPr/>
         </p:nvSpPr>
         <p:spPr>
           <a:xfrm>
             <a:off x="504000" y="301320"/>
-            <a:ext cx="9071280" cy="1262160"/>
+            <a:ext cx="9070560" cy="1262160"/>
           </a:xfrm>
           <a:prstGeom prst="rect">
             <a:avLst/>
@@ -3925,33 +6712,31 @@
         <p:txBody>
           <a:bodyPr lIns="0" rIns="0" tIns="0" bIns="0" anchor="ctr"/>
           <a:p>
-            <a:pPr algn="ctr"/>
+            <a:pPr algn="ctr">
+              <a:lnSpc>
+                <a:spcPct val="100000"/>
+              </a:lnSpc>
+            </a:pPr>
             <a:r>
               <a:rPr lang="en-US" sz="4400">
                 <a:latin typeface="Arial"/>
               </a:rPr>
-              <a:t>Http </a:t>
-            </a:r>
-            <a:r>
-              <a:rPr lang="en-US" sz="4400">
-                <a:latin typeface="Arial"/>
-              </a:rPr>
-              <a:t>配置示例</a:t>
-            </a:r>
-            <a:endParaRPr/>
-          </a:p>
-        </p:txBody>
-      </p:sp>
-      <p:sp>
-        <p:nvSpPr>
-          <p:cNvPr id="103" name="TextShape 2"/>
+              <a:t>gitlab</a:t>
+            </a:r>
+            <a:endParaRPr/>
+          </a:p>
+        </p:txBody>
+      </p:sp>
+      <p:sp>
+        <p:nvSpPr>
+          <p:cNvPr id="179" name="TextShape 6"/>
           <p:cNvSpPr txBox="1"/>
           <p:nvPr/>
         </p:nvSpPr>
         <p:spPr>
           <a:xfrm>
             <a:off x="504000" y="1769040"/>
-            <a:ext cx="9071280" cy="4384080"/>
+            <a:ext cx="9070560" cy="4383360"/>
           </a:xfrm>
           <a:prstGeom prst="rect">
             <a:avLst/>
@@ -3960,12 +6745,148 @@
         <p:txBody>
           <a:bodyPr lIns="0" rIns="0" tIns="0" bIns="0"/>
           <a:p>
+            <a:pPr>
+              <a:buSzPct val="45000"/>
+              <a:buFont typeface="StarSymbol"/>
+              <a:buChar char=""/>
+            </a:pPr>
+            <a:r>
+              <a:rPr lang="en-US" sz="3200">
+                <a:latin typeface="Arial"/>
+              </a:rPr>
+              <a:t>Ruby</a:t>
+            </a:r>
+            <a:endParaRPr/>
+          </a:p>
+          <a:p>
+            <a:pPr>
+              <a:buSzPct val="45000"/>
+              <a:buFont typeface="StarSymbol"/>
+              <a:buChar char=""/>
+            </a:pPr>
+            <a:r>
+              <a:rPr lang="en-US" sz="3200">
+                <a:latin typeface="Arial"/>
+              </a:rPr>
+              <a:t>Go</a:t>
+            </a:r>
+            <a:endParaRPr/>
+          </a:p>
+          <a:p>
+            <a:pPr>
+              <a:buSzPct val="45000"/>
+              <a:buFont typeface="StarSymbol"/>
+              <a:buChar char=""/>
+            </a:pPr>
+            <a:r>
+              <a:rPr lang="en-US" sz="3200">
+                <a:latin typeface="Arial"/>
+              </a:rPr>
+              <a:t>Node</a:t>
+            </a:r>
+            <a:endParaRPr/>
+          </a:p>
+          <a:p>
+            <a:pPr>
+              <a:buSzPct val="45000"/>
+              <a:buFont typeface="StarSymbol"/>
+              <a:buChar char=""/>
+            </a:pPr>
+            <a:r>
+              <a:rPr lang="en-US" sz="3200">
+                <a:latin typeface="Arial"/>
+              </a:rPr>
+              <a:t>System Users</a:t>
+            </a:r>
+            <a:endParaRPr/>
+          </a:p>
+          <a:p>
+            <a:pPr>
+              <a:buSzPct val="45000"/>
+              <a:buFont typeface="StarSymbol"/>
+              <a:buChar char=""/>
+            </a:pPr>
+            <a:r>
+              <a:rPr lang="en-US" sz="3200">
+                <a:latin typeface="Arial"/>
+              </a:rPr>
+              <a:t>Database</a:t>
+            </a:r>
+            <a:endParaRPr/>
+          </a:p>
+          <a:p>
+            <a:pPr>
+              <a:buSzPct val="45000"/>
+              <a:buFont typeface="StarSymbol"/>
+              <a:buChar char=""/>
+            </a:pPr>
+            <a:r>
+              <a:rPr lang="en-US" sz="3200">
+                <a:latin typeface="Arial"/>
+              </a:rPr>
+              <a:t>Redis</a:t>
+            </a:r>
+            <a:endParaRPr/>
+          </a:p>
+          <a:p>
+            <a:pPr>
+              <a:buSzPct val="45000"/>
+              <a:buFont typeface="StarSymbol"/>
+              <a:buChar char=""/>
+            </a:pPr>
+            <a:r>
+              <a:rPr lang="en-US" sz="3200">
+                <a:latin typeface="Arial"/>
+              </a:rPr>
+              <a:t>GitLab</a:t>
+            </a:r>
+            <a:endParaRPr/>
+          </a:p>
+          <a:p>
+            <a:pPr>
+              <a:buSzPct val="45000"/>
+              <a:buFont typeface="StarSymbol"/>
+              <a:buChar char=""/>
+            </a:pPr>
+            <a:r>
+              <a:rPr lang="en-US" sz="3200">
+                <a:latin typeface="Arial"/>
+              </a:rPr>
+              <a:t>Nginx</a:t>
+            </a:r>
             <a:endParaRPr/>
           </a:p>
         </p:txBody>
       </p:sp>
     </p:spTree>
   </p:cSld>
+  <p:timing>
+    <p:tnLst>
+      <p:par>
+        <p:cTn id="31" dur="indefinite" restart="never" nodeType="tmRoot">
+          <p:childTnLst>
+            <p:seq>
+              <p:cTn id="32" nodeType="mainSeq"/>
+              <p:prevCondLst>
+                <p:cond delay="0" evt="onPrev">
+                  <p:tgtEl>
+                    <p:sldTgt/>
+                  </p:tgtEl>
+                </p:cond>
+              </p:prevCondLst>
+              <p:nextCondLst>
+                <p:cond delay="0" evt="onNext">
+                  <p:tgtEl>
+                    <p:sldTgt/>
+                  </p:tgtEl>
+                </p:cond>
+              </p:nextCondLst>
+            </p:seq>
+          </p:childTnLst>
+        </p:cTn>
+      </p:par>
+    </p:tnLst>
+  </p:timing>
 </p:sld>
 </file>
 
@@ -3988,14 +6909,14 @@
       </p:grpSpPr>
       <p:sp>
         <p:nvSpPr>
-          <p:cNvPr id="104" name="TextShape 1"/>
+          <p:cNvPr id="180" name="TextShape 1"/>
           <p:cNvSpPr txBox="1"/>
           <p:nvPr/>
         </p:nvSpPr>
         <p:spPr>
           <a:xfrm>
             <a:off x="504000" y="301320"/>
-            <a:ext cx="9071280" cy="1262160"/>
+            <a:ext cx="9070560" cy="1262160"/>
           </a:xfrm>
           <a:prstGeom prst="rect">
             <a:avLst/>
@@ -4005,72 +6926,609 @@
           <a:bodyPr lIns="0" rIns="0" tIns="0" bIns="0" anchor="ctr"/>
           <a:p>
             <a:pPr algn="ctr"/>
-            <a:r>
-              <a:rPr lang="en-US" sz="4400">
-                <a:latin typeface="Arial"/>
-              </a:rPr>
-              <a:t>管理信息</a:t>
-            </a:r>
-            <a:endParaRPr/>
-          </a:p>
-        </p:txBody>
-      </p:sp>
-      <p:sp>
-        <p:nvSpPr>
-          <p:cNvPr id="105" name="TextShape 2"/>
-          <p:cNvSpPr txBox="1"/>
+            <a:endParaRPr/>
+          </a:p>
+        </p:txBody>
+      </p:sp>
+      <p:pic>
+        <p:nvPicPr>
+          <p:cNvPr id="181" name="" descr=""/>
+          <p:cNvPicPr/>
           <p:nvPr/>
-        </p:nvSpPr>
-        <p:spPr>
-          <a:xfrm>
-            <a:off x="504000" y="1769040"/>
-            <a:ext cx="9071280" cy="4384080"/>
-          </a:xfrm>
-          <a:prstGeom prst="rect">
-            <a:avLst/>
-          </a:prstGeom>
-        </p:spPr>
-        <p:txBody>
-          <a:bodyPr lIns="0" rIns="0" tIns="0" bIns="0"/>
-          <a:p>
-            <a:pPr>
-              <a:buSzPct val="45000"/>
-              <a:buFont typeface="StarSymbol"/>
-              <a:buChar char=""/>
-            </a:pPr>
-            <a:r>
-              <a:rPr lang="en-US" sz="3200">
-                <a:latin typeface="Arial"/>
-              </a:rPr>
-              <a:t>Server</a:t>
-            </a:r>
-            <a:endParaRPr/>
-          </a:p>
-          <a:p>
-            <a:pPr lvl="1">
-              <a:buSzPct val="75000"/>
-              <a:buFont typeface="StarSymbol"/>
-              <a:buChar char=""/>
-            </a:pPr>
-            <a:r>
-              <a:rPr lang="en-US" sz="2800">
-                <a:latin typeface="Arial"/>
-              </a:rPr>
-              <a:t>service haproxy start/stop</a:t>
-            </a:r>
-            <a:endParaRPr/>
-          </a:p>
-        </p:txBody>
-      </p:sp>
+        </p:nvPicPr>
+        <p:blipFill>
+          <a:blip r:embed="rId1"/>
+          <a:stretch>
+            <a:fillRect/>
+          </a:stretch>
+        </p:blipFill>
+        <p:spPr>
+          <a:xfrm>
+            <a:off x="0" y="0"/>
+            <a:ext cx="10080720" cy="7559640"/>
+          </a:xfrm>
+          <a:prstGeom prst="rect">
+            <a:avLst/>
+          </a:prstGeom>
+          <a:ln>
+            <a:noFill/>
+          </a:ln>
+        </p:spPr>
+      </p:pic>
     </p:spTree>
   </p:cSld>
   <p:timing>
     <p:tnLst>
       <p:par>
-        <p:cTn id="29" dur="indefinite" restart="never" nodeType="tmRoot">
+        <p:cTn id="33" dur="indefinite" restart="never" nodeType="tmRoot">
           <p:childTnLst>
             <p:seq>
-              <p:cTn id="30" nodeType="mainSeq"/>
+              <p:cTn id="34" nodeType="mainSeq"/>
+              <p:prevCondLst>
+                <p:cond delay="0" evt="onPrev">
+                  <p:tgtEl>
+                    <p:sldTgt/>
+                  </p:tgtEl>
+                </p:cond>
+              </p:prevCondLst>
+              <p:nextCondLst>
+                <p:cond delay="0" evt="onNext">
+                  <p:tgtEl>
+                    <p:sldTgt/>
+                  </p:tgtEl>
+                </p:cond>
+              </p:nextCondLst>
+            </p:seq>
+          </p:childTnLst>
+        </p:cTn>
+      </p:par>
+    </p:tnLst>
+  </p:timing>
+</p:sld>
+</file>
+
+<file path=ppt/slides/slide18.xml><?xml version="1.0" encoding="utf-8"?>
+<p:sld xmlns:a="http://schemas.openxmlformats.org/drawingml/2006/main" xmlns:p="http://schemas.openxmlformats.org/presentationml/2006/main" xmlns:r="http://schemas.openxmlformats.org/officeDocument/2006/relationships">
+  <p:cSld>
+    <p:spTree>
+      <p:nvGrpSpPr>
+        <p:cNvPr id="1" name=""/>
+        <p:cNvGrpSpPr/>
+        <p:nvPr/>
+      </p:nvGrpSpPr>
+      <p:grpSpPr>
+        <a:xfrm>
+          <a:off x="0" y="0"/>
+          <a:ext cx="0" cy="0"/>
+          <a:chOff x="0" y="0"/>
+          <a:chExt cx="0" cy="0"/>
+        </a:xfrm>
+      </p:grpSpPr>
+      <p:sp>
+        <p:nvSpPr>
+          <p:cNvPr id="182" name="CustomShape 1"/>
+          <p:cNvSpPr/>
+          <p:nvPr/>
+        </p:nvSpPr>
+        <p:spPr>
+          <a:xfrm>
+            <a:off x="504000" y="301320"/>
+            <a:ext cx="9070560" cy="1261440"/>
+          </a:xfrm>
+          <a:prstGeom prst="rect">
+            <a:avLst/>
+          </a:prstGeom>
+          <a:noFill/>
+          <a:ln>
+            <a:noFill/>
+          </a:ln>
+        </p:spPr>
+        <p:txBody>
+          <a:bodyPr lIns="0" rIns="0" tIns="0" bIns="0" anchor="ctr"/>
+          <a:p>
+            <a:pPr algn="ctr">
+              <a:lnSpc>
+                <a:spcPct val="100000"/>
+              </a:lnSpc>
+            </a:pPr>
+            <a:r>
+              <a:rPr lang="en-US" sz="4400">
+                <a:latin typeface="Arial"/>
+              </a:rPr>
+              <a:t>管理信息</a:t>
+            </a:r>
+            <a:endParaRPr/>
+          </a:p>
+        </p:txBody>
+      </p:sp>
+      <p:sp>
+        <p:nvSpPr>
+          <p:cNvPr id="183" name="CustomShape 2"/>
+          <p:cNvSpPr/>
+          <p:nvPr/>
+        </p:nvSpPr>
+        <p:spPr>
+          <a:xfrm>
+            <a:off x="504000" y="1371600"/>
+            <a:ext cx="9070560" cy="5851440"/>
+          </a:xfrm>
+          <a:prstGeom prst="rect">
+            <a:avLst/>
+          </a:prstGeom>
+          <a:noFill/>
+          <a:ln>
+            <a:noFill/>
+          </a:ln>
+        </p:spPr>
+        <p:txBody>
+          <a:bodyPr lIns="0" rIns="0" tIns="0" bIns="0"/>
+          <a:p>
+            <a:pPr>
+              <a:lnSpc>
+                <a:spcPct val="100000"/>
+              </a:lnSpc>
+              <a:buSzPct val="45000"/>
+              <a:buFont typeface="StarSymbol"/>
+              <a:buChar char="l"/>
+            </a:pPr>
+            <a:r>
+              <a:rPr lang="en-US" sz="3200">
+                <a:latin typeface="Arial"/>
+              </a:rPr>
+              <a:t>Postgresql</a:t>
+            </a:r>
+            <a:endParaRPr/>
+          </a:p>
+          <a:p>
+            <a:pPr lvl="1">
+              <a:lnSpc>
+                <a:spcPct val="100000"/>
+              </a:lnSpc>
+              <a:buSzPct val="45000"/>
+              <a:buFont typeface="StarSymbol"/>
+              <a:buChar char="l"/>
+            </a:pPr>
+            <a:r>
+              <a:rPr lang="en-US" sz="2800">
+                <a:latin typeface="Arial"/>
+              </a:rPr>
+              <a:t>Service gitpsql start/stop</a:t>
+            </a:r>
+            <a:endParaRPr/>
+          </a:p>
+          <a:p>
+            <a:pPr lvl="1">
+              <a:lnSpc>
+                <a:spcPct val="100000"/>
+              </a:lnSpc>
+              <a:buSzPct val="45000"/>
+              <a:buFont typeface="StarSymbol"/>
+              <a:buChar char="l"/>
+            </a:pPr>
+            <a:r>
+              <a:rPr lang="en-US" sz="2800">
+                <a:latin typeface="Arial"/>
+              </a:rPr>
+              <a:t>Port: 5432 | 15432</a:t>
+            </a:r>
+            <a:endParaRPr/>
+          </a:p>
+          <a:p>
+            <a:pPr>
+              <a:lnSpc>
+                <a:spcPct val="100000"/>
+              </a:lnSpc>
+              <a:buSzPct val="45000"/>
+              <a:buFont typeface="StarSymbol"/>
+              <a:buChar char="l"/>
+            </a:pPr>
+            <a:r>
+              <a:rPr lang="en-US" sz="3200">
+                <a:latin typeface="Arial"/>
+              </a:rPr>
+              <a:t>Nginx</a:t>
+            </a:r>
+            <a:endParaRPr/>
+          </a:p>
+          <a:p>
+            <a:pPr lvl="1">
+              <a:lnSpc>
+                <a:spcPct val="100000"/>
+              </a:lnSpc>
+              <a:buSzPct val="45000"/>
+              <a:buFont typeface="StarSymbol"/>
+              <a:buChar char="l"/>
+            </a:pPr>
+            <a:r>
+              <a:rPr lang="en-US" sz="2800">
+                <a:latin typeface="Arial"/>
+              </a:rPr>
+              <a:t>Service nginx start/stop</a:t>
+            </a:r>
+            <a:endParaRPr/>
+          </a:p>
+          <a:p>
+            <a:pPr>
+              <a:lnSpc>
+                <a:spcPct val="100000"/>
+              </a:lnSpc>
+              <a:buSzPct val="45000"/>
+              <a:buFont typeface="StarSymbol"/>
+              <a:buChar char="l"/>
+            </a:pPr>
+            <a:r>
+              <a:rPr lang="en-US" sz="3200">
+                <a:latin typeface="Arial"/>
+              </a:rPr>
+              <a:t>Gitlab</a:t>
+            </a:r>
+            <a:endParaRPr/>
+          </a:p>
+          <a:p>
+            <a:pPr lvl="1">
+              <a:lnSpc>
+                <a:spcPct val="100000"/>
+              </a:lnSpc>
+              <a:buSzPct val="45000"/>
+              <a:buFont typeface="StarSymbol"/>
+              <a:buChar char="l"/>
+            </a:pPr>
+            <a:r>
+              <a:rPr lang="en-US" sz="2800">
+                <a:latin typeface="Arial"/>
+              </a:rPr>
+              <a:t>Gitlab-ctl start/stop</a:t>
+            </a:r>
+            <a:endParaRPr/>
+          </a:p>
+          <a:p>
+            <a:pPr>
+              <a:lnSpc>
+                <a:spcPct val="100000"/>
+              </a:lnSpc>
+              <a:buSzPct val="45000"/>
+              <a:buFont typeface="StarSymbol"/>
+              <a:buChar char="l"/>
+            </a:pPr>
+            <a:r>
+              <a:rPr lang="en-US" sz="3200">
+                <a:latin typeface="Arial"/>
+              </a:rPr>
+              <a:t>web_url</a:t>
+            </a:r>
+            <a:endParaRPr/>
+          </a:p>
+          <a:p>
+            <a:pPr lvl="1">
+              <a:lnSpc>
+                <a:spcPct val="100000"/>
+              </a:lnSpc>
+              <a:buSzPct val="45000"/>
+              <a:buFont typeface="StarSymbol"/>
+              <a:buChar char="l"/>
+            </a:pPr>
+            <a:r>
+              <a:rPr lang="en-US" sz="2800">
+                <a:latin typeface="Arial"/>
+              </a:rPr>
+              <a:t>http://10.221.2.169/gitlab/</a:t>
+            </a:r>
+            <a:endParaRPr/>
+          </a:p>
+          <a:p>
+            <a:pPr>
+              <a:lnSpc>
+                <a:spcPct val="100000"/>
+              </a:lnSpc>
+              <a:buSzPct val="45000"/>
+              <a:buFont typeface="StarSymbol"/>
+              <a:buChar char="l"/>
+            </a:pPr>
+            <a:r>
+              <a:rPr lang="en-US" sz="3200">
+                <a:latin typeface="Arial"/>
+              </a:rPr>
+              <a:t>Ldap address</a:t>
+            </a:r>
+            <a:endParaRPr/>
+          </a:p>
+          <a:p>
+            <a:pPr lvl="1">
+              <a:lnSpc>
+                <a:spcPct val="100000"/>
+              </a:lnSpc>
+              <a:buSzPct val="45000"/>
+              <a:buFont typeface="StarSymbol"/>
+              <a:buChar char="l"/>
+            </a:pPr>
+            <a:r>
+              <a:rPr lang="en-US" sz="2800">
+                <a:latin typeface="Arial"/>
+              </a:rPr>
+              <a:t>10.221.2.167</a:t>
+            </a:r>
+            <a:endParaRPr/>
+          </a:p>
+          <a:p>
+            <a:pPr>
+              <a:lnSpc>
+                <a:spcPct val="100000"/>
+              </a:lnSpc>
+              <a:buSzPct val="45000"/>
+              <a:buFont typeface="StarSymbol"/>
+              <a:buChar char="l"/>
+            </a:pPr>
+            <a:r>
+              <a:rPr lang="en-US" sz="3200">
+                <a:latin typeface="Arial"/>
+              </a:rPr>
+              <a:t>data_dir</a:t>
+            </a:r>
+            <a:endParaRPr/>
+          </a:p>
+          <a:p>
+            <a:pPr lvl="1">
+              <a:lnSpc>
+                <a:spcPct val="100000"/>
+              </a:lnSpc>
+              <a:buSzPct val="45000"/>
+              <a:buFont typeface="StarSymbol"/>
+              <a:buChar char="l"/>
+            </a:pPr>
+            <a:r>
+              <a:rPr lang="en-US" sz="2800">
+                <a:latin typeface="Arial"/>
+              </a:rPr>
+              <a:t>/DATA/opt/gitlab/</a:t>
+            </a:r>
+            <a:endParaRPr/>
+          </a:p>
+        </p:txBody>
+      </p:sp>
+    </p:spTree>
+  </p:cSld>
+  <p:timing>
+    <p:tnLst>
+      <p:par>
+        <p:cTn id="35" dur="indefinite" restart="never" nodeType="tmRoot">
+          <p:childTnLst>
+            <p:seq>
+              <p:cTn id="36" nodeType="mainSeq"/>
+              <p:prevCondLst>
+                <p:cond delay="0" evt="onPrev">
+                  <p:tgtEl>
+                    <p:sldTgt/>
+                  </p:tgtEl>
+                </p:cond>
+              </p:prevCondLst>
+              <p:nextCondLst>
+                <p:cond delay="0" evt="onNext">
+                  <p:tgtEl>
+                    <p:sldTgt/>
+                  </p:tgtEl>
+                </p:cond>
+              </p:nextCondLst>
+            </p:seq>
+          </p:childTnLst>
+        </p:cTn>
+      </p:par>
+    </p:tnLst>
+  </p:timing>
+</p:sld>
+</file>
+
+<file path=ppt/slides/slide19.xml><?xml version="1.0" encoding="utf-8"?>
+<p:sld xmlns:a="http://schemas.openxmlformats.org/drawingml/2006/main" xmlns:p="http://schemas.openxmlformats.org/presentationml/2006/main" xmlns:r="http://schemas.openxmlformats.org/officeDocument/2006/relationships">
+  <p:cSld>
+    <p:spTree>
+      <p:nvGrpSpPr>
+        <p:cNvPr id="1" name=""/>
+        <p:cNvGrpSpPr/>
+        <p:nvPr/>
+      </p:nvGrpSpPr>
+      <p:grpSpPr>
+        <a:xfrm>
+          <a:off x="0" y="0"/>
+          <a:ext cx="0" cy="0"/>
+          <a:chOff x="0" y="0"/>
+          <a:chExt cx="0" cy="0"/>
+        </a:xfrm>
+      </p:grpSpPr>
+      <p:sp>
+        <p:nvSpPr>
+          <p:cNvPr id="184" name="CustomShape 1"/>
+          <p:cNvSpPr/>
+          <p:nvPr/>
+        </p:nvSpPr>
+        <p:spPr>
+          <a:xfrm>
+            <a:off x="504000" y="301320"/>
+            <a:ext cx="9070560" cy="1261440"/>
+          </a:xfrm>
+          <a:prstGeom prst="rect">
+            <a:avLst/>
+          </a:prstGeom>
+          <a:noFill/>
+          <a:ln>
+            <a:noFill/>
+          </a:ln>
+        </p:spPr>
+      </p:sp>
+      <p:sp>
+        <p:nvSpPr>
+          <p:cNvPr id="185" name="CustomShape 2"/>
+          <p:cNvSpPr/>
+          <p:nvPr/>
+        </p:nvSpPr>
+        <p:spPr>
+          <a:xfrm>
+            <a:off x="504000" y="1769040"/>
+            <a:ext cx="9070560" cy="4383360"/>
+          </a:xfrm>
+          <a:prstGeom prst="rect">
+            <a:avLst/>
+          </a:prstGeom>
+          <a:noFill/>
+          <a:ln>
+            <a:noFill/>
+          </a:ln>
+        </p:spPr>
+      </p:sp>
+      <p:sp>
+        <p:nvSpPr>
+          <p:cNvPr id="186" name="CustomShape 3"/>
+          <p:cNvSpPr/>
+          <p:nvPr/>
+        </p:nvSpPr>
+        <p:spPr>
+          <a:xfrm>
+            <a:off x="504000" y="301320"/>
+            <a:ext cx="9070560" cy="1261800"/>
+          </a:xfrm>
+          <a:prstGeom prst="rect">
+            <a:avLst/>
+          </a:prstGeom>
+          <a:noFill/>
+          <a:ln>
+            <a:noFill/>
+          </a:ln>
+        </p:spPr>
+      </p:sp>
+      <p:sp>
+        <p:nvSpPr>
+          <p:cNvPr id="187" name="CustomShape 4"/>
+          <p:cNvSpPr/>
+          <p:nvPr/>
+        </p:nvSpPr>
+        <p:spPr>
+          <a:xfrm>
+            <a:off x="504000" y="1769040"/>
+            <a:ext cx="9070560" cy="4383360"/>
+          </a:xfrm>
+          <a:prstGeom prst="rect">
+            <a:avLst/>
+          </a:prstGeom>
+          <a:noFill/>
+          <a:ln>
+            <a:noFill/>
+          </a:ln>
+        </p:spPr>
+      </p:sp>
+      <p:sp>
+        <p:nvSpPr>
+          <p:cNvPr id="188" name="TextShape 5"/>
+          <p:cNvSpPr txBox="1"/>
+          <p:nvPr/>
+        </p:nvSpPr>
+        <p:spPr>
+          <a:xfrm>
+            <a:off x="504000" y="301320"/>
+            <a:ext cx="9070560" cy="1262160"/>
+          </a:xfrm>
+          <a:prstGeom prst="rect">
+            <a:avLst/>
+          </a:prstGeom>
+        </p:spPr>
+        <p:txBody>
+          <a:bodyPr lIns="0" rIns="0" tIns="0" bIns="0" anchor="ctr"/>
+          <a:p>
+            <a:pPr algn="ctr">
+              <a:lnSpc>
+                <a:spcPct val="100000"/>
+              </a:lnSpc>
+            </a:pPr>
+            <a:r>
+              <a:rPr lang="en-US" sz="4400">
+                <a:latin typeface="Arial"/>
+              </a:rPr>
+              <a:t>haproxy</a:t>
+            </a:r>
+            <a:endParaRPr/>
+          </a:p>
+        </p:txBody>
+      </p:sp>
+      <p:sp>
+        <p:nvSpPr>
+          <p:cNvPr id="189" name="TextShape 6"/>
+          <p:cNvSpPr txBox="1"/>
+          <p:nvPr/>
+        </p:nvSpPr>
+        <p:spPr>
+          <a:xfrm>
+            <a:off x="504000" y="1769040"/>
+            <a:ext cx="9070560" cy="4383360"/>
+          </a:xfrm>
+          <a:prstGeom prst="rect">
+            <a:avLst/>
+          </a:prstGeom>
+        </p:spPr>
+        <p:txBody>
+          <a:bodyPr lIns="0" rIns="0" tIns="0" bIns="0"/>
+          <a:p>
+            <a:pPr>
+              <a:buSzPct val="45000"/>
+              <a:buFont typeface="StarSymbol"/>
+              <a:buChar char=""/>
+            </a:pPr>
+            <a:r>
+              <a:rPr lang="en-US" sz="3200">
+                <a:latin typeface="Arial"/>
+              </a:rPr>
+              <a:t>TCP </a:t>
+            </a:r>
+            <a:r>
+              <a:rPr lang="en-US" sz="3200">
+                <a:latin typeface="Arial"/>
+              </a:rPr>
+              <a:t>代理</a:t>
+            </a:r>
+            <a:endParaRPr/>
+          </a:p>
+          <a:p>
+            <a:pPr>
+              <a:buSzPct val="45000"/>
+              <a:buFont typeface="StarSymbol"/>
+              <a:buChar char=""/>
+            </a:pPr>
+            <a:r>
+              <a:rPr lang="en-US" sz="3200">
+                <a:latin typeface="Arial"/>
+              </a:rPr>
+              <a:t>HTTP </a:t>
+            </a:r>
+            <a:r>
+              <a:rPr lang="en-US" sz="3200">
+                <a:latin typeface="Arial"/>
+              </a:rPr>
+              <a:t>反向代理</a:t>
+            </a:r>
+            <a:endParaRPr/>
+          </a:p>
+          <a:p>
+            <a:pPr>
+              <a:buSzPct val="45000"/>
+              <a:buFont typeface="StarSymbol"/>
+              <a:buChar char=""/>
+            </a:pPr>
+            <a:r>
+              <a:rPr lang="en-US" sz="3200">
+                <a:latin typeface="Arial"/>
+              </a:rPr>
+              <a:t>负载均衡</a:t>
+            </a:r>
+            <a:endParaRPr/>
+          </a:p>
+        </p:txBody>
+      </p:sp>
+    </p:spTree>
+  </p:cSld>
+  <p:timing>
+    <p:tnLst>
+      <p:par>
+        <p:cTn id="37" dur="indefinite" restart="never" nodeType="tmRoot">
+          <p:childTnLst>
+            <p:seq>
+              <p:cTn id="38" nodeType="mainSeq"/>
               <p:prevCondLst>
                 <p:cond delay="0" evt="onPrev">
                   <p:tgtEl>
@@ -4113,14 +7571,14 @@
       </p:grpSpPr>
       <p:sp>
         <p:nvSpPr>
-          <p:cNvPr id="74" name="CustomShape 1"/>
+          <p:cNvPr id="146" name="CustomShape 1"/>
           <p:cNvSpPr/>
           <p:nvPr/>
         </p:nvSpPr>
         <p:spPr>
           <a:xfrm>
             <a:off x="504000" y="301320"/>
-            <a:ext cx="9071280" cy="1261800"/>
+            <a:ext cx="9070560" cy="1261080"/>
           </a:xfrm>
           <a:prstGeom prst="rect">
             <a:avLst/>
@@ -4150,14 +7608,14 @@
       </p:sp>
       <p:sp>
         <p:nvSpPr>
-          <p:cNvPr id="75" name="CustomShape 2"/>
+          <p:cNvPr id="147" name="CustomShape 2"/>
           <p:cNvSpPr/>
           <p:nvPr/>
         </p:nvSpPr>
         <p:spPr>
           <a:xfrm>
             <a:off x="504000" y="1769040"/>
-            <a:ext cx="9071280" cy="4384080"/>
+            <a:ext cx="9070560" cy="4383360"/>
           </a:xfrm>
           <a:prstGeom prst="rect">
             <a:avLst/>
@@ -4406,6 +7864,641 @@
           <p:childTnLst>
             <p:seq>
               <p:cTn id="4" nodeType="mainSeq"/>
+              <p:prevCondLst>
+                <p:cond delay="0" evt="onPrev">
+                  <p:tgtEl>
+                    <p:sldTgt/>
+                  </p:tgtEl>
+                </p:cond>
+              </p:prevCondLst>
+              <p:nextCondLst>
+                <p:cond delay="0" evt="onNext">
+                  <p:tgtEl>
+                    <p:sldTgt/>
+                  </p:tgtEl>
+                </p:cond>
+              </p:nextCondLst>
+            </p:seq>
+          </p:childTnLst>
+        </p:cTn>
+      </p:par>
+    </p:tnLst>
+  </p:timing>
+</p:sld>
+</file>
+
+<file path=ppt/slides/slide20.xml><?xml version="1.0" encoding="utf-8"?>
+<p:sld xmlns:a="http://schemas.openxmlformats.org/drawingml/2006/main" xmlns:p="http://schemas.openxmlformats.org/presentationml/2006/main" xmlns:r="http://schemas.openxmlformats.org/officeDocument/2006/relationships">
+  <p:cSld>
+    <p:spTree>
+      <p:nvGrpSpPr>
+        <p:cNvPr id="1" name=""/>
+        <p:cNvGrpSpPr/>
+        <p:nvPr/>
+      </p:nvGrpSpPr>
+      <p:grpSpPr>
+        <a:xfrm>
+          <a:off x="0" y="0"/>
+          <a:ext cx="0" cy="0"/>
+          <a:chOff x="0" y="0"/>
+          <a:chExt cx="0" cy="0"/>
+        </a:xfrm>
+      </p:grpSpPr>
+      <p:sp>
+        <p:nvSpPr>
+          <p:cNvPr id="190" name="CustomShape 1"/>
+          <p:cNvSpPr/>
+          <p:nvPr/>
+        </p:nvSpPr>
+        <p:spPr>
+          <a:xfrm>
+            <a:off x="504000" y="301320"/>
+            <a:ext cx="9070560" cy="1261440"/>
+          </a:xfrm>
+          <a:prstGeom prst="rect">
+            <a:avLst/>
+          </a:prstGeom>
+          <a:noFill/>
+          <a:ln>
+            <a:noFill/>
+          </a:ln>
+        </p:spPr>
+      </p:sp>
+      <p:sp>
+        <p:nvSpPr>
+          <p:cNvPr id="191" name="CustomShape 2"/>
+          <p:cNvSpPr/>
+          <p:nvPr/>
+        </p:nvSpPr>
+        <p:spPr>
+          <a:xfrm>
+            <a:off x="504000" y="1769040"/>
+            <a:ext cx="9070560" cy="4383360"/>
+          </a:xfrm>
+          <a:prstGeom prst="rect">
+            <a:avLst/>
+          </a:prstGeom>
+          <a:noFill/>
+          <a:ln>
+            <a:noFill/>
+          </a:ln>
+        </p:spPr>
+      </p:sp>
+      <p:sp>
+        <p:nvSpPr>
+          <p:cNvPr id="192" name="TextShape 3"/>
+          <p:cNvSpPr txBox="1"/>
+          <p:nvPr/>
+        </p:nvSpPr>
+        <p:spPr>
+          <a:xfrm>
+            <a:off x="504000" y="301320"/>
+            <a:ext cx="9072000" cy="1261800"/>
+          </a:xfrm>
+          <a:prstGeom prst="rect">
+            <a:avLst/>
+          </a:prstGeom>
+        </p:spPr>
+        <p:txBody>
+          <a:bodyPr lIns="0" rIns="0" tIns="0" bIns="0" anchor="ctr"/>
+          <a:p>
+            <a:pPr algn="ctr">
+              <a:lnSpc>
+                <a:spcPct val="100000"/>
+              </a:lnSpc>
+            </a:pPr>
+            <a:r>
+              <a:rPr lang="en-US" sz="4400">
+                <a:latin typeface="Arial"/>
+              </a:rPr>
+              <a:t>Tcp </a:t>
+            </a:r>
+            <a:r>
+              <a:rPr lang="en-US" sz="4400">
+                <a:latin typeface="Arial"/>
+              </a:rPr>
+              <a:t>配置示例</a:t>
+            </a:r>
+            <a:endParaRPr/>
+          </a:p>
+        </p:txBody>
+      </p:sp>
+      <p:sp>
+        <p:nvSpPr>
+          <p:cNvPr id="193" name="TextShape 4"/>
+          <p:cNvSpPr txBox="1"/>
+          <p:nvPr/>
+        </p:nvSpPr>
+        <p:spPr>
+          <a:xfrm>
+            <a:off x="504000" y="1768680"/>
+            <a:ext cx="9072000" cy="4384080"/>
+          </a:xfrm>
+          <a:prstGeom prst="rect">
+            <a:avLst/>
+          </a:prstGeom>
+        </p:spPr>
+        <p:txBody>
+          <a:bodyPr lIns="0" rIns="0" tIns="0" bIns="0" anchor="ctr"/>
+          <a:p>
+            <a:r>
+              <a:rPr lang="en-US" sz="3200">
+                <a:latin typeface="Arial"/>
+              </a:rPr>
+              <a:t>listen LINK_6769</a:t>
+            </a:r>
+            <a:endParaRPr/>
+          </a:p>
+          <a:p>
+            <a:r>
+              <a:rPr lang="en-US" sz="3200">
+                <a:latin typeface="Arial"/>
+              </a:rPr>
+              <a:t>        </a:t>
+            </a:r>
+            <a:r>
+              <a:rPr lang="en-US" sz="3200">
+                <a:latin typeface="Arial"/>
+              </a:rPr>
+              <a:t>bind 0.0.0.0:6769</a:t>
+            </a:r>
+            <a:endParaRPr/>
+          </a:p>
+          <a:p>
+            <a:r>
+              <a:rPr lang="en-US" sz="3200">
+                <a:latin typeface="Arial"/>
+              </a:rPr>
+              <a:t>        </a:t>
+            </a:r>
+            <a:r>
+              <a:rPr lang="en-US" sz="3200">
+                <a:latin typeface="Arial"/>
+              </a:rPr>
+              <a:t>mode tcp</a:t>
+            </a:r>
+            <a:endParaRPr/>
+          </a:p>
+          <a:p>
+            <a:r>
+              <a:rPr lang="en-US" sz="3200">
+                <a:latin typeface="Arial"/>
+              </a:rPr>
+              <a:t>        </a:t>
+            </a:r>
+            <a:r>
+              <a:rPr lang="en-US" sz="3200">
+                <a:latin typeface="Arial"/>
+              </a:rPr>
+              <a:t>maxconn 200</a:t>
+            </a:r>
+            <a:endParaRPr/>
+          </a:p>
+          <a:p>
+            <a:r>
+              <a:rPr lang="en-US" sz="3200">
+                <a:latin typeface="Arial"/>
+              </a:rPr>
+              <a:t>        </a:t>
+            </a:r>
+            <a:r>
+              <a:rPr lang="en-US" sz="3200">
+                <a:latin typeface="Arial"/>
+              </a:rPr>
+              <a:t>server link_1  10.223.112.28:6769 check port 6769 inter 200 fall 3</a:t>
+            </a:r>
+            <a:endParaRPr/>
+          </a:p>
+          <a:p>
+            <a:r>
+              <a:rPr lang="en-US" sz="3200">
+                <a:latin typeface="Arial"/>
+              </a:rPr>
+              <a:t>        </a:t>
+            </a:r>
+            <a:r>
+              <a:rPr lang="en-US" sz="3200">
+                <a:latin typeface="Arial"/>
+              </a:rPr>
+              <a:t>server link_2  10.223.112.29:6769 check port 6769 inter 200 fall 3 backup</a:t>
+            </a:r>
+            <a:endParaRPr/>
+          </a:p>
+        </p:txBody>
+      </p:sp>
+    </p:spTree>
+  </p:cSld>
+  <p:timing>
+    <p:tnLst>
+      <p:par>
+        <p:cTn id="39" dur="indefinite" restart="never" nodeType="tmRoot">
+          <p:childTnLst>
+            <p:seq>
+              <p:cTn id="40" nodeType="mainSeq"/>
+              <p:prevCondLst>
+                <p:cond delay="0" evt="onPrev">
+                  <p:tgtEl>
+                    <p:sldTgt/>
+                  </p:tgtEl>
+                </p:cond>
+              </p:prevCondLst>
+              <p:nextCondLst>
+                <p:cond delay="0" evt="onNext">
+                  <p:tgtEl>
+                    <p:sldTgt/>
+                  </p:tgtEl>
+                </p:cond>
+              </p:nextCondLst>
+            </p:seq>
+          </p:childTnLst>
+        </p:cTn>
+      </p:par>
+    </p:tnLst>
+  </p:timing>
+</p:sld>
+</file>
+
+<file path=ppt/slides/slide21.xml><?xml version="1.0" encoding="utf-8"?>
+<p:sld xmlns:a="http://schemas.openxmlformats.org/drawingml/2006/main" xmlns:p="http://schemas.openxmlformats.org/presentationml/2006/main" xmlns:r="http://schemas.openxmlformats.org/officeDocument/2006/relationships">
+  <p:cSld>
+    <p:spTree>
+      <p:nvGrpSpPr>
+        <p:cNvPr id="1" name=""/>
+        <p:cNvGrpSpPr/>
+        <p:nvPr/>
+      </p:nvGrpSpPr>
+      <p:grpSpPr>
+        <a:xfrm>
+          <a:off x="0" y="0"/>
+          <a:ext cx="0" cy="0"/>
+          <a:chOff x="0" y="0"/>
+          <a:chExt cx="0" cy="0"/>
+        </a:xfrm>
+      </p:grpSpPr>
+      <p:sp>
+        <p:nvSpPr>
+          <p:cNvPr id="194" name="CustomShape 1"/>
+          <p:cNvSpPr/>
+          <p:nvPr/>
+        </p:nvSpPr>
+        <p:spPr>
+          <a:xfrm>
+            <a:off x="504000" y="301320"/>
+            <a:ext cx="9070560" cy="1261440"/>
+          </a:xfrm>
+          <a:prstGeom prst="rect">
+            <a:avLst/>
+          </a:prstGeom>
+          <a:noFill/>
+          <a:ln>
+            <a:noFill/>
+          </a:ln>
+        </p:spPr>
+      </p:sp>
+      <p:sp>
+        <p:nvSpPr>
+          <p:cNvPr id="195" name="CustomShape 2"/>
+          <p:cNvSpPr/>
+          <p:nvPr/>
+        </p:nvSpPr>
+        <p:spPr>
+          <a:xfrm>
+            <a:off x="504000" y="1769040"/>
+            <a:ext cx="9070560" cy="4383360"/>
+          </a:xfrm>
+          <a:prstGeom prst="rect">
+            <a:avLst/>
+          </a:prstGeom>
+          <a:noFill/>
+          <a:ln>
+            <a:noFill/>
+          </a:ln>
+        </p:spPr>
+      </p:sp>
+      <p:sp>
+        <p:nvSpPr>
+          <p:cNvPr id="196" name="TextShape 3"/>
+          <p:cNvSpPr txBox="1"/>
+          <p:nvPr/>
+        </p:nvSpPr>
+        <p:spPr>
+          <a:xfrm>
+            <a:off x="504000" y="301320"/>
+            <a:ext cx="9072000" cy="1261800"/>
+          </a:xfrm>
+          <a:prstGeom prst="rect">
+            <a:avLst/>
+          </a:prstGeom>
+        </p:spPr>
+        <p:txBody>
+          <a:bodyPr lIns="0" rIns="0" tIns="0" bIns="0" anchor="ctr"/>
+          <a:p>
+            <a:pPr algn="ctr">
+              <a:lnSpc>
+                <a:spcPct val="100000"/>
+              </a:lnSpc>
+            </a:pPr>
+            <a:r>
+              <a:rPr lang="en-US" sz="4400">
+                <a:latin typeface="Arial"/>
+              </a:rPr>
+              <a:t>Http </a:t>
+            </a:r>
+            <a:r>
+              <a:rPr lang="en-US" sz="4400">
+                <a:latin typeface="Arial"/>
+              </a:rPr>
+              <a:t>配置示例</a:t>
+            </a:r>
+            <a:endParaRPr/>
+          </a:p>
+        </p:txBody>
+      </p:sp>
+      <p:sp>
+        <p:nvSpPr>
+          <p:cNvPr id="197" name="TextShape 4"/>
+          <p:cNvSpPr txBox="1"/>
+          <p:nvPr/>
+        </p:nvSpPr>
+        <p:spPr>
+          <a:xfrm>
+            <a:off x="504000" y="1617840"/>
+            <a:ext cx="9072000" cy="5469480"/>
+          </a:xfrm>
+          <a:prstGeom prst="rect">
+            <a:avLst/>
+          </a:prstGeom>
+        </p:spPr>
+        <p:txBody>
+          <a:bodyPr lIns="0" rIns="0" tIns="0" bIns="0" anchor="ctr"/>
+          <a:p>
+            <a:r>
+              <a:rPr lang="en-US" sz="3200">
+                <a:latin typeface="Arial"/>
+              </a:rPr>
+              <a:t>frontend TUMS_WEB</a:t>
+            </a:r>
+            <a:endParaRPr/>
+          </a:p>
+          <a:p>
+            <a:r>
+              <a:rPr lang="en-US" sz="3200">
+                <a:latin typeface="Arial"/>
+              </a:rPr>
+              <a:t>    </a:t>
+            </a:r>
+            <a:r>
+              <a:rPr lang="en-US" sz="3200">
+                <a:latin typeface="Arial"/>
+              </a:rPr>
+              <a:t>mode http</a:t>
+            </a:r>
+            <a:endParaRPr/>
+          </a:p>
+          <a:p>
+            <a:r>
+              <a:rPr lang="en-US" sz="3200">
+                <a:latin typeface="Arial"/>
+              </a:rPr>
+              <a:t>    </a:t>
+            </a:r>
+            <a:r>
+              <a:rPr lang="en-US" sz="3200">
+                <a:latin typeface="Arial"/>
+              </a:rPr>
+              <a:t>bind :6780</a:t>
+            </a:r>
+            <a:endParaRPr/>
+          </a:p>
+          <a:p>
+            <a:r>
+              <a:rPr lang="en-US" sz="3200">
+                <a:latin typeface="Arial"/>
+              </a:rPr>
+              <a:t>    </a:t>
+            </a:r>
+            <a:r>
+              <a:rPr lang="en-US" sz="3200">
+                <a:latin typeface="Arial"/>
+              </a:rPr>
+              <a:t>default_backend TUMSWeb</a:t>
+            </a:r>
+            <a:endParaRPr/>
+          </a:p>
+          <a:p>
+            <a:endParaRPr/>
+          </a:p>
+          <a:p>
+            <a:r>
+              <a:rPr lang="en-US" sz="3200">
+                <a:latin typeface="Arial"/>
+              </a:rPr>
+              <a:t>backend TUMSWeb</a:t>
+            </a:r>
+            <a:endParaRPr/>
+          </a:p>
+          <a:p>
+            <a:r>
+              <a:rPr lang="en-US" sz="3200">
+                <a:latin typeface="Arial"/>
+              </a:rPr>
+              <a:t>    </a:t>
+            </a:r>
+            <a:r>
+              <a:rPr lang="en-US" sz="3200">
+                <a:latin typeface="Arial"/>
+              </a:rPr>
+              <a:t>mode http</a:t>
+            </a:r>
+            <a:endParaRPr/>
+          </a:p>
+          <a:p>
+            <a:r>
+              <a:rPr lang="en-US" sz="3200">
+                <a:latin typeface="Arial"/>
+              </a:rPr>
+              <a:t>    </a:t>
+            </a:r>
+            <a:r>
+              <a:rPr lang="en-US" sz="3200">
+                <a:latin typeface="Arial"/>
+              </a:rPr>
+              <a:t>server TUMS_WEB_H28 10.223.112.28:6780 check inter 200 fall 3</a:t>
+            </a:r>
+            <a:endParaRPr/>
+          </a:p>
+          <a:p>
+            <a:r>
+              <a:rPr lang="en-US" sz="3200">
+                <a:latin typeface="Arial"/>
+              </a:rPr>
+              <a:t>    </a:t>
+            </a:r>
+            <a:r>
+              <a:rPr lang="en-US" sz="3200">
+                <a:latin typeface="Arial"/>
+              </a:rPr>
+              <a:t>server TUMS_WEB_HB29 10.223.112.29:6780 check inter 200 fall 3 backup</a:t>
+            </a:r>
+            <a:endParaRPr/>
+          </a:p>
+          <a:p>
+            <a:endParaRPr/>
+          </a:p>
+        </p:txBody>
+      </p:sp>
+    </p:spTree>
+  </p:cSld>
+  <p:timing>
+    <p:tnLst>
+      <p:par>
+        <p:cTn id="41" dur="indefinite" restart="never" nodeType="tmRoot">
+          <p:childTnLst>
+            <p:seq>
+              <p:cTn id="42" nodeType="mainSeq"/>
+              <p:prevCondLst>
+                <p:cond delay="0" evt="onPrev">
+                  <p:tgtEl>
+                    <p:sldTgt/>
+                  </p:tgtEl>
+                </p:cond>
+              </p:prevCondLst>
+              <p:nextCondLst>
+                <p:cond delay="0" evt="onNext">
+                  <p:tgtEl>
+                    <p:sldTgt/>
+                  </p:tgtEl>
+                </p:cond>
+              </p:nextCondLst>
+            </p:seq>
+          </p:childTnLst>
+        </p:cTn>
+      </p:par>
+    </p:tnLst>
+  </p:timing>
+</p:sld>
+</file>
+
+<file path=ppt/slides/slide22.xml><?xml version="1.0" encoding="utf-8"?>
+<p:sld xmlns:a="http://schemas.openxmlformats.org/drawingml/2006/main" xmlns:p="http://schemas.openxmlformats.org/presentationml/2006/main" xmlns:r="http://schemas.openxmlformats.org/officeDocument/2006/relationships">
+  <p:cSld>
+    <p:spTree>
+      <p:nvGrpSpPr>
+        <p:cNvPr id="1" name=""/>
+        <p:cNvGrpSpPr/>
+        <p:nvPr/>
+      </p:nvGrpSpPr>
+      <p:grpSpPr>
+        <a:xfrm>
+          <a:off x="0" y="0"/>
+          <a:ext cx="0" cy="0"/>
+          <a:chOff x="0" y="0"/>
+          <a:chExt cx="0" cy="0"/>
+        </a:xfrm>
+      </p:grpSpPr>
+      <p:sp>
+        <p:nvSpPr>
+          <p:cNvPr id="198" name="CustomShape 1"/>
+          <p:cNvSpPr/>
+          <p:nvPr/>
+        </p:nvSpPr>
+        <p:spPr>
+          <a:xfrm>
+            <a:off x="504000" y="301320"/>
+            <a:ext cx="9070560" cy="1261440"/>
+          </a:xfrm>
+          <a:prstGeom prst="rect">
+            <a:avLst/>
+          </a:prstGeom>
+          <a:noFill/>
+          <a:ln>
+            <a:noFill/>
+          </a:ln>
+        </p:spPr>
+        <p:txBody>
+          <a:bodyPr lIns="0" rIns="0" tIns="0" bIns="0" anchor="ctr"/>
+          <a:p>
+            <a:pPr algn="ctr">
+              <a:lnSpc>
+                <a:spcPct val="100000"/>
+              </a:lnSpc>
+            </a:pPr>
+            <a:r>
+              <a:rPr lang="en-US" sz="4400">
+                <a:latin typeface="Arial"/>
+              </a:rPr>
+              <a:t>管理信息</a:t>
+            </a:r>
+            <a:endParaRPr/>
+          </a:p>
+        </p:txBody>
+      </p:sp>
+      <p:sp>
+        <p:nvSpPr>
+          <p:cNvPr id="199" name="CustomShape 2"/>
+          <p:cNvSpPr/>
+          <p:nvPr/>
+        </p:nvSpPr>
+        <p:spPr>
+          <a:xfrm>
+            <a:off x="504000" y="1769040"/>
+            <a:ext cx="9070560" cy="4383360"/>
+          </a:xfrm>
+          <a:prstGeom prst="rect">
+            <a:avLst/>
+          </a:prstGeom>
+          <a:noFill/>
+          <a:ln>
+            <a:noFill/>
+          </a:ln>
+        </p:spPr>
+        <p:txBody>
+          <a:bodyPr lIns="0" rIns="0" tIns="0" bIns="0"/>
+          <a:p>
+            <a:pPr>
+              <a:lnSpc>
+                <a:spcPct val="100000"/>
+              </a:lnSpc>
+              <a:buSzPct val="45000"/>
+              <a:buFont typeface="StarSymbol"/>
+              <a:buChar char="l"/>
+            </a:pPr>
+            <a:r>
+              <a:rPr lang="en-US" sz="3200">
+                <a:latin typeface="Arial"/>
+              </a:rPr>
+              <a:t>Server</a:t>
+            </a:r>
+            <a:endParaRPr/>
+          </a:p>
+          <a:p>
+            <a:pPr lvl="1">
+              <a:lnSpc>
+                <a:spcPct val="100000"/>
+              </a:lnSpc>
+              <a:buSzPct val="45000"/>
+              <a:buFont typeface="StarSymbol"/>
+              <a:buChar char="l"/>
+            </a:pPr>
+            <a:r>
+              <a:rPr lang="en-US" sz="2800">
+                <a:latin typeface="Arial"/>
+              </a:rPr>
+              <a:t>service haproxy start/stop</a:t>
+            </a:r>
+            <a:endParaRPr/>
+          </a:p>
+        </p:txBody>
+      </p:sp>
+    </p:spTree>
+  </p:cSld>
+  <p:timing>
+    <p:tnLst>
+      <p:par>
+        <p:cTn id="43" dur="indefinite" restart="never" nodeType="tmRoot">
+          <p:childTnLst>
+            <p:seq>
+              <p:cTn id="44" nodeType="mainSeq"/>
               <p:prevCondLst>
                 <p:cond delay="0" evt="onPrev">
                   <p:tgtEl>
@@ -4448,14 +8541,14 @@
       </p:grpSpPr>
       <p:sp>
         <p:nvSpPr>
-          <p:cNvPr id="76" name="CustomShape 1"/>
+          <p:cNvPr id="148" name="CustomShape 1"/>
           <p:cNvSpPr/>
           <p:nvPr/>
         </p:nvSpPr>
         <p:spPr>
           <a:xfrm>
             <a:off x="504000" y="301320"/>
-            <a:ext cx="9071280" cy="1261800"/>
+            <a:ext cx="9070560" cy="1261080"/>
           </a:xfrm>
           <a:prstGeom prst="rect">
             <a:avLst/>
@@ -4485,14 +8578,14 @@
       </p:sp>
       <p:sp>
         <p:nvSpPr>
-          <p:cNvPr id="77" name="CustomShape 2"/>
+          <p:cNvPr id="149" name="CustomShape 2"/>
           <p:cNvSpPr/>
           <p:nvPr/>
         </p:nvSpPr>
         <p:spPr>
           <a:xfrm>
             <a:off x="504000" y="1769040"/>
-            <a:ext cx="9071280" cy="4384080"/>
+            <a:ext cx="9070560" cy="4383360"/>
           </a:xfrm>
           <a:prstGeom prst="rect">
             <a:avLst/>
@@ -4650,14 +8743,14 @@
       </p:grpSpPr>
       <p:sp>
         <p:nvSpPr>
-          <p:cNvPr id="78" name="CustomShape 1"/>
+          <p:cNvPr id="150" name="CustomShape 1"/>
           <p:cNvSpPr/>
           <p:nvPr/>
         </p:nvSpPr>
         <p:spPr>
           <a:xfrm>
             <a:off x="504000" y="-73440"/>
-            <a:ext cx="9071280" cy="1078920"/>
+            <a:ext cx="9070560" cy="1078200"/>
           </a:xfrm>
           <a:prstGeom prst="rect">
             <a:avLst/>
@@ -4693,14 +8786,14 @@
       </p:sp>
       <p:sp>
         <p:nvSpPr>
-          <p:cNvPr id="79" name="CustomShape 2"/>
+          <p:cNvPr id="151" name="CustomShape 2"/>
           <p:cNvSpPr/>
           <p:nvPr/>
         </p:nvSpPr>
         <p:spPr>
           <a:xfrm>
             <a:off x="504000" y="1005840"/>
-            <a:ext cx="9071280" cy="6400440"/>
+            <a:ext cx="9070560" cy="6399720"/>
           </a:xfrm>
           <a:prstGeom prst="rect">
             <a:avLst/>
@@ -5044,23 +9137,31 @@
       </p:grpSpPr>
       <p:sp>
         <p:nvSpPr>
-          <p:cNvPr id="80" name="TextShape 1"/>
-          <p:cNvSpPr txBox="1"/>
+          <p:cNvPr id="152" name="CustomShape 1"/>
+          <p:cNvSpPr/>
           <p:nvPr/>
         </p:nvSpPr>
         <p:spPr>
           <a:xfrm>
             <a:off x="504000" y="301320"/>
-            <a:ext cx="9071280" cy="1262160"/>
-          </a:xfrm>
-          <a:prstGeom prst="rect">
-            <a:avLst/>
-          </a:prstGeom>
+            <a:ext cx="9070560" cy="1261440"/>
+          </a:xfrm>
+          <a:prstGeom prst="rect">
+            <a:avLst/>
+          </a:prstGeom>
+          <a:noFill/>
+          <a:ln>
+            <a:noFill/>
+          </a:ln>
         </p:spPr>
         <p:txBody>
           <a:bodyPr lIns="0" rIns="0" tIns="0" bIns="0" anchor="ctr"/>
           <a:p>
-            <a:pPr algn="ctr"/>
+            <a:pPr algn="ctr">
+              <a:lnSpc>
+                <a:spcPct val="100000"/>
+              </a:lnSpc>
+            </a:pPr>
             <a:r>
               <a:rPr lang="en-US" sz="4400">
                 <a:latin typeface="Arial"/>
@@ -5073,26 +9174,33 @@
       </p:sp>
       <p:sp>
         <p:nvSpPr>
-          <p:cNvPr id="81" name="TextShape 2"/>
-          <p:cNvSpPr txBox="1"/>
+          <p:cNvPr id="153" name="CustomShape 2"/>
+          <p:cNvSpPr/>
           <p:nvPr/>
         </p:nvSpPr>
         <p:spPr>
           <a:xfrm>
             <a:off x="504000" y="1769040"/>
-            <a:ext cx="9071280" cy="4384080"/>
-          </a:xfrm>
-          <a:prstGeom prst="rect">
-            <a:avLst/>
-          </a:prstGeom>
+            <a:ext cx="9070560" cy="4383360"/>
+          </a:xfrm>
+          <a:prstGeom prst="rect">
+            <a:avLst/>
+          </a:prstGeom>
+          <a:noFill/>
+          <a:ln>
+            <a:noFill/>
+          </a:ln>
         </p:spPr>
         <p:txBody>
           <a:bodyPr lIns="0" rIns="0" tIns="0" bIns="0"/>
           <a:p>
             <a:pPr>
-              <a:buSzPct val="45000"/>
-              <a:buFont typeface="StarSymbol"/>
-              <a:buChar char=""/>
+              <a:lnSpc>
+                <a:spcPct val="100000"/>
+              </a:lnSpc>
+              <a:buSzPct val="45000"/>
+              <a:buFont typeface="StarSymbol"/>
+              <a:buChar char="l"/>
             </a:pPr>
             <a:r>
               <a:rPr lang="en-US" sz="3200">
@@ -5104,9 +9212,12 @@
           </a:p>
           <a:p>
             <a:pPr>
-              <a:buSzPct val="45000"/>
-              <a:buFont typeface="StarSymbol"/>
-              <a:buChar char=""/>
+              <a:lnSpc>
+                <a:spcPct val="100000"/>
+              </a:lnSpc>
+              <a:buSzPct val="45000"/>
+              <a:buFont typeface="StarSymbol"/>
+              <a:buChar char="l"/>
             </a:pPr>
             <a:r>
               <a:rPr lang="en-US" sz="3200">
@@ -5118,9 +9229,12 @@
           </a:p>
           <a:p>
             <a:pPr>
-              <a:buSzPct val="45000"/>
-              <a:buFont typeface="StarSymbol"/>
-              <a:buChar char=""/>
+              <a:lnSpc>
+                <a:spcPct val="100000"/>
+              </a:lnSpc>
+              <a:buSzPct val="45000"/>
+              <a:buFont typeface="StarSymbol"/>
+              <a:buChar char="l"/>
             </a:pPr>
             <a:r>
               <a:rPr lang="en-US" sz="3200">
@@ -5132,9 +9246,12 @@
           </a:p>
           <a:p>
             <a:pPr>
-              <a:buSzPct val="45000"/>
-              <a:buFont typeface="StarSymbol"/>
-              <a:buChar char=""/>
+              <a:lnSpc>
+                <a:spcPct val="100000"/>
+              </a:lnSpc>
+              <a:buSzPct val="45000"/>
+              <a:buFont typeface="StarSymbol"/>
+              <a:buChar char="l"/>
             </a:pPr>
             <a:r>
               <a:rPr lang="en-US" sz="3200">
@@ -5197,23 +9314,31 @@
       </p:grpSpPr>
       <p:sp>
         <p:nvSpPr>
-          <p:cNvPr id="82" name="TextShape 1"/>
-          <p:cNvSpPr txBox="1"/>
+          <p:cNvPr id="154" name="CustomShape 1"/>
+          <p:cNvSpPr/>
           <p:nvPr/>
         </p:nvSpPr>
         <p:spPr>
           <a:xfrm>
             <a:off x="555840" y="-166320"/>
-            <a:ext cx="9071280" cy="1262160"/>
-          </a:xfrm>
-          <a:prstGeom prst="rect">
-            <a:avLst/>
-          </a:prstGeom>
+            <a:ext cx="9070560" cy="1261440"/>
+          </a:xfrm>
+          <a:prstGeom prst="rect">
+            <a:avLst/>
+          </a:prstGeom>
+          <a:noFill/>
+          <a:ln>
+            <a:noFill/>
+          </a:ln>
         </p:spPr>
         <p:txBody>
           <a:bodyPr lIns="0" rIns="0" tIns="0" bIns="0" anchor="ctr"/>
           <a:p>
-            <a:pPr algn="ctr"/>
+            <a:pPr algn="ctr">
+              <a:lnSpc>
+                <a:spcPct val="100000"/>
+              </a:lnSpc>
+            </a:pPr>
             <a:r>
               <a:rPr lang="en-US" sz="4400">
                 <a:latin typeface="Arial"/>
@@ -5226,35 +9351,42 @@
       </p:sp>
       <p:sp>
         <p:nvSpPr>
-          <p:cNvPr id="83" name="TextShape 2"/>
-          <p:cNvSpPr txBox="1"/>
+          <p:cNvPr id="155" name="CustomShape 2"/>
+          <p:cNvSpPr/>
           <p:nvPr/>
         </p:nvSpPr>
         <p:spPr>
           <a:xfrm>
             <a:off x="504000" y="640080"/>
-            <a:ext cx="9071280" cy="6919560"/>
-          </a:xfrm>
-          <a:prstGeom prst="rect">
-            <a:avLst/>
-          </a:prstGeom>
+            <a:ext cx="9070560" cy="6918840"/>
+          </a:xfrm>
+          <a:prstGeom prst="rect">
+            <a:avLst/>
+          </a:prstGeom>
+          <a:noFill/>
+          <a:ln>
+            <a:noFill/>
+          </a:ln>
         </p:spPr>
         <p:txBody>
           <a:bodyPr lIns="0" rIns="0" tIns="0" bIns="0"/>
           <a:p>
             <a:pPr>
-              <a:buSzPct val="45000"/>
-              <a:buFont typeface="StarSymbol"/>
-              <a:buChar char=""/>
-            </a:pPr>
-            <a:r>
-              <a:rPr lang="en-US" sz="3200">
+              <a:lnSpc>
+                <a:spcPct val="100000"/>
+              </a:lnSpc>
+              <a:buSzPct val="45000"/>
+              <a:buFont typeface="StarSymbol"/>
+              <a:buChar char="l"/>
+            </a:pPr>
+            <a:r>
+              <a:rPr lang="en-US" sz="2400">
                 <a:latin typeface="Arial"/>
               </a:rPr>
               <a:t>主机 </a:t>
             </a:r>
             <a:r>
-              <a:rPr lang="en-US" sz="3200">
+              <a:rPr lang="en-US" sz="2400">
                 <a:latin typeface="Arial"/>
               </a:rPr>
               <a:t>(host)</a:t>
@@ -5263,18 +9395,21 @@
           </a:p>
           <a:p>
             <a:pPr>
-              <a:buSzPct val="45000"/>
-              <a:buFont typeface="StarSymbol"/>
-              <a:buChar char=""/>
-            </a:pPr>
-            <a:r>
-              <a:rPr lang="en-US" sz="3200">
+              <a:lnSpc>
+                <a:spcPct val="100000"/>
+              </a:lnSpc>
+              <a:buSzPct val="45000"/>
+              <a:buFont typeface="StarSymbol"/>
+              <a:buChar char="l"/>
+            </a:pPr>
+            <a:r>
+              <a:rPr lang="en-US" sz="2400">
                 <a:latin typeface="Arial"/>
               </a:rPr>
               <a:t>主机组 </a:t>
             </a:r>
             <a:r>
-              <a:rPr lang="en-US" sz="3200">
+              <a:rPr lang="en-US" sz="2400">
                 <a:latin typeface="Arial"/>
               </a:rPr>
               <a:t>(host group)</a:t>
@@ -5283,18 +9418,21 @@
           </a:p>
           <a:p>
             <a:pPr>
-              <a:buSzPct val="45000"/>
-              <a:buFont typeface="StarSymbol"/>
-              <a:buChar char=""/>
-            </a:pPr>
-            <a:r>
-              <a:rPr lang="en-US" sz="3200">
+              <a:lnSpc>
+                <a:spcPct val="100000"/>
+              </a:lnSpc>
+              <a:buSzPct val="45000"/>
+              <a:buFont typeface="StarSymbol"/>
+              <a:buChar char="l"/>
+            </a:pPr>
+            <a:r>
+              <a:rPr lang="en-US" sz="2400">
                 <a:latin typeface="Arial"/>
               </a:rPr>
               <a:t>监控项 </a:t>
             </a:r>
             <a:r>
-              <a:rPr lang="en-US" sz="3200">
+              <a:rPr lang="en-US" sz="2400">
                 <a:latin typeface="Arial"/>
               </a:rPr>
               <a:t>(item)</a:t>
@@ -5303,18 +9441,21 @@
           </a:p>
           <a:p>
             <a:pPr>
-              <a:buSzPct val="45000"/>
-              <a:buFont typeface="StarSymbol"/>
-              <a:buChar char=""/>
-            </a:pPr>
-            <a:r>
-              <a:rPr lang="en-US" sz="3200">
+              <a:lnSpc>
+                <a:spcPct val="100000"/>
+              </a:lnSpc>
+              <a:buSzPct val="45000"/>
+              <a:buFont typeface="StarSymbol"/>
+              <a:buChar char="l"/>
+            </a:pPr>
+            <a:r>
+              <a:rPr lang="en-US" sz="2400">
                 <a:latin typeface="Arial"/>
               </a:rPr>
               <a:t>触发器 </a:t>
             </a:r>
             <a:r>
-              <a:rPr lang="en-US" sz="3200">
+              <a:rPr lang="en-US" sz="2400">
                 <a:latin typeface="Arial"/>
               </a:rPr>
               <a:t>(trigger)</a:t>
@@ -5323,18 +9464,21 @@
           </a:p>
           <a:p>
             <a:pPr>
-              <a:buSzPct val="45000"/>
-              <a:buFont typeface="StarSymbol"/>
-              <a:buChar char=""/>
-            </a:pPr>
-            <a:r>
-              <a:rPr lang="en-US" sz="3200">
+              <a:lnSpc>
+                <a:spcPct val="100000"/>
+              </a:lnSpc>
+              <a:buSzPct val="45000"/>
+              <a:buFont typeface="StarSymbol"/>
+              <a:buChar char="l"/>
+            </a:pPr>
+            <a:r>
+              <a:rPr lang="en-US" sz="2400">
                 <a:latin typeface="Arial"/>
               </a:rPr>
               <a:t>事件 </a:t>
             </a:r>
             <a:r>
-              <a:rPr lang="en-US" sz="3200">
+              <a:rPr lang="en-US" sz="2400">
                 <a:latin typeface="Arial"/>
               </a:rPr>
               <a:t>(event)</a:t>
@@ -5343,18 +9487,21 @@
           </a:p>
           <a:p>
             <a:pPr>
-              <a:buSzPct val="45000"/>
-              <a:buFont typeface="StarSymbol"/>
-              <a:buChar char=""/>
-            </a:pPr>
-            <a:r>
-              <a:rPr lang="en-US" sz="3200">
+              <a:lnSpc>
+                <a:spcPct val="100000"/>
+              </a:lnSpc>
+              <a:buSzPct val="45000"/>
+              <a:buFont typeface="StarSymbol"/>
+              <a:buChar char="l"/>
+            </a:pPr>
+            <a:r>
+              <a:rPr lang="en-US" sz="2400">
                 <a:latin typeface="Arial"/>
               </a:rPr>
               <a:t>异常 </a:t>
             </a:r>
             <a:r>
-              <a:rPr lang="en-US" sz="3200">
+              <a:rPr lang="en-US" sz="2400">
                 <a:latin typeface="Arial"/>
               </a:rPr>
               <a:t>(problem)</a:t>
@@ -5363,18 +9510,21 @@
           </a:p>
           <a:p>
             <a:pPr>
-              <a:buSzPct val="45000"/>
-              <a:buFont typeface="StarSymbol"/>
-              <a:buChar char=""/>
-            </a:pPr>
-            <a:r>
-              <a:rPr lang="en-US" sz="3200">
+              <a:lnSpc>
+                <a:spcPct val="100000"/>
+              </a:lnSpc>
+              <a:buSzPct val="45000"/>
+              <a:buFont typeface="StarSymbol"/>
+              <a:buChar char="l"/>
+            </a:pPr>
+            <a:r>
+              <a:rPr lang="en-US" sz="2400">
                 <a:latin typeface="Arial"/>
               </a:rPr>
               <a:t>动作 </a:t>
             </a:r>
             <a:r>
-              <a:rPr lang="en-US" sz="3200">
+              <a:rPr lang="en-US" sz="2400">
                 <a:latin typeface="Arial"/>
               </a:rPr>
               <a:t>(action)</a:t>
@@ -5383,18 +9533,21 @@
           </a:p>
           <a:p>
             <a:pPr>
-              <a:buSzPct val="45000"/>
-              <a:buFont typeface="StarSymbol"/>
-              <a:buChar char=""/>
-            </a:pPr>
-            <a:r>
-              <a:rPr lang="en-US" sz="3200">
+              <a:lnSpc>
+                <a:spcPct val="100000"/>
+              </a:lnSpc>
+              <a:buSzPct val="45000"/>
+              <a:buFont typeface="StarSymbol"/>
+              <a:buChar char="l"/>
+            </a:pPr>
+            <a:r>
+              <a:rPr lang="en-US" sz="2400">
                 <a:latin typeface="Arial"/>
               </a:rPr>
               <a:t>升级 </a:t>
             </a:r>
             <a:r>
-              <a:rPr lang="en-US" sz="3200">
+              <a:rPr lang="en-US" sz="2400">
                 <a:latin typeface="Arial"/>
               </a:rPr>
               <a:t>(escalation)</a:t>
@@ -5403,18 +9556,21 @@
           </a:p>
           <a:p>
             <a:pPr>
-              <a:buSzPct val="45000"/>
-              <a:buFont typeface="StarSymbol"/>
-              <a:buChar char=""/>
-            </a:pPr>
-            <a:r>
-              <a:rPr lang="en-US" sz="3200">
+              <a:lnSpc>
+                <a:spcPct val="100000"/>
+              </a:lnSpc>
+              <a:buSzPct val="45000"/>
+              <a:buFont typeface="StarSymbol"/>
+              <a:buChar char="l"/>
+            </a:pPr>
+            <a:r>
+              <a:rPr lang="en-US" sz="2400">
                 <a:latin typeface="Arial"/>
               </a:rPr>
               <a:t>媒介 </a:t>
             </a:r>
             <a:r>
-              <a:rPr lang="en-US" sz="3200">
+              <a:rPr lang="en-US" sz="2400">
                 <a:latin typeface="Arial"/>
               </a:rPr>
               <a:t>(media)</a:t>
@@ -5423,18 +9579,21 @@
           </a:p>
           <a:p>
             <a:pPr>
-              <a:buSzPct val="45000"/>
-              <a:buFont typeface="StarSymbol"/>
-              <a:buChar char=""/>
-            </a:pPr>
-            <a:r>
-              <a:rPr lang="en-US" sz="3200">
+              <a:lnSpc>
+                <a:spcPct val="100000"/>
+              </a:lnSpc>
+              <a:buSzPct val="45000"/>
+              <a:buFont typeface="StarSymbol"/>
+              <a:buChar char="l"/>
+            </a:pPr>
+            <a:r>
+              <a:rPr lang="en-US" sz="2400">
                 <a:latin typeface="Arial"/>
               </a:rPr>
               <a:t>通知 </a:t>
             </a:r>
             <a:r>
-              <a:rPr lang="en-US" sz="3200">
+              <a:rPr lang="en-US" sz="2400">
                 <a:latin typeface="Arial"/>
               </a:rPr>
               <a:t>(notification)</a:t>
@@ -5443,18 +9602,21 @@
           </a:p>
           <a:p>
             <a:pPr>
-              <a:buSzPct val="45000"/>
-              <a:buFont typeface="StarSymbol"/>
-              <a:buChar char=""/>
-            </a:pPr>
-            <a:r>
-              <a:rPr lang="en-US" sz="3200">
+              <a:lnSpc>
+                <a:spcPct val="100000"/>
+              </a:lnSpc>
+              <a:buSzPct val="45000"/>
+              <a:buFont typeface="StarSymbol"/>
+              <a:buChar char="l"/>
+            </a:pPr>
+            <a:r>
+              <a:rPr lang="en-US" sz="2400">
                 <a:latin typeface="Arial"/>
               </a:rPr>
               <a:t>远程命令 </a:t>
             </a:r>
             <a:r>
-              <a:rPr lang="en-US" sz="3200">
+              <a:rPr lang="en-US" sz="2400">
                 <a:latin typeface="Arial"/>
               </a:rPr>
               <a:t>(remote command)</a:t>
@@ -5463,18 +9625,21 @@
           </a:p>
           <a:p>
             <a:pPr>
-              <a:buSzPct val="45000"/>
-              <a:buFont typeface="StarSymbol"/>
-              <a:buChar char=""/>
-            </a:pPr>
-            <a:r>
-              <a:rPr lang="en-US" sz="3200">
+              <a:lnSpc>
+                <a:spcPct val="100000"/>
+              </a:lnSpc>
+              <a:buSzPct val="45000"/>
+              <a:buFont typeface="StarSymbol"/>
+              <a:buChar char="l"/>
+            </a:pPr>
+            <a:r>
+              <a:rPr lang="en-US" sz="2400">
                 <a:latin typeface="Arial"/>
               </a:rPr>
               <a:t>模版 </a:t>
             </a:r>
             <a:r>
-              <a:rPr lang="en-US" sz="3200">
+              <a:rPr lang="en-US" sz="2400">
                 <a:latin typeface="Arial"/>
               </a:rPr>
               <a:t>(template)</a:t>
@@ -5483,18 +9648,21 @@
           </a:p>
           <a:p>
             <a:pPr>
-              <a:buSzPct val="45000"/>
-              <a:buFont typeface="StarSymbol"/>
-              <a:buChar char=""/>
-            </a:pPr>
-            <a:r>
-              <a:rPr lang="en-US" sz="3200">
+              <a:lnSpc>
+                <a:spcPct val="100000"/>
+              </a:lnSpc>
+              <a:buSzPct val="45000"/>
+              <a:buFont typeface="StarSymbol"/>
+              <a:buChar char="l"/>
+            </a:pPr>
+            <a:r>
+              <a:rPr lang="en-US" sz="2400">
                 <a:latin typeface="Arial"/>
               </a:rPr>
               <a:t>应用 </a:t>
             </a:r>
             <a:r>
-              <a:rPr lang="en-US" sz="3200">
+              <a:rPr lang="en-US" sz="2400">
                 <a:latin typeface="Arial"/>
               </a:rPr>
               <a:t>(application)</a:t>
@@ -5503,24 +9671,27 @@
           </a:p>
           <a:p>
             <a:pPr>
-              <a:buSzPct val="45000"/>
-              <a:buFont typeface="StarSymbol"/>
-              <a:buChar char=""/>
-            </a:pPr>
-            <a:r>
-              <a:rPr lang="en-US" sz="3200">
+              <a:lnSpc>
+                <a:spcPct val="100000"/>
+              </a:lnSpc>
+              <a:buSzPct val="45000"/>
+              <a:buFont typeface="StarSymbol"/>
+              <a:buChar char="l"/>
+            </a:pPr>
+            <a:r>
+              <a:rPr lang="en-US" sz="2400">
                 <a:latin typeface="Arial"/>
               </a:rPr>
               <a:t>web </a:t>
             </a:r>
             <a:r>
-              <a:rPr lang="en-US" sz="3200">
+              <a:rPr lang="en-US" sz="2400">
                 <a:latin typeface="Arial"/>
               </a:rPr>
               <a:t>场景 </a:t>
             </a:r>
             <a:r>
-              <a:rPr lang="en-US" sz="3200">
+              <a:rPr lang="en-US" sz="2400">
                 <a:latin typeface="Arial"/>
               </a:rPr>
               <a:t>(web scenario)</a:t>
@@ -5529,18 +9700,21 @@
           </a:p>
           <a:p>
             <a:pPr>
-              <a:buSzPct val="45000"/>
-              <a:buFont typeface="StarSymbol"/>
-              <a:buChar char=""/>
-            </a:pPr>
-            <a:r>
-              <a:rPr lang="en-US" sz="3200">
+              <a:lnSpc>
+                <a:spcPct val="100000"/>
+              </a:lnSpc>
+              <a:buSzPct val="45000"/>
+              <a:buFont typeface="StarSymbol"/>
+              <a:buChar char="l"/>
+            </a:pPr>
+            <a:r>
+              <a:rPr lang="en-US" sz="2400">
                 <a:latin typeface="Arial"/>
               </a:rPr>
               <a:t>前端 </a:t>
             </a:r>
             <a:r>
-              <a:rPr lang="en-US" sz="3200">
+              <a:rPr lang="en-US" sz="2400">
                 <a:latin typeface="Arial"/>
               </a:rPr>
               <a:t>(frontend)</a:t>
@@ -5549,12 +9723,15 @@
           </a:p>
           <a:p>
             <a:pPr>
-              <a:buSzPct val="45000"/>
-              <a:buFont typeface="StarSymbol"/>
-              <a:buChar char=""/>
-            </a:pPr>
-            <a:r>
-              <a:rPr lang="en-US" sz="3200">
+              <a:lnSpc>
+                <a:spcPct val="100000"/>
+              </a:lnSpc>
+              <a:buSzPct val="45000"/>
+              <a:buFont typeface="StarSymbol"/>
+              <a:buChar char="l"/>
+            </a:pPr>
+            <a:r>
+              <a:rPr lang="en-US" sz="2400">
                 <a:latin typeface="Arial"/>
               </a:rPr>
               <a:t>Zabbix API</a:t>
@@ -5563,12 +9740,15 @@
           </a:p>
           <a:p>
             <a:pPr>
-              <a:buSzPct val="45000"/>
-              <a:buFont typeface="StarSymbol"/>
-              <a:buChar char=""/>
-            </a:pPr>
-            <a:r>
-              <a:rPr lang="en-US" sz="3200">
+              <a:lnSpc>
+                <a:spcPct val="100000"/>
+              </a:lnSpc>
+              <a:buSzPct val="45000"/>
+              <a:buFont typeface="StarSymbol"/>
+              <a:buChar char="l"/>
+            </a:pPr>
+            <a:r>
+              <a:rPr lang="en-US" sz="2400">
                 <a:latin typeface="Arial"/>
               </a:rPr>
               <a:t>Zabbix server</a:t>
@@ -5577,12 +9757,15 @@
           </a:p>
           <a:p>
             <a:pPr>
-              <a:buSzPct val="45000"/>
-              <a:buFont typeface="StarSymbol"/>
-              <a:buChar char=""/>
-            </a:pPr>
-            <a:r>
-              <a:rPr lang="en-US" sz="3200">
+              <a:lnSpc>
+                <a:spcPct val="100000"/>
+              </a:lnSpc>
+              <a:buSzPct val="45000"/>
+              <a:buFont typeface="StarSymbol"/>
+              <a:buChar char="l"/>
+            </a:pPr>
+            <a:r>
+              <a:rPr lang="en-US" sz="2400">
                 <a:latin typeface="Arial"/>
               </a:rPr>
               <a:t>Zabbix agent</a:t>
@@ -5591,12 +9774,15 @@
           </a:p>
           <a:p>
             <a:pPr>
-              <a:buSzPct val="45000"/>
-              <a:buFont typeface="StarSymbol"/>
-              <a:buChar char=""/>
-            </a:pPr>
-            <a:r>
-              <a:rPr lang="en-US" sz="3200">
+              <a:lnSpc>
+                <a:spcPct val="100000"/>
+              </a:lnSpc>
+              <a:buSzPct val="45000"/>
+              <a:buFont typeface="StarSymbol"/>
+              <a:buChar char="l"/>
+            </a:pPr>
+            <a:r>
+              <a:rPr lang="en-US" sz="2400">
                 <a:latin typeface="Arial"/>
               </a:rPr>
               <a:t>Zabbix proxy</a:t>
@@ -5656,14 +9842,14 @@
       </p:grpSpPr>
       <p:sp>
         <p:nvSpPr>
-          <p:cNvPr id="84" name="TextShape 1"/>
+          <p:cNvPr id="156" name="TextShape 1"/>
           <p:cNvSpPr txBox="1"/>
           <p:nvPr/>
         </p:nvSpPr>
         <p:spPr>
           <a:xfrm>
             <a:off x="504000" y="301320"/>
-            <a:ext cx="9071280" cy="1262160"/>
+            <a:ext cx="9072000" cy="1261800"/>
           </a:xfrm>
           <a:prstGeom prst="rect">
             <a:avLst/>
@@ -5673,119 +9859,35 @@
           <a:bodyPr lIns="0" rIns="0" tIns="0" bIns="0" anchor="ctr"/>
           <a:p>
             <a:pPr algn="ctr"/>
-            <a:r>
-              <a:rPr lang="en-US" sz="4400">
-                <a:latin typeface="Arial"/>
-              </a:rPr>
-              <a:t>管理信息</a:t>
-            </a:r>
-            <a:endParaRPr/>
-          </a:p>
-        </p:txBody>
-      </p:sp>
-      <p:sp>
-        <p:nvSpPr>
-          <p:cNvPr id="85" name="TextShape 2"/>
-          <p:cNvSpPr txBox="1"/>
+            <a:endParaRPr/>
+          </a:p>
+        </p:txBody>
+      </p:sp>
+      <p:pic>
+        <p:nvPicPr>
+          <p:cNvPr id="157" name="" descr=""/>
+          <p:cNvPicPr/>
           <p:nvPr/>
-        </p:nvSpPr>
-        <p:spPr>
-          <a:xfrm>
-            <a:off x="504000" y="1769040"/>
-            <a:ext cx="9071280" cy="4384080"/>
-          </a:xfrm>
-          <a:prstGeom prst="rect">
-            <a:avLst/>
-          </a:prstGeom>
-        </p:spPr>
-        <p:txBody>
-          <a:bodyPr lIns="0" rIns="0" tIns="0" bIns="0"/>
-          <a:p>
-            <a:pPr>
-              <a:buSzPct val="45000"/>
-              <a:buFont typeface="StarSymbol"/>
-              <a:buChar char=""/>
-            </a:pPr>
-            <a:r>
-              <a:rPr lang="en-US" sz="3200">
-                <a:latin typeface="Arial"/>
-              </a:rPr>
-              <a:t>Server</a:t>
-            </a:r>
-            <a:endParaRPr/>
-          </a:p>
-          <a:p>
-            <a:pPr lvl="1">
-              <a:buSzPct val="75000"/>
-              <a:buFont typeface="StarSymbol"/>
-              <a:buChar char=""/>
-            </a:pPr>
-            <a:r>
-              <a:rPr lang="en-US" sz="2800">
-                <a:latin typeface="Arial"/>
-              </a:rPr>
-              <a:t>Service zabbix_server start/stop</a:t>
-            </a:r>
-            <a:endParaRPr/>
-          </a:p>
-          <a:p>
-            <a:pPr>
-              <a:buSzPct val="45000"/>
-              <a:buFont typeface="StarSymbol"/>
-              <a:buChar char=""/>
-            </a:pPr>
-            <a:r>
-              <a:rPr lang="en-US" sz="3200">
-                <a:latin typeface="Arial"/>
-              </a:rPr>
-              <a:t>Agent</a:t>
-            </a:r>
-            <a:endParaRPr/>
-          </a:p>
-          <a:p>
-            <a:pPr lvl="1">
-              <a:buSzPct val="75000"/>
-              <a:buFont typeface="StarSymbol"/>
-              <a:buChar char=""/>
-            </a:pPr>
-            <a:r>
-              <a:rPr lang="en-US" sz="2800">
-                <a:latin typeface="Arial"/>
-              </a:rPr>
-              <a:t>Service zabbix_agentd start/stop</a:t>
-            </a:r>
-            <a:endParaRPr/>
-          </a:p>
-          <a:p>
-            <a:pPr>
-              <a:buSzPct val="45000"/>
-              <a:buFont typeface="StarSymbol"/>
-              <a:buChar char=""/>
-            </a:pPr>
-            <a:r>
-              <a:rPr lang="en-US" sz="3200">
-                <a:latin typeface="Arial"/>
-              </a:rPr>
-              <a:t>Web url</a:t>
-            </a:r>
-            <a:endParaRPr/>
-          </a:p>
-          <a:p>
-            <a:pPr lvl="1">
-              <a:buSzPct val="75000"/>
-              <a:buFont typeface="StarSymbol"/>
-              <a:buChar char=""/>
-            </a:pPr>
-            <a:r>
-              <a:rPr lang="en-US" sz="2800">
-                <a:latin typeface="Arial"/>
-              </a:rPr>
-              <a:t>http://10.221.2.164/zabbix/</a:t>
-            </a:r>
-            <a:endParaRPr/>
-          </a:p>
-        </p:txBody>
-      </p:sp>
+        </p:nvPicPr>
+        <p:blipFill>
+          <a:blip r:embed="rId1"/>
+          <a:stretch>
+            <a:fillRect/>
+          </a:stretch>
+        </p:blipFill>
+        <p:spPr>
+          <a:xfrm>
+            <a:off x="0" y="0"/>
+            <a:ext cx="10080720" cy="7559640"/>
+          </a:xfrm>
+          <a:prstGeom prst="rect">
+            <a:avLst/>
+          </a:prstGeom>
+          <a:ln>
+            <a:noFill/>
+          </a:ln>
+        </p:spPr>
+      </p:pic>
     </p:spTree>
   </p:cSld>
   <p:timing>
@@ -5837,14 +9939,14 @@
       </p:grpSpPr>
       <p:sp>
         <p:nvSpPr>
-          <p:cNvPr id="86" name="TextShape 1"/>
+          <p:cNvPr id="158" name="TextShape 1"/>
           <p:cNvSpPr txBox="1"/>
           <p:nvPr/>
         </p:nvSpPr>
         <p:spPr>
           <a:xfrm>
             <a:off x="504000" y="301320"/>
-            <a:ext cx="9071280" cy="1262160"/>
+            <a:ext cx="9072000" cy="1261800"/>
           </a:xfrm>
           <a:prstGeom prst="rect">
             <a:avLst/>
@@ -5854,119 +9956,35 @@
           <a:bodyPr lIns="0" rIns="0" tIns="0" bIns="0" anchor="ctr"/>
           <a:p>
             <a:pPr algn="ctr"/>
-            <a:r>
-              <a:rPr lang="en-US" sz="4400">
-                <a:latin typeface="Arial"/>
-              </a:rPr>
-              <a:t>ldap</a:t>
-            </a:r>
-            <a:endParaRPr/>
-          </a:p>
-        </p:txBody>
-      </p:sp>
-      <p:sp>
-        <p:nvSpPr>
-          <p:cNvPr id="87" name="TextShape 2"/>
-          <p:cNvSpPr txBox="1"/>
+            <a:endParaRPr/>
+          </a:p>
+        </p:txBody>
+      </p:sp>
+      <p:pic>
+        <p:nvPicPr>
+          <p:cNvPr id="159" name="" descr=""/>
+          <p:cNvPicPr/>
           <p:nvPr/>
-        </p:nvSpPr>
-        <p:spPr>
-          <a:xfrm>
-            <a:off x="504000" y="1769040"/>
-            <a:ext cx="9071280" cy="4384080"/>
-          </a:xfrm>
-          <a:prstGeom prst="rect">
-            <a:avLst/>
-          </a:prstGeom>
-        </p:spPr>
-        <p:txBody>
-          <a:bodyPr lIns="0" rIns="0" tIns="0" bIns="0"/>
-          <a:p>
-            <a:pPr>
-              <a:buSzPct val="45000"/>
-              <a:buFont typeface="StarSymbol"/>
-              <a:buChar char=""/>
-            </a:pPr>
-            <a:r>
-              <a:rPr lang="en-US" sz="3200">
-                <a:latin typeface="Arial"/>
-              </a:rPr>
-              <a:t>目录服务：是专门用于搜索和浏览的专用数据库，另外还支持基本查找和更新功能</a:t>
-            </a:r>
-            <a:endParaRPr/>
-          </a:p>
-          <a:p>
-            <a:pPr>
-              <a:buSzPct val="45000"/>
-              <a:buFont typeface="StarSymbol"/>
-              <a:buChar char=""/>
-            </a:pPr>
-            <a:r>
-              <a:rPr lang="en-US" sz="3200">
-                <a:latin typeface="Arial"/>
-              </a:rPr>
-              <a:t>LDAP</a:t>
-            </a:r>
-            <a:r>
-              <a:rPr lang="en-US" sz="3200">
-                <a:latin typeface="Arial"/>
-              </a:rPr>
-              <a:t>信息模型基于条目</a:t>
-            </a:r>
-            <a:r>
-              <a:rPr lang="en-US" sz="3200">
-                <a:latin typeface="Arial"/>
-              </a:rPr>
-              <a:t>,</a:t>
-            </a:r>
-            <a:r>
-              <a:rPr lang="en-US" sz="3200">
-                <a:latin typeface="Arial"/>
-              </a:rPr>
-              <a:t>条目是具有全局唯一性的属性集合专有名称（</a:t>
-            </a:r>
-            <a:r>
-              <a:rPr lang="en-US" sz="3200">
-                <a:latin typeface="Arial"/>
-              </a:rPr>
-              <a:t>DN</a:t>
-            </a:r>
-            <a:r>
-              <a:rPr lang="en-US" sz="3200">
-                <a:latin typeface="Arial"/>
-              </a:rPr>
-              <a:t>）</a:t>
-            </a:r>
-            <a:endParaRPr/>
-          </a:p>
-          <a:p>
-            <a:pPr>
-              <a:buSzPct val="45000"/>
-              <a:buFont typeface="StarSymbol"/>
-              <a:buChar char=""/>
-            </a:pPr>
-            <a:r>
-              <a:rPr lang="en-US" sz="3200">
-                <a:latin typeface="Arial"/>
-              </a:rPr>
-              <a:t>在</a:t>
-            </a:r>
-            <a:r>
-              <a:rPr lang="en-US" sz="3200">
-                <a:latin typeface="Arial"/>
-              </a:rPr>
-              <a:t>LDAP</a:t>
-            </a:r>
-            <a:r>
-              <a:rPr lang="en-US" sz="3200">
-                <a:latin typeface="Arial"/>
-              </a:rPr>
-              <a:t>中，目录条目以分层树状结构排列</a:t>
-            </a:r>
-            <a:endParaRPr/>
-          </a:p>
-        </p:txBody>
-      </p:sp>
+        </p:nvPicPr>
+        <p:blipFill>
+          <a:blip r:embed="rId1"/>
+          <a:stretch>
+            <a:fillRect/>
+          </a:stretch>
+        </p:blipFill>
+        <p:spPr>
+          <a:xfrm>
+            <a:off x="0" y="0"/>
+            <a:ext cx="10080720" cy="7559640"/>
+          </a:xfrm>
+          <a:prstGeom prst="rect">
+            <a:avLst/>
+          </a:prstGeom>
+          <a:ln>
+            <a:noFill/>
+          </a:ln>
+        </p:spPr>
+      </p:pic>
     </p:spTree>
   </p:cSld>
   <p:timing>
@@ -6016,50 +10034,164 @@
           <a:chExt cx="0" cy="0"/>
         </a:xfrm>
       </p:grpSpPr>
-      <p:pic>
-        <p:nvPicPr>
-          <p:cNvPr id="88" name="" descr=""/>
-          <p:cNvPicPr/>
+      <p:sp>
+        <p:nvSpPr>
+          <p:cNvPr id="160" name="CustomShape 1"/>
+          <p:cNvSpPr/>
           <p:nvPr/>
-        </p:nvPicPr>
-        <p:blipFill>
-          <a:blip r:embed="rId1"/>
-          <a:stretch>
-            <a:fillRect/>
-          </a:stretch>
-        </p:blipFill>
-        <p:spPr>
-          <a:xfrm>
-            <a:off x="2458080" y="1769040"/>
-            <a:ext cx="5162760" cy="4384080"/>
-          </a:xfrm>
-          <a:prstGeom prst="rect">
-            <a:avLst/>
-          </a:prstGeom>
+        </p:nvSpPr>
+        <p:spPr>
+          <a:xfrm>
+            <a:off x="504000" y="301320"/>
+            <a:ext cx="9070560" cy="1261440"/>
+          </a:xfrm>
+          <a:prstGeom prst="rect">
+            <a:avLst/>
+          </a:prstGeom>
+          <a:noFill/>
           <a:ln>
             <a:noFill/>
           </a:ln>
         </p:spPr>
-      </p:pic>
-      <p:sp>
-        <p:nvSpPr>
-          <p:cNvPr id="89" name="TextShape 1"/>
-          <p:cNvSpPr txBox="1"/>
+        <p:txBody>
+          <a:bodyPr lIns="0" rIns="0" tIns="0" bIns="0" anchor="ctr"/>
+          <a:p>
+            <a:pPr algn="ctr">
+              <a:lnSpc>
+                <a:spcPct val="100000"/>
+              </a:lnSpc>
+            </a:pPr>
+            <a:r>
+              <a:rPr lang="en-US" sz="4400">
+                <a:latin typeface="Arial"/>
+              </a:rPr>
+              <a:t>管理信息</a:t>
+            </a:r>
+            <a:endParaRPr/>
+          </a:p>
+        </p:txBody>
+      </p:sp>
+      <p:sp>
+        <p:nvSpPr>
+          <p:cNvPr id="161" name="CustomShape 2"/>
+          <p:cNvSpPr/>
           <p:nvPr/>
         </p:nvSpPr>
         <p:spPr>
           <a:xfrm>
-            <a:off x="504000" y="301320"/>
-            <a:ext cx="9071280" cy="1262160"/>
-          </a:xfrm>
-          <a:prstGeom prst="rect">
-            <a:avLst/>
-          </a:prstGeom>
-        </p:spPr>
-        <p:txBody>
-          <a:bodyPr lIns="0" rIns="0" tIns="0" bIns="0" anchor="ctr"/>
-          <a:p>
-            <a:pPr algn="ctr"/>
+            <a:off x="504000" y="1769040"/>
+            <a:ext cx="9070560" cy="4383360"/>
+          </a:xfrm>
+          <a:prstGeom prst="rect">
+            <a:avLst/>
+          </a:prstGeom>
+          <a:noFill/>
+          <a:ln>
+            <a:noFill/>
+          </a:ln>
+        </p:spPr>
+        <p:txBody>
+          <a:bodyPr lIns="0" rIns="0" tIns="0" bIns="0"/>
+          <a:p>
+            <a:pPr>
+              <a:lnSpc>
+                <a:spcPct val="100000"/>
+              </a:lnSpc>
+              <a:buSzPct val="45000"/>
+              <a:buFont typeface="StarSymbol"/>
+              <a:buChar char="l"/>
+            </a:pPr>
+            <a:r>
+              <a:rPr lang="en-US" sz="3200">
+                <a:latin typeface="Arial"/>
+              </a:rPr>
+              <a:t>Server</a:t>
+            </a:r>
+            <a:endParaRPr/>
+          </a:p>
+          <a:p>
+            <a:pPr lvl="1">
+              <a:lnSpc>
+                <a:spcPct val="100000"/>
+              </a:lnSpc>
+              <a:buSzPct val="45000"/>
+              <a:buFont typeface="StarSymbol"/>
+              <a:buChar char="l"/>
+            </a:pPr>
+            <a:r>
+              <a:rPr lang="en-US" sz="2800">
+                <a:latin typeface="Arial"/>
+              </a:rPr>
+              <a:t>Service zabbix_server start/stop</a:t>
+            </a:r>
+            <a:endParaRPr/>
+          </a:p>
+          <a:p>
+            <a:pPr>
+              <a:lnSpc>
+                <a:spcPct val="100000"/>
+              </a:lnSpc>
+              <a:buSzPct val="45000"/>
+              <a:buFont typeface="StarSymbol"/>
+              <a:buChar char="l"/>
+            </a:pPr>
+            <a:r>
+              <a:rPr lang="en-US" sz="3200">
+                <a:latin typeface="Arial"/>
+              </a:rPr>
+              <a:t>Agent</a:t>
+            </a:r>
+            <a:endParaRPr/>
+          </a:p>
+          <a:p>
+            <a:pPr lvl="1">
+              <a:lnSpc>
+                <a:spcPct val="100000"/>
+              </a:lnSpc>
+              <a:buSzPct val="45000"/>
+              <a:buFont typeface="StarSymbol"/>
+              <a:buChar char="l"/>
+            </a:pPr>
+            <a:r>
+              <a:rPr lang="en-US" sz="2800">
+                <a:latin typeface="Arial"/>
+              </a:rPr>
+              <a:t>Service zabbix_agentd start/stop</a:t>
+            </a:r>
+            <a:endParaRPr/>
+          </a:p>
+          <a:p>
+            <a:pPr>
+              <a:lnSpc>
+                <a:spcPct val="100000"/>
+              </a:lnSpc>
+              <a:buSzPct val="45000"/>
+              <a:buFont typeface="StarSymbol"/>
+              <a:buChar char="l"/>
+            </a:pPr>
+            <a:r>
+              <a:rPr lang="en-US" sz="3200">
+                <a:latin typeface="Arial"/>
+              </a:rPr>
+              <a:t>Web url</a:t>
+            </a:r>
+            <a:endParaRPr/>
+          </a:p>
+          <a:p>
+            <a:pPr lvl="1">
+              <a:lnSpc>
+                <a:spcPct val="100000"/>
+              </a:lnSpc>
+              <a:buSzPct val="45000"/>
+              <a:buFont typeface="StarSymbol"/>
+              <a:buChar char="l"/>
+            </a:pPr>
+            <a:r>
+              <a:rPr lang="en-US" sz="2800">
+                <a:latin typeface="Arial"/>
+              </a:rPr>
+              <a:t>http://10.221.2.164/zabbix/</a:t>
+            </a:r>
             <a:endParaRPr/>
           </a:p>
         </p:txBody>
@@ -6540,4 +10672,450 @@
     </a:fmtScheme>
   </a:themeElements>
 </a:theme>
+</file>
+
+<file path=ppt/theme/theme3.xml><?xml version="1.0" encoding="utf-8"?>
+<a:theme xmlns:a="http://schemas.openxmlformats.org/drawingml/2006/main" name="Office Theme">
+  <a:themeElements>
+    <a:clrScheme name="Office">
+      <a:dk1>
+        <a:sysClr val="windowText" lastClr="000000"/>
+      </a:dk1>
+      <a:lt1>
+        <a:sysClr val="window" lastClr="FFFFFF"/>
+      </a:lt1>
+      <a:dk2>
+        <a:srgbClr val="1F497D"/>
+      </a:dk2>
+      <a:lt2>
+        <a:srgbClr val="EEECE1"/>
+      </a:lt2>
+      <a:accent1>
+        <a:srgbClr val="4F81BD"/>
+      </a:accent1>
+      <a:accent2>
+        <a:srgbClr val="C0504D"/>
+      </a:accent2>
+      <a:accent3>
+        <a:srgbClr val="9BBB59"/>
+      </a:accent3>
+      <a:accent4>
+        <a:srgbClr val="8064A2"/>
+      </a:accent4>
+      <a:accent5>
+        <a:srgbClr val="4BACC6"/>
+      </a:accent5>
+      <a:accent6>
+        <a:srgbClr val="F79646"/>
+      </a:accent6>
+      <a:hlink>
+        <a:srgbClr val="0000FF"/>
+      </a:hlink>
+      <a:folHlink>
+        <a:srgbClr val="800080"/>
+      </a:folHlink>
+    </a:clrScheme>
+    <a:fontScheme name="Office">
+      <a:majorFont>
+        <a:latin typeface="Arial"/>
+        <a:ea typeface="DejaVu Sans"/>
+        <a:cs typeface="DejaVu Sans"/>
+      </a:majorFont>
+      <a:minorFont>
+        <a:latin typeface="Arial"/>
+        <a:ea typeface="DejaVu Sans"/>
+        <a:cs typeface="DejaVu Sans"/>
+      </a:minorFont>
+    </a:fontScheme>
+    <a:fmtScheme name="Office">
+      <a:fillStyleLst>
+        <a:solidFill>
+          <a:schemeClr val="phClr"/>
+        </a:solidFill>
+        <a:gradFill rotWithShape="1">
+          <a:gsLst>
+            <a:gs pos="0">
+              <a:schemeClr val="phClr">
+                <a:tint val="50000"/>
+                <a:satMod val="300000"/>
+              </a:schemeClr>
+            </a:gs>
+            <a:gs pos="35000">
+              <a:schemeClr val="phClr">
+                <a:tint val="37000"/>
+                <a:satMod val="300000"/>
+              </a:schemeClr>
+            </a:gs>
+            <a:gs pos="100000">
+              <a:schemeClr val="phClr">
+                <a:tint val="15000"/>
+                <a:satMod val="350000"/>
+              </a:schemeClr>
+            </a:gs>
+          </a:gsLst>
+          <a:lin ang="16200000" scaled="1"/>
+        </a:gradFill>
+        <a:gradFill rotWithShape="1">
+          <a:gsLst>
+            <a:gs pos="0">
+              <a:schemeClr val="phClr">
+                <a:shade val="51000"/>
+                <a:satMod val="130000"/>
+              </a:schemeClr>
+            </a:gs>
+            <a:gs pos="80000">
+              <a:schemeClr val="phClr">
+                <a:shade val="93000"/>
+                <a:satMod val="130000"/>
+              </a:schemeClr>
+            </a:gs>
+            <a:gs pos="100000">
+              <a:schemeClr val="phClr">
+                <a:shade val="94000"/>
+                <a:satMod val="135000"/>
+              </a:schemeClr>
+            </a:gs>
+          </a:gsLst>
+          <a:lin ang="16200000" scaled="0"/>
+        </a:gradFill>
+      </a:fillStyleLst>
+      <a:lnStyleLst>
+        <a:ln w="9525" cap="flat" cmpd="sng" algn="ctr">
+          <a:solidFill>
+            <a:schemeClr val="phClr">
+              <a:shade val="95000"/>
+              <a:satMod val="105000"/>
+            </a:schemeClr>
+          </a:solidFill>
+          <a:prstDash val="solid"/>
+        </a:ln>
+        <a:ln w="25400" cap="flat" cmpd="sng" algn="ctr">
+          <a:solidFill>
+            <a:schemeClr val="phClr"/>
+          </a:solidFill>
+          <a:prstDash val="solid"/>
+        </a:ln>
+        <a:ln w="38100" cap="flat" cmpd="sng" algn="ctr">
+          <a:solidFill>
+            <a:schemeClr val="phClr"/>
+          </a:solidFill>
+          <a:prstDash val="solid"/>
+        </a:ln>
+      </a:lnStyleLst>
+      <a:effectStyleLst>
+        <a:effectStyle>
+          <a:effectLst>
+            <a:outerShdw blurRad="40000" dist="20000" dir="5400000" rotWithShape="0">
+              <a:srgbClr val="000000">
+                <a:alpha val="38000"/>
+              </a:srgbClr>
+            </a:outerShdw>
+          </a:effectLst>
+        </a:effectStyle>
+        <a:effectStyle>
+          <a:effectLst>
+            <a:outerShdw blurRad="40000" dist="23000" dir="5400000" rotWithShape="0">
+              <a:srgbClr val="000000">
+                <a:alpha val="35000"/>
+              </a:srgbClr>
+            </a:outerShdw>
+          </a:effectLst>
+        </a:effectStyle>
+        <a:effectStyle>
+          <a:effectLst>
+            <a:outerShdw blurRad="40000" dist="23000" dir="5400000" rotWithShape="0">
+              <a:srgbClr val="000000">
+                <a:alpha val="35000"/>
+              </a:srgbClr>
+            </a:outerShdw>
+          </a:effectLst>
+          <a:scene3d>
+            <a:camera prst="orthographicFront">
+              <a:rot lat="0" lon="0" rev="0"/>
+            </a:camera>
+            <a:lightRig rig="threePt" dir="t">
+              <a:rot lat="0" lon="0" rev="1200000"/>
+            </a:lightRig>
+          </a:scene3d>
+          <a:sp3d>
+            <a:bevelT w="63500" h="25400"/>
+          </a:sp3d>
+        </a:effectStyle>
+      </a:effectStyleLst>
+      <a:bgFillStyleLst>
+        <a:solidFill>
+          <a:schemeClr val="phClr"/>
+        </a:solidFill>
+        <a:gradFill rotWithShape="1">
+          <a:gsLst>
+            <a:gs pos="0">
+              <a:schemeClr val="phClr">
+                <a:tint val="40000"/>
+                <a:satMod val="350000"/>
+              </a:schemeClr>
+            </a:gs>
+            <a:gs pos="40000">
+              <a:schemeClr val="phClr">
+                <a:tint val="45000"/>
+                <a:shade val="99000"/>
+                <a:satMod val="350000"/>
+              </a:schemeClr>
+            </a:gs>
+            <a:gs pos="100000">
+              <a:schemeClr val="phClr">
+                <a:shade val="20000"/>
+                <a:satMod val="255000"/>
+              </a:schemeClr>
+            </a:gs>
+          </a:gsLst>
+          <a:path path="circle">
+            <a:fillToRect l="50000" t="-80000" r="50000" b="180000"/>
+          </a:path>
+        </a:gradFill>
+        <a:gradFill rotWithShape="1">
+          <a:gsLst>
+            <a:gs pos="0">
+              <a:schemeClr val="phClr">
+                <a:tint val="80000"/>
+                <a:satMod val="300000"/>
+              </a:schemeClr>
+            </a:gs>
+            <a:gs pos="100000">
+              <a:schemeClr val="phClr">
+                <a:shade val="30000"/>
+                <a:satMod val="200000"/>
+              </a:schemeClr>
+            </a:gs>
+          </a:gsLst>
+          <a:path path="circle">
+            <a:fillToRect l="50000" t="50000" r="50000" b="50000"/>
+          </a:path>
+        </a:gradFill>
+      </a:bgFillStyleLst>
+    </a:fmtScheme>
+  </a:themeElements>
+</a:theme>
+</file>
+
+<file path=ppt/theme/theme4.xml><?xml version="1.0" encoding="utf-8"?>
+<a:theme xmlns:a="http://schemas.openxmlformats.org/drawingml/2006/main" name="Office Theme">
+  <a:themeElements>
+    <a:clrScheme name="Office">
+      <a:dk1>
+        <a:sysClr val="windowText" lastClr="000000"/>
+      </a:dk1>
+      <a:lt1>
+        <a:sysClr val="window" lastClr="FFFFFF"/>
+      </a:lt1>
+      <a:dk2>
+        <a:srgbClr val="1F497D"/>
+      </a:dk2>
+      <a:lt2>
+        <a:srgbClr val="EEECE1"/>
+      </a:lt2>
+      <a:accent1>
+        <a:srgbClr val="4F81BD"/>
+      </a:accent1>
+      <a:accent2>
+        <a:srgbClr val="C0504D"/>
+      </a:accent2>
+      <a:accent3>
+        <a:srgbClr val="9BBB59"/>
+      </a:accent3>
+      <a:accent4>
+        <a:srgbClr val="8064A2"/>
+      </a:accent4>
+      <a:accent5>
+        <a:srgbClr val="4BACC6"/>
+      </a:accent5>
+      <a:accent6>
+        <a:srgbClr val="F79646"/>
+      </a:accent6>
+      <a:hlink>
+        <a:srgbClr val="0000FF"/>
+      </a:hlink>
+      <a:folHlink>
+        <a:srgbClr val="800080"/>
+      </a:folHlink>
+    </a:clrScheme>
+    <a:fontScheme name="Office">
+      <a:majorFont>
+        <a:latin typeface="Arial"/>
+        <a:ea typeface="DejaVu Sans"/>
+        <a:cs typeface="DejaVu Sans"/>
+      </a:majorFont>
+      <a:minorFont>
+        <a:latin typeface="Arial"/>
+        <a:ea typeface="DejaVu Sans"/>
+        <a:cs typeface="DejaVu Sans"/>
+      </a:minorFont>
+    </a:fontScheme>
+    <a:fmtScheme name="Office">
+      <a:fillStyleLst>
+        <a:solidFill>
+          <a:schemeClr val="phClr"/>
+        </a:solidFill>
+        <a:gradFill rotWithShape="1">
+          <a:gsLst>
+            <a:gs pos="0">
+              <a:schemeClr val="phClr">
+                <a:tint val="50000"/>
+                <a:satMod val="300000"/>
+              </a:schemeClr>
+            </a:gs>
+            <a:gs pos="35000">
+              <a:schemeClr val="phClr">
+                <a:tint val="37000"/>
+                <a:satMod val="300000"/>
+              </a:schemeClr>
+            </a:gs>
+            <a:gs pos="100000">
+              <a:schemeClr val="phClr">
+                <a:tint val="15000"/>
+                <a:satMod val="350000"/>
+              </a:schemeClr>
+            </a:gs>
+          </a:gsLst>
+          <a:lin ang="16200000" scaled="1"/>
+        </a:gradFill>
+        <a:gradFill rotWithShape="1">
+          <a:gsLst>
+            <a:gs pos="0">
+              <a:schemeClr val="phClr">
+                <a:shade val="51000"/>
+                <a:satMod val="130000"/>
+              </a:schemeClr>
+            </a:gs>
+            <a:gs pos="80000">
+              <a:schemeClr val="phClr">
+                <a:shade val="93000"/>
+                <a:satMod val="130000"/>
+              </a:schemeClr>
+            </a:gs>
+            <a:gs pos="100000">
+              <a:schemeClr val="phClr">
+                <a:shade val="94000"/>
+                <a:satMod val="135000"/>
+              </a:schemeClr>
+            </a:gs>
+          </a:gsLst>
+          <a:lin ang="16200000" scaled="0"/>
+        </a:gradFill>
+      </a:fillStyleLst>
+      <a:lnStyleLst>
+        <a:ln w="9525" cap="flat" cmpd="sng" algn="ctr">
+          <a:solidFill>
+            <a:schemeClr val="phClr">
+              <a:shade val="95000"/>
+              <a:satMod val="105000"/>
+            </a:schemeClr>
+          </a:solidFill>
+          <a:prstDash val="solid"/>
+        </a:ln>
+        <a:ln w="25400" cap="flat" cmpd="sng" algn="ctr">
+          <a:solidFill>
+            <a:schemeClr val="phClr"/>
+          </a:solidFill>
+          <a:prstDash val="solid"/>
+        </a:ln>
+        <a:ln w="38100" cap="flat" cmpd="sng" algn="ctr">
+          <a:solidFill>
+            <a:schemeClr val="phClr"/>
+          </a:solidFill>
+          <a:prstDash val="solid"/>
+        </a:ln>
+      </a:lnStyleLst>
+      <a:effectStyleLst>
+        <a:effectStyle>
+          <a:effectLst>
+            <a:outerShdw blurRad="40000" dist="20000" dir="5400000" rotWithShape="0">
+              <a:srgbClr val="000000">
+                <a:alpha val="38000"/>
+              </a:srgbClr>
+            </a:outerShdw>
+          </a:effectLst>
+        </a:effectStyle>
+        <a:effectStyle>
+          <a:effectLst>
+            <a:outerShdw blurRad="40000" dist="23000" dir="5400000" rotWithShape="0">
+              <a:srgbClr val="000000">
+                <a:alpha val="35000"/>
+              </a:srgbClr>
+            </a:outerShdw>
+          </a:effectLst>
+        </a:effectStyle>
+        <a:effectStyle>
+          <a:effectLst>
+            <a:outerShdw blurRad="40000" dist="23000" dir="5400000" rotWithShape="0">
+              <a:srgbClr val="000000">
+                <a:alpha val="35000"/>
+              </a:srgbClr>
+            </a:outerShdw>
+          </a:effectLst>
+          <a:scene3d>
+            <a:camera prst="orthographicFront">
+              <a:rot lat="0" lon="0" rev="0"/>
+            </a:camera>
+            <a:lightRig rig="threePt" dir="t">
+              <a:rot lat="0" lon="0" rev="1200000"/>
+            </a:lightRig>
+          </a:scene3d>
+          <a:sp3d>
+            <a:bevelT w="63500" h="25400"/>
+          </a:sp3d>
+        </a:effectStyle>
+      </a:effectStyleLst>
+      <a:bgFillStyleLst>
+        <a:solidFill>
+          <a:schemeClr val="phClr"/>
+        </a:solidFill>
+        <a:gradFill rotWithShape="1">
+          <a:gsLst>
+            <a:gs pos="0">
+              <a:schemeClr val="phClr">
+                <a:tint val="40000"/>
+                <a:satMod val="350000"/>
+              </a:schemeClr>
+            </a:gs>
+            <a:gs pos="40000">
+              <a:schemeClr val="phClr">
+                <a:tint val="45000"/>
+                <a:shade val="99000"/>
+                <a:satMod val="350000"/>
+              </a:schemeClr>
+            </a:gs>
+            <a:gs pos="100000">
+              <a:schemeClr val="phClr">
+                <a:shade val="20000"/>
+                <a:satMod val="255000"/>
+              </a:schemeClr>
+            </a:gs>
+          </a:gsLst>
+          <a:path path="circle">
+            <a:fillToRect l="50000" t="-80000" r="50000" b="180000"/>
+          </a:path>
+        </a:gradFill>
+        <a:gradFill rotWithShape="1">
+          <a:gsLst>
+            <a:gs pos="0">
+              <a:schemeClr val="phClr">
+                <a:tint val="80000"/>
+                <a:satMod val="300000"/>
+              </a:schemeClr>
+            </a:gs>
+            <a:gs pos="100000">
+              <a:schemeClr val="phClr">
+                <a:shade val="30000"/>
+                <a:satMod val="200000"/>
+              </a:schemeClr>
+            </a:gs>
+          </a:gsLst>
+          <a:path path="circle">
+            <a:fillToRect l="50000" t="50000" r="50000" b="50000"/>
+          </a:path>
+        </a:gradFill>
+      </a:bgFillStyleLst>
+    </a:fmtScheme>
+  </a:themeElements>
+</a:theme>
 </file>